--- a/htmlcss/pptx/teamF.pptx
+++ b/htmlcss/pptx/teamF.pptx
@@ -2,19 +2,27 @@
 <file path=ppt/presentation.xml><?xml version="1.0" encoding="utf-8"?>
 <p:presentation xmlns:a="http://schemas.openxmlformats.org/drawingml/2006/main" xmlns:r="http://schemas.openxmlformats.org/officeDocument/2006/relationships" xmlns:p="http://schemas.openxmlformats.org/presentationml/2006/main" saveSubsetFonts="1">
   <p:sldMasterIdLst>
-    <p:sldMasterId id="2147483648" r:id="rId1"/>
+    <p:sldMasterId id="2147483678" r:id="rId1"/>
   </p:sldMasterIdLst>
   <p:sldIdLst>
     <p:sldId id="256" r:id="rId2"/>
+    <p:sldId id="257" r:id="rId3"/>
+    <p:sldId id="258" r:id="rId4"/>
+    <p:sldId id="259" r:id="rId5"/>
+    <p:sldId id="260" r:id="rId6"/>
+    <p:sldId id="262" r:id="rId7"/>
+    <p:sldId id="261" r:id="rId8"/>
+    <p:sldId id="263" r:id="rId9"/>
+    <p:sldId id="264" r:id="rId10"/>
   </p:sldIdLst>
   <p:sldSz cx="12192000" cy="6858000"/>
   <p:notesSz cx="6858000" cy="9144000"/>
   <p:defaultTextStyle>
     <a:defPPr>
-      <a:defRPr lang="ja-JP"/>
+      <a:defRPr lang="en-US"/>
     </a:defPPr>
     <a:lvl1pPr marL="0" algn="l" defTabSz="914400" rtl="0" eaLnBrk="1" latinLnBrk="0" hangingPunct="1">
-      <a:defRPr kumimoji="1" sz="1800" kern="1200">
+      <a:defRPr sz="1800" kern="1200">
         <a:solidFill>
           <a:schemeClr val="tx1"/>
         </a:solidFill>
@@ -24,7 +32,7 @@
       </a:defRPr>
     </a:lvl1pPr>
     <a:lvl2pPr marL="457200" algn="l" defTabSz="914400" rtl="0" eaLnBrk="1" latinLnBrk="0" hangingPunct="1">
-      <a:defRPr kumimoji="1" sz="1800" kern="1200">
+      <a:defRPr sz="1800" kern="1200">
         <a:solidFill>
           <a:schemeClr val="tx1"/>
         </a:solidFill>
@@ -34,7 +42,7 @@
       </a:defRPr>
     </a:lvl2pPr>
     <a:lvl3pPr marL="914400" algn="l" defTabSz="914400" rtl="0" eaLnBrk="1" latinLnBrk="0" hangingPunct="1">
-      <a:defRPr kumimoji="1" sz="1800" kern="1200">
+      <a:defRPr sz="1800" kern="1200">
         <a:solidFill>
           <a:schemeClr val="tx1"/>
         </a:solidFill>
@@ -44,7 +52,7 @@
       </a:defRPr>
     </a:lvl3pPr>
     <a:lvl4pPr marL="1371600" algn="l" defTabSz="914400" rtl="0" eaLnBrk="1" latinLnBrk="0" hangingPunct="1">
-      <a:defRPr kumimoji="1" sz="1800" kern="1200">
+      <a:defRPr sz="1800" kern="1200">
         <a:solidFill>
           <a:schemeClr val="tx1"/>
         </a:solidFill>
@@ -54,7 +62,7 @@
       </a:defRPr>
     </a:lvl4pPr>
     <a:lvl5pPr marL="1828800" algn="l" defTabSz="914400" rtl="0" eaLnBrk="1" latinLnBrk="0" hangingPunct="1">
-      <a:defRPr kumimoji="1" sz="1800" kern="1200">
+      <a:defRPr sz="1800" kern="1200">
         <a:solidFill>
           <a:schemeClr val="tx1"/>
         </a:solidFill>
@@ -64,7 +72,7 @@
       </a:defRPr>
     </a:lvl5pPr>
     <a:lvl6pPr marL="2286000" algn="l" defTabSz="914400" rtl="0" eaLnBrk="1" latinLnBrk="0" hangingPunct="1">
-      <a:defRPr kumimoji="1" sz="1800" kern="1200">
+      <a:defRPr sz="1800" kern="1200">
         <a:solidFill>
           <a:schemeClr val="tx1"/>
         </a:solidFill>
@@ -74,7 +82,7 @@
       </a:defRPr>
     </a:lvl6pPr>
     <a:lvl7pPr marL="2743200" algn="l" defTabSz="914400" rtl="0" eaLnBrk="1" latinLnBrk="0" hangingPunct="1">
-      <a:defRPr kumimoji="1" sz="1800" kern="1200">
+      <a:defRPr sz="1800" kern="1200">
         <a:solidFill>
           <a:schemeClr val="tx1"/>
         </a:solidFill>
@@ -84,7 +92,7 @@
       </a:defRPr>
     </a:lvl7pPr>
     <a:lvl8pPr marL="3200400" algn="l" defTabSz="914400" rtl="0" eaLnBrk="1" latinLnBrk="0" hangingPunct="1">
-      <a:defRPr kumimoji="1" sz="1800" kern="1200">
+      <a:defRPr sz="1800" kern="1200">
         <a:solidFill>
           <a:schemeClr val="tx1"/>
         </a:solidFill>
@@ -94,7 +102,7 @@
       </a:defRPr>
     </a:lvl8pPr>
     <a:lvl9pPr marL="3657600" algn="l" defTabSz="914400" rtl="0" eaLnBrk="1" latinLnBrk="0" hangingPunct="1">
-      <a:defRPr kumimoji="1" sz="1800" kern="1200">
+      <a:defRPr sz="1800" kern="1200">
         <a:solidFill>
           <a:schemeClr val="tx1"/>
         </a:solidFill>
@@ -104,7 +112,337 @@
       </a:defRPr>
     </a:lvl9pPr>
   </p:defaultTextStyle>
+  <p:extLst>
+    <p:ext uri="{EFAFB233-063F-42B5-8137-9DF3F51BA10A}">
+      <p15:sldGuideLst xmlns:p15="http://schemas.microsoft.com/office/powerpoint/2012/main"/>
+    </p:ext>
+  </p:extLst>
 </p:presentation>
+</file>
+
+<file path=ppt/changesInfos/changesInfo1.xml><?xml version="1.0" encoding="utf-8"?>
+<pc:chgInfo xmlns:a="http://schemas.openxmlformats.org/drawingml/2006/main" xmlns:r="http://schemas.openxmlformats.org/officeDocument/2006/relationships" xmlns:ac="http://schemas.microsoft.com/office/drawing/2013/main/command" xmlns:pc="http://schemas.microsoft.com/office/powerpoint/2013/main/command">
+  <pc:docChgLst>
+    <pc:chgData name="ペンサ コラ" userId="a195d7e2bf79c897" providerId="LiveId" clId="{5867771E-AA3B-426B-9F75-AE0518DEBA14}"/>
+    <pc:docChg chg="undo custSel addSld modSld">
+      <pc:chgData name="ペンサ コラ" userId="a195d7e2bf79c897" providerId="LiveId" clId="{5867771E-AA3B-426B-9F75-AE0518DEBA14}" dt="2018-05-05T03:04:18.704" v="1951" actId="1076"/>
+      <pc:docMkLst>
+        <pc:docMk/>
+      </pc:docMkLst>
+      <pc:sldChg chg="modSp setBg">
+        <pc:chgData name="ペンサ コラ" userId="a195d7e2bf79c897" providerId="LiveId" clId="{5867771E-AA3B-426B-9F75-AE0518DEBA14}" dt="2018-05-05T02:34:33.801" v="855" actId="14100"/>
+        <pc:sldMkLst>
+          <pc:docMk/>
+          <pc:sldMk cId="3523561120" sldId="256"/>
+        </pc:sldMkLst>
+        <pc:spChg chg="mod">
+          <ac:chgData name="ペンサ コラ" userId="a195d7e2bf79c897" providerId="LiveId" clId="{5867771E-AA3B-426B-9F75-AE0518DEBA14}" dt="2018-05-05T02:34:33.801" v="855" actId="14100"/>
+          <ac:spMkLst>
+            <pc:docMk/>
+            <pc:sldMk cId="3523561120" sldId="256"/>
+            <ac:spMk id="2" creationId="{B15A6C2A-CF5B-4BFE-B946-89790EF4F179}"/>
+          </ac:spMkLst>
+        </pc:spChg>
+        <pc:spChg chg="mod">
+          <ac:chgData name="ペンサ コラ" userId="a195d7e2bf79c897" providerId="LiveId" clId="{5867771E-AA3B-426B-9F75-AE0518DEBA14}" dt="2018-05-05T01:54:09.770" v="52" actId="14100"/>
+          <ac:spMkLst>
+            <pc:docMk/>
+            <pc:sldMk cId="3523561120" sldId="256"/>
+            <ac:spMk id="3" creationId="{9A15AB99-4CF4-49AE-A278-2C8EC6986906}"/>
+          </ac:spMkLst>
+        </pc:spChg>
+      </pc:sldChg>
+      <pc:sldChg chg="modSp add">
+        <pc:chgData name="ペンサ コラ" userId="a195d7e2bf79c897" providerId="LiveId" clId="{5867771E-AA3B-426B-9F75-AE0518DEBA14}" dt="2018-05-05T02:35:25.347" v="860" actId="1076"/>
+        <pc:sldMkLst>
+          <pc:docMk/>
+          <pc:sldMk cId="3583529623" sldId="257"/>
+        </pc:sldMkLst>
+        <pc:spChg chg="mod">
+          <ac:chgData name="ペンサ コラ" userId="a195d7e2bf79c897" providerId="LiveId" clId="{5867771E-AA3B-426B-9F75-AE0518DEBA14}" dt="2018-05-05T02:35:25.347" v="860" actId="1076"/>
+          <ac:spMkLst>
+            <pc:docMk/>
+            <pc:sldMk cId="3583529623" sldId="257"/>
+            <ac:spMk id="2" creationId="{4545AD98-CEB8-4EC4-91F0-B99964FE7D92}"/>
+          </ac:spMkLst>
+        </pc:spChg>
+        <pc:spChg chg="mod">
+          <ac:chgData name="ペンサ コラ" userId="a195d7e2bf79c897" providerId="LiveId" clId="{5867771E-AA3B-426B-9F75-AE0518DEBA14}" dt="2018-05-05T02:35:24.601" v="859" actId="207"/>
+          <ac:spMkLst>
+            <pc:docMk/>
+            <pc:sldMk cId="3583529623" sldId="257"/>
+            <ac:spMk id="3" creationId="{5C83F002-BFE0-45D4-AEF0-83BA8192609C}"/>
+          </ac:spMkLst>
+        </pc:spChg>
+      </pc:sldChg>
+      <pc:sldChg chg="addSp delSp modSp add setBg">
+        <pc:chgData name="ペンサ コラ" userId="a195d7e2bf79c897" providerId="LiveId" clId="{5867771E-AA3B-426B-9F75-AE0518DEBA14}" dt="2018-05-05T02:35:35.657" v="861" actId="14100"/>
+        <pc:sldMkLst>
+          <pc:docMk/>
+          <pc:sldMk cId="1449372601" sldId="258"/>
+        </pc:sldMkLst>
+        <pc:spChg chg="add del mod">
+          <ac:chgData name="ペンサ コラ" userId="a195d7e2bf79c897" providerId="LiveId" clId="{5867771E-AA3B-426B-9F75-AE0518DEBA14}" dt="2018-05-05T02:35:35.657" v="861" actId="14100"/>
+          <ac:spMkLst>
+            <pc:docMk/>
+            <pc:sldMk cId="1449372601" sldId="258"/>
+            <ac:spMk id="2" creationId="{EEDD0B4E-B713-4FE1-8686-E97A4EE38936}"/>
+          </ac:spMkLst>
+        </pc:spChg>
+        <pc:spChg chg="mod">
+          <ac:chgData name="ペンサ コラ" userId="a195d7e2bf79c897" providerId="LiveId" clId="{5867771E-AA3B-426B-9F75-AE0518DEBA14}" dt="2018-05-05T02:32:23.559" v="826" actId="14100"/>
+          <ac:spMkLst>
+            <pc:docMk/>
+            <pc:sldMk cId="1449372601" sldId="258"/>
+            <ac:spMk id="3" creationId="{DC1C6E50-F16E-494E-BB3E-E879AD69E594}"/>
+          </ac:spMkLst>
+        </pc:spChg>
+      </pc:sldChg>
+      <pc:sldChg chg="addSp delSp modSp add">
+        <pc:chgData name="ペンサ コラ" userId="a195d7e2bf79c897" providerId="LiveId" clId="{5867771E-AA3B-426B-9F75-AE0518DEBA14}" dt="2018-05-05T02:46:41.473" v="1087" actId="1076"/>
+        <pc:sldMkLst>
+          <pc:docMk/>
+          <pc:sldMk cId="3907722640" sldId="259"/>
+        </pc:sldMkLst>
+        <pc:spChg chg="mod">
+          <ac:chgData name="ペンサ コラ" userId="a195d7e2bf79c897" providerId="LiveId" clId="{5867771E-AA3B-426B-9F75-AE0518DEBA14}" dt="2018-05-05T02:40:05.545" v="893" actId="14100"/>
+          <ac:spMkLst>
+            <pc:docMk/>
+            <pc:sldMk cId="3907722640" sldId="259"/>
+            <ac:spMk id="2" creationId="{350C3D2E-F153-4B23-8A30-1F3CEE6D351D}"/>
+          </ac:spMkLst>
+        </pc:spChg>
+        <pc:spChg chg="add del">
+          <ac:chgData name="ペンサ コラ" userId="a195d7e2bf79c897" providerId="LiveId" clId="{5867771E-AA3B-426B-9F75-AE0518DEBA14}" dt="2018-05-05T02:39:15.676" v="867" actId="931"/>
+          <ac:spMkLst>
+            <pc:docMk/>
+            <pc:sldMk cId="3907722640" sldId="259"/>
+            <ac:spMk id="3" creationId="{D2CBF614-458B-4A50-8887-C340C4C85194}"/>
+          </ac:spMkLst>
+        </pc:spChg>
+        <pc:spChg chg="add mod">
+          <ac:chgData name="ペンサ コラ" userId="a195d7e2bf79c897" providerId="LiveId" clId="{5867771E-AA3B-426B-9F75-AE0518DEBA14}" dt="2018-05-05T02:46:41.473" v="1087" actId="1076"/>
+          <ac:spMkLst>
+            <pc:docMk/>
+            <pc:sldMk cId="3907722640" sldId="259"/>
+            <ac:spMk id="6" creationId="{DD7F5E8D-17BE-434F-95B7-B289B7FA7923}"/>
+          </ac:spMkLst>
+        </pc:spChg>
+        <pc:picChg chg="add del mod">
+          <ac:chgData name="ペンサ コラ" userId="a195d7e2bf79c897" providerId="LiveId" clId="{5867771E-AA3B-426B-9F75-AE0518DEBA14}" dt="2018-05-05T02:44:16.321" v="958" actId="14100"/>
+          <ac:picMkLst>
+            <pc:docMk/>
+            <pc:sldMk cId="3907722640" sldId="259"/>
+            <ac:picMk id="5" creationId="{91DAFC75-C475-4E04-A390-24872682786E}"/>
+          </ac:picMkLst>
+        </pc:picChg>
+      </pc:sldChg>
+      <pc:sldChg chg="addSp delSp modSp add">
+        <pc:chgData name="ペンサ コラ" userId="a195d7e2bf79c897" providerId="LiveId" clId="{5867771E-AA3B-426B-9F75-AE0518DEBA14}" dt="2018-05-05T02:46:26.320" v="1086" actId="1076"/>
+        <pc:sldMkLst>
+          <pc:docMk/>
+          <pc:sldMk cId="3759295583" sldId="260"/>
+        </pc:sldMkLst>
+        <pc:spChg chg="mod">
+          <ac:chgData name="ペンサ コラ" userId="a195d7e2bf79c897" providerId="LiveId" clId="{5867771E-AA3B-426B-9F75-AE0518DEBA14}" dt="2018-05-05T02:44:42.282" v="978" actId="14100"/>
+          <ac:spMkLst>
+            <pc:docMk/>
+            <pc:sldMk cId="3759295583" sldId="260"/>
+            <ac:spMk id="2" creationId="{1A5D16F9-0246-40C8-B3C9-9928F862603A}"/>
+          </ac:spMkLst>
+        </pc:spChg>
+        <pc:spChg chg="del mod">
+          <ac:chgData name="ペンサ コラ" userId="a195d7e2bf79c897" providerId="LiveId" clId="{5867771E-AA3B-426B-9F75-AE0518DEBA14}" dt="2018-05-05T02:43:55.521" v="951" actId="931"/>
+          <ac:spMkLst>
+            <pc:docMk/>
+            <pc:sldMk cId="3759295583" sldId="260"/>
+            <ac:spMk id="3" creationId="{54237658-C042-4918-9BA1-E28E4FBA15D7}"/>
+          </ac:spMkLst>
+        </pc:spChg>
+        <pc:spChg chg="add mod">
+          <ac:chgData name="ペンサ コラ" userId="a195d7e2bf79c897" providerId="LiveId" clId="{5867771E-AA3B-426B-9F75-AE0518DEBA14}" dt="2018-05-05T02:46:26.320" v="1086" actId="1076"/>
+          <ac:spMkLst>
+            <pc:docMk/>
+            <pc:sldMk cId="3759295583" sldId="260"/>
+            <ac:spMk id="6" creationId="{8965D96B-881F-44E4-B154-939248E425B6}"/>
+          </ac:spMkLst>
+        </pc:spChg>
+        <pc:picChg chg="add mod">
+          <ac:chgData name="ペンサ コラ" userId="a195d7e2bf79c897" providerId="LiveId" clId="{5867771E-AA3B-426B-9F75-AE0518DEBA14}" dt="2018-05-05T02:44:05.625" v="955" actId="14100"/>
+          <ac:picMkLst>
+            <pc:docMk/>
+            <pc:sldMk cId="3759295583" sldId="260"/>
+            <ac:picMk id="5" creationId="{7931BE45-AFDA-41C8-96B1-C9629F56D556}"/>
+          </ac:picMkLst>
+        </pc:picChg>
+      </pc:sldChg>
+      <pc:sldChg chg="addSp delSp modSp add">
+        <pc:chgData name="ペンサ コラ" userId="a195d7e2bf79c897" providerId="LiveId" clId="{5867771E-AA3B-426B-9F75-AE0518DEBA14}" dt="2018-05-05T02:59:11.064" v="1666"/>
+        <pc:sldMkLst>
+          <pc:docMk/>
+          <pc:sldMk cId="1878445579" sldId="261"/>
+        </pc:sldMkLst>
+        <pc:spChg chg="mod">
+          <ac:chgData name="ペンサ コラ" userId="a195d7e2bf79c897" providerId="LiveId" clId="{5867771E-AA3B-426B-9F75-AE0518DEBA14}" dt="2018-05-05T02:52:07.511" v="1216"/>
+          <ac:spMkLst>
+            <pc:docMk/>
+            <pc:sldMk cId="1878445579" sldId="261"/>
+            <ac:spMk id="2" creationId="{53971416-B970-42EF-9EBE-D8E99A1DBC02}"/>
+          </ac:spMkLst>
+        </pc:spChg>
+        <pc:spChg chg="del mod">
+          <ac:chgData name="ペンサ コラ" userId="a195d7e2bf79c897" providerId="LiveId" clId="{5867771E-AA3B-426B-9F75-AE0518DEBA14}" dt="2018-05-05T02:48:42.050" v="1091" actId="931"/>
+          <ac:spMkLst>
+            <pc:docMk/>
+            <pc:sldMk cId="1878445579" sldId="261"/>
+            <ac:spMk id="3" creationId="{9E265927-C0A2-4B7C-A524-272453FC6ADB}"/>
+          </ac:spMkLst>
+        </pc:spChg>
+        <pc:spChg chg="add mod">
+          <ac:chgData name="ペンサ コラ" userId="a195d7e2bf79c897" providerId="LiveId" clId="{5867771E-AA3B-426B-9F75-AE0518DEBA14}" dt="2018-05-05T02:59:11.064" v="1666"/>
+          <ac:spMkLst>
+            <pc:docMk/>
+            <pc:sldMk cId="1878445579" sldId="261"/>
+            <ac:spMk id="6" creationId="{ED57F955-09CD-486B-BB6D-DF7F3BD8E9B3}"/>
+          </ac:spMkLst>
+        </pc:spChg>
+        <pc:picChg chg="add mod">
+          <ac:chgData name="ペンサ コラ" userId="a195d7e2bf79c897" providerId="LiveId" clId="{5867771E-AA3B-426B-9F75-AE0518DEBA14}" dt="2018-05-05T02:51:14.953" v="1201" actId="14100"/>
+          <ac:picMkLst>
+            <pc:docMk/>
+            <pc:sldMk cId="1878445579" sldId="261"/>
+            <ac:picMk id="5" creationId="{E98DC2B6-E46B-4C6B-A823-E4DEAF2812E7}"/>
+          </ac:picMkLst>
+        </pc:picChg>
+      </pc:sldChg>
+      <pc:sldChg chg="addSp delSp modSp add">
+        <pc:chgData name="ペンサ コラ" userId="a195d7e2bf79c897" providerId="LiveId" clId="{5867771E-AA3B-426B-9F75-AE0518DEBA14}" dt="2018-05-05T02:57:14.233" v="1579" actId="1076"/>
+        <pc:sldMkLst>
+          <pc:docMk/>
+          <pc:sldMk cId="3086357313" sldId="262"/>
+        </pc:sldMkLst>
+        <pc:spChg chg="mod">
+          <ac:chgData name="ペンサ コラ" userId="a195d7e2bf79c897" providerId="LiveId" clId="{5867771E-AA3B-426B-9F75-AE0518DEBA14}" dt="2018-05-05T02:55:46.393" v="1488" actId="14100"/>
+          <ac:spMkLst>
+            <pc:docMk/>
+            <pc:sldMk cId="3086357313" sldId="262"/>
+            <ac:spMk id="2" creationId="{4980D573-A5C2-4E25-9E4E-45327D3C30BC}"/>
+          </ac:spMkLst>
+        </pc:spChg>
+        <pc:spChg chg="del mod">
+          <ac:chgData name="ペンサ コラ" userId="a195d7e2bf79c897" providerId="LiveId" clId="{5867771E-AA3B-426B-9F75-AE0518DEBA14}" dt="2018-05-05T02:55:24.623" v="1466" actId="931"/>
+          <ac:spMkLst>
+            <pc:docMk/>
+            <pc:sldMk cId="3086357313" sldId="262"/>
+            <ac:spMk id="3" creationId="{7EE56F5A-D468-4AD0-827C-A0C3C3DF8552}"/>
+          </ac:spMkLst>
+        </pc:spChg>
+        <pc:spChg chg="add mod">
+          <ac:chgData name="ペンサ コラ" userId="a195d7e2bf79c897" providerId="LiveId" clId="{5867771E-AA3B-426B-9F75-AE0518DEBA14}" dt="2018-05-05T02:57:14.233" v="1579" actId="1076"/>
+          <ac:spMkLst>
+            <pc:docMk/>
+            <pc:sldMk cId="3086357313" sldId="262"/>
+            <ac:spMk id="6" creationId="{B3D6A033-70D6-4915-84AD-7F7A896744E3}"/>
+          </ac:spMkLst>
+        </pc:spChg>
+        <pc:picChg chg="add mod">
+          <ac:chgData name="ペンサ コラ" userId="a195d7e2bf79c897" providerId="LiveId" clId="{5867771E-AA3B-426B-9F75-AE0518DEBA14}" dt="2018-05-05T02:55:36.192" v="1470" actId="14100"/>
+          <ac:picMkLst>
+            <pc:docMk/>
+            <pc:sldMk cId="3086357313" sldId="262"/>
+            <ac:picMk id="5" creationId="{FF4A29BA-610F-4D60-9D2C-ECE7E2FB9C6C}"/>
+          </ac:picMkLst>
+        </pc:picChg>
+      </pc:sldChg>
+      <pc:sldChg chg="addSp delSp modSp add">
+        <pc:chgData name="ペンサ コラ" userId="a195d7e2bf79c897" providerId="LiveId" clId="{5867771E-AA3B-426B-9F75-AE0518DEBA14}" dt="2018-05-05T03:01:43.513" v="1834" actId="1076"/>
+        <pc:sldMkLst>
+          <pc:docMk/>
+          <pc:sldMk cId="3380497775" sldId="263"/>
+        </pc:sldMkLst>
+        <pc:spChg chg="mod">
+          <ac:chgData name="ペンサ コラ" userId="a195d7e2bf79c897" providerId="LiveId" clId="{5867771E-AA3B-426B-9F75-AE0518DEBA14}" dt="2018-05-05T02:58:14.394" v="1604" actId="14100"/>
+          <ac:spMkLst>
+            <pc:docMk/>
+            <pc:sldMk cId="3380497775" sldId="263"/>
+            <ac:spMk id="2" creationId="{E6F53EF7-94CE-4DCE-ADCF-265C54ED19CB}"/>
+          </ac:spMkLst>
+        </pc:spChg>
+        <pc:spChg chg="del">
+          <ac:chgData name="ペンサ コラ" userId="a195d7e2bf79c897" providerId="LiveId" clId="{5867771E-AA3B-426B-9F75-AE0518DEBA14}" dt="2018-05-05T02:57:54.005" v="1584" actId="931"/>
+          <ac:spMkLst>
+            <pc:docMk/>
+            <pc:sldMk cId="3380497775" sldId="263"/>
+            <ac:spMk id="3" creationId="{8590E61B-FF49-47D9-90FF-8648AD9EC894}"/>
+          </ac:spMkLst>
+        </pc:spChg>
+        <pc:spChg chg="add del mod">
+          <ac:chgData name="ペンサ コラ" userId="a195d7e2bf79c897" providerId="LiveId" clId="{5867771E-AA3B-426B-9F75-AE0518DEBA14}" dt="2018-05-05T02:58:42.631" v="1610"/>
+          <ac:spMkLst>
+            <pc:docMk/>
+            <pc:sldMk cId="3380497775" sldId="263"/>
+            <ac:spMk id="6" creationId="{1D03226A-8E2C-4412-AC68-B94012C54433}"/>
+          </ac:spMkLst>
+        </pc:spChg>
+        <pc:spChg chg="add mod">
+          <ac:chgData name="ペンサ コラ" userId="a195d7e2bf79c897" providerId="LiveId" clId="{5867771E-AA3B-426B-9F75-AE0518DEBA14}" dt="2018-05-05T03:01:43.513" v="1834" actId="1076"/>
+          <ac:spMkLst>
+            <pc:docMk/>
+            <pc:sldMk cId="3380497775" sldId="263"/>
+            <ac:spMk id="7" creationId="{768810D5-628E-4646-A253-B848FC92F3B6}"/>
+          </ac:spMkLst>
+        </pc:spChg>
+        <pc:picChg chg="add mod">
+          <ac:chgData name="ペンサ コラ" userId="a195d7e2bf79c897" providerId="LiveId" clId="{5867771E-AA3B-426B-9F75-AE0518DEBA14}" dt="2018-05-05T02:58:03.481" v="1587" actId="1076"/>
+          <ac:picMkLst>
+            <pc:docMk/>
+            <pc:sldMk cId="3380497775" sldId="263"/>
+            <ac:picMk id="5" creationId="{5FDE0A04-01AA-4E77-956C-9DB248F9ACA8}"/>
+          </ac:picMkLst>
+        </pc:picChg>
+      </pc:sldChg>
+      <pc:sldChg chg="addSp delSp modSp add">
+        <pc:chgData name="ペンサ コラ" userId="a195d7e2bf79c897" providerId="LiveId" clId="{5867771E-AA3B-426B-9F75-AE0518DEBA14}" dt="2018-05-05T03:04:18.704" v="1951" actId="1076"/>
+        <pc:sldMkLst>
+          <pc:docMk/>
+          <pc:sldMk cId="2755573468" sldId="264"/>
+        </pc:sldMkLst>
+        <pc:spChg chg="mod">
+          <ac:chgData name="ペンサ コラ" userId="a195d7e2bf79c897" providerId="LiveId" clId="{5867771E-AA3B-426B-9F75-AE0518DEBA14}" dt="2018-05-05T03:02:53.569" v="1860" actId="27636"/>
+          <ac:spMkLst>
+            <pc:docMk/>
+            <pc:sldMk cId="2755573468" sldId="264"/>
+            <ac:spMk id="2" creationId="{4246703C-2944-4B13-B6AD-8BFCA39A3514}"/>
+          </ac:spMkLst>
+        </pc:spChg>
+        <pc:spChg chg="del mod">
+          <ac:chgData name="ペンサ コラ" userId="a195d7e2bf79c897" providerId="LiveId" clId="{5867771E-AA3B-426B-9F75-AE0518DEBA14}" dt="2018-05-05T03:02:09.385" v="1838" actId="931"/>
+          <ac:spMkLst>
+            <pc:docMk/>
+            <pc:sldMk cId="2755573468" sldId="264"/>
+            <ac:spMk id="3" creationId="{7766CB6F-5A6A-4515-83CE-5A822FC1D2EA}"/>
+          </ac:spMkLst>
+        </pc:spChg>
+        <pc:spChg chg="add mod">
+          <ac:chgData name="ペンサ コラ" userId="a195d7e2bf79c897" providerId="LiveId" clId="{5867771E-AA3B-426B-9F75-AE0518DEBA14}" dt="2018-05-05T03:04:18.704" v="1951" actId="1076"/>
+          <ac:spMkLst>
+            <pc:docMk/>
+            <pc:sldMk cId="2755573468" sldId="264"/>
+            <ac:spMk id="6" creationId="{9DBFE811-2FD2-4778-866B-BEC92F7BE44E}"/>
+          </ac:spMkLst>
+        </pc:spChg>
+        <pc:picChg chg="add mod">
+          <ac:chgData name="ペンサ コラ" userId="a195d7e2bf79c897" providerId="LiveId" clId="{5867771E-AA3B-426B-9F75-AE0518DEBA14}" dt="2018-05-05T03:02:22.346" v="1841" actId="1076"/>
+          <ac:picMkLst>
+            <pc:docMk/>
+            <pc:sldMk cId="2755573468" sldId="264"/>
+            <ac:picMk id="5" creationId="{9A5365A1-00A8-44E1-B295-783A562888E4}"/>
+          </ac:picMkLst>
+        </pc:picChg>
+      </pc:sldChg>
+    </pc:docChg>
+  </pc:docChgLst>
+</pc:chgInfo>
 </file>
 
 <file path=ppt/slideLayouts/slideLayout1.xml><?xml version="1.0" encoding="utf-8"?>
@@ -126,13 +464,7 @@
       </p:grpSpPr>
       <p:sp>
         <p:nvSpPr>
-          <p:cNvPr id="2" name="タイトル 1">
-            <a:extLst>
-              <a:ext uri="{FF2B5EF4-FFF2-40B4-BE49-F238E27FC236}">
-                <a16:creationId xmlns:a16="http://schemas.microsoft.com/office/drawing/2014/main" id="{FE905809-B3E0-4497-973B-98C4237FDD85}"/>
-              </a:ext>
-            </a:extLst>
-          </p:cNvPr>
+          <p:cNvPr id="2" name="Title 1"/>
           <p:cNvSpPr>
             <a:spLocks noGrp="1"/>
           </p:cNvSpPr>
@@ -142,12 +474,14 @@
         </p:nvSpPr>
         <p:spPr>
           <a:xfrm>
-            <a:off x="1524000" y="1122363"/>
+            <a:off x="1524000" y="1124530"/>
             <a:ext cx="9144000" cy="2387600"/>
           </a:xfrm>
         </p:spPr>
         <p:txBody>
-          <a:bodyPr anchor="b"/>
+          <a:bodyPr anchor="b">
+            <a:normAutofit/>
+          </a:bodyPr>
           <a:lstStyle>
             <a:lvl1pPr algn="ctr">
               <a:defRPr sz="6000"/>
@@ -155,21 +489,16 @@
           </a:lstStyle>
           <a:p>
             <a:r>
-              <a:rPr kumimoji="1" lang="ja-JP" altLang="en-US"/>
+              <a:rPr lang="ja-JP" altLang="en-US"/>
               <a:t>マスター タイトルの書式設定</a:t>
             </a:r>
-          </a:p>
-        </p:txBody>
-      </p:sp>
-      <p:sp>
-        <p:nvSpPr>
-          <p:cNvPr id="3" name="字幕 2">
-            <a:extLst>
-              <a:ext uri="{FF2B5EF4-FFF2-40B4-BE49-F238E27FC236}">
-                <a16:creationId xmlns:a16="http://schemas.microsoft.com/office/drawing/2014/main" id="{B11981FA-43D7-4555-900F-B4C23FC8A1BA}"/>
-              </a:ext>
-            </a:extLst>
-          </p:cNvPr>
+            <a:endParaRPr lang="en-US" dirty="0"/>
+          </a:p>
+        </p:txBody>
+      </p:sp>
+      <p:sp>
+        <p:nvSpPr>
+          <p:cNvPr id="3" name="Subtitle 2"/>
           <p:cNvSpPr>
             <a:spLocks noGrp="1"/>
           </p:cNvSpPr>
@@ -184,62 +513,66 @@
           </a:xfrm>
         </p:spPr>
         <p:txBody>
-          <a:bodyPr/>
+          <a:bodyPr>
+            <a:normAutofit/>
+          </a:bodyPr>
           <a:lstStyle>
             <a:lvl1pPr marL="0" indent="0" algn="ctr">
               <a:buNone/>
-              <a:defRPr sz="2400"/>
+              <a:defRPr sz="2400">
+                <a:solidFill>
+                  <a:schemeClr val="tx1">
+                    <a:lumMod val="75000"/>
+                    <a:lumOff val="25000"/>
+                  </a:schemeClr>
+                </a:solidFill>
+              </a:defRPr>
             </a:lvl1pPr>
             <a:lvl2pPr marL="457200" indent="0" algn="ctr">
               <a:buNone/>
-              <a:defRPr sz="2000"/>
+              <a:defRPr sz="2800"/>
             </a:lvl2pPr>
             <a:lvl3pPr marL="914400" indent="0" algn="ctr">
               <a:buNone/>
-              <a:defRPr sz="1800"/>
+              <a:defRPr sz="2400"/>
             </a:lvl3pPr>
             <a:lvl4pPr marL="1371600" indent="0" algn="ctr">
               <a:buNone/>
-              <a:defRPr sz="1600"/>
+              <a:defRPr sz="2000"/>
             </a:lvl4pPr>
             <a:lvl5pPr marL="1828800" indent="0" algn="ctr">
               <a:buNone/>
-              <a:defRPr sz="1600"/>
+              <a:defRPr sz="2000"/>
             </a:lvl5pPr>
             <a:lvl6pPr marL="2286000" indent="0" algn="ctr">
               <a:buNone/>
-              <a:defRPr sz="1600"/>
+              <a:defRPr sz="2000"/>
             </a:lvl6pPr>
             <a:lvl7pPr marL="2743200" indent="0" algn="ctr">
               <a:buNone/>
-              <a:defRPr sz="1600"/>
+              <a:defRPr sz="2000"/>
             </a:lvl7pPr>
             <a:lvl8pPr marL="3200400" indent="0" algn="ctr">
               <a:buNone/>
-              <a:defRPr sz="1600"/>
+              <a:defRPr sz="2000"/>
             </a:lvl8pPr>
             <a:lvl9pPr marL="3657600" indent="0" algn="ctr">
               <a:buNone/>
-              <a:defRPr sz="1600"/>
+              <a:defRPr sz="2000"/>
             </a:lvl9pPr>
           </a:lstStyle>
           <a:p>
             <a:r>
-              <a:rPr kumimoji="1" lang="ja-JP" altLang="en-US"/>
+              <a:rPr lang="ja-JP" altLang="en-US"/>
               <a:t>マスター サブタイトルの書式設定</a:t>
             </a:r>
-          </a:p>
-        </p:txBody>
-      </p:sp>
-      <p:sp>
-        <p:nvSpPr>
-          <p:cNvPr id="4" name="日付プレースホルダー 3">
-            <a:extLst>
-              <a:ext uri="{FF2B5EF4-FFF2-40B4-BE49-F238E27FC236}">
-                <a16:creationId xmlns:a16="http://schemas.microsoft.com/office/drawing/2014/main" id="{D49D7231-EEB2-4578-B401-AFFFA63E3949}"/>
-              </a:ext>
-            </a:extLst>
-          </p:cNvPr>
+            <a:endParaRPr lang="en-US" dirty="0"/>
+          </a:p>
+        </p:txBody>
+      </p:sp>
+      <p:sp>
+        <p:nvSpPr>
+          <p:cNvPr id="4" name="Date Placeholder 3"/>
           <p:cNvSpPr>
             <a:spLocks noGrp="1"/>
           </p:cNvSpPr>
@@ -262,13 +595,7 @@
       </p:sp>
       <p:sp>
         <p:nvSpPr>
-          <p:cNvPr id="5" name="フッター プレースホルダー 4">
-            <a:extLst>
-              <a:ext uri="{FF2B5EF4-FFF2-40B4-BE49-F238E27FC236}">
-                <a16:creationId xmlns:a16="http://schemas.microsoft.com/office/drawing/2014/main" id="{091DFFDE-00D0-4688-93CC-7FD67F70BEE6}"/>
-              </a:ext>
-            </a:extLst>
-          </p:cNvPr>
+          <p:cNvPr id="5" name="Footer Placeholder 4"/>
           <p:cNvSpPr>
             <a:spLocks noGrp="1"/>
           </p:cNvSpPr>
@@ -287,13 +614,7 @@
       </p:sp>
       <p:sp>
         <p:nvSpPr>
-          <p:cNvPr id="6" name="スライド番号プレースホルダー 5">
-            <a:extLst>
-              <a:ext uri="{FF2B5EF4-FFF2-40B4-BE49-F238E27FC236}">
-                <a16:creationId xmlns:a16="http://schemas.microsoft.com/office/drawing/2014/main" id="{E742D08F-D9DE-46AE-BC8F-4464C5443C80}"/>
-              </a:ext>
-            </a:extLst>
-          </p:cNvPr>
+          <p:cNvPr id="6" name="Slide Number Placeholder 5"/>
           <p:cNvSpPr>
             <a:spLocks noGrp="1"/>
           </p:cNvSpPr>
@@ -317,7 +638,7 @@
     </p:spTree>
     <p:extLst>
       <p:ext uri="{BB962C8B-B14F-4D97-AF65-F5344CB8AC3E}">
-        <p14:creationId xmlns:p14="http://schemas.microsoft.com/office/powerpoint/2010/main" val="163625491"/>
+        <p14:creationId xmlns:p14="http://schemas.microsoft.com/office/powerpoint/2010/main" val="1841486089"/>
       </p:ext>
     </p:extLst>
   </p:cSld>
@@ -346,13 +667,7 @@
       </p:grpSpPr>
       <p:sp>
         <p:nvSpPr>
-          <p:cNvPr id="2" name="タイトル 1">
-            <a:extLst>
-              <a:ext uri="{FF2B5EF4-FFF2-40B4-BE49-F238E27FC236}">
-                <a16:creationId xmlns:a16="http://schemas.microsoft.com/office/drawing/2014/main" id="{B2CA8DC3-FC65-46E7-ABF8-92B357CEE209}"/>
-              </a:ext>
-            </a:extLst>
-          </p:cNvPr>
+          <p:cNvPr id="2" name="Title 1"/>
           <p:cNvSpPr>
             <a:spLocks noGrp="1"/>
           </p:cNvSpPr>
@@ -366,21 +681,16 @@
           <a:lstStyle/>
           <a:p>
             <a:r>
-              <a:rPr kumimoji="1" lang="ja-JP" altLang="en-US"/>
+              <a:rPr lang="ja-JP" altLang="en-US"/>
               <a:t>マスター タイトルの書式設定</a:t>
             </a:r>
-          </a:p>
-        </p:txBody>
-      </p:sp>
-      <p:sp>
-        <p:nvSpPr>
-          <p:cNvPr id="3" name="縦書きテキスト プレースホルダー 2">
-            <a:extLst>
-              <a:ext uri="{FF2B5EF4-FFF2-40B4-BE49-F238E27FC236}">
-                <a16:creationId xmlns:a16="http://schemas.microsoft.com/office/drawing/2014/main" id="{6CBDEEAC-55A4-46FC-82B5-0D596CFA39A1}"/>
-              </a:ext>
-            </a:extLst>
-          </p:cNvPr>
+            <a:endParaRPr lang="en-US"/>
+          </a:p>
+        </p:txBody>
+      </p:sp>
+      <p:sp>
+        <p:nvSpPr>
+          <p:cNvPr id="3" name="Vertical Text Placeholder 2"/>
           <p:cNvSpPr>
             <a:spLocks noGrp="1"/>
           </p:cNvSpPr>
@@ -395,81 +705,76 @@
           <a:p>
             <a:pPr lvl="0"/>
             <a:r>
-              <a:rPr kumimoji="1" lang="ja-JP" altLang="en-US"/>
+              <a:rPr lang="ja-JP" altLang="en-US"/>
               <a:t>マスター テキストの書式設定</a:t>
             </a:r>
           </a:p>
           <a:p>
             <a:pPr lvl="1"/>
             <a:r>
-              <a:rPr kumimoji="1" lang="ja-JP" altLang="en-US"/>
+              <a:rPr lang="ja-JP" altLang="en-US"/>
               <a:t>第 </a:t>
             </a:r>
             <a:r>
-              <a:rPr kumimoji="1" lang="en-US" altLang="ja-JP"/>
+              <a:rPr lang="en-US" altLang="ja-JP"/>
               <a:t>2 </a:t>
             </a:r>
             <a:r>
-              <a:rPr kumimoji="1" lang="ja-JP" altLang="en-US"/>
+              <a:rPr lang="ja-JP" altLang="en-US"/>
               <a:t>レベル</a:t>
             </a:r>
           </a:p>
           <a:p>
             <a:pPr lvl="2"/>
             <a:r>
-              <a:rPr kumimoji="1" lang="ja-JP" altLang="en-US"/>
+              <a:rPr lang="ja-JP" altLang="en-US"/>
               <a:t>第 </a:t>
             </a:r>
             <a:r>
-              <a:rPr kumimoji="1" lang="en-US" altLang="ja-JP"/>
+              <a:rPr lang="en-US" altLang="ja-JP"/>
               <a:t>3 </a:t>
             </a:r>
             <a:r>
-              <a:rPr kumimoji="1" lang="ja-JP" altLang="en-US"/>
+              <a:rPr lang="ja-JP" altLang="en-US"/>
               <a:t>レベル</a:t>
             </a:r>
           </a:p>
           <a:p>
             <a:pPr lvl="3"/>
             <a:r>
-              <a:rPr kumimoji="1" lang="ja-JP" altLang="en-US"/>
+              <a:rPr lang="ja-JP" altLang="en-US"/>
               <a:t>第 </a:t>
             </a:r>
             <a:r>
-              <a:rPr kumimoji="1" lang="en-US" altLang="ja-JP"/>
+              <a:rPr lang="en-US" altLang="ja-JP"/>
               <a:t>4 </a:t>
             </a:r>
             <a:r>
-              <a:rPr kumimoji="1" lang="ja-JP" altLang="en-US"/>
+              <a:rPr lang="ja-JP" altLang="en-US"/>
               <a:t>レベル</a:t>
             </a:r>
           </a:p>
           <a:p>
             <a:pPr lvl="4"/>
             <a:r>
-              <a:rPr kumimoji="1" lang="ja-JP" altLang="en-US"/>
+              <a:rPr lang="ja-JP" altLang="en-US"/>
               <a:t>第 </a:t>
             </a:r>
             <a:r>
-              <a:rPr kumimoji="1" lang="en-US" altLang="ja-JP"/>
+              <a:rPr lang="en-US" altLang="ja-JP"/>
               <a:t>5 </a:t>
             </a:r>
             <a:r>
-              <a:rPr kumimoji="1" lang="ja-JP" altLang="en-US"/>
+              <a:rPr lang="ja-JP" altLang="en-US"/>
               <a:t>レベル</a:t>
             </a:r>
-          </a:p>
-        </p:txBody>
-      </p:sp>
-      <p:sp>
-        <p:nvSpPr>
-          <p:cNvPr id="4" name="日付プレースホルダー 3">
-            <a:extLst>
-              <a:ext uri="{FF2B5EF4-FFF2-40B4-BE49-F238E27FC236}">
-                <a16:creationId xmlns:a16="http://schemas.microsoft.com/office/drawing/2014/main" id="{092D8592-73A0-4588-80C8-99E441399075}"/>
-              </a:ext>
-            </a:extLst>
-          </p:cNvPr>
+            <a:endParaRPr lang="en-US" dirty="0"/>
+          </a:p>
+        </p:txBody>
+      </p:sp>
+      <p:sp>
+        <p:nvSpPr>
+          <p:cNvPr id="4" name="Date Placeholder 3"/>
           <p:cNvSpPr>
             <a:spLocks noGrp="1"/>
           </p:cNvSpPr>
@@ -492,13 +797,7 @@
       </p:sp>
       <p:sp>
         <p:nvSpPr>
-          <p:cNvPr id="5" name="フッター プレースホルダー 4">
-            <a:extLst>
-              <a:ext uri="{FF2B5EF4-FFF2-40B4-BE49-F238E27FC236}">
-                <a16:creationId xmlns:a16="http://schemas.microsoft.com/office/drawing/2014/main" id="{F692DE5E-4857-4751-AB66-477DF66F7727}"/>
-              </a:ext>
-            </a:extLst>
-          </p:cNvPr>
+          <p:cNvPr id="5" name="Footer Placeholder 4"/>
           <p:cNvSpPr>
             <a:spLocks noGrp="1"/>
           </p:cNvSpPr>
@@ -517,13 +816,7 @@
       </p:sp>
       <p:sp>
         <p:nvSpPr>
-          <p:cNvPr id="6" name="スライド番号プレースホルダー 5">
-            <a:extLst>
-              <a:ext uri="{FF2B5EF4-FFF2-40B4-BE49-F238E27FC236}">
-                <a16:creationId xmlns:a16="http://schemas.microsoft.com/office/drawing/2014/main" id="{9D6A0677-9194-4F3A-8E92-A67CFB59DA77}"/>
-              </a:ext>
-            </a:extLst>
-          </p:cNvPr>
+          <p:cNvPr id="6" name="Slide Number Placeholder 5"/>
           <p:cNvSpPr>
             <a:spLocks noGrp="1"/>
           </p:cNvSpPr>
@@ -547,7 +840,7 @@
     </p:spTree>
     <p:extLst>
       <p:ext uri="{BB962C8B-B14F-4D97-AF65-F5344CB8AC3E}">
-        <p14:creationId xmlns:p14="http://schemas.microsoft.com/office/powerpoint/2010/main" val="4193719457"/>
+        <p14:creationId xmlns:p14="http://schemas.microsoft.com/office/powerpoint/2010/main" val="3675481128"/>
       </p:ext>
     </p:extLst>
   </p:cSld>
@@ -576,13 +869,7 @@
       </p:grpSpPr>
       <p:sp>
         <p:nvSpPr>
-          <p:cNvPr id="2" name="縦書きタイトル 1">
-            <a:extLst>
-              <a:ext uri="{FF2B5EF4-FFF2-40B4-BE49-F238E27FC236}">
-                <a16:creationId xmlns:a16="http://schemas.microsoft.com/office/drawing/2014/main" id="{5B3467E0-5499-416A-AB8B-E1B7A9C52469}"/>
-              </a:ext>
-            </a:extLst>
-          </p:cNvPr>
+          <p:cNvPr id="2" name="Vertical Title 1"/>
           <p:cNvSpPr>
             <a:spLocks noGrp="1"/>
           </p:cNvSpPr>
@@ -592,7 +879,7 @@
         </p:nvSpPr>
         <p:spPr>
           <a:xfrm>
-            <a:off x="8724900" y="365125"/>
+            <a:off x="8724900" y="360362"/>
             <a:ext cx="2628900" cy="5811838"/>
           </a:xfrm>
         </p:spPr>
@@ -601,21 +888,16 @@
           <a:lstStyle/>
           <a:p>
             <a:r>
-              <a:rPr kumimoji="1" lang="ja-JP" altLang="en-US"/>
+              <a:rPr lang="ja-JP" altLang="en-US"/>
               <a:t>マスター タイトルの書式設定</a:t>
             </a:r>
-          </a:p>
-        </p:txBody>
-      </p:sp>
-      <p:sp>
-        <p:nvSpPr>
-          <p:cNvPr id="3" name="縦書きテキスト プレースホルダー 2">
-            <a:extLst>
-              <a:ext uri="{FF2B5EF4-FFF2-40B4-BE49-F238E27FC236}">
-                <a16:creationId xmlns:a16="http://schemas.microsoft.com/office/drawing/2014/main" id="{B612CDF9-4BFA-42B6-8243-786F7FD96228}"/>
-              </a:ext>
-            </a:extLst>
-          </p:cNvPr>
+            <a:endParaRPr lang="en-US"/>
+          </a:p>
+        </p:txBody>
+      </p:sp>
+      <p:sp>
+        <p:nvSpPr>
+          <p:cNvPr id="3" name="Vertical Text Placeholder 2"/>
           <p:cNvSpPr>
             <a:spLocks noGrp="1"/>
           </p:cNvSpPr>
@@ -625,8 +907,8 @@
         </p:nvSpPr>
         <p:spPr>
           <a:xfrm>
-            <a:off x="838200" y="365125"/>
-            <a:ext cx="7734300" cy="5811838"/>
+            <a:off x="838200" y="360362"/>
+            <a:ext cx="7734300" cy="5811837"/>
           </a:xfrm>
         </p:spPr>
         <p:txBody>
@@ -635,81 +917,76 @@
           <a:p>
             <a:pPr lvl="0"/>
             <a:r>
-              <a:rPr kumimoji="1" lang="ja-JP" altLang="en-US"/>
+              <a:rPr lang="ja-JP" altLang="en-US"/>
               <a:t>マスター テキストの書式設定</a:t>
             </a:r>
           </a:p>
           <a:p>
             <a:pPr lvl="1"/>
             <a:r>
-              <a:rPr kumimoji="1" lang="ja-JP" altLang="en-US"/>
+              <a:rPr lang="ja-JP" altLang="en-US"/>
               <a:t>第 </a:t>
             </a:r>
             <a:r>
-              <a:rPr kumimoji="1" lang="en-US" altLang="ja-JP"/>
+              <a:rPr lang="en-US" altLang="ja-JP"/>
               <a:t>2 </a:t>
             </a:r>
             <a:r>
-              <a:rPr kumimoji="1" lang="ja-JP" altLang="en-US"/>
+              <a:rPr lang="ja-JP" altLang="en-US"/>
               <a:t>レベル</a:t>
             </a:r>
           </a:p>
           <a:p>
             <a:pPr lvl="2"/>
             <a:r>
-              <a:rPr kumimoji="1" lang="ja-JP" altLang="en-US"/>
+              <a:rPr lang="ja-JP" altLang="en-US"/>
               <a:t>第 </a:t>
             </a:r>
             <a:r>
-              <a:rPr kumimoji="1" lang="en-US" altLang="ja-JP"/>
+              <a:rPr lang="en-US" altLang="ja-JP"/>
               <a:t>3 </a:t>
             </a:r>
             <a:r>
-              <a:rPr kumimoji="1" lang="ja-JP" altLang="en-US"/>
+              <a:rPr lang="ja-JP" altLang="en-US"/>
               <a:t>レベル</a:t>
             </a:r>
           </a:p>
           <a:p>
             <a:pPr lvl="3"/>
             <a:r>
-              <a:rPr kumimoji="1" lang="ja-JP" altLang="en-US"/>
+              <a:rPr lang="ja-JP" altLang="en-US"/>
               <a:t>第 </a:t>
             </a:r>
             <a:r>
-              <a:rPr kumimoji="1" lang="en-US" altLang="ja-JP"/>
+              <a:rPr lang="en-US" altLang="ja-JP"/>
               <a:t>4 </a:t>
             </a:r>
             <a:r>
-              <a:rPr kumimoji="1" lang="ja-JP" altLang="en-US"/>
+              <a:rPr lang="ja-JP" altLang="en-US"/>
               <a:t>レベル</a:t>
             </a:r>
           </a:p>
           <a:p>
             <a:pPr lvl="4"/>
             <a:r>
-              <a:rPr kumimoji="1" lang="ja-JP" altLang="en-US"/>
+              <a:rPr lang="ja-JP" altLang="en-US"/>
               <a:t>第 </a:t>
             </a:r>
             <a:r>
-              <a:rPr kumimoji="1" lang="en-US" altLang="ja-JP"/>
+              <a:rPr lang="en-US" altLang="ja-JP"/>
               <a:t>5 </a:t>
             </a:r>
             <a:r>
-              <a:rPr kumimoji="1" lang="ja-JP" altLang="en-US"/>
+              <a:rPr lang="ja-JP" altLang="en-US"/>
               <a:t>レベル</a:t>
             </a:r>
-          </a:p>
-        </p:txBody>
-      </p:sp>
-      <p:sp>
-        <p:nvSpPr>
-          <p:cNvPr id="4" name="日付プレースホルダー 3">
-            <a:extLst>
-              <a:ext uri="{FF2B5EF4-FFF2-40B4-BE49-F238E27FC236}">
-                <a16:creationId xmlns:a16="http://schemas.microsoft.com/office/drawing/2014/main" id="{88C783ED-AB11-45BB-8A1A-178E136C4B83}"/>
-              </a:ext>
-            </a:extLst>
-          </p:cNvPr>
+            <a:endParaRPr lang="en-US"/>
+          </a:p>
+        </p:txBody>
+      </p:sp>
+      <p:sp>
+        <p:nvSpPr>
+          <p:cNvPr id="4" name="Date Placeholder 3"/>
           <p:cNvSpPr>
             <a:spLocks noGrp="1"/>
           </p:cNvSpPr>
@@ -732,13 +1009,7 @@
       </p:sp>
       <p:sp>
         <p:nvSpPr>
-          <p:cNvPr id="5" name="フッター プレースホルダー 4">
-            <a:extLst>
-              <a:ext uri="{FF2B5EF4-FFF2-40B4-BE49-F238E27FC236}">
-                <a16:creationId xmlns:a16="http://schemas.microsoft.com/office/drawing/2014/main" id="{E87A94C5-464A-4456-B1B1-2074954F9D3B}"/>
-              </a:ext>
-            </a:extLst>
-          </p:cNvPr>
+          <p:cNvPr id="5" name="Footer Placeholder 4"/>
           <p:cNvSpPr>
             <a:spLocks noGrp="1"/>
           </p:cNvSpPr>
@@ -757,13 +1028,7 @@
       </p:sp>
       <p:sp>
         <p:nvSpPr>
-          <p:cNvPr id="6" name="スライド番号プレースホルダー 5">
-            <a:extLst>
-              <a:ext uri="{FF2B5EF4-FFF2-40B4-BE49-F238E27FC236}">
-                <a16:creationId xmlns:a16="http://schemas.microsoft.com/office/drawing/2014/main" id="{08AE0CF7-E390-4426-B6C3-42309CE2B008}"/>
-              </a:ext>
-            </a:extLst>
-          </p:cNvPr>
+          <p:cNvPr id="6" name="Slide Number Placeholder 5"/>
           <p:cNvSpPr>
             <a:spLocks noGrp="1"/>
           </p:cNvSpPr>
@@ -787,7 +1052,7 @@
     </p:spTree>
     <p:extLst>
       <p:ext uri="{BB962C8B-B14F-4D97-AF65-F5344CB8AC3E}">
-        <p14:creationId xmlns:p14="http://schemas.microsoft.com/office/powerpoint/2010/main" val="2950950729"/>
+        <p14:creationId xmlns:p14="http://schemas.microsoft.com/office/powerpoint/2010/main" val="1522285370"/>
       </p:ext>
     </p:extLst>
   </p:cSld>
@@ -816,13 +1081,7 @@
       </p:grpSpPr>
       <p:sp>
         <p:nvSpPr>
-          <p:cNvPr id="2" name="タイトル 1">
-            <a:extLst>
-              <a:ext uri="{FF2B5EF4-FFF2-40B4-BE49-F238E27FC236}">
-                <a16:creationId xmlns:a16="http://schemas.microsoft.com/office/drawing/2014/main" id="{3D358CAE-D1AF-40D1-BDBE-AB1E8CA4A69E}"/>
-              </a:ext>
-            </a:extLst>
-          </p:cNvPr>
+          <p:cNvPr id="2" name="Title 1"/>
           <p:cNvSpPr>
             <a:spLocks noGrp="1"/>
           </p:cNvSpPr>
@@ -836,21 +1095,16 @@
           <a:lstStyle/>
           <a:p>
             <a:r>
-              <a:rPr kumimoji="1" lang="ja-JP" altLang="en-US"/>
+              <a:rPr lang="ja-JP" altLang="en-US"/>
               <a:t>マスター タイトルの書式設定</a:t>
             </a:r>
-          </a:p>
-        </p:txBody>
-      </p:sp>
-      <p:sp>
-        <p:nvSpPr>
-          <p:cNvPr id="3" name="コンテンツ プレースホルダー 2">
-            <a:extLst>
-              <a:ext uri="{FF2B5EF4-FFF2-40B4-BE49-F238E27FC236}">
-                <a16:creationId xmlns:a16="http://schemas.microsoft.com/office/drawing/2014/main" id="{4865231A-7B95-47FC-A218-428967E31965}"/>
-              </a:ext>
-            </a:extLst>
-          </p:cNvPr>
+            <a:endParaRPr lang="en-US" dirty="0"/>
+          </a:p>
+        </p:txBody>
+      </p:sp>
+      <p:sp>
+        <p:nvSpPr>
+          <p:cNvPr id="3" name="Content Placeholder 2"/>
           <p:cNvSpPr>
             <a:spLocks noGrp="1"/>
           </p:cNvSpPr>
@@ -865,81 +1119,76 @@
           <a:p>
             <a:pPr lvl="0"/>
             <a:r>
-              <a:rPr kumimoji="1" lang="ja-JP" altLang="en-US"/>
+              <a:rPr lang="ja-JP" altLang="en-US"/>
               <a:t>マスター テキストの書式設定</a:t>
             </a:r>
           </a:p>
           <a:p>
             <a:pPr lvl="1"/>
             <a:r>
-              <a:rPr kumimoji="1" lang="ja-JP" altLang="en-US"/>
+              <a:rPr lang="ja-JP" altLang="en-US"/>
               <a:t>第 </a:t>
             </a:r>
             <a:r>
-              <a:rPr kumimoji="1" lang="en-US" altLang="ja-JP"/>
+              <a:rPr lang="en-US" altLang="ja-JP"/>
               <a:t>2 </a:t>
             </a:r>
             <a:r>
-              <a:rPr kumimoji="1" lang="ja-JP" altLang="en-US"/>
+              <a:rPr lang="ja-JP" altLang="en-US"/>
               <a:t>レベル</a:t>
             </a:r>
           </a:p>
           <a:p>
             <a:pPr lvl="2"/>
             <a:r>
-              <a:rPr kumimoji="1" lang="ja-JP" altLang="en-US"/>
+              <a:rPr lang="ja-JP" altLang="en-US"/>
               <a:t>第 </a:t>
             </a:r>
             <a:r>
-              <a:rPr kumimoji="1" lang="en-US" altLang="ja-JP"/>
+              <a:rPr lang="en-US" altLang="ja-JP"/>
               <a:t>3 </a:t>
             </a:r>
             <a:r>
-              <a:rPr kumimoji="1" lang="ja-JP" altLang="en-US"/>
+              <a:rPr lang="ja-JP" altLang="en-US"/>
               <a:t>レベル</a:t>
             </a:r>
           </a:p>
           <a:p>
             <a:pPr lvl="3"/>
             <a:r>
-              <a:rPr kumimoji="1" lang="ja-JP" altLang="en-US"/>
+              <a:rPr lang="ja-JP" altLang="en-US"/>
               <a:t>第 </a:t>
             </a:r>
             <a:r>
-              <a:rPr kumimoji="1" lang="en-US" altLang="ja-JP"/>
+              <a:rPr lang="en-US" altLang="ja-JP"/>
               <a:t>4 </a:t>
             </a:r>
             <a:r>
-              <a:rPr kumimoji="1" lang="ja-JP" altLang="en-US"/>
+              <a:rPr lang="ja-JP" altLang="en-US"/>
               <a:t>レベル</a:t>
             </a:r>
           </a:p>
           <a:p>
             <a:pPr lvl="4"/>
             <a:r>
-              <a:rPr kumimoji="1" lang="ja-JP" altLang="en-US"/>
+              <a:rPr lang="ja-JP" altLang="en-US"/>
               <a:t>第 </a:t>
             </a:r>
             <a:r>
-              <a:rPr kumimoji="1" lang="en-US" altLang="ja-JP"/>
+              <a:rPr lang="en-US" altLang="ja-JP"/>
               <a:t>5 </a:t>
             </a:r>
             <a:r>
-              <a:rPr kumimoji="1" lang="ja-JP" altLang="en-US"/>
+              <a:rPr lang="ja-JP" altLang="en-US"/>
               <a:t>レベル</a:t>
             </a:r>
-          </a:p>
-        </p:txBody>
-      </p:sp>
-      <p:sp>
-        <p:nvSpPr>
-          <p:cNvPr id="4" name="日付プレースホルダー 3">
-            <a:extLst>
-              <a:ext uri="{FF2B5EF4-FFF2-40B4-BE49-F238E27FC236}">
-                <a16:creationId xmlns:a16="http://schemas.microsoft.com/office/drawing/2014/main" id="{1A5154DC-9F7F-48DD-8043-8A94903C2103}"/>
-              </a:ext>
-            </a:extLst>
-          </p:cNvPr>
+            <a:endParaRPr lang="en-US" dirty="0"/>
+          </a:p>
+        </p:txBody>
+      </p:sp>
+      <p:sp>
+        <p:nvSpPr>
+          <p:cNvPr id="4" name="Date Placeholder 3"/>
           <p:cNvSpPr>
             <a:spLocks noGrp="1"/>
           </p:cNvSpPr>
@@ -962,13 +1211,7 @@
       </p:sp>
       <p:sp>
         <p:nvSpPr>
-          <p:cNvPr id="5" name="フッター プレースホルダー 4">
-            <a:extLst>
-              <a:ext uri="{FF2B5EF4-FFF2-40B4-BE49-F238E27FC236}">
-                <a16:creationId xmlns:a16="http://schemas.microsoft.com/office/drawing/2014/main" id="{31ED0B18-F036-44A8-AA7C-94B900AF144B}"/>
-              </a:ext>
-            </a:extLst>
-          </p:cNvPr>
+          <p:cNvPr id="5" name="Footer Placeholder 4"/>
           <p:cNvSpPr>
             <a:spLocks noGrp="1"/>
           </p:cNvSpPr>
@@ -987,13 +1230,7 @@
       </p:sp>
       <p:sp>
         <p:nvSpPr>
-          <p:cNvPr id="6" name="スライド番号プレースホルダー 5">
-            <a:extLst>
-              <a:ext uri="{FF2B5EF4-FFF2-40B4-BE49-F238E27FC236}">
-                <a16:creationId xmlns:a16="http://schemas.microsoft.com/office/drawing/2014/main" id="{E56D98A5-16DB-4F84-9E66-85D903809BE8}"/>
-              </a:ext>
-            </a:extLst>
-          </p:cNvPr>
+          <p:cNvPr id="6" name="Slide Number Placeholder 5"/>
           <p:cNvSpPr>
             <a:spLocks noGrp="1"/>
           </p:cNvSpPr>
@@ -1017,7 +1254,7 @@
     </p:spTree>
     <p:extLst>
       <p:ext uri="{BB962C8B-B14F-4D97-AF65-F5344CB8AC3E}">
-        <p14:creationId xmlns:p14="http://schemas.microsoft.com/office/powerpoint/2010/main" val="4171844637"/>
+        <p14:creationId xmlns:p14="http://schemas.microsoft.com/office/powerpoint/2010/main" val="2058138968"/>
       </p:ext>
     </p:extLst>
   </p:cSld>
@@ -1046,13 +1283,7 @@
       </p:grpSpPr>
       <p:sp>
         <p:nvSpPr>
-          <p:cNvPr id="2" name="タイトル 1">
-            <a:extLst>
-              <a:ext uri="{FF2B5EF4-FFF2-40B4-BE49-F238E27FC236}">
-                <a16:creationId xmlns:a16="http://schemas.microsoft.com/office/drawing/2014/main" id="{8B46DEB0-8268-44BD-900D-E0A8C24D9310}"/>
-              </a:ext>
-            </a:extLst>
-          </p:cNvPr>
+          <p:cNvPr id="2" name="Title 1"/>
           <p:cNvSpPr>
             <a:spLocks noGrp="1"/>
           </p:cNvSpPr>
@@ -1062,34 +1293,31 @@
         </p:nvSpPr>
         <p:spPr>
           <a:xfrm>
-            <a:off x="831850" y="1709738"/>
-            <a:ext cx="10515600" cy="2852737"/>
+            <a:off x="831850" y="1712423"/>
+            <a:ext cx="10515600" cy="2851208"/>
           </a:xfrm>
         </p:spPr>
         <p:txBody>
-          <a:bodyPr anchor="b"/>
+          <a:bodyPr anchor="b">
+            <a:normAutofit/>
+          </a:bodyPr>
           <a:lstStyle>
             <a:lvl1pPr>
-              <a:defRPr sz="6000"/>
+              <a:defRPr sz="6000" b="0"/>
             </a:lvl1pPr>
           </a:lstStyle>
           <a:p>
             <a:r>
-              <a:rPr kumimoji="1" lang="ja-JP" altLang="en-US"/>
+              <a:rPr lang="ja-JP" altLang="en-US"/>
               <a:t>マスター タイトルの書式設定</a:t>
             </a:r>
-          </a:p>
-        </p:txBody>
-      </p:sp>
-      <p:sp>
-        <p:nvSpPr>
-          <p:cNvPr id="3" name="テキスト プレースホルダー 2">
-            <a:extLst>
-              <a:ext uri="{FF2B5EF4-FFF2-40B4-BE49-F238E27FC236}">
-                <a16:creationId xmlns:a16="http://schemas.microsoft.com/office/drawing/2014/main" id="{46566EFC-F3C0-4B3D-8582-0B4AC57E860C}"/>
-              </a:ext>
-            </a:extLst>
-          </p:cNvPr>
+            <a:endParaRPr lang="en-US" dirty="0"/>
+          </a:p>
+        </p:txBody>
+      </p:sp>
+      <p:sp>
+        <p:nvSpPr>
+          <p:cNvPr id="3" name="Text Placeholder 2"/>
           <p:cNvSpPr>
             <a:spLocks noGrp="1"/>
           </p:cNvSpPr>
@@ -1099,26 +1327,29 @@
         </p:nvSpPr>
         <p:spPr>
           <a:xfrm>
-            <a:off x="831850" y="4589463"/>
+            <a:off x="831850" y="4552633"/>
             <a:ext cx="10515600" cy="1500187"/>
           </a:xfrm>
         </p:spPr>
         <p:txBody>
-          <a:bodyPr/>
+          <a:bodyPr anchor="t">
+            <a:normAutofit/>
+          </a:bodyPr>
           <a:lstStyle>
             <a:lvl1pPr marL="0" indent="0">
               <a:buNone/>
               <a:defRPr sz="2400">
                 <a:solidFill>
                   <a:schemeClr val="tx1">
-                    <a:tint val="75000"/>
+                    <a:lumMod val="75000"/>
+                    <a:lumOff val="25000"/>
                   </a:schemeClr>
                 </a:solidFill>
               </a:defRPr>
             </a:lvl1pPr>
             <a:lvl2pPr marL="457200" indent="0">
               <a:buNone/>
-              <a:defRPr sz="2000">
+              <a:defRPr sz="1800">
                 <a:solidFill>
                   <a:schemeClr val="tx1">
                     <a:tint val="75000"/>
@@ -1128,7 +1359,7 @@
             </a:lvl2pPr>
             <a:lvl3pPr marL="914400" indent="0">
               <a:buNone/>
-              <a:defRPr sz="1800">
+              <a:defRPr sz="1600">
                 <a:solidFill>
                   <a:schemeClr val="tx1">
                     <a:tint val="75000"/>
@@ -1138,7 +1369,7 @@
             </a:lvl3pPr>
             <a:lvl4pPr marL="1371600" indent="0">
               <a:buNone/>
-              <a:defRPr sz="1600">
+              <a:defRPr sz="1400">
                 <a:solidFill>
                   <a:schemeClr val="tx1">
                     <a:tint val="75000"/>
@@ -1148,7 +1379,7 @@
             </a:lvl4pPr>
             <a:lvl5pPr marL="1828800" indent="0">
               <a:buNone/>
-              <a:defRPr sz="1600">
+              <a:defRPr sz="1400">
                 <a:solidFill>
                   <a:schemeClr val="tx1">
                     <a:tint val="75000"/>
@@ -1158,7 +1389,7 @@
             </a:lvl5pPr>
             <a:lvl6pPr marL="2286000" indent="0">
               <a:buNone/>
-              <a:defRPr sz="1600">
+              <a:defRPr sz="1400">
                 <a:solidFill>
                   <a:schemeClr val="tx1">
                     <a:tint val="75000"/>
@@ -1168,7 +1399,7 @@
             </a:lvl6pPr>
             <a:lvl7pPr marL="2743200" indent="0">
               <a:buNone/>
-              <a:defRPr sz="1600">
+              <a:defRPr sz="1400">
                 <a:solidFill>
                   <a:schemeClr val="tx1">
                     <a:tint val="75000"/>
@@ -1178,7 +1409,7 @@
             </a:lvl7pPr>
             <a:lvl8pPr marL="3200400" indent="0">
               <a:buNone/>
-              <a:defRPr sz="1600">
+              <a:defRPr sz="1400">
                 <a:solidFill>
                   <a:schemeClr val="tx1">
                     <a:tint val="75000"/>
@@ -1188,7 +1419,7 @@
             </a:lvl8pPr>
             <a:lvl9pPr marL="3657600" indent="0">
               <a:buNone/>
-              <a:defRPr sz="1600">
+              <a:defRPr sz="1400">
                 <a:solidFill>
                   <a:schemeClr val="tx1">
                     <a:tint val="75000"/>
@@ -1200,7 +1431,7 @@
           <a:p>
             <a:pPr lvl="0"/>
             <a:r>
-              <a:rPr kumimoji="1" lang="ja-JP" altLang="en-US"/>
+              <a:rPr lang="ja-JP" altLang="en-US"/>
               <a:t>マスター テキストの書式設定</a:t>
             </a:r>
           </a:p>
@@ -1208,13 +1439,7 @@
       </p:sp>
       <p:sp>
         <p:nvSpPr>
-          <p:cNvPr id="4" name="日付プレースホルダー 3">
-            <a:extLst>
-              <a:ext uri="{FF2B5EF4-FFF2-40B4-BE49-F238E27FC236}">
-                <a16:creationId xmlns:a16="http://schemas.microsoft.com/office/drawing/2014/main" id="{DB82E620-9645-432F-96CB-0C35C4295F30}"/>
-              </a:ext>
-            </a:extLst>
-          </p:cNvPr>
+          <p:cNvPr id="4" name="Date Placeholder 3"/>
           <p:cNvSpPr>
             <a:spLocks noGrp="1"/>
           </p:cNvSpPr>
@@ -1237,13 +1462,7 @@
       </p:sp>
       <p:sp>
         <p:nvSpPr>
-          <p:cNvPr id="5" name="フッター プレースホルダー 4">
-            <a:extLst>
-              <a:ext uri="{FF2B5EF4-FFF2-40B4-BE49-F238E27FC236}">
-                <a16:creationId xmlns:a16="http://schemas.microsoft.com/office/drawing/2014/main" id="{00C0072C-C006-421D-AC2A-77419134B2F4}"/>
-              </a:ext>
-            </a:extLst>
-          </p:cNvPr>
+          <p:cNvPr id="5" name="Footer Placeholder 4"/>
           <p:cNvSpPr>
             <a:spLocks noGrp="1"/>
           </p:cNvSpPr>
@@ -1262,13 +1481,7 @@
       </p:sp>
       <p:sp>
         <p:nvSpPr>
-          <p:cNvPr id="6" name="スライド番号プレースホルダー 5">
-            <a:extLst>
-              <a:ext uri="{FF2B5EF4-FFF2-40B4-BE49-F238E27FC236}">
-                <a16:creationId xmlns:a16="http://schemas.microsoft.com/office/drawing/2014/main" id="{D1DC6589-5CDD-427C-9C96-C2D6E8D04272}"/>
-              </a:ext>
-            </a:extLst>
-          </p:cNvPr>
+          <p:cNvPr id="6" name="Slide Number Placeholder 5"/>
           <p:cNvSpPr>
             <a:spLocks noGrp="1"/>
           </p:cNvSpPr>
@@ -1292,7 +1505,7 @@
     </p:spTree>
     <p:extLst>
       <p:ext uri="{BB962C8B-B14F-4D97-AF65-F5344CB8AC3E}">
-        <p14:creationId xmlns:p14="http://schemas.microsoft.com/office/powerpoint/2010/main" val="3914858310"/>
+        <p14:creationId xmlns:p14="http://schemas.microsoft.com/office/powerpoint/2010/main" val="2196247491"/>
       </p:ext>
     </p:extLst>
   </p:cSld>
@@ -1321,13 +1534,7 @@
       </p:grpSpPr>
       <p:sp>
         <p:nvSpPr>
-          <p:cNvPr id="2" name="タイトル 1">
-            <a:extLst>
-              <a:ext uri="{FF2B5EF4-FFF2-40B4-BE49-F238E27FC236}">
-                <a16:creationId xmlns:a16="http://schemas.microsoft.com/office/drawing/2014/main" id="{E2EFD5B9-A8A7-4D68-A69C-704685009C1B}"/>
-              </a:ext>
-            </a:extLst>
-          </p:cNvPr>
+          <p:cNvPr id="2" name="Title 1"/>
           <p:cNvSpPr>
             <a:spLocks noGrp="1"/>
           </p:cNvSpPr>
@@ -1341,21 +1548,16 @@
           <a:lstStyle/>
           <a:p>
             <a:r>
-              <a:rPr kumimoji="1" lang="ja-JP" altLang="en-US"/>
+              <a:rPr lang="ja-JP" altLang="en-US"/>
               <a:t>マスター タイトルの書式設定</a:t>
             </a:r>
-          </a:p>
-        </p:txBody>
-      </p:sp>
-      <p:sp>
-        <p:nvSpPr>
-          <p:cNvPr id="3" name="コンテンツ プレースホルダー 2">
-            <a:extLst>
-              <a:ext uri="{FF2B5EF4-FFF2-40B4-BE49-F238E27FC236}">
-                <a16:creationId xmlns:a16="http://schemas.microsoft.com/office/drawing/2014/main" id="{669E3A1B-2EFB-40C8-8677-E023706E4FE5}"/>
-              </a:ext>
-            </a:extLst>
-          </p:cNvPr>
+            <a:endParaRPr lang="en-US" dirty="0"/>
+          </a:p>
+        </p:txBody>
+      </p:sp>
+      <p:sp>
+        <p:nvSpPr>
+          <p:cNvPr id="3" name="Content Placeholder 2"/>
           <p:cNvSpPr>
             <a:spLocks noGrp="1"/>
           </p:cNvSpPr>
@@ -1365,8 +1567,8 @@
         </p:nvSpPr>
         <p:spPr>
           <a:xfrm>
-            <a:off x="838200" y="1825625"/>
-            <a:ext cx="5181600" cy="4351338"/>
+            <a:off x="845127" y="1828800"/>
+            <a:ext cx="5181600" cy="4351337"/>
           </a:xfrm>
         </p:spPr>
         <p:txBody>
@@ -1375,81 +1577,76 @@
           <a:p>
             <a:pPr lvl="0"/>
             <a:r>
-              <a:rPr kumimoji="1" lang="ja-JP" altLang="en-US"/>
+              <a:rPr lang="ja-JP" altLang="en-US"/>
               <a:t>マスター テキストの書式設定</a:t>
             </a:r>
           </a:p>
           <a:p>
             <a:pPr lvl="1"/>
             <a:r>
-              <a:rPr kumimoji="1" lang="ja-JP" altLang="en-US"/>
+              <a:rPr lang="ja-JP" altLang="en-US"/>
               <a:t>第 </a:t>
             </a:r>
             <a:r>
-              <a:rPr kumimoji="1" lang="en-US" altLang="ja-JP"/>
+              <a:rPr lang="en-US" altLang="ja-JP"/>
               <a:t>2 </a:t>
             </a:r>
             <a:r>
-              <a:rPr kumimoji="1" lang="ja-JP" altLang="en-US"/>
+              <a:rPr lang="ja-JP" altLang="en-US"/>
               <a:t>レベル</a:t>
             </a:r>
           </a:p>
           <a:p>
             <a:pPr lvl="2"/>
             <a:r>
-              <a:rPr kumimoji="1" lang="ja-JP" altLang="en-US"/>
+              <a:rPr lang="ja-JP" altLang="en-US"/>
               <a:t>第 </a:t>
             </a:r>
             <a:r>
-              <a:rPr kumimoji="1" lang="en-US" altLang="ja-JP"/>
+              <a:rPr lang="en-US" altLang="ja-JP"/>
               <a:t>3 </a:t>
             </a:r>
             <a:r>
-              <a:rPr kumimoji="1" lang="ja-JP" altLang="en-US"/>
+              <a:rPr lang="ja-JP" altLang="en-US"/>
               <a:t>レベル</a:t>
             </a:r>
           </a:p>
           <a:p>
             <a:pPr lvl="3"/>
             <a:r>
-              <a:rPr kumimoji="1" lang="ja-JP" altLang="en-US"/>
+              <a:rPr lang="ja-JP" altLang="en-US"/>
               <a:t>第 </a:t>
             </a:r>
             <a:r>
-              <a:rPr kumimoji="1" lang="en-US" altLang="ja-JP"/>
+              <a:rPr lang="en-US" altLang="ja-JP"/>
               <a:t>4 </a:t>
             </a:r>
             <a:r>
-              <a:rPr kumimoji="1" lang="ja-JP" altLang="en-US"/>
+              <a:rPr lang="ja-JP" altLang="en-US"/>
               <a:t>レベル</a:t>
             </a:r>
           </a:p>
           <a:p>
             <a:pPr lvl="4"/>
             <a:r>
-              <a:rPr kumimoji="1" lang="ja-JP" altLang="en-US"/>
+              <a:rPr lang="ja-JP" altLang="en-US"/>
               <a:t>第 </a:t>
             </a:r>
             <a:r>
-              <a:rPr kumimoji="1" lang="en-US" altLang="ja-JP"/>
+              <a:rPr lang="en-US" altLang="ja-JP"/>
               <a:t>5 </a:t>
             </a:r>
             <a:r>
-              <a:rPr kumimoji="1" lang="ja-JP" altLang="en-US"/>
+              <a:rPr lang="ja-JP" altLang="en-US"/>
               <a:t>レベル</a:t>
             </a:r>
-          </a:p>
-        </p:txBody>
-      </p:sp>
-      <p:sp>
-        <p:nvSpPr>
-          <p:cNvPr id="4" name="コンテンツ プレースホルダー 3">
-            <a:extLst>
-              <a:ext uri="{FF2B5EF4-FFF2-40B4-BE49-F238E27FC236}">
-                <a16:creationId xmlns:a16="http://schemas.microsoft.com/office/drawing/2014/main" id="{DE7FBC0B-A833-4E47-8422-AEBB1C448DB7}"/>
-              </a:ext>
-            </a:extLst>
-          </p:cNvPr>
+            <a:endParaRPr lang="en-US" dirty="0"/>
+          </a:p>
+        </p:txBody>
+      </p:sp>
+      <p:sp>
+        <p:nvSpPr>
+          <p:cNvPr id="4" name="Content Placeholder 3"/>
           <p:cNvSpPr>
             <a:spLocks noGrp="1"/>
           </p:cNvSpPr>
@@ -1459,8 +1656,8 @@
         </p:nvSpPr>
         <p:spPr>
           <a:xfrm>
-            <a:off x="6172200" y="1825625"/>
-            <a:ext cx="5181600" cy="4351338"/>
+            <a:off x="6172200" y="1828800"/>
+            <a:ext cx="5181600" cy="4351337"/>
           </a:xfrm>
         </p:spPr>
         <p:txBody>
@@ -1469,81 +1666,76 @@
           <a:p>
             <a:pPr lvl="0"/>
             <a:r>
-              <a:rPr kumimoji="1" lang="ja-JP" altLang="en-US"/>
+              <a:rPr lang="ja-JP" altLang="en-US"/>
               <a:t>マスター テキストの書式設定</a:t>
             </a:r>
           </a:p>
           <a:p>
             <a:pPr lvl="1"/>
             <a:r>
-              <a:rPr kumimoji="1" lang="ja-JP" altLang="en-US"/>
+              <a:rPr lang="ja-JP" altLang="en-US"/>
               <a:t>第 </a:t>
             </a:r>
             <a:r>
-              <a:rPr kumimoji="1" lang="en-US" altLang="ja-JP"/>
+              <a:rPr lang="en-US" altLang="ja-JP"/>
               <a:t>2 </a:t>
             </a:r>
             <a:r>
-              <a:rPr kumimoji="1" lang="ja-JP" altLang="en-US"/>
+              <a:rPr lang="ja-JP" altLang="en-US"/>
               <a:t>レベル</a:t>
             </a:r>
           </a:p>
           <a:p>
             <a:pPr lvl="2"/>
             <a:r>
-              <a:rPr kumimoji="1" lang="ja-JP" altLang="en-US"/>
+              <a:rPr lang="ja-JP" altLang="en-US"/>
               <a:t>第 </a:t>
             </a:r>
             <a:r>
-              <a:rPr kumimoji="1" lang="en-US" altLang="ja-JP"/>
+              <a:rPr lang="en-US" altLang="ja-JP"/>
               <a:t>3 </a:t>
             </a:r>
             <a:r>
-              <a:rPr kumimoji="1" lang="ja-JP" altLang="en-US"/>
+              <a:rPr lang="ja-JP" altLang="en-US"/>
               <a:t>レベル</a:t>
             </a:r>
           </a:p>
           <a:p>
             <a:pPr lvl="3"/>
             <a:r>
-              <a:rPr kumimoji="1" lang="ja-JP" altLang="en-US"/>
+              <a:rPr lang="ja-JP" altLang="en-US"/>
               <a:t>第 </a:t>
             </a:r>
             <a:r>
-              <a:rPr kumimoji="1" lang="en-US" altLang="ja-JP"/>
+              <a:rPr lang="en-US" altLang="ja-JP"/>
               <a:t>4 </a:t>
             </a:r>
             <a:r>
-              <a:rPr kumimoji="1" lang="ja-JP" altLang="en-US"/>
+              <a:rPr lang="ja-JP" altLang="en-US"/>
               <a:t>レベル</a:t>
             </a:r>
           </a:p>
           <a:p>
             <a:pPr lvl="4"/>
             <a:r>
-              <a:rPr kumimoji="1" lang="ja-JP" altLang="en-US"/>
+              <a:rPr lang="ja-JP" altLang="en-US"/>
               <a:t>第 </a:t>
             </a:r>
             <a:r>
-              <a:rPr kumimoji="1" lang="en-US" altLang="ja-JP"/>
+              <a:rPr lang="en-US" altLang="ja-JP"/>
               <a:t>5 </a:t>
             </a:r>
             <a:r>
-              <a:rPr kumimoji="1" lang="ja-JP" altLang="en-US"/>
+              <a:rPr lang="ja-JP" altLang="en-US"/>
               <a:t>レベル</a:t>
             </a:r>
-          </a:p>
-        </p:txBody>
-      </p:sp>
-      <p:sp>
-        <p:nvSpPr>
-          <p:cNvPr id="5" name="日付プレースホルダー 4">
-            <a:extLst>
-              <a:ext uri="{FF2B5EF4-FFF2-40B4-BE49-F238E27FC236}">
-                <a16:creationId xmlns:a16="http://schemas.microsoft.com/office/drawing/2014/main" id="{34CA2EE4-CA55-42A8-A315-27F0C3A8A239}"/>
-              </a:ext>
-            </a:extLst>
-          </p:cNvPr>
+            <a:endParaRPr lang="en-US" dirty="0"/>
+          </a:p>
+        </p:txBody>
+      </p:sp>
+      <p:sp>
+        <p:nvSpPr>
+          <p:cNvPr id="5" name="Date Placeholder 4"/>
           <p:cNvSpPr>
             <a:spLocks noGrp="1"/>
           </p:cNvSpPr>
@@ -1566,13 +1758,7 @@
       </p:sp>
       <p:sp>
         <p:nvSpPr>
-          <p:cNvPr id="6" name="フッター プレースホルダー 5">
-            <a:extLst>
-              <a:ext uri="{FF2B5EF4-FFF2-40B4-BE49-F238E27FC236}">
-                <a16:creationId xmlns:a16="http://schemas.microsoft.com/office/drawing/2014/main" id="{1D17711D-F481-48E1-825A-C20DB72D8E39}"/>
-              </a:ext>
-            </a:extLst>
-          </p:cNvPr>
+          <p:cNvPr id="6" name="Footer Placeholder 5"/>
           <p:cNvSpPr>
             <a:spLocks noGrp="1"/>
           </p:cNvSpPr>
@@ -1591,13 +1777,7 @@
       </p:sp>
       <p:sp>
         <p:nvSpPr>
-          <p:cNvPr id="7" name="スライド番号プレースホルダー 6">
-            <a:extLst>
-              <a:ext uri="{FF2B5EF4-FFF2-40B4-BE49-F238E27FC236}">
-                <a16:creationId xmlns:a16="http://schemas.microsoft.com/office/drawing/2014/main" id="{DECB651F-1101-47A6-99B4-CEF8BA50F0DD}"/>
-              </a:ext>
-            </a:extLst>
-          </p:cNvPr>
+          <p:cNvPr id="7" name="Slide Number Placeholder 6"/>
           <p:cNvSpPr>
             <a:spLocks noGrp="1"/>
           </p:cNvSpPr>
@@ -1621,7 +1801,7 @@
     </p:spTree>
     <p:extLst>
       <p:ext uri="{BB962C8B-B14F-4D97-AF65-F5344CB8AC3E}">
-        <p14:creationId xmlns:p14="http://schemas.microsoft.com/office/powerpoint/2010/main" val="3145764472"/>
+        <p14:creationId xmlns:p14="http://schemas.microsoft.com/office/powerpoint/2010/main" val="2748735174"/>
       </p:ext>
     </p:extLst>
   </p:cSld>
@@ -1632,7 +1812,7 @@
 </file>
 
 <file path=ppt/slideLayouts/slideLayout5.xml><?xml version="1.0" encoding="utf-8"?>
-<p:sldLayout xmlns:a="http://schemas.openxmlformats.org/drawingml/2006/main" xmlns:r="http://schemas.openxmlformats.org/officeDocument/2006/relationships" xmlns:p="http://schemas.openxmlformats.org/presentationml/2006/main" type="twoTxTwoObj" preserve="1">
+<p:sldLayout xmlns:a="http://schemas.openxmlformats.org/drawingml/2006/main" xmlns:r="http://schemas.openxmlformats.org/officeDocument/2006/relationships" xmlns:p="http://schemas.openxmlformats.org/presentationml/2006/main" preserve="1">
   <p:cSld name="比較">
     <p:spTree>
       <p:nvGrpSpPr>
@@ -1650,63 +1830,186 @@
       </p:grpSpPr>
       <p:sp>
         <p:nvSpPr>
-          <p:cNvPr id="2" name="タイトル 1">
-            <a:extLst>
-              <a:ext uri="{FF2B5EF4-FFF2-40B4-BE49-F238E27FC236}">
-                <a16:creationId xmlns:a16="http://schemas.microsoft.com/office/drawing/2014/main" id="{9B327EF6-F89F-42B5-A785-6BF39B00AC19}"/>
-              </a:ext>
-            </a:extLst>
-          </p:cNvPr>
-          <p:cNvSpPr>
-            <a:spLocks noGrp="1"/>
-          </p:cNvSpPr>
-          <p:nvPr>
-            <p:ph type="title"/>
+          <p:cNvPr id="3" name="Text Placeholder 2"/>
+          <p:cNvSpPr>
+            <a:spLocks noGrp="1"/>
+          </p:cNvSpPr>
+          <p:nvPr>
+            <p:ph type="body" idx="1"/>
           </p:nvPr>
         </p:nvSpPr>
         <p:spPr>
           <a:xfrm>
-            <a:off x="839788" y="365125"/>
-            <a:ext cx="10515600" cy="1325563"/>
+            <a:off x="845127" y="1681850"/>
+            <a:ext cx="5156200" cy="825699"/>
           </a:xfrm>
         </p:spPr>
         <p:txBody>
-          <a:bodyPr/>
-          <a:lstStyle/>
-          <a:p>
-            <a:r>
-              <a:rPr kumimoji="1" lang="ja-JP" altLang="en-US"/>
-              <a:t>マスター タイトルの書式設定</a:t>
-            </a:r>
-          </a:p>
-        </p:txBody>
-      </p:sp>
-      <p:sp>
-        <p:nvSpPr>
-          <p:cNvPr id="3" name="テキスト プレースホルダー 2">
-            <a:extLst>
-              <a:ext uri="{FF2B5EF4-FFF2-40B4-BE49-F238E27FC236}">
-                <a16:creationId xmlns:a16="http://schemas.microsoft.com/office/drawing/2014/main" id="{0B8D88B4-1329-41B9-B83A-032C030D927B}"/>
-              </a:ext>
-            </a:extLst>
-          </p:cNvPr>
-          <p:cNvSpPr>
-            <a:spLocks noGrp="1"/>
-          </p:cNvSpPr>
-          <p:nvPr>
-            <p:ph type="body" idx="1"/>
+          <a:bodyPr anchor="b">
+            <a:normAutofit/>
+          </a:bodyPr>
+          <a:lstStyle>
+            <a:lvl1pPr marL="0" indent="0">
+              <a:spcBef>
+                <a:spcPts val="0"/>
+              </a:spcBef>
+              <a:buNone/>
+              <a:defRPr sz="2400" b="1"/>
+            </a:lvl1pPr>
+            <a:lvl2pPr marL="457200" indent="0">
+              <a:buNone/>
+              <a:defRPr sz="2000" b="1"/>
+            </a:lvl2pPr>
+            <a:lvl3pPr marL="914400" indent="0">
+              <a:buNone/>
+              <a:defRPr sz="1800" b="1"/>
+            </a:lvl3pPr>
+            <a:lvl4pPr marL="1371600" indent="0">
+              <a:buNone/>
+              <a:defRPr sz="1600" b="1"/>
+            </a:lvl4pPr>
+            <a:lvl5pPr marL="1828800" indent="0">
+              <a:buNone/>
+              <a:defRPr sz="1600" b="1"/>
+            </a:lvl5pPr>
+            <a:lvl6pPr marL="2286000" indent="0">
+              <a:buNone/>
+              <a:defRPr sz="1600" b="1"/>
+            </a:lvl6pPr>
+            <a:lvl7pPr marL="2743200" indent="0">
+              <a:buNone/>
+              <a:defRPr sz="1600" b="1"/>
+            </a:lvl7pPr>
+            <a:lvl8pPr marL="3200400" indent="0">
+              <a:buNone/>
+              <a:defRPr sz="1600" b="1"/>
+            </a:lvl8pPr>
+            <a:lvl9pPr marL="3657600" indent="0">
+              <a:buNone/>
+              <a:defRPr sz="1600" b="1"/>
+            </a:lvl9pPr>
+          </a:lstStyle>
+          <a:p>
+            <a:pPr lvl="0"/>
+            <a:r>
+              <a:rPr lang="ja-JP" altLang="en-US"/>
+              <a:t>マスター テキストの書式設定</a:t>
+            </a:r>
+          </a:p>
+        </p:txBody>
+      </p:sp>
+      <p:sp>
+        <p:nvSpPr>
+          <p:cNvPr id="4" name="Content Placeholder 3"/>
+          <p:cNvSpPr>
+            <a:spLocks noGrp="1"/>
+          </p:cNvSpPr>
+          <p:nvPr>
+            <p:ph sz="half" idx="2"/>
           </p:nvPr>
         </p:nvSpPr>
         <p:spPr>
           <a:xfrm>
-            <a:off x="839788" y="1681163"/>
-            <a:ext cx="5157787" cy="823912"/>
+            <a:off x="845127" y="2507550"/>
+            <a:ext cx="5156200" cy="3680525"/>
+          </a:xfrm>
+        </p:spPr>
+        <p:txBody>
+          <a:bodyPr/>
+          <a:lstStyle/>
+          <a:p>
+            <a:pPr lvl="0"/>
+            <a:r>
+              <a:rPr lang="ja-JP" altLang="en-US"/>
+              <a:t>マスター テキストの書式設定</a:t>
+            </a:r>
+          </a:p>
+          <a:p>
+            <a:pPr lvl="1"/>
+            <a:r>
+              <a:rPr lang="ja-JP" altLang="en-US"/>
+              <a:t>第 </a:t>
+            </a:r>
+            <a:r>
+              <a:rPr lang="en-US" altLang="ja-JP"/>
+              <a:t>2 </a:t>
+            </a:r>
+            <a:r>
+              <a:rPr lang="ja-JP" altLang="en-US"/>
+              <a:t>レベル</a:t>
+            </a:r>
+          </a:p>
+          <a:p>
+            <a:pPr lvl="2"/>
+            <a:r>
+              <a:rPr lang="ja-JP" altLang="en-US"/>
+              <a:t>第 </a:t>
+            </a:r>
+            <a:r>
+              <a:rPr lang="en-US" altLang="ja-JP"/>
+              <a:t>3 </a:t>
+            </a:r>
+            <a:r>
+              <a:rPr lang="ja-JP" altLang="en-US"/>
+              <a:t>レベル</a:t>
+            </a:r>
+          </a:p>
+          <a:p>
+            <a:pPr lvl="3"/>
+            <a:r>
+              <a:rPr lang="ja-JP" altLang="en-US"/>
+              <a:t>第 </a:t>
+            </a:r>
+            <a:r>
+              <a:rPr lang="en-US" altLang="ja-JP"/>
+              <a:t>4 </a:t>
+            </a:r>
+            <a:r>
+              <a:rPr lang="ja-JP" altLang="en-US"/>
+              <a:t>レベル</a:t>
+            </a:r>
+          </a:p>
+          <a:p>
+            <a:pPr lvl="4"/>
+            <a:r>
+              <a:rPr lang="ja-JP" altLang="en-US"/>
+              <a:t>第 </a:t>
+            </a:r>
+            <a:r>
+              <a:rPr lang="en-US" altLang="ja-JP"/>
+              <a:t>5 </a:t>
+            </a:r>
+            <a:r>
+              <a:rPr lang="ja-JP" altLang="en-US"/>
+              <a:t>レベル</a:t>
+            </a:r>
+            <a:endParaRPr lang="en-US" dirty="0"/>
+          </a:p>
+        </p:txBody>
+      </p:sp>
+      <p:sp>
+        <p:nvSpPr>
+          <p:cNvPr id="5" name="Text Placeholder 4"/>
+          <p:cNvSpPr>
+            <a:spLocks noGrp="1"/>
+          </p:cNvSpPr>
+          <p:nvPr>
+            <p:ph type="body" sz="quarter" idx="3"/>
+          </p:nvPr>
+        </p:nvSpPr>
+        <p:spPr>
+          <a:xfrm>
+            <a:off x="6172200" y="1681851"/>
+            <a:ext cx="5181601" cy="825698"/>
           </a:xfrm>
         </p:spPr>
         <p:txBody>
           <a:bodyPr anchor="b"/>
           <a:lstStyle>
             <a:lvl1pPr marL="0" indent="0">
+              <a:spcBef>
+                <a:spcPts val="0"/>
+              </a:spcBef>
               <a:buNone/>
               <a:defRPr sz="2400" b="1"/>
             </a:lvl1pPr>
@@ -1746,7 +2049,7 @@
           <a:p>
             <a:pPr lvl="0"/>
             <a:r>
-              <a:rPr kumimoji="1" lang="ja-JP" altLang="en-US"/>
+              <a:rPr lang="ja-JP" altLang="en-US"/>
               <a:t>マスター テキストの書式設定</a:t>
             </a:r>
           </a:p>
@@ -1754,24 +2057,18 @@
       </p:sp>
       <p:sp>
         <p:nvSpPr>
-          <p:cNvPr id="4" name="コンテンツ プレースホルダー 3">
-            <a:extLst>
-              <a:ext uri="{FF2B5EF4-FFF2-40B4-BE49-F238E27FC236}">
-                <a16:creationId xmlns:a16="http://schemas.microsoft.com/office/drawing/2014/main" id="{C1A068B4-829D-47F8-934D-3AEE1DEFADD9}"/>
-              </a:ext>
-            </a:extLst>
-          </p:cNvPr>
-          <p:cNvSpPr>
-            <a:spLocks noGrp="1"/>
-          </p:cNvSpPr>
-          <p:nvPr>
-            <p:ph sz="half" idx="2"/>
+          <p:cNvPr id="6" name="Content Placeholder 5"/>
+          <p:cNvSpPr>
+            <a:spLocks noGrp="1"/>
+          </p:cNvSpPr>
+          <p:nvPr>
+            <p:ph sz="quarter" idx="4"/>
           </p:nvPr>
         </p:nvSpPr>
         <p:spPr>
           <a:xfrm>
-            <a:off x="839788" y="2505075"/>
-            <a:ext cx="5157787" cy="3684588"/>
+            <a:off x="6172200" y="2507550"/>
+            <a:ext cx="5181601" cy="3680525"/>
           </a:xfrm>
         </p:spPr>
         <p:txBody>
@@ -1780,246 +2077,76 @@
           <a:p>
             <a:pPr lvl="0"/>
             <a:r>
-              <a:rPr kumimoji="1" lang="ja-JP" altLang="en-US"/>
+              <a:rPr lang="ja-JP" altLang="en-US"/>
               <a:t>マスター テキストの書式設定</a:t>
             </a:r>
           </a:p>
           <a:p>
             <a:pPr lvl="1"/>
             <a:r>
-              <a:rPr kumimoji="1" lang="ja-JP" altLang="en-US"/>
+              <a:rPr lang="ja-JP" altLang="en-US"/>
               <a:t>第 </a:t>
             </a:r>
             <a:r>
-              <a:rPr kumimoji="1" lang="en-US" altLang="ja-JP"/>
+              <a:rPr lang="en-US" altLang="ja-JP"/>
               <a:t>2 </a:t>
             </a:r>
             <a:r>
-              <a:rPr kumimoji="1" lang="ja-JP" altLang="en-US"/>
+              <a:rPr lang="ja-JP" altLang="en-US"/>
               <a:t>レベル</a:t>
             </a:r>
           </a:p>
           <a:p>
             <a:pPr lvl="2"/>
             <a:r>
-              <a:rPr kumimoji="1" lang="ja-JP" altLang="en-US"/>
+              <a:rPr lang="ja-JP" altLang="en-US"/>
               <a:t>第 </a:t>
             </a:r>
             <a:r>
-              <a:rPr kumimoji="1" lang="en-US" altLang="ja-JP"/>
+              <a:rPr lang="en-US" altLang="ja-JP"/>
               <a:t>3 </a:t>
             </a:r>
             <a:r>
-              <a:rPr kumimoji="1" lang="ja-JP" altLang="en-US"/>
+              <a:rPr lang="ja-JP" altLang="en-US"/>
               <a:t>レベル</a:t>
             </a:r>
           </a:p>
           <a:p>
             <a:pPr lvl="3"/>
             <a:r>
-              <a:rPr kumimoji="1" lang="ja-JP" altLang="en-US"/>
+              <a:rPr lang="ja-JP" altLang="en-US"/>
               <a:t>第 </a:t>
             </a:r>
             <a:r>
-              <a:rPr kumimoji="1" lang="en-US" altLang="ja-JP"/>
+              <a:rPr lang="en-US" altLang="ja-JP"/>
               <a:t>4 </a:t>
             </a:r>
             <a:r>
-              <a:rPr kumimoji="1" lang="ja-JP" altLang="en-US"/>
+              <a:rPr lang="ja-JP" altLang="en-US"/>
               <a:t>レベル</a:t>
             </a:r>
           </a:p>
           <a:p>
             <a:pPr lvl="4"/>
             <a:r>
-              <a:rPr kumimoji="1" lang="ja-JP" altLang="en-US"/>
+              <a:rPr lang="ja-JP" altLang="en-US"/>
               <a:t>第 </a:t>
             </a:r>
             <a:r>
-              <a:rPr kumimoji="1" lang="en-US" altLang="ja-JP"/>
+              <a:rPr lang="en-US" altLang="ja-JP"/>
               <a:t>5 </a:t>
             </a:r>
             <a:r>
-              <a:rPr kumimoji="1" lang="ja-JP" altLang="en-US"/>
+              <a:rPr lang="ja-JP" altLang="en-US"/>
               <a:t>レベル</a:t>
             </a:r>
-          </a:p>
-        </p:txBody>
-      </p:sp>
-      <p:sp>
-        <p:nvSpPr>
-          <p:cNvPr id="5" name="テキスト プレースホルダー 4">
-            <a:extLst>
-              <a:ext uri="{FF2B5EF4-FFF2-40B4-BE49-F238E27FC236}">
-                <a16:creationId xmlns:a16="http://schemas.microsoft.com/office/drawing/2014/main" id="{607B9232-9B0D-4F47-87FA-284C198E25F3}"/>
-              </a:ext>
-            </a:extLst>
-          </p:cNvPr>
-          <p:cNvSpPr>
-            <a:spLocks noGrp="1"/>
-          </p:cNvSpPr>
-          <p:nvPr>
-            <p:ph type="body" sz="quarter" idx="3"/>
-          </p:nvPr>
-        </p:nvSpPr>
-        <p:spPr>
-          <a:xfrm>
-            <a:off x="6172200" y="1681163"/>
-            <a:ext cx="5183188" cy="823912"/>
-          </a:xfrm>
-        </p:spPr>
-        <p:txBody>
-          <a:bodyPr anchor="b"/>
-          <a:lstStyle>
-            <a:lvl1pPr marL="0" indent="0">
-              <a:buNone/>
-              <a:defRPr sz="2400" b="1"/>
-            </a:lvl1pPr>
-            <a:lvl2pPr marL="457200" indent="0">
-              <a:buNone/>
-              <a:defRPr sz="2000" b="1"/>
-            </a:lvl2pPr>
-            <a:lvl3pPr marL="914400" indent="0">
-              <a:buNone/>
-              <a:defRPr sz="1800" b="1"/>
-            </a:lvl3pPr>
-            <a:lvl4pPr marL="1371600" indent="0">
-              <a:buNone/>
-              <a:defRPr sz="1600" b="1"/>
-            </a:lvl4pPr>
-            <a:lvl5pPr marL="1828800" indent="0">
-              <a:buNone/>
-              <a:defRPr sz="1600" b="1"/>
-            </a:lvl5pPr>
-            <a:lvl6pPr marL="2286000" indent="0">
-              <a:buNone/>
-              <a:defRPr sz="1600" b="1"/>
-            </a:lvl6pPr>
-            <a:lvl7pPr marL="2743200" indent="0">
-              <a:buNone/>
-              <a:defRPr sz="1600" b="1"/>
-            </a:lvl7pPr>
-            <a:lvl8pPr marL="3200400" indent="0">
-              <a:buNone/>
-              <a:defRPr sz="1600" b="1"/>
-            </a:lvl8pPr>
-            <a:lvl9pPr marL="3657600" indent="0">
-              <a:buNone/>
-              <a:defRPr sz="1600" b="1"/>
-            </a:lvl9pPr>
-          </a:lstStyle>
-          <a:p>
-            <a:pPr lvl="0"/>
-            <a:r>
-              <a:rPr kumimoji="1" lang="ja-JP" altLang="en-US"/>
-              <a:t>マスター テキストの書式設定</a:t>
-            </a:r>
-          </a:p>
-        </p:txBody>
-      </p:sp>
-      <p:sp>
-        <p:nvSpPr>
-          <p:cNvPr id="6" name="コンテンツ プレースホルダー 5">
-            <a:extLst>
-              <a:ext uri="{FF2B5EF4-FFF2-40B4-BE49-F238E27FC236}">
-                <a16:creationId xmlns:a16="http://schemas.microsoft.com/office/drawing/2014/main" id="{9C7FB991-64AF-4E1E-8A6B-023595DADAA5}"/>
-              </a:ext>
-            </a:extLst>
-          </p:cNvPr>
-          <p:cNvSpPr>
-            <a:spLocks noGrp="1"/>
-          </p:cNvSpPr>
-          <p:nvPr>
-            <p:ph sz="quarter" idx="4"/>
-          </p:nvPr>
-        </p:nvSpPr>
-        <p:spPr>
-          <a:xfrm>
-            <a:off x="6172200" y="2505075"/>
-            <a:ext cx="5183188" cy="3684588"/>
-          </a:xfrm>
-        </p:spPr>
-        <p:txBody>
-          <a:bodyPr/>
-          <a:lstStyle/>
-          <a:p>
-            <a:pPr lvl="0"/>
-            <a:r>
-              <a:rPr kumimoji="1" lang="ja-JP" altLang="en-US"/>
-              <a:t>マスター テキストの書式設定</a:t>
-            </a:r>
-          </a:p>
-          <a:p>
-            <a:pPr lvl="1"/>
-            <a:r>
-              <a:rPr kumimoji="1" lang="ja-JP" altLang="en-US"/>
-              <a:t>第 </a:t>
-            </a:r>
-            <a:r>
-              <a:rPr kumimoji="1" lang="en-US" altLang="ja-JP"/>
-              <a:t>2 </a:t>
-            </a:r>
-            <a:r>
-              <a:rPr kumimoji="1" lang="ja-JP" altLang="en-US"/>
-              <a:t>レベル</a:t>
-            </a:r>
-          </a:p>
-          <a:p>
-            <a:pPr lvl="2"/>
-            <a:r>
-              <a:rPr kumimoji="1" lang="ja-JP" altLang="en-US"/>
-              <a:t>第 </a:t>
-            </a:r>
-            <a:r>
-              <a:rPr kumimoji="1" lang="en-US" altLang="ja-JP"/>
-              <a:t>3 </a:t>
-            </a:r>
-            <a:r>
-              <a:rPr kumimoji="1" lang="ja-JP" altLang="en-US"/>
-              <a:t>レベル</a:t>
-            </a:r>
-          </a:p>
-          <a:p>
-            <a:pPr lvl="3"/>
-            <a:r>
-              <a:rPr kumimoji="1" lang="ja-JP" altLang="en-US"/>
-              <a:t>第 </a:t>
-            </a:r>
-            <a:r>
-              <a:rPr kumimoji="1" lang="en-US" altLang="ja-JP"/>
-              <a:t>4 </a:t>
-            </a:r>
-            <a:r>
-              <a:rPr kumimoji="1" lang="ja-JP" altLang="en-US"/>
-              <a:t>レベル</a:t>
-            </a:r>
-          </a:p>
-          <a:p>
-            <a:pPr lvl="4"/>
-            <a:r>
-              <a:rPr kumimoji="1" lang="ja-JP" altLang="en-US"/>
-              <a:t>第 </a:t>
-            </a:r>
-            <a:r>
-              <a:rPr kumimoji="1" lang="en-US" altLang="ja-JP"/>
-              <a:t>5 </a:t>
-            </a:r>
-            <a:r>
-              <a:rPr kumimoji="1" lang="ja-JP" altLang="en-US"/>
-              <a:t>レベル</a:t>
-            </a:r>
-          </a:p>
-        </p:txBody>
-      </p:sp>
-      <p:sp>
-        <p:nvSpPr>
-          <p:cNvPr id="7" name="日付プレースホルダー 6">
-            <a:extLst>
-              <a:ext uri="{FF2B5EF4-FFF2-40B4-BE49-F238E27FC236}">
-                <a16:creationId xmlns:a16="http://schemas.microsoft.com/office/drawing/2014/main" id="{3A495B78-38C3-49F3-A419-665131BFC9BE}"/>
-              </a:ext>
-            </a:extLst>
-          </p:cNvPr>
+            <a:endParaRPr lang="en-US"/>
+          </a:p>
+        </p:txBody>
+      </p:sp>
+      <p:sp>
+        <p:nvSpPr>
+          <p:cNvPr id="7" name="Date Placeholder 6"/>
           <p:cNvSpPr>
             <a:spLocks noGrp="1"/>
           </p:cNvSpPr>
@@ -2042,13 +2169,7 @@
       </p:sp>
       <p:sp>
         <p:nvSpPr>
-          <p:cNvPr id="8" name="フッター プレースホルダー 7">
-            <a:extLst>
-              <a:ext uri="{FF2B5EF4-FFF2-40B4-BE49-F238E27FC236}">
-                <a16:creationId xmlns:a16="http://schemas.microsoft.com/office/drawing/2014/main" id="{4C87F1CA-318B-458C-83C7-B79DF588FD7C}"/>
-              </a:ext>
-            </a:extLst>
-          </p:cNvPr>
+          <p:cNvPr id="8" name="Footer Placeholder 7"/>
           <p:cNvSpPr>
             <a:spLocks noGrp="1"/>
           </p:cNvSpPr>
@@ -2067,13 +2188,7 @@
       </p:sp>
       <p:sp>
         <p:nvSpPr>
-          <p:cNvPr id="9" name="スライド番号プレースホルダー 8">
-            <a:extLst>
-              <a:ext uri="{FF2B5EF4-FFF2-40B4-BE49-F238E27FC236}">
-                <a16:creationId xmlns:a16="http://schemas.microsoft.com/office/drawing/2014/main" id="{C7AE10A9-5498-46F3-99EA-706748CA16FB}"/>
-              </a:ext>
-            </a:extLst>
-          </p:cNvPr>
+          <p:cNvPr id="9" name="Slide Number Placeholder 8"/>
           <p:cNvSpPr>
             <a:spLocks noGrp="1"/>
           </p:cNvSpPr>
@@ -2094,10 +2209,33 @@
           </a:p>
         </p:txBody>
       </p:sp>
+      <p:sp>
+        <p:nvSpPr>
+          <p:cNvPr id="10" name="Title 9"/>
+          <p:cNvSpPr>
+            <a:spLocks noGrp="1"/>
+          </p:cNvSpPr>
+          <p:nvPr>
+            <p:ph type="title"/>
+          </p:nvPr>
+        </p:nvSpPr>
+        <p:spPr/>
+        <p:txBody>
+          <a:bodyPr/>
+          <a:lstStyle/>
+          <a:p>
+            <a:r>
+              <a:rPr lang="ja-JP" altLang="en-US"/>
+              <a:t>マスター タイトルの書式設定</a:t>
+            </a:r>
+            <a:endParaRPr lang="en-US" dirty="0"/>
+          </a:p>
+        </p:txBody>
+      </p:sp>
     </p:spTree>
     <p:extLst>
       <p:ext uri="{BB962C8B-B14F-4D97-AF65-F5344CB8AC3E}">
-        <p14:creationId xmlns:p14="http://schemas.microsoft.com/office/powerpoint/2010/main" val="202418585"/>
+        <p14:creationId xmlns:p14="http://schemas.microsoft.com/office/powerpoint/2010/main" val="768762267"/>
       </p:ext>
     </p:extLst>
   </p:cSld>
@@ -2108,7 +2246,7 @@
 </file>
 
 <file path=ppt/slideLayouts/slideLayout6.xml><?xml version="1.0" encoding="utf-8"?>
-<p:sldLayout xmlns:a="http://schemas.openxmlformats.org/drawingml/2006/main" xmlns:r="http://schemas.openxmlformats.org/officeDocument/2006/relationships" xmlns:p="http://schemas.openxmlformats.org/presentationml/2006/main" type="titleOnly" preserve="1">
+<p:sldLayout xmlns:a="http://schemas.openxmlformats.org/drawingml/2006/main" xmlns:r="http://schemas.openxmlformats.org/officeDocument/2006/relationships" xmlns:p="http://schemas.openxmlformats.org/presentationml/2006/main" preserve="1">
   <p:cSld name="タイトルのみ">
     <p:spTree>
       <p:nvGrpSpPr>
@@ -2126,41 +2264,7 @@
       </p:grpSpPr>
       <p:sp>
         <p:nvSpPr>
-          <p:cNvPr id="2" name="タイトル 1">
-            <a:extLst>
-              <a:ext uri="{FF2B5EF4-FFF2-40B4-BE49-F238E27FC236}">
-                <a16:creationId xmlns:a16="http://schemas.microsoft.com/office/drawing/2014/main" id="{634BC57D-D75C-4B41-BFFD-08448F091A99}"/>
-              </a:ext>
-            </a:extLst>
-          </p:cNvPr>
-          <p:cNvSpPr>
-            <a:spLocks noGrp="1"/>
-          </p:cNvSpPr>
-          <p:nvPr>
-            <p:ph type="title"/>
-          </p:nvPr>
-        </p:nvSpPr>
-        <p:spPr/>
-        <p:txBody>
-          <a:bodyPr/>
-          <a:lstStyle/>
-          <a:p>
-            <a:r>
-              <a:rPr kumimoji="1" lang="ja-JP" altLang="en-US"/>
-              <a:t>マスター タイトルの書式設定</a:t>
-            </a:r>
-          </a:p>
-        </p:txBody>
-      </p:sp>
-      <p:sp>
-        <p:nvSpPr>
-          <p:cNvPr id="3" name="日付プレースホルダー 2">
-            <a:extLst>
-              <a:ext uri="{FF2B5EF4-FFF2-40B4-BE49-F238E27FC236}">
-                <a16:creationId xmlns:a16="http://schemas.microsoft.com/office/drawing/2014/main" id="{A3D888C8-E19A-48D9-B6AB-1F12FF0EF71C}"/>
-              </a:ext>
-            </a:extLst>
-          </p:cNvPr>
+          <p:cNvPr id="3" name="Date Placeholder 2"/>
           <p:cNvSpPr>
             <a:spLocks noGrp="1"/>
           </p:cNvSpPr>
@@ -2183,13 +2287,7 @@
       </p:sp>
       <p:sp>
         <p:nvSpPr>
-          <p:cNvPr id="4" name="フッター プレースホルダー 3">
-            <a:extLst>
-              <a:ext uri="{FF2B5EF4-FFF2-40B4-BE49-F238E27FC236}">
-                <a16:creationId xmlns:a16="http://schemas.microsoft.com/office/drawing/2014/main" id="{41C96CA6-8688-461C-84BC-6DA6CBD13172}"/>
-              </a:ext>
-            </a:extLst>
-          </p:cNvPr>
+          <p:cNvPr id="4" name="Footer Placeholder 3"/>
           <p:cNvSpPr>
             <a:spLocks noGrp="1"/>
           </p:cNvSpPr>
@@ -2208,13 +2306,7 @@
       </p:sp>
       <p:sp>
         <p:nvSpPr>
-          <p:cNvPr id="5" name="スライド番号プレースホルダー 4">
-            <a:extLst>
-              <a:ext uri="{FF2B5EF4-FFF2-40B4-BE49-F238E27FC236}">
-                <a16:creationId xmlns:a16="http://schemas.microsoft.com/office/drawing/2014/main" id="{F431AB2A-1BA0-4110-8913-B015459BAAB4}"/>
-              </a:ext>
-            </a:extLst>
-          </p:cNvPr>
+          <p:cNvPr id="5" name="Slide Number Placeholder 4"/>
           <p:cNvSpPr>
             <a:spLocks noGrp="1"/>
           </p:cNvSpPr>
@@ -2235,10 +2327,33 @@
           </a:p>
         </p:txBody>
       </p:sp>
+      <p:sp>
+        <p:nvSpPr>
+          <p:cNvPr id="6" name="Title 5"/>
+          <p:cNvSpPr>
+            <a:spLocks noGrp="1"/>
+          </p:cNvSpPr>
+          <p:nvPr>
+            <p:ph type="title"/>
+          </p:nvPr>
+        </p:nvSpPr>
+        <p:spPr/>
+        <p:txBody>
+          <a:bodyPr/>
+          <a:lstStyle/>
+          <a:p>
+            <a:r>
+              <a:rPr lang="ja-JP" altLang="en-US"/>
+              <a:t>マスター タイトルの書式設定</a:t>
+            </a:r>
+            <a:endParaRPr lang="en-US"/>
+          </a:p>
+        </p:txBody>
+      </p:sp>
     </p:spTree>
     <p:extLst>
       <p:ext uri="{BB962C8B-B14F-4D97-AF65-F5344CB8AC3E}">
-        <p14:creationId xmlns:p14="http://schemas.microsoft.com/office/powerpoint/2010/main" val="552271552"/>
+        <p14:creationId xmlns:p14="http://schemas.microsoft.com/office/powerpoint/2010/main" val="581107127"/>
       </p:ext>
     </p:extLst>
   </p:cSld>
@@ -2267,13 +2382,7 @@
       </p:grpSpPr>
       <p:sp>
         <p:nvSpPr>
-          <p:cNvPr id="2" name="日付プレースホルダー 1">
-            <a:extLst>
-              <a:ext uri="{FF2B5EF4-FFF2-40B4-BE49-F238E27FC236}">
-                <a16:creationId xmlns:a16="http://schemas.microsoft.com/office/drawing/2014/main" id="{429E2A24-8EDC-4AEB-838C-D5F367F0B087}"/>
-              </a:ext>
-            </a:extLst>
-          </p:cNvPr>
+          <p:cNvPr id="2" name="Date Placeholder 1"/>
           <p:cNvSpPr>
             <a:spLocks noGrp="1"/>
           </p:cNvSpPr>
@@ -2296,13 +2405,7 @@
       </p:sp>
       <p:sp>
         <p:nvSpPr>
-          <p:cNvPr id="3" name="フッター プレースホルダー 2">
-            <a:extLst>
-              <a:ext uri="{FF2B5EF4-FFF2-40B4-BE49-F238E27FC236}">
-                <a16:creationId xmlns:a16="http://schemas.microsoft.com/office/drawing/2014/main" id="{B3911179-AE68-4103-AAB8-E51CFC92E3DE}"/>
-              </a:ext>
-            </a:extLst>
-          </p:cNvPr>
+          <p:cNvPr id="3" name="Footer Placeholder 2"/>
           <p:cNvSpPr>
             <a:spLocks noGrp="1"/>
           </p:cNvSpPr>
@@ -2321,13 +2424,7 @@
       </p:sp>
       <p:sp>
         <p:nvSpPr>
-          <p:cNvPr id="4" name="スライド番号プレースホルダー 3">
-            <a:extLst>
-              <a:ext uri="{FF2B5EF4-FFF2-40B4-BE49-F238E27FC236}">
-                <a16:creationId xmlns:a16="http://schemas.microsoft.com/office/drawing/2014/main" id="{633A1012-A4CD-4927-A7ED-FC8132D3997C}"/>
-              </a:ext>
-            </a:extLst>
-          </p:cNvPr>
+          <p:cNvPr id="4" name="Slide Number Placeholder 3"/>
           <p:cNvSpPr>
             <a:spLocks noGrp="1"/>
           </p:cNvSpPr>
@@ -2351,7 +2448,7 @@
     </p:spTree>
     <p:extLst>
       <p:ext uri="{BB962C8B-B14F-4D97-AF65-F5344CB8AC3E}">
-        <p14:creationId xmlns:p14="http://schemas.microsoft.com/office/powerpoint/2010/main" val="4185917805"/>
+        <p14:creationId xmlns:p14="http://schemas.microsoft.com/office/powerpoint/2010/main" val="123666735"/>
       </p:ext>
     </p:extLst>
   </p:cSld>
@@ -2380,13 +2477,7 @@
       </p:grpSpPr>
       <p:sp>
         <p:nvSpPr>
-          <p:cNvPr id="2" name="タイトル 1">
-            <a:extLst>
-              <a:ext uri="{FF2B5EF4-FFF2-40B4-BE49-F238E27FC236}">
-                <a16:creationId xmlns:a16="http://schemas.microsoft.com/office/drawing/2014/main" id="{C903EE87-01C3-456D-A87F-E79AC264D84D}"/>
-              </a:ext>
-            </a:extLst>
-          </p:cNvPr>
+          <p:cNvPr id="2" name="Title 1"/>
           <p:cNvSpPr>
             <a:spLocks noGrp="1"/>
           </p:cNvSpPr>
@@ -2396,34 +2487,31 @@
         </p:nvSpPr>
         <p:spPr>
           <a:xfrm>
-            <a:off x="839788" y="457200"/>
-            <a:ext cx="3932237" cy="1600200"/>
+            <a:off x="841248" y="457200"/>
+            <a:ext cx="3931920" cy="1600197"/>
           </a:xfrm>
         </p:spPr>
         <p:txBody>
-          <a:bodyPr anchor="b"/>
+          <a:bodyPr anchor="b">
+            <a:normAutofit/>
+          </a:bodyPr>
           <a:lstStyle>
             <a:lvl1pPr>
-              <a:defRPr sz="3200"/>
+              <a:defRPr sz="3200" b="0"/>
             </a:lvl1pPr>
           </a:lstStyle>
           <a:p>
             <a:r>
-              <a:rPr kumimoji="1" lang="ja-JP" altLang="en-US"/>
+              <a:rPr lang="ja-JP" altLang="en-US"/>
               <a:t>マスター タイトルの書式設定</a:t>
             </a:r>
-          </a:p>
-        </p:txBody>
-      </p:sp>
-      <p:sp>
-        <p:nvSpPr>
-          <p:cNvPr id="3" name="コンテンツ プレースホルダー 2">
-            <a:extLst>
-              <a:ext uri="{FF2B5EF4-FFF2-40B4-BE49-F238E27FC236}">
-                <a16:creationId xmlns:a16="http://schemas.microsoft.com/office/drawing/2014/main" id="{0CBCC19A-05BF-489E-8DDD-B6FF3AABE5E8}"/>
-              </a:ext>
-            </a:extLst>
-          </p:cNvPr>
+            <a:endParaRPr lang="en-US" dirty="0"/>
+          </a:p>
+        </p:txBody>
+      </p:sp>
+      <p:sp>
+        <p:nvSpPr>
+          <p:cNvPr id="3" name="Content Placeholder 2"/>
           <p:cNvSpPr>
             <a:spLocks noGrp="1"/>
           </p:cNvSpPr>
@@ -2433,8 +2521,8 @@
         </p:nvSpPr>
         <p:spPr>
           <a:xfrm>
-            <a:off x="5183188" y="987425"/>
-            <a:ext cx="6172200" cy="4873625"/>
+            <a:off x="5181600" y="990600"/>
+            <a:ext cx="6172200" cy="4876800"/>
           </a:xfrm>
         </p:spPr>
         <p:txBody>
@@ -2471,81 +2559,76 @@
           <a:p>
             <a:pPr lvl="0"/>
             <a:r>
-              <a:rPr kumimoji="1" lang="ja-JP" altLang="en-US"/>
+              <a:rPr lang="ja-JP" altLang="en-US"/>
               <a:t>マスター テキストの書式設定</a:t>
             </a:r>
           </a:p>
           <a:p>
             <a:pPr lvl="1"/>
             <a:r>
-              <a:rPr kumimoji="1" lang="ja-JP" altLang="en-US"/>
+              <a:rPr lang="ja-JP" altLang="en-US"/>
               <a:t>第 </a:t>
             </a:r>
             <a:r>
-              <a:rPr kumimoji="1" lang="en-US" altLang="ja-JP"/>
+              <a:rPr lang="en-US" altLang="ja-JP"/>
               <a:t>2 </a:t>
             </a:r>
             <a:r>
-              <a:rPr kumimoji="1" lang="ja-JP" altLang="en-US"/>
+              <a:rPr lang="ja-JP" altLang="en-US"/>
               <a:t>レベル</a:t>
             </a:r>
           </a:p>
           <a:p>
             <a:pPr lvl="2"/>
             <a:r>
-              <a:rPr kumimoji="1" lang="ja-JP" altLang="en-US"/>
+              <a:rPr lang="ja-JP" altLang="en-US"/>
               <a:t>第 </a:t>
             </a:r>
             <a:r>
-              <a:rPr kumimoji="1" lang="en-US" altLang="ja-JP"/>
+              <a:rPr lang="en-US" altLang="ja-JP"/>
               <a:t>3 </a:t>
             </a:r>
             <a:r>
-              <a:rPr kumimoji="1" lang="ja-JP" altLang="en-US"/>
+              <a:rPr lang="ja-JP" altLang="en-US"/>
               <a:t>レベル</a:t>
             </a:r>
           </a:p>
           <a:p>
             <a:pPr lvl="3"/>
             <a:r>
-              <a:rPr kumimoji="1" lang="ja-JP" altLang="en-US"/>
+              <a:rPr lang="ja-JP" altLang="en-US"/>
               <a:t>第 </a:t>
             </a:r>
             <a:r>
-              <a:rPr kumimoji="1" lang="en-US" altLang="ja-JP"/>
+              <a:rPr lang="en-US" altLang="ja-JP"/>
               <a:t>4 </a:t>
             </a:r>
             <a:r>
-              <a:rPr kumimoji="1" lang="ja-JP" altLang="en-US"/>
+              <a:rPr lang="ja-JP" altLang="en-US"/>
               <a:t>レベル</a:t>
             </a:r>
           </a:p>
           <a:p>
             <a:pPr lvl="4"/>
             <a:r>
-              <a:rPr kumimoji="1" lang="ja-JP" altLang="en-US"/>
+              <a:rPr lang="ja-JP" altLang="en-US"/>
               <a:t>第 </a:t>
             </a:r>
             <a:r>
-              <a:rPr kumimoji="1" lang="en-US" altLang="ja-JP"/>
+              <a:rPr lang="en-US" altLang="ja-JP"/>
               <a:t>5 </a:t>
             </a:r>
             <a:r>
-              <a:rPr kumimoji="1" lang="ja-JP" altLang="en-US"/>
+              <a:rPr lang="ja-JP" altLang="en-US"/>
               <a:t>レベル</a:t>
             </a:r>
-          </a:p>
-        </p:txBody>
-      </p:sp>
-      <p:sp>
-        <p:nvSpPr>
-          <p:cNvPr id="4" name="テキスト プレースホルダー 3">
-            <a:extLst>
-              <a:ext uri="{FF2B5EF4-FFF2-40B4-BE49-F238E27FC236}">
-                <a16:creationId xmlns:a16="http://schemas.microsoft.com/office/drawing/2014/main" id="{F719C8C0-FC51-451D-B20C-C378CBF88C1A}"/>
-              </a:ext>
-            </a:extLst>
-          </p:cNvPr>
+            <a:endParaRPr lang="en-US" dirty="0"/>
+          </a:p>
+        </p:txBody>
+      </p:sp>
+      <p:sp>
+        <p:nvSpPr>
+          <p:cNvPr id="4" name="Text Placeholder 3"/>
           <p:cNvSpPr>
             <a:spLocks noGrp="1"/>
           </p:cNvSpPr>
@@ -2555,54 +2638,59 @@
         </p:nvSpPr>
         <p:spPr>
           <a:xfrm>
-            <a:off x="839788" y="2057400"/>
-            <a:ext cx="3932237" cy="3811588"/>
+            <a:off x="841248" y="2057399"/>
+            <a:ext cx="3931920" cy="3810001"/>
           </a:xfrm>
         </p:spPr>
         <p:txBody>
-          <a:bodyPr/>
+          <a:bodyPr>
+            <a:normAutofit/>
+          </a:bodyPr>
           <a:lstStyle>
             <a:lvl1pPr marL="0" indent="0">
+              <a:lnSpc>
+                <a:spcPct val="90000"/>
+              </a:lnSpc>
               <a:buNone/>
               <a:defRPr sz="1600"/>
             </a:lvl1pPr>
             <a:lvl2pPr marL="457200" indent="0">
               <a:buNone/>
-              <a:defRPr sz="1400"/>
+              <a:defRPr sz="1200"/>
             </a:lvl2pPr>
             <a:lvl3pPr marL="914400" indent="0">
               <a:buNone/>
-              <a:defRPr sz="1200"/>
+              <a:defRPr sz="1000"/>
             </a:lvl3pPr>
             <a:lvl4pPr marL="1371600" indent="0">
               <a:buNone/>
-              <a:defRPr sz="1000"/>
+              <a:defRPr sz="900"/>
             </a:lvl4pPr>
             <a:lvl5pPr marL="1828800" indent="0">
               <a:buNone/>
-              <a:defRPr sz="1000"/>
+              <a:defRPr sz="900"/>
             </a:lvl5pPr>
             <a:lvl6pPr marL="2286000" indent="0">
               <a:buNone/>
-              <a:defRPr sz="1000"/>
+              <a:defRPr sz="900"/>
             </a:lvl6pPr>
             <a:lvl7pPr marL="2743200" indent="0">
               <a:buNone/>
-              <a:defRPr sz="1000"/>
+              <a:defRPr sz="900"/>
             </a:lvl7pPr>
             <a:lvl8pPr marL="3200400" indent="0">
               <a:buNone/>
-              <a:defRPr sz="1000"/>
+              <a:defRPr sz="900"/>
             </a:lvl8pPr>
             <a:lvl9pPr marL="3657600" indent="0">
               <a:buNone/>
-              <a:defRPr sz="1000"/>
+              <a:defRPr sz="900"/>
             </a:lvl9pPr>
           </a:lstStyle>
           <a:p>
             <a:pPr lvl="0"/>
             <a:r>
-              <a:rPr kumimoji="1" lang="ja-JP" altLang="en-US"/>
+              <a:rPr lang="ja-JP" altLang="en-US"/>
               <a:t>マスター テキストの書式設定</a:t>
             </a:r>
           </a:p>
@@ -2610,13 +2698,7 @@
       </p:sp>
       <p:sp>
         <p:nvSpPr>
-          <p:cNvPr id="5" name="日付プレースホルダー 4">
-            <a:extLst>
-              <a:ext uri="{FF2B5EF4-FFF2-40B4-BE49-F238E27FC236}">
-                <a16:creationId xmlns:a16="http://schemas.microsoft.com/office/drawing/2014/main" id="{DE5D64A3-0638-4657-9507-CF1C4A6169A2}"/>
-              </a:ext>
-            </a:extLst>
-          </p:cNvPr>
+          <p:cNvPr id="5" name="Date Placeholder 4"/>
           <p:cNvSpPr>
             <a:spLocks noGrp="1"/>
           </p:cNvSpPr>
@@ -2639,13 +2721,7 @@
       </p:sp>
       <p:sp>
         <p:nvSpPr>
-          <p:cNvPr id="6" name="フッター プレースホルダー 5">
-            <a:extLst>
-              <a:ext uri="{FF2B5EF4-FFF2-40B4-BE49-F238E27FC236}">
-                <a16:creationId xmlns:a16="http://schemas.microsoft.com/office/drawing/2014/main" id="{E763B865-F89A-4605-BAD9-EE3B35B3F0D5}"/>
-              </a:ext>
-            </a:extLst>
-          </p:cNvPr>
+          <p:cNvPr id="6" name="Footer Placeholder 5"/>
           <p:cNvSpPr>
             <a:spLocks noGrp="1"/>
           </p:cNvSpPr>
@@ -2664,13 +2740,7 @@
       </p:sp>
       <p:sp>
         <p:nvSpPr>
-          <p:cNvPr id="7" name="スライド番号プレースホルダー 6">
-            <a:extLst>
-              <a:ext uri="{FF2B5EF4-FFF2-40B4-BE49-F238E27FC236}">
-                <a16:creationId xmlns:a16="http://schemas.microsoft.com/office/drawing/2014/main" id="{E846B531-8B80-4C43-980B-B0C519D29E68}"/>
-              </a:ext>
-            </a:extLst>
-          </p:cNvPr>
+          <p:cNvPr id="7" name="Slide Number Placeholder 6"/>
           <p:cNvSpPr>
             <a:spLocks noGrp="1"/>
           </p:cNvSpPr>
@@ -2694,7 +2764,7 @@
     </p:spTree>
     <p:extLst>
       <p:ext uri="{BB962C8B-B14F-4D97-AF65-F5344CB8AC3E}">
-        <p14:creationId xmlns:p14="http://schemas.microsoft.com/office/powerpoint/2010/main" val="1182462185"/>
+        <p14:creationId xmlns:p14="http://schemas.microsoft.com/office/powerpoint/2010/main" val="150700946"/>
       </p:ext>
     </p:extLst>
   </p:cSld>
@@ -2723,13 +2793,7 @@
       </p:grpSpPr>
       <p:sp>
         <p:nvSpPr>
-          <p:cNvPr id="2" name="タイトル 1">
-            <a:extLst>
-              <a:ext uri="{FF2B5EF4-FFF2-40B4-BE49-F238E27FC236}">
-                <a16:creationId xmlns:a16="http://schemas.microsoft.com/office/drawing/2014/main" id="{83802121-02C2-475E-AF42-686AD5675EBC}"/>
-              </a:ext>
-            </a:extLst>
-          </p:cNvPr>
+          <p:cNvPr id="2" name="Title 1"/>
           <p:cNvSpPr>
             <a:spLocks noGrp="1"/>
           </p:cNvSpPr>
@@ -2739,34 +2803,31 @@
         </p:nvSpPr>
         <p:spPr>
           <a:xfrm>
-            <a:off x="839788" y="457200"/>
-            <a:ext cx="3932237" cy="1600200"/>
+            <a:off x="841248" y="457200"/>
+            <a:ext cx="3931920" cy="1600200"/>
           </a:xfrm>
         </p:spPr>
         <p:txBody>
-          <a:bodyPr anchor="b"/>
+          <a:bodyPr anchor="b">
+            <a:normAutofit/>
+          </a:bodyPr>
           <a:lstStyle>
             <a:lvl1pPr>
-              <a:defRPr sz="3200"/>
+              <a:defRPr sz="3200" b="0"/>
             </a:lvl1pPr>
           </a:lstStyle>
           <a:p>
             <a:r>
-              <a:rPr kumimoji="1" lang="ja-JP" altLang="en-US"/>
+              <a:rPr lang="ja-JP" altLang="en-US"/>
               <a:t>マスター タイトルの書式設定</a:t>
             </a:r>
-          </a:p>
-        </p:txBody>
-      </p:sp>
-      <p:sp>
-        <p:nvSpPr>
-          <p:cNvPr id="3" name="図プレースホルダー 2">
-            <a:extLst>
-              <a:ext uri="{FF2B5EF4-FFF2-40B4-BE49-F238E27FC236}">
-                <a16:creationId xmlns:a16="http://schemas.microsoft.com/office/drawing/2014/main" id="{647EC42B-A7D0-4262-9AAF-893A5E9C8E21}"/>
-              </a:ext>
-            </a:extLst>
-          </p:cNvPr>
+            <a:endParaRPr lang="en-US" dirty="0"/>
+          </a:p>
+        </p:txBody>
+      </p:sp>
+      <p:sp>
+        <p:nvSpPr>
+          <p:cNvPr id="3" name="Picture Placeholder 2"/>
           <p:cNvSpPr>
             <a:spLocks noGrp="1"/>
           </p:cNvSpPr>
@@ -2776,8 +2837,8 @@
         </p:nvSpPr>
         <p:spPr>
           <a:xfrm>
-            <a:off x="5183188" y="987425"/>
-            <a:ext cx="6172200" cy="4873625"/>
+            <a:off x="5181600" y="990600"/>
+            <a:ext cx="6172200" cy="4876800"/>
           </a:xfrm>
         </p:spPr>
         <p:txBody>
@@ -2821,19 +2882,17 @@
             </a:lvl9pPr>
           </a:lstStyle>
           <a:p>
-            <a:endParaRPr kumimoji="1" lang="ja-JP" altLang="en-US"/>
-          </a:p>
-        </p:txBody>
-      </p:sp>
-      <p:sp>
-        <p:nvSpPr>
-          <p:cNvPr id="4" name="テキスト プレースホルダー 3">
-            <a:extLst>
-              <a:ext uri="{FF2B5EF4-FFF2-40B4-BE49-F238E27FC236}">
-                <a16:creationId xmlns:a16="http://schemas.microsoft.com/office/drawing/2014/main" id="{A90DDE80-10F8-40E3-81E5-1B9B947C26D7}"/>
-              </a:ext>
-            </a:extLst>
-          </p:cNvPr>
+            <a:r>
+              <a:rPr lang="ja-JP" altLang="en-US"/>
+              <a:t>アイコンをクリックして図を追加</a:t>
+            </a:r>
+            <a:endParaRPr lang="en-US" dirty="0"/>
+          </a:p>
+        </p:txBody>
+      </p:sp>
+      <p:sp>
+        <p:nvSpPr>
+          <p:cNvPr id="4" name="Text Placeholder 3"/>
           <p:cNvSpPr>
             <a:spLocks noGrp="1"/>
           </p:cNvSpPr>
@@ -2843,54 +2902,59 @@
         </p:nvSpPr>
         <p:spPr>
           <a:xfrm>
-            <a:off x="839788" y="2057400"/>
-            <a:ext cx="3932237" cy="3811588"/>
+            <a:off x="841248" y="2057400"/>
+            <a:ext cx="3931920" cy="3810000"/>
           </a:xfrm>
         </p:spPr>
         <p:txBody>
-          <a:bodyPr/>
+          <a:bodyPr>
+            <a:normAutofit/>
+          </a:bodyPr>
           <a:lstStyle>
             <a:lvl1pPr marL="0" indent="0">
+              <a:lnSpc>
+                <a:spcPct val="90000"/>
+              </a:lnSpc>
               <a:buNone/>
               <a:defRPr sz="1600"/>
             </a:lvl1pPr>
             <a:lvl2pPr marL="457200" indent="0">
               <a:buNone/>
-              <a:defRPr sz="1400"/>
+              <a:defRPr sz="1200"/>
             </a:lvl2pPr>
             <a:lvl3pPr marL="914400" indent="0">
               <a:buNone/>
-              <a:defRPr sz="1200"/>
+              <a:defRPr sz="1000"/>
             </a:lvl3pPr>
             <a:lvl4pPr marL="1371600" indent="0">
               <a:buNone/>
-              <a:defRPr sz="1000"/>
+              <a:defRPr sz="900"/>
             </a:lvl4pPr>
             <a:lvl5pPr marL="1828800" indent="0">
               <a:buNone/>
-              <a:defRPr sz="1000"/>
+              <a:defRPr sz="900"/>
             </a:lvl5pPr>
             <a:lvl6pPr marL="2286000" indent="0">
               <a:buNone/>
-              <a:defRPr sz="1000"/>
+              <a:defRPr sz="900"/>
             </a:lvl6pPr>
             <a:lvl7pPr marL="2743200" indent="0">
               <a:buNone/>
-              <a:defRPr sz="1000"/>
+              <a:defRPr sz="900"/>
             </a:lvl7pPr>
             <a:lvl8pPr marL="3200400" indent="0">
               <a:buNone/>
-              <a:defRPr sz="1000"/>
+              <a:defRPr sz="900"/>
             </a:lvl8pPr>
             <a:lvl9pPr marL="3657600" indent="0">
               <a:buNone/>
-              <a:defRPr sz="1000"/>
+              <a:defRPr sz="900"/>
             </a:lvl9pPr>
           </a:lstStyle>
           <a:p>
             <a:pPr lvl="0"/>
             <a:r>
-              <a:rPr kumimoji="1" lang="ja-JP" altLang="en-US"/>
+              <a:rPr lang="ja-JP" altLang="en-US"/>
               <a:t>マスター テキストの書式設定</a:t>
             </a:r>
           </a:p>
@@ -2898,13 +2962,7 @@
       </p:sp>
       <p:sp>
         <p:nvSpPr>
-          <p:cNvPr id="5" name="日付プレースホルダー 4">
-            <a:extLst>
-              <a:ext uri="{FF2B5EF4-FFF2-40B4-BE49-F238E27FC236}">
-                <a16:creationId xmlns:a16="http://schemas.microsoft.com/office/drawing/2014/main" id="{5E64177A-C358-4FB9-B827-B5422B7D9133}"/>
-              </a:ext>
-            </a:extLst>
-          </p:cNvPr>
+          <p:cNvPr id="5" name="Date Placeholder 4"/>
           <p:cNvSpPr>
             <a:spLocks noGrp="1"/>
           </p:cNvSpPr>
@@ -2927,13 +2985,7 @@
       </p:sp>
       <p:sp>
         <p:nvSpPr>
-          <p:cNvPr id="6" name="フッター プレースホルダー 5">
-            <a:extLst>
-              <a:ext uri="{FF2B5EF4-FFF2-40B4-BE49-F238E27FC236}">
-                <a16:creationId xmlns:a16="http://schemas.microsoft.com/office/drawing/2014/main" id="{47DC112F-69DF-49D2-888F-B2ECF3F85946}"/>
-              </a:ext>
-            </a:extLst>
-          </p:cNvPr>
+          <p:cNvPr id="6" name="Footer Placeholder 5"/>
           <p:cNvSpPr>
             <a:spLocks noGrp="1"/>
           </p:cNvSpPr>
@@ -2952,13 +3004,7 @@
       </p:sp>
       <p:sp>
         <p:nvSpPr>
-          <p:cNvPr id="7" name="スライド番号プレースホルダー 6">
-            <a:extLst>
-              <a:ext uri="{FF2B5EF4-FFF2-40B4-BE49-F238E27FC236}">
-                <a16:creationId xmlns:a16="http://schemas.microsoft.com/office/drawing/2014/main" id="{BEA91F6A-C00B-4B2D-ADC2-B5E52FFBFD09}"/>
-              </a:ext>
-            </a:extLst>
-          </p:cNvPr>
+          <p:cNvPr id="7" name="Slide Number Placeholder 6"/>
           <p:cNvSpPr>
             <a:spLocks noGrp="1"/>
           </p:cNvSpPr>
@@ -2982,7 +3028,7 @@
     </p:spTree>
     <p:extLst>
       <p:ext uri="{BB962C8B-B14F-4D97-AF65-F5344CB8AC3E}">
-        <p14:creationId xmlns:p14="http://schemas.microsoft.com/office/powerpoint/2010/main" val="3548531882"/>
+        <p14:creationId xmlns:p14="http://schemas.microsoft.com/office/powerpoint/2010/main" val="2186004166"/>
       </p:ext>
     </p:extLst>
   </p:cSld>
@@ -2993,7 +3039,7 @@
 </file>
 
 <file path=ppt/slideMasters/slideMaster1.xml><?xml version="1.0" encoding="utf-8"?>
-<p:sldMaster xmlns:a="http://schemas.openxmlformats.org/drawingml/2006/main" xmlns:r="http://schemas.openxmlformats.org/officeDocument/2006/relationships" xmlns:p="http://schemas.openxmlformats.org/presentationml/2006/main">
+<p:sldMaster xmlns:a="http://schemas.openxmlformats.org/drawingml/2006/main" xmlns:r="http://schemas.openxmlformats.org/officeDocument/2006/relationships" xmlns:p="http://schemas.openxmlformats.org/presentationml/2006/main" preserve="1">
   <p:cSld>
     <p:bg>
       <p:bgRef idx="1001">
@@ -3016,13 +3062,7 @@
       </p:grpSpPr>
       <p:sp>
         <p:nvSpPr>
-          <p:cNvPr id="2" name="タイトル プレースホルダー 1">
-            <a:extLst>
-              <a:ext uri="{FF2B5EF4-FFF2-40B4-BE49-F238E27FC236}">
-                <a16:creationId xmlns:a16="http://schemas.microsoft.com/office/drawing/2014/main" id="{70D37F2A-700F-452F-8273-FB43D89C35E8}"/>
-              </a:ext>
-            </a:extLst>
-          </p:cNvPr>
+          <p:cNvPr id="2" name="Title Placeholder 1"/>
           <p:cNvSpPr>
             <a:spLocks noGrp="1"/>
           </p:cNvSpPr>
@@ -3032,8 +3072,8 @@
         </p:nvSpPr>
         <p:spPr>
           <a:xfrm>
-            <a:off x="838200" y="365125"/>
-            <a:ext cx="10515600" cy="1325563"/>
+            <a:off x="845127" y="365760"/>
+            <a:ext cx="10515600" cy="1325562"/>
           </a:xfrm>
           <a:prstGeom prst="rect">
             <a:avLst/>
@@ -3046,21 +3086,16 @@
           <a:lstStyle/>
           <a:p>
             <a:r>
-              <a:rPr kumimoji="1" lang="ja-JP" altLang="en-US"/>
+              <a:rPr lang="ja-JP" altLang="en-US"/>
               <a:t>マスター タイトルの書式設定</a:t>
             </a:r>
-          </a:p>
-        </p:txBody>
-      </p:sp>
-      <p:sp>
-        <p:nvSpPr>
-          <p:cNvPr id="3" name="テキスト プレースホルダー 2">
-            <a:extLst>
-              <a:ext uri="{FF2B5EF4-FFF2-40B4-BE49-F238E27FC236}">
-                <a16:creationId xmlns:a16="http://schemas.microsoft.com/office/drawing/2014/main" id="{A952E959-143E-4285-82E5-47DF5F85D39D}"/>
-              </a:ext>
-            </a:extLst>
-          </p:cNvPr>
+            <a:endParaRPr lang="en-US" dirty="0"/>
+          </a:p>
+        </p:txBody>
+      </p:sp>
+      <p:sp>
+        <p:nvSpPr>
+          <p:cNvPr id="3" name="Text Placeholder 2"/>
           <p:cNvSpPr>
             <a:spLocks noGrp="1"/>
           </p:cNvSpPr>
@@ -3070,8 +3105,8 @@
         </p:nvSpPr>
         <p:spPr>
           <a:xfrm>
-            <a:off x="838200" y="1825625"/>
-            <a:ext cx="10515600" cy="4351338"/>
+            <a:off x="845127" y="1828800"/>
+            <a:ext cx="10515600" cy="4351337"/>
           </a:xfrm>
           <a:prstGeom prst="rect">
             <a:avLst/>
@@ -3085,81 +3120,76 @@
           <a:p>
             <a:pPr lvl="0"/>
             <a:r>
-              <a:rPr kumimoji="1" lang="ja-JP" altLang="en-US"/>
+              <a:rPr lang="ja-JP" altLang="en-US"/>
               <a:t>マスター テキストの書式設定</a:t>
             </a:r>
           </a:p>
           <a:p>
             <a:pPr lvl="1"/>
             <a:r>
-              <a:rPr kumimoji="1" lang="ja-JP" altLang="en-US"/>
+              <a:rPr lang="ja-JP" altLang="en-US"/>
               <a:t>第 </a:t>
             </a:r>
             <a:r>
-              <a:rPr kumimoji="1" lang="en-US" altLang="ja-JP"/>
+              <a:rPr lang="en-US" altLang="ja-JP"/>
               <a:t>2 </a:t>
             </a:r>
             <a:r>
-              <a:rPr kumimoji="1" lang="ja-JP" altLang="en-US"/>
+              <a:rPr lang="ja-JP" altLang="en-US"/>
               <a:t>レベル</a:t>
             </a:r>
           </a:p>
           <a:p>
             <a:pPr lvl="2"/>
             <a:r>
-              <a:rPr kumimoji="1" lang="ja-JP" altLang="en-US"/>
+              <a:rPr lang="ja-JP" altLang="en-US"/>
               <a:t>第 </a:t>
             </a:r>
             <a:r>
-              <a:rPr kumimoji="1" lang="en-US" altLang="ja-JP"/>
+              <a:rPr lang="en-US" altLang="ja-JP"/>
               <a:t>3 </a:t>
             </a:r>
             <a:r>
-              <a:rPr kumimoji="1" lang="ja-JP" altLang="en-US"/>
+              <a:rPr lang="ja-JP" altLang="en-US"/>
               <a:t>レベル</a:t>
             </a:r>
           </a:p>
           <a:p>
             <a:pPr lvl="3"/>
             <a:r>
-              <a:rPr kumimoji="1" lang="ja-JP" altLang="en-US"/>
+              <a:rPr lang="ja-JP" altLang="en-US"/>
               <a:t>第 </a:t>
             </a:r>
             <a:r>
-              <a:rPr kumimoji="1" lang="en-US" altLang="ja-JP"/>
+              <a:rPr lang="en-US" altLang="ja-JP"/>
               <a:t>4 </a:t>
             </a:r>
             <a:r>
-              <a:rPr kumimoji="1" lang="ja-JP" altLang="en-US"/>
+              <a:rPr lang="ja-JP" altLang="en-US"/>
               <a:t>レベル</a:t>
             </a:r>
           </a:p>
           <a:p>
             <a:pPr lvl="4"/>
             <a:r>
-              <a:rPr kumimoji="1" lang="ja-JP" altLang="en-US"/>
+              <a:rPr lang="ja-JP" altLang="en-US"/>
               <a:t>第 </a:t>
             </a:r>
             <a:r>
-              <a:rPr kumimoji="1" lang="en-US" altLang="ja-JP"/>
+              <a:rPr lang="en-US" altLang="ja-JP"/>
               <a:t>5 </a:t>
             </a:r>
             <a:r>
-              <a:rPr kumimoji="1" lang="ja-JP" altLang="en-US"/>
+              <a:rPr lang="ja-JP" altLang="en-US"/>
               <a:t>レベル</a:t>
             </a:r>
-          </a:p>
-        </p:txBody>
-      </p:sp>
-      <p:sp>
-        <p:nvSpPr>
-          <p:cNvPr id="4" name="日付プレースホルダー 3">
-            <a:extLst>
-              <a:ext uri="{FF2B5EF4-FFF2-40B4-BE49-F238E27FC236}">
-                <a16:creationId xmlns:a16="http://schemas.microsoft.com/office/drawing/2014/main" id="{CA619135-FDFA-424E-B353-D0FBD59B0A49}"/>
-              </a:ext>
-            </a:extLst>
-          </p:cNvPr>
+            <a:endParaRPr lang="en-US" dirty="0"/>
+          </a:p>
+        </p:txBody>
+      </p:sp>
+      <p:sp>
+        <p:nvSpPr>
+          <p:cNvPr id="4" name="Date Placeholder 3"/>
           <p:cNvSpPr>
             <a:spLocks noGrp="1"/>
           </p:cNvSpPr>
@@ -3180,10 +3210,11 @@
           <a:bodyPr vert="horz" lIns="91440" tIns="45720" rIns="91440" bIns="45720" rtlCol="0" anchor="ctr"/>
           <a:lstStyle>
             <a:lvl1pPr algn="l">
-              <a:defRPr sz="1200">
+              <a:defRPr sz="1100">
                 <a:solidFill>
                   <a:schemeClr val="tx1">
-                    <a:tint val="75000"/>
+                    <a:lumMod val="65000"/>
+                    <a:lumOff val="35000"/>
                   </a:schemeClr>
                 </a:solidFill>
               </a:defRPr>
@@ -3200,13 +3231,7 @@
       </p:sp>
       <p:sp>
         <p:nvSpPr>
-          <p:cNvPr id="5" name="フッター プレースホルダー 4">
-            <a:extLst>
-              <a:ext uri="{FF2B5EF4-FFF2-40B4-BE49-F238E27FC236}">
-                <a16:creationId xmlns:a16="http://schemas.microsoft.com/office/drawing/2014/main" id="{4A24096F-94B8-4FC1-8330-B1E0F45126A5}"/>
-              </a:ext>
-            </a:extLst>
-          </p:cNvPr>
+          <p:cNvPr id="5" name="Footer Placeholder 4"/>
           <p:cNvSpPr>
             <a:spLocks noGrp="1"/>
           </p:cNvSpPr>
@@ -3227,7 +3252,45 @@
           <a:bodyPr vert="horz" lIns="91440" tIns="45720" rIns="91440" bIns="45720" rtlCol="0" anchor="ctr"/>
           <a:lstStyle>
             <a:lvl1pPr algn="ctr">
-              <a:defRPr sz="1200">
+              <a:defRPr sz="1100">
+                <a:solidFill>
+                  <a:schemeClr val="tx1">
+                    <a:lumMod val="65000"/>
+                    <a:lumOff val="35000"/>
+                  </a:schemeClr>
+                </a:solidFill>
+              </a:defRPr>
+            </a:lvl1pPr>
+          </a:lstStyle>
+          <a:p>
+            <a:endParaRPr kumimoji="1" lang="ja-JP" altLang="en-US"/>
+          </a:p>
+        </p:txBody>
+      </p:sp>
+      <p:sp>
+        <p:nvSpPr>
+          <p:cNvPr id="6" name="Slide Number Placeholder 5"/>
+          <p:cNvSpPr>
+            <a:spLocks noGrp="1"/>
+          </p:cNvSpPr>
+          <p:nvPr>
+            <p:ph type="sldNum" sz="quarter" idx="4"/>
+          </p:nvPr>
+        </p:nvSpPr>
+        <p:spPr>
+          <a:xfrm>
+            <a:off x="8617527" y="6356350"/>
+            <a:ext cx="2743200" cy="365125"/>
+          </a:xfrm>
+          <a:prstGeom prst="rect">
+            <a:avLst/>
+          </a:prstGeom>
+        </p:spPr>
+        <p:txBody>
+          <a:bodyPr vert="horz" lIns="91440" tIns="45720" rIns="91440" bIns="45720" rtlCol="0" anchor="ctr"/>
+          <a:lstStyle>
+            <a:lvl1pPr algn="r">
+              <a:defRPr sz="1100">
                 <a:solidFill>
                   <a:schemeClr val="tx1">
                     <a:tint val="75000"/>
@@ -3237,49 +3300,6 @@
             </a:lvl1pPr>
           </a:lstStyle>
           <a:p>
-            <a:endParaRPr kumimoji="1" lang="ja-JP" altLang="en-US"/>
-          </a:p>
-        </p:txBody>
-      </p:sp>
-      <p:sp>
-        <p:nvSpPr>
-          <p:cNvPr id="6" name="スライド番号プレースホルダー 5">
-            <a:extLst>
-              <a:ext uri="{FF2B5EF4-FFF2-40B4-BE49-F238E27FC236}">
-                <a16:creationId xmlns:a16="http://schemas.microsoft.com/office/drawing/2014/main" id="{26ACADDF-3454-4779-B6C6-393426923EDD}"/>
-              </a:ext>
-            </a:extLst>
-          </p:cNvPr>
-          <p:cNvSpPr>
-            <a:spLocks noGrp="1"/>
-          </p:cNvSpPr>
-          <p:nvPr>
-            <p:ph type="sldNum" sz="quarter" idx="4"/>
-          </p:nvPr>
-        </p:nvSpPr>
-        <p:spPr>
-          <a:xfrm>
-            <a:off x="8610600" y="6356350"/>
-            <a:ext cx="2743200" cy="365125"/>
-          </a:xfrm>
-          <a:prstGeom prst="rect">
-            <a:avLst/>
-          </a:prstGeom>
-        </p:spPr>
-        <p:txBody>
-          <a:bodyPr vert="horz" lIns="91440" tIns="45720" rIns="91440" bIns="45720" rtlCol="0" anchor="ctr"/>
-          <a:lstStyle>
-            <a:lvl1pPr algn="r">
-              <a:defRPr sz="1200">
-                <a:solidFill>
-                  <a:schemeClr val="tx1">
-                    <a:tint val="75000"/>
-                  </a:schemeClr>
-                </a:solidFill>
-              </a:defRPr>
-            </a:lvl1pPr>
-          </a:lstStyle>
-          <a:p>
             <a:fld id="{3C389D12-8073-498F-BE90-757FD2A018F9}" type="slidenum">
               <a:rPr kumimoji="1" lang="ja-JP" altLang="en-US" smtClean="0"/>
               <a:t>‹#›</a:t>
@@ -3291,23 +3311,23 @@
     </p:spTree>
     <p:extLst>
       <p:ext uri="{BB962C8B-B14F-4D97-AF65-F5344CB8AC3E}">
-        <p14:creationId xmlns:p14="http://schemas.microsoft.com/office/powerpoint/2010/main" val="83496154"/>
+        <p14:creationId xmlns:p14="http://schemas.microsoft.com/office/powerpoint/2010/main" val="450065142"/>
       </p:ext>
     </p:extLst>
   </p:cSld>
   <p:clrMap bg1="lt1" tx1="dk1" bg2="lt2" tx2="dk2" accent1="accent1" accent2="accent2" accent3="accent3" accent4="accent4" accent5="accent5" accent6="accent6" hlink="hlink" folHlink="folHlink"/>
   <p:sldLayoutIdLst>
-    <p:sldLayoutId id="2147483649" r:id="rId1"/>
-    <p:sldLayoutId id="2147483650" r:id="rId2"/>
-    <p:sldLayoutId id="2147483651" r:id="rId3"/>
-    <p:sldLayoutId id="2147483652" r:id="rId4"/>
-    <p:sldLayoutId id="2147483653" r:id="rId5"/>
-    <p:sldLayoutId id="2147483654" r:id="rId6"/>
-    <p:sldLayoutId id="2147483655" r:id="rId7"/>
-    <p:sldLayoutId id="2147483656" r:id="rId8"/>
-    <p:sldLayoutId id="2147483657" r:id="rId9"/>
-    <p:sldLayoutId id="2147483658" r:id="rId10"/>
-    <p:sldLayoutId id="2147483659" r:id="rId11"/>
+    <p:sldLayoutId id="2147483679" r:id="rId1"/>
+    <p:sldLayoutId id="2147483680" r:id="rId2"/>
+    <p:sldLayoutId id="2147483681" r:id="rId3"/>
+    <p:sldLayoutId id="2147483682" r:id="rId4"/>
+    <p:sldLayoutId id="2147483683" r:id="rId5"/>
+    <p:sldLayoutId id="2147483684" r:id="rId6"/>
+    <p:sldLayoutId id="2147483685" r:id="rId7"/>
+    <p:sldLayoutId id="2147483686" r:id="rId8"/>
+    <p:sldLayoutId id="2147483687" r:id="rId9"/>
+    <p:sldLayoutId id="2147483688" r:id="rId10"/>
+    <p:sldLayoutId id="2147483689" r:id="rId11"/>
   </p:sldLayoutIdLst>
   <p:txStyles>
     <p:titleStyle>
@@ -3337,8 +3357,8 @@
         <a:spcBef>
           <a:spcPts val="1000"/>
         </a:spcBef>
-        <a:buFont typeface="Arial" panose="020B0604020202020204" pitchFamily="34" charset="0"/>
-        <a:buChar char="•"/>
+        <a:buFont typeface="Wingdings 2" pitchFamily="18" charset="2"/>
+        <a:buChar char=""/>
         <a:defRPr kumimoji="1" sz="2800" kern="1200">
           <a:solidFill>
             <a:schemeClr val="tx1"/>
@@ -3355,8 +3375,8 @@
         <a:spcBef>
           <a:spcPts val="500"/>
         </a:spcBef>
-        <a:buFont typeface="Arial" panose="020B0604020202020204" pitchFamily="34" charset="0"/>
-        <a:buChar char="•"/>
+        <a:buFont typeface="Wingdings 2" pitchFamily="18" charset="2"/>
+        <a:buChar char=""/>
         <a:defRPr kumimoji="1" sz="2400" kern="1200">
           <a:solidFill>
             <a:schemeClr val="tx1"/>
@@ -3373,8 +3393,8 @@
         <a:spcBef>
           <a:spcPts val="500"/>
         </a:spcBef>
-        <a:buFont typeface="Arial" panose="020B0604020202020204" pitchFamily="34" charset="0"/>
-        <a:buChar char="•"/>
+        <a:buFont typeface="Wingdings 2" pitchFamily="18" charset="2"/>
+        <a:buChar char=""/>
         <a:defRPr kumimoji="1" sz="2000" kern="1200">
           <a:solidFill>
             <a:schemeClr val="tx1"/>
@@ -3391,8 +3411,8 @@
         <a:spcBef>
           <a:spcPts val="500"/>
         </a:spcBef>
-        <a:buFont typeface="Arial" panose="020B0604020202020204" pitchFamily="34" charset="0"/>
-        <a:buChar char="•"/>
+        <a:buFont typeface="Wingdings 2" pitchFamily="18" charset="2"/>
+        <a:buChar char=""/>
         <a:defRPr kumimoji="1" sz="1800" kern="1200">
           <a:solidFill>
             <a:schemeClr val="tx1"/>
@@ -3409,8 +3429,8 @@
         <a:spcBef>
           <a:spcPts val="500"/>
         </a:spcBef>
-        <a:buFont typeface="Arial" panose="020B0604020202020204" pitchFamily="34" charset="0"/>
-        <a:buChar char="•"/>
+        <a:buFont typeface="Wingdings 2" pitchFamily="18" charset="2"/>
+        <a:buChar char=""/>
         <a:defRPr kumimoji="1" sz="1800" kern="1200">
           <a:solidFill>
             <a:schemeClr val="tx1"/>
@@ -3421,14 +3441,11 @@
         </a:defRPr>
       </a:lvl5pPr>
       <a:lvl6pPr marL="2514600" indent="-228600" algn="l" defTabSz="914400" rtl="0" eaLnBrk="1" latinLnBrk="0" hangingPunct="1">
-        <a:lnSpc>
-          <a:spcPct val="90000"/>
-        </a:lnSpc>
         <a:spcBef>
-          <a:spcPts val="500"/>
+          <a:spcPct val="20000"/>
         </a:spcBef>
-        <a:buFont typeface="Arial" panose="020B0604020202020204" pitchFamily="34" charset="0"/>
-        <a:buChar char="•"/>
+        <a:buFont typeface="Wingdings 2" pitchFamily="18" charset="2"/>
+        <a:buChar char=""/>
         <a:defRPr kumimoji="1" sz="1800" kern="1200">
           <a:solidFill>
             <a:schemeClr val="tx1"/>
@@ -3439,14 +3456,11 @@
         </a:defRPr>
       </a:lvl6pPr>
       <a:lvl7pPr marL="2971800" indent="-228600" algn="l" defTabSz="914400" rtl="0" eaLnBrk="1" latinLnBrk="0" hangingPunct="1">
-        <a:lnSpc>
-          <a:spcPct val="90000"/>
-        </a:lnSpc>
         <a:spcBef>
-          <a:spcPts val="500"/>
+          <a:spcPct val="20000"/>
         </a:spcBef>
-        <a:buFont typeface="Arial" panose="020B0604020202020204" pitchFamily="34" charset="0"/>
-        <a:buChar char="•"/>
+        <a:buFont typeface="Wingdings 2" pitchFamily="18" charset="2"/>
+        <a:buChar char=""/>
         <a:defRPr kumimoji="1" sz="1800" kern="1200">
           <a:solidFill>
             <a:schemeClr val="tx1"/>
@@ -3457,14 +3471,11 @@
         </a:defRPr>
       </a:lvl7pPr>
       <a:lvl8pPr marL="3429000" indent="-228600" algn="l" defTabSz="914400" rtl="0" eaLnBrk="1" latinLnBrk="0" hangingPunct="1">
-        <a:lnSpc>
-          <a:spcPct val="90000"/>
-        </a:lnSpc>
         <a:spcBef>
-          <a:spcPts val="500"/>
+          <a:spcPct val="20000"/>
         </a:spcBef>
-        <a:buFont typeface="Arial" panose="020B0604020202020204" pitchFamily="34" charset="0"/>
-        <a:buChar char="•"/>
+        <a:buFont typeface="Wingdings 2" pitchFamily="18" charset="2"/>
+        <a:buChar char=""/>
         <a:defRPr kumimoji="1" sz="1800" kern="1200">
           <a:solidFill>
             <a:schemeClr val="tx1"/>
@@ -3475,14 +3486,11 @@
         </a:defRPr>
       </a:lvl8pPr>
       <a:lvl9pPr marL="3886200" indent="-228600" algn="l" defTabSz="914400" rtl="0" eaLnBrk="1" latinLnBrk="0" hangingPunct="1">
-        <a:lnSpc>
-          <a:spcPct val="90000"/>
-        </a:lnSpc>
         <a:spcBef>
-          <a:spcPts val="500"/>
+          <a:spcPct val="20000"/>
         </a:spcBef>
-        <a:buFont typeface="Arial" panose="020B0604020202020204" pitchFamily="34" charset="0"/>
-        <a:buChar char="•"/>
+        <a:buFont typeface="Wingdings 2" pitchFamily="18" charset="2"/>
+        <a:buChar char=""/>
         <a:defRPr kumimoji="1" sz="1800" kern="1200">
           <a:solidFill>
             <a:schemeClr val="tx1"/>
@@ -3495,7 +3503,7 @@
     </p:bodyStyle>
     <p:otherStyle>
       <a:defPPr>
-        <a:defRPr lang="ja-JP"/>
+        <a:defRPr lang="en-US"/>
       </a:defPPr>
       <a:lvl1pPr marL="0" algn="l" defTabSz="914400" rtl="0" eaLnBrk="1" latinLnBrk="0" hangingPunct="1">
         <a:defRPr kumimoji="1" sz="1800" kern="1200">
@@ -3595,6 +3603,20 @@
 <file path=ppt/slides/slide1.xml><?xml version="1.0" encoding="utf-8"?>
 <p:sld xmlns:a="http://schemas.openxmlformats.org/drawingml/2006/main" xmlns:r="http://schemas.openxmlformats.org/officeDocument/2006/relationships" xmlns:p="http://schemas.openxmlformats.org/presentationml/2006/main">
   <p:cSld>
+    <p:bg>
+      <p:bgPr>
+        <a:blipFill dpi="0" rotWithShape="1">
+          <a:blip r:embed="rId2">
+            <a:lum/>
+          </a:blip>
+          <a:srcRect/>
+          <a:stretch>
+            <a:fillRect t="-17000" b="-17000"/>
+          </a:stretch>
+        </a:blipFill>
+        <a:effectLst/>
+      </p:bgPr>
+    </p:bg>
     <p:spTree>
       <p:nvGrpSpPr>
         <p:cNvPr id="1" name=""/>
@@ -3625,12 +3647,61 @@
             <p:ph type="ctrTitle"/>
           </p:nvPr>
         </p:nvSpPr>
-        <p:spPr/>
-        <p:txBody>
-          <a:bodyPr/>
-          <a:lstStyle/>
-          <a:p>
-            <a:endParaRPr kumimoji="1" lang="ja-JP" altLang="en-US" dirty="0"/>
+        <p:spPr>
+          <a:xfrm>
+            <a:off x="684211" y="1960880"/>
+            <a:ext cx="10693942" cy="4511040"/>
+          </a:xfrm>
+        </p:spPr>
+        <p:txBody>
+          <a:bodyPr>
+            <a:noAutofit/>
+          </a:bodyPr>
+          <a:lstStyle/>
+          <a:p>
+            <a:r>
+              <a:rPr kumimoji="1" lang="ja-JP" altLang="en-US" sz="13000" dirty="0">
+                <a:solidFill>
+                  <a:schemeClr val="bg1"/>
+                </a:solidFill>
+              </a:rPr>
+              <a:t>目覚まし時計</a:t>
+            </a:r>
+            <a:br>
+              <a:rPr kumimoji="1" lang="en-US" altLang="ja-JP" sz="13000" dirty="0">
+                <a:solidFill>
+                  <a:schemeClr val="bg1"/>
+                </a:solidFill>
+              </a:rPr>
+            </a:br>
+            <a:r>
+              <a:rPr kumimoji="1" lang="en-US" altLang="ja-JP" sz="13000" dirty="0">
+                <a:solidFill>
+                  <a:schemeClr val="bg1"/>
+                </a:solidFill>
+              </a:rPr>
+              <a:t>×</a:t>
+            </a:r>
+            <a:br>
+              <a:rPr kumimoji="1" lang="en-US" altLang="ja-JP" sz="13000" dirty="0">
+                <a:solidFill>
+                  <a:schemeClr val="bg1"/>
+                </a:solidFill>
+              </a:rPr>
+            </a:br>
+            <a:r>
+              <a:rPr kumimoji="1" lang="en-US" altLang="ja-JP" sz="15000" dirty="0">
+                <a:solidFill>
+                  <a:schemeClr val="bg1"/>
+                </a:solidFill>
+              </a:rPr>
+              <a:t>SNS</a:t>
+            </a:r>
+            <a:endParaRPr kumimoji="1" lang="ja-JP" altLang="en-US" sz="15000" dirty="0">
+              <a:solidFill>
+                <a:schemeClr val="bg1"/>
+              </a:solidFill>
+            </a:endParaRPr>
           </a:p>
         </p:txBody>
       </p:sp>
@@ -3650,12 +3721,17 @@
             <p:ph type="subTitle" idx="1"/>
           </p:nvPr>
         </p:nvSpPr>
-        <p:spPr/>
+        <p:spPr>
+          <a:xfrm>
+            <a:off x="684212" y="4779390"/>
+            <a:ext cx="6400800" cy="1011810"/>
+          </a:xfrm>
+        </p:spPr>
         <p:txBody>
           <a:bodyPr/>
           <a:lstStyle/>
           <a:p>
-            <a:endParaRPr kumimoji="1" lang="ja-JP" altLang="en-US"/>
+            <a:endParaRPr kumimoji="1" lang="ja-JP" altLang="en-US" dirty="0"/>
           </a:p>
         </p:txBody>
       </p:sp>
@@ -3672,8 +3748,1258 @@
 </p:sld>
 </file>
 
+<file path=ppt/slides/slide2.xml><?xml version="1.0" encoding="utf-8"?>
+<p:sld xmlns:a="http://schemas.openxmlformats.org/drawingml/2006/main" xmlns:r="http://schemas.openxmlformats.org/officeDocument/2006/relationships" xmlns:p="http://schemas.openxmlformats.org/presentationml/2006/main">
+  <p:cSld>
+    <p:spTree>
+      <p:nvGrpSpPr>
+        <p:cNvPr id="1" name=""/>
+        <p:cNvGrpSpPr/>
+        <p:nvPr/>
+      </p:nvGrpSpPr>
+      <p:grpSpPr>
+        <a:xfrm>
+          <a:off x="0" y="0"/>
+          <a:ext cx="0" cy="0"/>
+          <a:chOff x="0" y="0"/>
+          <a:chExt cx="0" cy="0"/>
+        </a:xfrm>
+      </p:grpSpPr>
+      <p:sp>
+        <p:nvSpPr>
+          <p:cNvPr id="2" name="タイトル 1">
+            <a:extLst>
+              <a:ext uri="{FF2B5EF4-FFF2-40B4-BE49-F238E27FC236}">
+                <a16:creationId xmlns:a16="http://schemas.microsoft.com/office/drawing/2014/main" id="{4545AD98-CEB8-4EC4-91F0-B99964FE7D92}"/>
+              </a:ext>
+            </a:extLst>
+          </p:cNvPr>
+          <p:cNvSpPr>
+            <a:spLocks noGrp="1"/>
+          </p:cNvSpPr>
+          <p:nvPr>
+            <p:ph type="title"/>
+          </p:nvPr>
+        </p:nvSpPr>
+        <p:spPr>
+          <a:xfrm>
+            <a:off x="845127" y="314960"/>
+            <a:ext cx="10515600" cy="1325562"/>
+          </a:xfrm>
+        </p:spPr>
+        <p:txBody>
+          <a:bodyPr/>
+          <a:lstStyle/>
+          <a:p>
+            <a:r>
+              <a:rPr kumimoji="1" lang="ja-JP" altLang="en-US" dirty="0">
+                <a:solidFill>
+                  <a:schemeClr val="accent5"/>
+                </a:solidFill>
+              </a:rPr>
+              <a:t>概要</a:t>
+            </a:r>
+          </a:p>
+        </p:txBody>
+      </p:sp>
+      <p:sp>
+        <p:nvSpPr>
+          <p:cNvPr id="3" name="コンテンツ プレースホルダー 2">
+            <a:extLst>
+              <a:ext uri="{FF2B5EF4-FFF2-40B4-BE49-F238E27FC236}">
+                <a16:creationId xmlns:a16="http://schemas.microsoft.com/office/drawing/2014/main" id="{5C83F002-BFE0-45D4-AEF0-83BA8192609C}"/>
+              </a:ext>
+            </a:extLst>
+          </p:cNvPr>
+          <p:cNvSpPr>
+            <a:spLocks noGrp="1"/>
+          </p:cNvSpPr>
+          <p:nvPr>
+            <p:ph idx="1"/>
+          </p:nvPr>
+        </p:nvSpPr>
+        <p:spPr/>
+        <p:txBody>
+          <a:bodyPr>
+            <a:normAutofit/>
+          </a:bodyPr>
+          <a:lstStyle/>
+          <a:p>
+            <a:r>
+              <a:rPr kumimoji="1" lang="ja-JP" altLang="en-US" sz="3200" dirty="0">
+                <a:solidFill>
+                  <a:schemeClr val="accent5"/>
+                </a:solidFill>
+              </a:rPr>
+              <a:t>今までにない目覚まし機能と</a:t>
+            </a:r>
+            <a:r>
+              <a:rPr kumimoji="1" lang="en-US" altLang="ja-JP" sz="3200" dirty="0">
+                <a:solidFill>
+                  <a:schemeClr val="accent5"/>
+                </a:solidFill>
+              </a:rPr>
+              <a:t>SNS</a:t>
+            </a:r>
+            <a:r>
+              <a:rPr kumimoji="1" lang="ja-JP" altLang="en-US" sz="3200" dirty="0">
+                <a:solidFill>
+                  <a:schemeClr val="accent5"/>
+                </a:solidFill>
+              </a:rPr>
+              <a:t>機能の連携</a:t>
+            </a:r>
+            <a:endParaRPr kumimoji="1" lang="en-US" altLang="ja-JP" sz="3200" dirty="0">
+              <a:solidFill>
+                <a:schemeClr val="accent5"/>
+              </a:solidFill>
+            </a:endParaRPr>
+          </a:p>
+          <a:p>
+            <a:r>
+              <a:rPr lang="ja-JP" altLang="en-US" sz="3200" dirty="0">
+                <a:solidFill>
+                  <a:schemeClr val="accent5"/>
+                </a:solidFill>
+              </a:rPr>
+              <a:t>アラームを同時刻に設定した人同士でマッチング</a:t>
+            </a:r>
+            <a:endParaRPr kumimoji="1" lang="en-US" altLang="ja-JP" sz="3200" dirty="0">
+              <a:solidFill>
+                <a:schemeClr val="accent5"/>
+              </a:solidFill>
+            </a:endParaRPr>
+          </a:p>
+          <a:p>
+            <a:r>
+              <a:rPr lang="ja-JP" altLang="en-US" sz="3200" dirty="0">
+                <a:solidFill>
+                  <a:schemeClr val="accent5"/>
+                </a:solidFill>
+              </a:rPr>
+              <a:t>グループ内で相互に起こしあうことによる連帯感、責任感により、今までのオフライン目覚まし時計よりも起きやすくなる</a:t>
+            </a:r>
+            <a:endParaRPr lang="en-US" altLang="ja-JP" sz="3200" dirty="0">
+              <a:solidFill>
+                <a:schemeClr val="accent5"/>
+              </a:solidFill>
+            </a:endParaRPr>
+          </a:p>
+          <a:p>
+            <a:r>
+              <a:rPr kumimoji="1" lang="ja-JP" altLang="en-US" sz="3200" dirty="0">
+                <a:solidFill>
+                  <a:schemeClr val="accent5"/>
+                </a:solidFill>
+              </a:rPr>
+              <a:t>起床成功回数のランキングを表示することによるゲーム性で、競争心を</a:t>
+            </a:r>
+            <a:r>
+              <a:rPr lang="ja-JP" altLang="en-US" sz="3200" dirty="0">
+                <a:solidFill>
+                  <a:schemeClr val="accent5"/>
+                </a:solidFill>
+              </a:rPr>
+              <a:t>煽る</a:t>
+            </a:r>
+            <a:endParaRPr kumimoji="1" lang="en-US" altLang="ja-JP" sz="3200" dirty="0">
+              <a:solidFill>
+                <a:schemeClr val="accent5"/>
+              </a:solidFill>
+            </a:endParaRPr>
+          </a:p>
+        </p:txBody>
+      </p:sp>
+    </p:spTree>
+    <p:extLst>
+      <p:ext uri="{BB962C8B-B14F-4D97-AF65-F5344CB8AC3E}">
+        <p14:creationId xmlns:p14="http://schemas.microsoft.com/office/powerpoint/2010/main" val="3583529623"/>
+      </p:ext>
+    </p:extLst>
+  </p:cSld>
+  <p:clrMapOvr>
+    <a:masterClrMapping/>
+  </p:clrMapOvr>
+</p:sld>
+</file>
+
+<file path=ppt/slides/slide3.xml><?xml version="1.0" encoding="utf-8"?>
+<p:sld xmlns:a="http://schemas.openxmlformats.org/drawingml/2006/main" xmlns:r="http://schemas.openxmlformats.org/officeDocument/2006/relationships" xmlns:p="http://schemas.openxmlformats.org/presentationml/2006/main">
+  <p:cSld>
+    <p:bg>
+      <p:bgPr>
+        <a:blipFill dpi="0" rotWithShape="1">
+          <a:blip r:embed="rId2">
+            <a:lum/>
+          </a:blip>
+          <a:srcRect/>
+          <a:stretch>
+            <a:fillRect t="-17000" b="-17000"/>
+          </a:stretch>
+        </a:blipFill>
+        <a:effectLst/>
+      </p:bgPr>
+    </p:bg>
+    <p:spTree>
+      <p:nvGrpSpPr>
+        <p:cNvPr id="1" name=""/>
+        <p:cNvGrpSpPr/>
+        <p:nvPr/>
+      </p:nvGrpSpPr>
+      <p:grpSpPr>
+        <a:xfrm>
+          <a:off x="0" y="0"/>
+          <a:ext cx="0" cy="0"/>
+          <a:chOff x="0" y="0"/>
+          <a:chExt cx="0" cy="0"/>
+        </a:xfrm>
+      </p:grpSpPr>
+      <p:sp>
+        <p:nvSpPr>
+          <p:cNvPr id="2" name="タイトル 1">
+            <a:extLst>
+              <a:ext uri="{FF2B5EF4-FFF2-40B4-BE49-F238E27FC236}">
+                <a16:creationId xmlns:a16="http://schemas.microsoft.com/office/drawing/2014/main" id="{EEDD0B4E-B713-4FE1-8686-E97A4EE38936}"/>
+              </a:ext>
+            </a:extLst>
+          </p:cNvPr>
+          <p:cNvSpPr>
+            <a:spLocks noGrp="1"/>
+          </p:cNvSpPr>
+          <p:nvPr>
+            <p:ph type="title"/>
+          </p:nvPr>
+        </p:nvSpPr>
+        <p:spPr>
+          <a:xfrm>
+            <a:off x="1767840" y="365760"/>
+            <a:ext cx="9592886" cy="6248400"/>
+          </a:xfrm>
+        </p:spPr>
+        <p:txBody>
+          <a:bodyPr>
+            <a:noAutofit/>
+          </a:bodyPr>
+          <a:lstStyle/>
+          <a:p>
+            <a:r>
+              <a:rPr kumimoji="1" lang="ja-JP" altLang="en-US" sz="20000" dirty="0">
+                <a:solidFill>
+                  <a:schemeClr val="bg1"/>
+                </a:solidFill>
+              </a:rPr>
+              <a:t>使い方</a:t>
+            </a:r>
+          </a:p>
+        </p:txBody>
+      </p:sp>
+      <p:sp>
+        <p:nvSpPr>
+          <p:cNvPr id="3" name="コンテンツ プレースホルダー 2">
+            <a:extLst>
+              <a:ext uri="{FF2B5EF4-FFF2-40B4-BE49-F238E27FC236}">
+                <a16:creationId xmlns:a16="http://schemas.microsoft.com/office/drawing/2014/main" id="{DC1C6E50-F16E-494E-BB3E-E879AD69E594}"/>
+              </a:ext>
+            </a:extLst>
+          </p:cNvPr>
+          <p:cNvSpPr>
+            <a:spLocks noGrp="1"/>
+          </p:cNvSpPr>
+          <p:nvPr>
+            <p:ph idx="1"/>
+          </p:nvPr>
+        </p:nvSpPr>
+        <p:spPr>
+          <a:xfrm>
+            <a:off x="845127" y="5577840"/>
+            <a:ext cx="10515600" cy="602297"/>
+          </a:xfrm>
+        </p:spPr>
+        <p:txBody>
+          <a:bodyPr/>
+          <a:lstStyle/>
+          <a:p>
+            <a:endParaRPr kumimoji="1" lang="ja-JP" altLang="en-US" dirty="0"/>
+          </a:p>
+        </p:txBody>
+      </p:sp>
+    </p:spTree>
+    <p:extLst>
+      <p:ext uri="{BB962C8B-B14F-4D97-AF65-F5344CB8AC3E}">
+        <p14:creationId xmlns:p14="http://schemas.microsoft.com/office/powerpoint/2010/main" val="1449372601"/>
+      </p:ext>
+    </p:extLst>
+  </p:cSld>
+  <p:clrMapOvr>
+    <a:masterClrMapping/>
+  </p:clrMapOvr>
+</p:sld>
+</file>
+
+<file path=ppt/slides/slide4.xml><?xml version="1.0" encoding="utf-8"?>
+<p:sld xmlns:a="http://schemas.openxmlformats.org/drawingml/2006/main" xmlns:r="http://schemas.openxmlformats.org/officeDocument/2006/relationships" xmlns:p="http://schemas.openxmlformats.org/presentationml/2006/main">
+  <p:cSld>
+    <p:spTree>
+      <p:nvGrpSpPr>
+        <p:cNvPr id="1" name=""/>
+        <p:cNvGrpSpPr/>
+        <p:nvPr/>
+      </p:nvGrpSpPr>
+      <p:grpSpPr>
+        <a:xfrm>
+          <a:off x="0" y="0"/>
+          <a:ext cx="0" cy="0"/>
+          <a:chOff x="0" y="0"/>
+          <a:chExt cx="0" cy="0"/>
+        </a:xfrm>
+      </p:grpSpPr>
+      <p:sp>
+        <p:nvSpPr>
+          <p:cNvPr id="2" name="タイトル 1">
+            <a:extLst>
+              <a:ext uri="{FF2B5EF4-FFF2-40B4-BE49-F238E27FC236}">
+                <a16:creationId xmlns:a16="http://schemas.microsoft.com/office/drawing/2014/main" id="{350C3D2E-F153-4B23-8A30-1F3CEE6D351D}"/>
+              </a:ext>
+            </a:extLst>
+          </p:cNvPr>
+          <p:cNvSpPr>
+            <a:spLocks noGrp="1"/>
+          </p:cNvSpPr>
+          <p:nvPr>
+            <p:ph type="title"/>
+          </p:nvPr>
+        </p:nvSpPr>
+        <p:spPr>
+          <a:xfrm>
+            <a:off x="845127" y="365760"/>
+            <a:ext cx="6168415" cy="840872"/>
+          </a:xfrm>
+        </p:spPr>
+        <p:txBody>
+          <a:bodyPr/>
+          <a:lstStyle/>
+          <a:p>
+            <a:r>
+              <a:rPr kumimoji="1" lang="ja-JP" altLang="en-US" dirty="0"/>
+              <a:t>アカウント設定画面</a:t>
+            </a:r>
+          </a:p>
+        </p:txBody>
+      </p:sp>
+      <p:pic>
+        <p:nvPicPr>
+          <p:cNvPr id="5" name="コンテンツ プレースホルダー 4">
+            <a:extLst>
+              <a:ext uri="{FF2B5EF4-FFF2-40B4-BE49-F238E27FC236}">
+                <a16:creationId xmlns:a16="http://schemas.microsoft.com/office/drawing/2014/main" id="{91DAFC75-C475-4E04-A390-24872682786E}"/>
+              </a:ext>
+            </a:extLst>
+          </p:cNvPr>
+          <p:cNvPicPr>
+            <a:picLocks noGrp="1" noChangeAspect="1"/>
+          </p:cNvPicPr>
+          <p:nvPr>
+            <p:ph idx="1"/>
+          </p:nvPr>
+        </p:nvPicPr>
+        <p:blipFill>
+          <a:blip r:embed="rId2">
+            <a:extLst>
+              <a:ext uri="{28A0092B-C50C-407E-A947-70E740481C1C}">
+                <a14:useLocalDpi xmlns:a14="http://schemas.microsoft.com/office/drawing/2010/main" val="0"/>
+              </a:ext>
+            </a:extLst>
+          </a:blip>
+          <a:stretch>
+            <a:fillRect/>
+          </a:stretch>
+        </p:blipFill>
+        <p:spPr>
+          <a:xfrm>
+            <a:off x="8144759" y="0"/>
+            <a:ext cx="4047241" cy="6787468"/>
+          </a:xfrm>
+        </p:spPr>
+      </p:pic>
+      <p:sp>
+        <p:nvSpPr>
+          <p:cNvPr id="6" name="テキスト ボックス 5">
+            <a:extLst>
+              <a:ext uri="{FF2B5EF4-FFF2-40B4-BE49-F238E27FC236}">
+                <a16:creationId xmlns:a16="http://schemas.microsoft.com/office/drawing/2014/main" id="{DD7F5E8D-17BE-434F-95B7-B289B7FA7923}"/>
+              </a:ext>
+            </a:extLst>
+          </p:cNvPr>
+          <p:cNvSpPr txBox="1"/>
+          <p:nvPr/>
+        </p:nvSpPr>
+        <p:spPr>
+          <a:xfrm>
+            <a:off x="845127" y="1677970"/>
+            <a:ext cx="5722070" cy="830997"/>
+          </a:xfrm>
+          <a:prstGeom prst="rect">
+            <a:avLst/>
+          </a:prstGeom>
+          <a:noFill/>
+        </p:spPr>
+        <p:txBody>
+          <a:bodyPr wrap="square" rtlCol="0">
+            <a:spAutoFit/>
+          </a:bodyPr>
+          <a:lstStyle/>
+          <a:p>
+            <a:pPr marL="285750" indent="-285750">
+              <a:buFont typeface="Arial" panose="020B0604020202020204" pitchFamily="34" charset="0"/>
+              <a:buChar char="•"/>
+            </a:pPr>
+            <a:r>
+              <a:rPr kumimoji="1" lang="ja-JP" altLang="en-US" sz="2400" dirty="0"/>
+              <a:t>アイコンの設定</a:t>
+            </a:r>
+            <a:endParaRPr kumimoji="1" lang="en-US" altLang="ja-JP" sz="2400" dirty="0"/>
+          </a:p>
+          <a:p>
+            <a:pPr marL="285750" indent="-285750">
+              <a:buFont typeface="Arial" panose="020B0604020202020204" pitchFamily="34" charset="0"/>
+              <a:buChar char="•"/>
+            </a:pPr>
+            <a:r>
+              <a:rPr kumimoji="1" lang="ja-JP" altLang="en-US" sz="2400" dirty="0"/>
+              <a:t>ニックネームの設定</a:t>
+            </a:r>
+          </a:p>
+        </p:txBody>
+      </p:sp>
+    </p:spTree>
+    <p:extLst>
+      <p:ext uri="{BB962C8B-B14F-4D97-AF65-F5344CB8AC3E}">
+        <p14:creationId xmlns:p14="http://schemas.microsoft.com/office/powerpoint/2010/main" val="3907722640"/>
+      </p:ext>
+    </p:extLst>
+  </p:cSld>
+  <p:clrMapOvr>
+    <a:masterClrMapping/>
+  </p:clrMapOvr>
+</p:sld>
+</file>
+
+<file path=ppt/slides/slide5.xml><?xml version="1.0" encoding="utf-8"?>
+<p:sld xmlns:a="http://schemas.openxmlformats.org/drawingml/2006/main" xmlns:r="http://schemas.openxmlformats.org/officeDocument/2006/relationships" xmlns:p="http://schemas.openxmlformats.org/presentationml/2006/main">
+  <p:cSld>
+    <p:spTree>
+      <p:nvGrpSpPr>
+        <p:cNvPr id="1" name=""/>
+        <p:cNvGrpSpPr/>
+        <p:nvPr/>
+      </p:nvGrpSpPr>
+      <p:grpSpPr>
+        <a:xfrm>
+          <a:off x="0" y="0"/>
+          <a:ext cx="0" cy="0"/>
+          <a:chOff x="0" y="0"/>
+          <a:chExt cx="0" cy="0"/>
+        </a:xfrm>
+      </p:grpSpPr>
+      <p:sp>
+        <p:nvSpPr>
+          <p:cNvPr id="2" name="タイトル 1">
+            <a:extLst>
+              <a:ext uri="{FF2B5EF4-FFF2-40B4-BE49-F238E27FC236}">
+                <a16:creationId xmlns:a16="http://schemas.microsoft.com/office/drawing/2014/main" id="{1A5D16F9-0246-40C8-B3C9-9928F862603A}"/>
+              </a:ext>
+            </a:extLst>
+          </p:cNvPr>
+          <p:cNvSpPr>
+            <a:spLocks noGrp="1"/>
+          </p:cNvSpPr>
+          <p:nvPr>
+            <p:ph type="title"/>
+          </p:nvPr>
+        </p:nvSpPr>
+        <p:spPr>
+          <a:xfrm>
+            <a:off x="845127" y="141402"/>
+            <a:ext cx="5037199" cy="1206631"/>
+          </a:xfrm>
+        </p:spPr>
+        <p:txBody>
+          <a:bodyPr/>
+          <a:lstStyle/>
+          <a:p>
+            <a:r>
+              <a:rPr kumimoji="1" lang="ja-JP" altLang="en-US" dirty="0"/>
+              <a:t>アラーム設定画面</a:t>
+            </a:r>
+          </a:p>
+        </p:txBody>
+      </p:sp>
+      <p:pic>
+        <p:nvPicPr>
+          <p:cNvPr id="5" name="コンテンツ プレースホルダー 4">
+            <a:extLst>
+              <a:ext uri="{FF2B5EF4-FFF2-40B4-BE49-F238E27FC236}">
+                <a16:creationId xmlns:a16="http://schemas.microsoft.com/office/drawing/2014/main" id="{7931BE45-AFDA-41C8-96B1-C9629F56D556}"/>
+              </a:ext>
+            </a:extLst>
+          </p:cNvPr>
+          <p:cNvPicPr>
+            <a:picLocks noGrp="1" noChangeAspect="1"/>
+          </p:cNvPicPr>
+          <p:nvPr>
+            <p:ph idx="1"/>
+          </p:nvPr>
+        </p:nvPicPr>
+        <p:blipFill>
+          <a:blip r:embed="rId2">
+            <a:extLst>
+              <a:ext uri="{28A0092B-C50C-407E-A947-70E740481C1C}">
+                <a14:useLocalDpi xmlns:a14="http://schemas.microsoft.com/office/drawing/2010/main" val="0"/>
+              </a:ext>
+            </a:extLst>
+          </a:blip>
+          <a:stretch>
+            <a:fillRect/>
+          </a:stretch>
+        </p:blipFill>
+        <p:spPr>
+          <a:xfrm>
+            <a:off x="8003358" y="20593"/>
+            <a:ext cx="4061650" cy="6837408"/>
+          </a:xfrm>
+        </p:spPr>
+      </p:pic>
+      <p:sp>
+        <p:nvSpPr>
+          <p:cNvPr id="6" name="テキスト ボックス 5">
+            <a:extLst>
+              <a:ext uri="{FF2B5EF4-FFF2-40B4-BE49-F238E27FC236}">
+                <a16:creationId xmlns:a16="http://schemas.microsoft.com/office/drawing/2014/main" id="{8965D96B-881F-44E4-B154-939248E425B6}"/>
+              </a:ext>
+            </a:extLst>
+          </p:cNvPr>
+          <p:cNvSpPr txBox="1"/>
+          <p:nvPr/>
+        </p:nvSpPr>
+        <p:spPr>
+          <a:xfrm>
+            <a:off x="845127" y="1687398"/>
+            <a:ext cx="4421171" cy="830997"/>
+          </a:xfrm>
+          <a:prstGeom prst="rect">
+            <a:avLst/>
+          </a:prstGeom>
+          <a:noFill/>
+        </p:spPr>
+        <p:txBody>
+          <a:bodyPr wrap="square" rtlCol="0">
+            <a:spAutoFit/>
+          </a:bodyPr>
+          <a:lstStyle/>
+          <a:p>
+            <a:pPr marL="342900" indent="-342900">
+              <a:buFont typeface="Arial" panose="020B0604020202020204" pitchFamily="34" charset="0"/>
+              <a:buChar char="•"/>
+            </a:pPr>
+            <a:r>
+              <a:rPr kumimoji="1" lang="ja-JP" altLang="en-US" sz="2400" dirty="0"/>
+              <a:t>曜日ごとに起床時間を設定</a:t>
+            </a:r>
+            <a:endParaRPr kumimoji="1" lang="en-US" altLang="ja-JP" sz="2400" dirty="0"/>
+          </a:p>
+          <a:p>
+            <a:pPr marL="342900" indent="-342900">
+              <a:buFont typeface="Arial" panose="020B0604020202020204" pitchFamily="34" charset="0"/>
+              <a:buChar char="•"/>
+            </a:pPr>
+            <a:r>
+              <a:rPr kumimoji="1" lang="ja-JP" altLang="en-US" sz="2400" dirty="0"/>
+              <a:t>曜日ごとにオンオフを設定</a:t>
+            </a:r>
+          </a:p>
+        </p:txBody>
+      </p:sp>
+    </p:spTree>
+    <p:extLst>
+      <p:ext uri="{BB962C8B-B14F-4D97-AF65-F5344CB8AC3E}">
+        <p14:creationId xmlns:p14="http://schemas.microsoft.com/office/powerpoint/2010/main" val="3759295583"/>
+      </p:ext>
+    </p:extLst>
+  </p:cSld>
+  <p:clrMapOvr>
+    <a:masterClrMapping/>
+  </p:clrMapOvr>
+</p:sld>
+</file>
+
+<file path=ppt/slides/slide6.xml><?xml version="1.0" encoding="utf-8"?>
+<p:sld xmlns:a="http://schemas.openxmlformats.org/drawingml/2006/main" xmlns:r="http://schemas.openxmlformats.org/officeDocument/2006/relationships" xmlns:p="http://schemas.openxmlformats.org/presentationml/2006/main">
+  <p:cSld>
+    <p:spTree>
+      <p:nvGrpSpPr>
+        <p:cNvPr id="1" name=""/>
+        <p:cNvGrpSpPr/>
+        <p:nvPr/>
+      </p:nvGrpSpPr>
+      <p:grpSpPr>
+        <a:xfrm>
+          <a:off x="0" y="0"/>
+          <a:ext cx="0" cy="0"/>
+          <a:chOff x="0" y="0"/>
+          <a:chExt cx="0" cy="0"/>
+        </a:xfrm>
+      </p:grpSpPr>
+      <p:sp>
+        <p:nvSpPr>
+          <p:cNvPr id="2" name="タイトル 1">
+            <a:extLst>
+              <a:ext uri="{FF2B5EF4-FFF2-40B4-BE49-F238E27FC236}">
+                <a16:creationId xmlns:a16="http://schemas.microsoft.com/office/drawing/2014/main" id="{4980D573-A5C2-4E25-9E4E-45327D3C30BC}"/>
+              </a:ext>
+            </a:extLst>
+          </p:cNvPr>
+          <p:cNvSpPr>
+            <a:spLocks noGrp="1"/>
+          </p:cNvSpPr>
+          <p:nvPr>
+            <p:ph type="title"/>
+          </p:nvPr>
+        </p:nvSpPr>
+        <p:spPr>
+          <a:xfrm>
+            <a:off x="845127" y="365760"/>
+            <a:ext cx="5250873" cy="756030"/>
+          </a:xfrm>
+        </p:spPr>
+        <p:txBody>
+          <a:bodyPr/>
+          <a:lstStyle/>
+          <a:p>
+            <a:r>
+              <a:rPr kumimoji="1" lang="ja-JP" altLang="en-US" dirty="0"/>
+              <a:t>マッチング画面</a:t>
+            </a:r>
+          </a:p>
+        </p:txBody>
+      </p:sp>
+      <p:pic>
+        <p:nvPicPr>
+          <p:cNvPr id="5" name="コンテンツ プレースホルダー 4">
+            <a:extLst>
+              <a:ext uri="{FF2B5EF4-FFF2-40B4-BE49-F238E27FC236}">
+                <a16:creationId xmlns:a16="http://schemas.microsoft.com/office/drawing/2014/main" id="{FF4A29BA-610F-4D60-9D2C-ECE7E2FB9C6C}"/>
+              </a:ext>
+            </a:extLst>
+          </p:cNvPr>
+          <p:cNvPicPr>
+            <a:picLocks noGrp="1" noChangeAspect="1"/>
+          </p:cNvPicPr>
+          <p:nvPr>
+            <p:ph idx="1"/>
+          </p:nvPr>
+        </p:nvPicPr>
+        <p:blipFill>
+          <a:blip r:embed="rId2">
+            <a:extLst>
+              <a:ext uri="{28A0092B-C50C-407E-A947-70E740481C1C}">
+                <a14:useLocalDpi xmlns:a14="http://schemas.microsoft.com/office/drawing/2010/main" val="0"/>
+              </a:ext>
+            </a:extLst>
+          </a:blip>
+          <a:stretch>
+            <a:fillRect/>
+          </a:stretch>
+        </p:blipFill>
+        <p:spPr>
+          <a:xfrm>
+            <a:off x="8163612" y="32760"/>
+            <a:ext cx="4028388" cy="6829164"/>
+          </a:xfrm>
+        </p:spPr>
+      </p:pic>
+      <p:sp>
+        <p:nvSpPr>
+          <p:cNvPr id="6" name="テキスト ボックス 5">
+            <a:extLst>
+              <a:ext uri="{FF2B5EF4-FFF2-40B4-BE49-F238E27FC236}">
+                <a16:creationId xmlns:a16="http://schemas.microsoft.com/office/drawing/2014/main" id="{B3D6A033-70D6-4915-84AD-7F7A896744E3}"/>
+              </a:ext>
+            </a:extLst>
+          </p:cNvPr>
+          <p:cNvSpPr txBox="1"/>
+          <p:nvPr/>
+        </p:nvSpPr>
+        <p:spPr>
+          <a:xfrm>
+            <a:off x="845127" y="1659117"/>
+            <a:ext cx="5788058" cy="830997"/>
+          </a:xfrm>
+          <a:prstGeom prst="rect">
+            <a:avLst/>
+          </a:prstGeom>
+          <a:noFill/>
+        </p:spPr>
+        <p:txBody>
+          <a:bodyPr wrap="square" rtlCol="0">
+            <a:spAutoFit/>
+          </a:bodyPr>
+          <a:lstStyle/>
+          <a:p>
+            <a:pPr marL="285750" indent="-285750">
+              <a:buFont typeface="Arial" panose="020B0604020202020204" pitchFamily="34" charset="0"/>
+              <a:buChar char="•"/>
+            </a:pPr>
+            <a:r>
+              <a:rPr kumimoji="1" lang="ja-JP" altLang="en-US" sz="2400" dirty="0"/>
+              <a:t>同じ時刻を設定した人同士でマッチング</a:t>
+            </a:r>
+            <a:endParaRPr kumimoji="1" lang="en-US" altLang="ja-JP" sz="2400" dirty="0"/>
+          </a:p>
+          <a:p>
+            <a:pPr marL="285750" indent="-285750">
+              <a:buFont typeface="Arial" panose="020B0604020202020204" pitchFamily="34" charset="0"/>
+              <a:buChar char="•"/>
+            </a:pPr>
+            <a:r>
+              <a:rPr kumimoji="1" lang="ja-JP" altLang="en-US" sz="2400" dirty="0"/>
+              <a:t>グループは</a:t>
+            </a:r>
+            <a:r>
+              <a:rPr kumimoji="1" lang="en-US" altLang="ja-JP" sz="2400" dirty="0"/>
+              <a:t>4</a:t>
+            </a:r>
+            <a:r>
+              <a:rPr kumimoji="1" lang="ja-JP" altLang="en-US" sz="2400" dirty="0"/>
+              <a:t>人単位</a:t>
+            </a:r>
+          </a:p>
+        </p:txBody>
+      </p:sp>
+    </p:spTree>
+    <p:extLst>
+      <p:ext uri="{BB962C8B-B14F-4D97-AF65-F5344CB8AC3E}">
+        <p14:creationId xmlns:p14="http://schemas.microsoft.com/office/powerpoint/2010/main" val="3086357313"/>
+      </p:ext>
+    </p:extLst>
+  </p:cSld>
+  <p:clrMapOvr>
+    <a:masterClrMapping/>
+  </p:clrMapOvr>
+</p:sld>
+</file>
+
+<file path=ppt/slides/slide7.xml><?xml version="1.0" encoding="utf-8"?>
+<p:sld xmlns:a="http://schemas.openxmlformats.org/drawingml/2006/main" xmlns:r="http://schemas.openxmlformats.org/officeDocument/2006/relationships" xmlns:p="http://schemas.openxmlformats.org/presentationml/2006/main">
+  <p:cSld>
+    <p:spTree>
+      <p:nvGrpSpPr>
+        <p:cNvPr id="1" name=""/>
+        <p:cNvGrpSpPr/>
+        <p:nvPr/>
+      </p:nvGrpSpPr>
+      <p:grpSpPr>
+        <a:xfrm>
+          <a:off x="0" y="0"/>
+          <a:ext cx="0" cy="0"/>
+          <a:chOff x="0" y="0"/>
+          <a:chExt cx="0" cy="0"/>
+        </a:xfrm>
+      </p:grpSpPr>
+      <p:sp>
+        <p:nvSpPr>
+          <p:cNvPr id="2" name="タイトル 1">
+            <a:extLst>
+              <a:ext uri="{FF2B5EF4-FFF2-40B4-BE49-F238E27FC236}">
+                <a16:creationId xmlns:a16="http://schemas.microsoft.com/office/drawing/2014/main" id="{53971416-B970-42EF-9EBE-D8E99A1DBC02}"/>
+              </a:ext>
+            </a:extLst>
+          </p:cNvPr>
+          <p:cNvSpPr>
+            <a:spLocks noGrp="1"/>
+          </p:cNvSpPr>
+          <p:nvPr>
+            <p:ph type="title"/>
+          </p:nvPr>
+        </p:nvSpPr>
+        <p:spPr>
+          <a:xfrm>
+            <a:off x="845127" y="365760"/>
+            <a:ext cx="5178601" cy="756030"/>
+          </a:xfrm>
+        </p:spPr>
+        <p:txBody>
+          <a:bodyPr/>
+          <a:lstStyle/>
+          <a:p>
+            <a:r>
+              <a:rPr lang="ja-JP" altLang="en-US" dirty="0"/>
+              <a:t>起床</a:t>
+            </a:r>
+            <a:r>
+              <a:rPr kumimoji="1" lang="ja-JP" altLang="en-US" dirty="0"/>
+              <a:t>画面</a:t>
+            </a:r>
+          </a:p>
+        </p:txBody>
+      </p:sp>
+      <p:pic>
+        <p:nvPicPr>
+          <p:cNvPr id="5" name="コンテンツ プレースホルダー 4">
+            <a:extLst>
+              <a:ext uri="{FF2B5EF4-FFF2-40B4-BE49-F238E27FC236}">
+                <a16:creationId xmlns:a16="http://schemas.microsoft.com/office/drawing/2014/main" id="{E98DC2B6-E46B-4C6B-A823-E4DEAF2812E7}"/>
+              </a:ext>
+            </a:extLst>
+          </p:cNvPr>
+          <p:cNvPicPr>
+            <a:picLocks noGrp="1" noChangeAspect="1"/>
+          </p:cNvPicPr>
+          <p:nvPr>
+            <p:ph idx="1"/>
+          </p:nvPr>
+        </p:nvPicPr>
+        <p:blipFill>
+          <a:blip r:embed="rId2">
+            <a:extLst>
+              <a:ext uri="{28A0092B-C50C-407E-A947-70E740481C1C}">
+                <a14:useLocalDpi xmlns:a14="http://schemas.microsoft.com/office/drawing/2010/main" val="0"/>
+              </a:ext>
+            </a:extLst>
+          </a:blip>
+          <a:stretch>
+            <a:fillRect/>
+          </a:stretch>
+        </p:blipFill>
+        <p:spPr>
+          <a:xfrm>
+            <a:off x="8029163" y="0"/>
+            <a:ext cx="4084280" cy="6858000"/>
+          </a:xfrm>
+        </p:spPr>
+      </p:pic>
+      <p:sp>
+        <p:nvSpPr>
+          <p:cNvPr id="6" name="テキスト ボックス 5">
+            <a:extLst>
+              <a:ext uri="{FF2B5EF4-FFF2-40B4-BE49-F238E27FC236}">
+                <a16:creationId xmlns:a16="http://schemas.microsoft.com/office/drawing/2014/main" id="{ED57F955-09CD-486B-BB6D-DF7F3BD8E9B3}"/>
+              </a:ext>
+            </a:extLst>
+          </p:cNvPr>
+          <p:cNvSpPr txBox="1"/>
+          <p:nvPr/>
+        </p:nvSpPr>
+        <p:spPr>
+          <a:xfrm>
+            <a:off x="845127" y="1583703"/>
+            <a:ext cx="5740924" cy="3416320"/>
+          </a:xfrm>
+          <a:prstGeom prst="rect">
+            <a:avLst/>
+          </a:prstGeom>
+          <a:noFill/>
+        </p:spPr>
+        <p:txBody>
+          <a:bodyPr wrap="square" rtlCol="0">
+            <a:spAutoFit/>
+          </a:bodyPr>
+          <a:lstStyle/>
+          <a:p>
+            <a:pPr marL="342900" indent="-342900">
+              <a:buFont typeface="Arial" panose="020B0604020202020204" pitchFamily="34" charset="0"/>
+              <a:buChar char="•"/>
+            </a:pPr>
+            <a:r>
+              <a:rPr kumimoji="1" lang="ja-JP" altLang="en-US" sz="2400" dirty="0"/>
+              <a:t>同じグループ内の人と自分の画面が表示される</a:t>
+            </a:r>
+            <a:endParaRPr kumimoji="1" lang="en-US" altLang="ja-JP" sz="2400" dirty="0"/>
+          </a:p>
+          <a:p>
+            <a:pPr marL="342900" indent="-342900">
+              <a:buFont typeface="Arial" panose="020B0604020202020204" pitchFamily="34" charset="0"/>
+              <a:buChar char="•"/>
+            </a:pPr>
+            <a:r>
+              <a:rPr kumimoji="1" lang="ja-JP" altLang="en-US" sz="2400" dirty="0"/>
+              <a:t>起きていない人は色の付いた枠で囲まれる</a:t>
+            </a:r>
+            <a:endParaRPr kumimoji="1" lang="en-US" altLang="ja-JP" sz="2400" dirty="0"/>
+          </a:p>
+          <a:p>
+            <a:pPr marL="342900" indent="-342900">
+              <a:buFont typeface="Arial" panose="020B0604020202020204" pitchFamily="34" charset="0"/>
+              <a:buChar char="•"/>
+            </a:pPr>
+            <a:r>
+              <a:rPr kumimoji="1" lang="ja-JP" altLang="en-US" sz="2400" dirty="0"/>
+              <a:t>チャットを送ると相手に効果音が届く</a:t>
+            </a:r>
+            <a:endParaRPr kumimoji="1" lang="en-US" altLang="ja-JP" sz="2400" dirty="0"/>
+          </a:p>
+          <a:p>
+            <a:pPr marL="342900" indent="-342900">
+              <a:buFont typeface="Arial" panose="020B0604020202020204" pitchFamily="34" charset="0"/>
+              <a:buChar char="•"/>
+            </a:pPr>
+            <a:r>
+              <a:rPr kumimoji="1" lang="ja-JP" altLang="en-US" sz="2400" dirty="0"/>
+              <a:t>全員が起きる</a:t>
+            </a:r>
+            <a:r>
+              <a:rPr kumimoji="1" lang="en-US" altLang="ja-JP" sz="2400" dirty="0"/>
+              <a:t>or</a:t>
+            </a:r>
+            <a:r>
+              <a:rPr kumimoji="1" lang="ja-JP" altLang="en-US" sz="2400" dirty="0"/>
+              <a:t>３分経過で終了</a:t>
+            </a:r>
+            <a:endParaRPr kumimoji="1" lang="en-US" altLang="ja-JP" sz="2400" dirty="0"/>
+          </a:p>
+          <a:p>
+            <a:pPr marL="342900" indent="-342900">
+              <a:buFont typeface="Arial" panose="020B0604020202020204" pitchFamily="34" charset="0"/>
+              <a:buChar char="•"/>
+            </a:pPr>
+            <a:endParaRPr kumimoji="1" lang="en-US" altLang="ja-JP" sz="2400" dirty="0"/>
+          </a:p>
+          <a:p>
+            <a:pPr marL="342900" indent="-342900">
+              <a:buFont typeface="Arial" panose="020B0604020202020204" pitchFamily="34" charset="0"/>
+              <a:buChar char="•"/>
+            </a:pPr>
+            <a:endParaRPr kumimoji="1" lang="en-US" altLang="ja-JP" sz="2400" dirty="0"/>
+          </a:p>
+          <a:p>
+            <a:pPr marL="342900" indent="-342900">
+              <a:buFont typeface="Arial" panose="020B0604020202020204" pitchFamily="34" charset="0"/>
+              <a:buChar char="•"/>
+            </a:pPr>
+            <a:endParaRPr kumimoji="1" lang="ja-JP" altLang="en-US" sz="2400" dirty="0"/>
+          </a:p>
+        </p:txBody>
+      </p:sp>
+    </p:spTree>
+    <p:extLst>
+      <p:ext uri="{BB962C8B-B14F-4D97-AF65-F5344CB8AC3E}">
+        <p14:creationId xmlns:p14="http://schemas.microsoft.com/office/powerpoint/2010/main" val="1878445579"/>
+      </p:ext>
+    </p:extLst>
+  </p:cSld>
+  <p:clrMapOvr>
+    <a:masterClrMapping/>
+  </p:clrMapOvr>
+</p:sld>
+</file>
+
+<file path=ppt/slides/slide8.xml><?xml version="1.0" encoding="utf-8"?>
+<p:sld xmlns:a="http://schemas.openxmlformats.org/drawingml/2006/main" xmlns:r="http://schemas.openxmlformats.org/officeDocument/2006/relationships" xmlns:p="http://schemas.openxmlformats.org/presentationml/2006/main">
+  <p:cSld>
+    <p:spTree>
+      <p:nvGrpSpPr>
+        <p:cNvPr id="1" name=""/>
+        <p:cNvGrpSpPr/>
+        <p:nvPr/>
+      </p:nvGrpSpPr>
+      <p:grpSpPr>
+        <a:xfrm>
+          <a:off x="0" y="0"/>
+          <a:ext cx="0" cy="0"/>
+          <a:chOff x="0" y="0"/>
+          <a:chExt cx="0" cy="0"/>
+        </a:xfrm>
+      </p:grpSpPr>
+      <p:sp>
+        <p:nvSpPr>
+          <p:cNvPr id="2" name="タイトル 1">
+            <a:extLst>
+              <a:ext uri="{FF2B5EF4-FFF2-40B4-BE49-F238E27FC236}">
+                <a16:creationId xmlns:a16="http://schemas.microsoft.com/office/drawing/2014/main" id="{E6F53EF7-94CE-4DCE-ADCF-265C54ED19CB}"/>
+              </a:ext>
+            </a:extLst>
+          </p:cNvPr>
+          <p:cNvSpPr>
+            <a:spLocks noGrp="1"/>
+          </p:cNvSpPr>
+          <p:nvPr>
+            <p:ph type="title"/>
+          </p:nvPr>
+        </p:nvSpPr>
+        <p:spPr>
+          <a:xfrm>
+            <a:off x="845127" y="365760"/>
+            <a:ext cx="5250873" cy="812591"/>
+          </a:xfrm>
+        </p:spPr>
+        <p:txBody>
+          <a:bodyPr/>
+          <a:lstStyle/>
+          <a:p>
+            <a:r>
+              <a:rPr kumimoji="1" lang="ja-JP" altLang="en-US" dirty="0"/>
+              <a:t>結果画面</a:t>
+            </a:r>
+          </a:p>
+        </p:txBody>
+      </p:sp>
+      <p:pic>
+        <p:nvPicPr>
+          <p:cNvPr id="5" name="コンテンツ プレースホルダー 4">
+            <a:extLst>
+              <a:ext uri="{FF2B5EF4-FFF2-40B4-BE49-F238E27FC236}">
+                <a16:creationId xmlns:a16="http://schemas.microsoft.com/office/drawing/2014/main" id="{5FDE0A04-01AA-4E77-956C-9DB248F9ACA8}"/>
+              </a:ext>
+            </a:extLst>
+          </p:cNvPr>
+          <p:cNvPicPr>
+            <a:picLocks noGrp="1" noChangeAspect="1"/>
+          </p:cNvPicPr>
+          <p:nvPr>
+            <p:ph idx="1"/>
+          </p:nvPr>
+        </p:nvPicPr>
+        <p:blipFill>
+          <a:blip r:embed="rId2">
+            <a:extLst>
+              <a:ext uri="{28A0092B-C50C-407E-A947-70E740481C1C}">
+                <a14:useLocalDpi xmlns:a14="http://schemas.microsoft.com/office/drawing/2010/main" val="0"/>
+              </a:ext>
+            </a:extLst>
+          </a:blip>
+          <a:stretch>
+            <a:fillRect/>
+          </a:stretch>
+        </p:blipFill>
+        <p:spPr>
+          <a:xfrm>
+            <a:off x="8181209" y="70406"/>
+            <a:ext cx="4010791" cy="6717187"/>
+          </a:xfrm>
+        </p:spPr>
+      </p:pic>
+      <p:sp>
+        <p:nvSpPr>
+          <p:cNvPr id="7" name="テキスト ボックス 6">
+            <a:extLst>
+              <a:ext uri="{FF2B5EF4-FFF2-40B4-BE49-F238E27FC236}">
+                <a16:creationId xmlns:a16="http://schemas.microsoft.com/office/drawing/2014/main" id="{768810D5-628E-4646-A253-B848FC92F3B6}"/>
+              </a:ext>
+            </a:extLst>
+          </p:cNvPr>
+          <p:cNvSpPr txBox="1"/>
+          <p:nvPr/>
+        </p:nvSpPr>
+        <p:spPr>
+          <a:xfrm>
+            <a:off x="845127" y="1571918"/>
+            <a:ext cx="5153320" cy="1200329"/>
+          </a:xfrm>
+          <a:prstGeom prst="rect">
+            <a:avLst/>
+          </a:prstGeom>
+          <a:noFill/>
+        </p:spPr>
+        <p:txBody>
+          <a:bodyPr wrap="square" rtlCol="0">
+            <a:spAutoFit/>
+          </a:bodyPr>
+          <a:lstStyle/>
+          <a:p>
+            <a:pPr marL="285750" indent="-285750">
+              <a:buFont typeface="Arial" panose="020B0604020202020204" pitchFamily="34" charset="0"/>
+              <a:buChar char="•"/>
+            </a:pPr>
+            <a:r>
+              <a:rPr kumimoji="1" lang="ja-JP" altLang="en-US" sz="2400" dirty="0"/>
+              <a:t>成功</a:t>
+            </a:r>
+            <a:r>
+              <a:rPr kumimoji="1" lang="en-US" altLang="ja-JP" sz="2400" dirty="0"/>
+              <a:t>or</a:t>
+            </a:r>
+            <a:r>
+              <a:rPr kumimoji="1" lang="ja-JP" altLang="en-US" sz="2400" dirty="0"/>
+              <a:t>失敗の確認</a:t>
+            </a:r>
+            <a:endParaRPr kumimoji="1" lang="en-US" altLang="ja-JP" sz="2400" dirty="0"/>
+          </a:p>
+          <a:p>
+            <a:pPr marL="285750" indent="-285750">
+              <a:buFont typeface="Arial" panose="020B0604020202020204" pitchFamily="34" charset="0"/>
+              <a:buChar char="•"/>
+            </a:pPr>
+            <a:r>
+              <a:rPr kumimoji="1" lang="ja-JP" altLang="en-US" sz="2400" dirty="0"/>
+              <a:t>グループで何人成功したかも確認</a:t>
+            </a:r>
+            <a:endParaRPr kumimoji="1" lang="en-US" altLang="ja-JP" sz="2400" dirty="0"/>
+          </a:p>
+          <a:p>
+            <a:pPr marL="285750" indent="-285750">
+              <a:buFont typeface="Arial" panose="020B0604020202020204" pitchFamily="34" charset="0"/>
+              <a:buChar char="•"/>
+            </a:pPr>
+            <a:r>
+              <a:rPr kumimoji="1" lang="ja-JP" altLang="en-US" sz="2400" dirty="0"/>
+              <a:t>今までの総成功、総失敗も確認</a:t>
+            </a:r>
+          </a:p>
+        </p:txBody>
+      </p:sp>
+    </p:spTree>
+    <p:extLst>
+      <p:ext uri="{BB962C8B-B14F-4D97-AF65-F5344CB8AC3E}">
+        <p14:creationId xmlns:p14="http://schemas.microsoft.com/office/powerpoint/2010/main" val="3380497775"/>
+      </p:ext>
+    </p:extLst>
+  </p:cSld>
+  <p:clrMapOvr>
+    <a:masterClrMapping/>
+  </p:clrMapOvr>
+</p:sld>
+</file>
+
+<file path=ppt/slides/slide9.xml><?xml version="1.0" encoding="utf-8"?>
+<p:sld xmlns:a="http://schemas.openxmlformats.org/drawingml/2006/main" xmlns:r="http://schemas.openxmlformats.org/officeDocument/2006/relationships" xmlns:p="http://schemas.openxmlformats.org/presentationml/2006/main">
+  <p:cSld>
+    <p:spTree>
+      <p:nvGrpSpPr>
+        <p:cNvPr id="1" name=""/>
+        <p:cNvGrpSpPr/>
+        <p:nvPr/>
+      </p:nvGrpSpPr>
+      <p:grpSpPr>
+        <a:xfrm>
+          <a:off x="0" y="0"/>
+          <a:ext cx="0" cy="0"/>
+          <a:chOff x="0" y="0"/>
+          <a:chExt cx="0" cy="0"/>
+        </a:xfrm>
+      </p:grpSpPr>
+      <p:sp>
+        <p:nvSpPr>
+          <p:cNvPr id="2" name="タイトル 1">
+            <a:extLst>
+              <a:ext uri="{FF2B5EF4-FFF2-40B4-BE49-F238E27FC236}">
+                <a16:creationId xmlns:a16="http://schemas.microsoft.com/office/drawing/2014/main" id="{4246703C-2944-4B13-B6AD-8BFCA39A3514}"/>
+              </a:ext>
+            </a:extLst>
+          </p:cNvPr>
+          <p:cNvSpPr>
+            <a:spLocks noGrp="1"/>
+          </p:cNvSpPr>
+          <p:nvPr>
+            <p:ph type="title"/>
+          </p:nvPr>
+        </p:nvSpPr>
+        <p:spPr>
+          <a:xfrm>
+            <a:off x="845127" y="365760"/>
+            <a:ext cx="6036440" cy="671188"/>
+          </a:xfrm>
+        </p:spPr>
+        <p:txBody>
+          <a:bodyPr>
+            <a:normAutofit fontScale="90000"/>
+          </a:bodyPr>
+          <a:lstStyle/>
+          <a:p>
+            <a:r>
+              <a:rPr kumimoji="1" lang="ja-JP" altLang="en-US" dirty="0"/>
+              <a:t>ランキング画面</a:t>
+            </a:r>
+          </a:p>
+        </p:txBody>
+      </p:sp>
+      <p:pic>
+        <p:nvPicPr>
+          <p:cNvPr id="5" name="コンテンツ プレースホルダー 4">
+            <a:extLst>
+              <a:ext uri="{FF2B5EF4-FFF2-40B4-BE49-F238E27FC236}">
+                <a16:creationId xmlns:a16="http://schemas.microsoft.com/office/drawing/2014/main" id="{9A5365A1-00A8-44E1-B295-783A562888E4}"/>
+              </a:ext>
+            </a:extLst>
+          </p:cNvPr>
+          <p:cNvPicPr>
+            <a:picLocks noGrp="1" noChangeAspect="1"/>
+          </p:cNvPicPr>
+          <p:nvPr>
+            <p:ph idx="1"/>
+          </p:nvPr>
+        </p:nvPicPr>
+        <p:blipFill>
+          <a:blip r:embed="rId2">
+            <a:extLst>
+              <a:ext uri="{28A0092B-C50C-407E-A947-70E740481C1C}">
+                <a14:useLocalDpi xmlns:a14="http://schemas.microsoft.com/office/drawing/2010/main" val="0"/>
+              </a:ext>
+            </a:extLst>
+          </a:blip>
+          <a:stretch>
+            <a:fillRect/>
+          </a:stretch>
+        </p:blipFill>
+        <p:spPr>
+          <a:xfrm>
+            <a:off x="8103653" y="-4258"/>
+            <a:ext cx="4088347" cy="6862258"/>
+          </a:xfrm>
+        </p:spPr>
+      </p:pic>
+      <p:sp>
+        <p:nvSpPr>
+          <p:cNvPr id="6" name="テキスト ボックス 5">
+            <a:extLst>
+              <a:ext uri="{FF2B5EF4-FFF2-40B4-BE49-F238E27FC236}">
+                <a16:creationId xmlns:a16="http://schemas.microsoft.com/office/drawing/2014/main" id="{9DBFE811-2FD2-4778-866B-BEC92F7BE44E}"/>
+              </a:ext>
+            </a:extLst>
+          </p:cNvPr>
+          <p:cNvSpPr txBox="1"/>
+          <p:nvPr/>
+        </p:nvSpPr>
+        <p:spPr>
+          <a:xfrm>
+            <a:off x="845127" y="1545996"/>
+            <a:ext cx="4735541" cy="830997"/>
+          </a:xfrm>
+          <a:prstGeom prst="rect">
+            <a:avLst/>
+          </a:prstGeom>
+          <a:noFill/>
+        </p:spPr>
+        <p:txBody>
+          <a:bodyPr wrap="square" rtlCol="0">
+            <a:spAutoFit/>
+          </a:bodyPr>
+          <a:lstStyle/>
+          <a:p>
+            <a:pPr marL="342900" indent="-342900">
+              <a:buFont typeface="Arial" panose="020B0604020202020204" pitchFamily="34" charset="0"/>
+              <a:buChar char="•"/>
+            </a:pPr>
+            <a:r>
+              <a:rPr kumimoji="1" lang="ja-JP" altLang="en-US" sz="2400" dirty="0"/>
+              <a:t>総成功回数上位１０人の名前と成功回数を表示</a:t>
+            </a:r>
+          </a:p>
+        </p:txBody>
+      </p:sp>
+    </p:spTree>
+    <p:extLst>
+      <p:ext uri="{BB962C8B-B14F-4D97-AF65-F5344CB8AC3E}">
+        <p14:creationId xmlns:p14="http://schemas.microsoft.com/office/powerpoint/2010/main" val="2755573468"/>
+      </p:ext>
+    </p:extLst>
+  </p:cSld>
+  <p:clrMapOvr>
+    <a:masterClrMapping/>
+  </p:clrMapOvr>
+</p:sld>
+</file>
+
 <file path=ppt/theme/theme1.xml><?xml version="1.0" encoding="utf-8"?>
-<a:theme xmlns:a="http://schemas.openxmlformats.org/drawingml/2006/main" name="Office テーマ">
+<a:theme xmlns:a="http://schemas.openxmlformats.org/drawingml/2006/main" name="HDOfficeLightV0">
   <a:themeElements>
     <a:clrScheme name="Office">
       <a:dk1>
@@ -3689,7 +5015,7 @@
         <a:srgbClr val="E7E6E6"/>
       </a:lt2>
       <a:accent1>
-        <a:srgbClr val="4472C4"/>
+        <a:srgbClr val="5B9BD5"/>
       </a:accent1>
       <a:accent2>
         <a:srgbClr val="ED7D31"/>
@@ -3701,7 +5027,7 @@
         <a:srgbClr val="FFC000"/>
       </a:accent4>
       <a:accent5>
-        <a:srgbClr val="5B9BD5"/>
+        <a:srgbClr val="4472C4"/>
       </a:accent5>
       <a:accent6>
         <a:srgbClr val="70AD47"/>
@@ -3715,12 +5041,12 @@
     </a:clrScheme>
     <a:fontScheme name="Office">
       <a:majorFont>
-        <a:latin typeface="游ゴシック Light" panose="020F0302020204030204"/>
+        <a:latin typeface="Calibri Light"/>
         <a:ea typeface=""/>
         <a:cs typeface=""/>
-        <a:font script="Jpan" typeface="游ゴシック Light"/>
+        <a:font script="Jpan" typeface="ＭＳ Ｐゴシック"/>
         <a:font script="Hang" typeface="맑은 고딕"/>
-        <a:font script="Hans" typeface="等线 Light"/>
+        <a:font script="Hans" typeface="宋体"/>
         <a:font script="Hant" typeface="新細明體"/>
         <a:font script="Arab" typeface="Times New Roman"/>
         <a:font script="Hebr" typeface="Times New Roman"/>
@@ -3748,31 +5074,14 @@
         <a:font script="Viet" typeface="Times New Roman"/>
         <a:font script="Uigh" typeface="Microsoft Uighur"/>
         <a:font script="Geor" typeface="Sylfaen"/>
-        <a:font script="Armn" typeface="Arial"/>
-        <a:font script="Bugi" typeface="Leelawadee UI"/>
-        <a:font script="Bopo" typeface="Microsoft JhengHei"/>
-        <a:font script="Java" typeface="Javanese Text"/>
-        <a:font script="Lisu" typeface="Segoe UI"/>
-        <a:font script="Mymr" typeface="Myanmar Text"/>
-        <a:font script="Nkoo" typeface="Ebrima"/>
-        <a:font script="Olck" typeface="Nirmala UI"/>
-        <a:font script="Osma" typeface="Ebrima"/>
-        <a:font script="Phag" typeface="Phagspa"/>
-        <a:font script="Syrn" typeface="Estrangelo Edessa"/>
-        <a:font script="Syrj" typeface="Estrangelo Edessa"/>
-        <a:font script="Syre" typeface="Estrangelo Edessa"/>
-        <a:font script="Sora" typeface="Nirmala UI"/>
-        <a:font script="Tale" typeface="Microsoft Tai Le"/>
-        <a:font script="Talu" typeface="Microsoft New Tai Lue"/>
-        <a:font script="Tfng" typeface="Ebrima"/>
       </a:majorFont>
       <a:minorFont>
-        <a:latin typeface="游ゴシック" panose="020F0502020204030204"/>
+        <a:latin typeface="Calibri"/>
         <a:ea typeface=""/>
         <a:cs typeface=""/>
-        <a:font script="Jpan" typeface="游ゴシック"/>
+        <a:font script="Jpan" typeface="ＭＳ Ｐゴシック"/>
         <a:font script="Hang" typeface="맑은 고딕"/>
-        <a:font script="Hans" typeface="等线"/>
+        <a:font script="Hans" typeface="宋体"/>
         <a:font script="Hant" typeface="新細明體"/>
         <a:font script="Arab" typeface="Arial"/>
         <a:font script="Hebr" typeface="Arial"/>
@@ -3800,23 +5109,6 @@
         <a:font script="Viet" typeface="Arial"/>
         <a:font script="Uigh" typeface="Microsoft Uighur"/>
         <a:font script="Geor" typeface="Sylfaen"/>
-        <a:font script="Armn" typeface="Arial"/>
-        <a:font script="Bugi" typeface="Leelawadee UI"/>
-        <a:font script="Bopo" typeface="Microsoft JhengHei"/>
-        <a:font script="Java" typeface="Javanese Text"/>
-        <a:font script="Lisu" typeface="Segoe UI"/>
-        <a:font script="Mymr" typeface="Myanmar Text"/>
-        <a:font script="Nkoo" typeface="Ebrima"/>
-        <a:font script="Olck" typeface="Nirmala UI"/>
-        <a:font script="Osma" typeface="Ebrima"/>
-        <a:font script="Phag" typeface="Phagspa"/>
-        <a:font script="Syrn" typeface="Estrangelo Edessa"/>
-        <a:font script="Syrj" typeface="Estrangelo Edessa"/>
-        <a:font script="Syre" typeface="Estrangelo Edessa"/>
-        <a:font script="Sora" typeface="Nirmala UI"/>
-        <a:font script="Tale" typeface="Microsoft Tai Le"/>
-        <a:font script="Talu" typeface="Microsoft New Tai Lue"/>
-        <a:font script="Tfng" typeface="Ebrima"/>
       </a:minorFont>
     </a:fontScheme>
     <a:fmtScheme name="Office">
@@ -3828,23 +5120,23 @@
           <a:gsLst>
             <a:gs pos="0">
               <a:schemeClr val="phClr">
+                <a:tint val="67000"/>
+                <a:satMod val="105000"/>
                 <a:lumMod val="110000"/>
-                <a:satMod val="105000"/>
-                <a:tint val="67000"/>
               </a:schemeClr>
             </a:gs>
             <a:gs pos="50000">
               <a:schemeClr val="phClr">
+                <a:tint val="73000"/>
+                <a:satMod val="103000"/>
                 <a:lumMod val="105000"/>
-                <a:satMod val="103000"/>
-                <a:tint val="73000"/>
               </a:schemeClr>
             </a:gs>
             <a:gs pos="100000">
               <a:schemeClr val="phClr">
+                <a:tint val="81000"/>
+                <a:satMod val="109000"/>
                 <a:lumMod val="105000"/>
-                <a:satMod val="109000"/>
-                <a:tint val="81000"/>
               </a:schemeClr>
             </a:gs>
           </a:gsLst>
@@ -3854,23 +5146,23 @@
           <a:gsLst>
             <a:gs pos="0">
               <a:schemeClr val="phClr">
+                <a:tint val="94000"/>
                 <a:satMod val="103000"/>
                 <a:lumMod val="102000"/>
-                <a:tint val="94000"/>
               </a:schemeClr>
             </a:gs>
             <a:gs pos="50000">
               <a:schemeClr val="phClr">
+                <a:shade val="100000"/>
                 <a:satMod val="110000"/>
                 <a:lumMod val="100000"/>
-                <a:shade val="100000"/>
               </a:schemeClr>
             </a:gs>
             <a:gs pos="100000">
               <a:schemeClr val="phClr">
+                <a:shade val="78000"/>
+                <a:satMod val="120000"/>
                 <a:lumMod val="99000"/>
-                <a:satMod val="120000"/>
-                <a:shade val="78000"/>
               </a:schemeClr>
             </a:gs>
           </a:gsLst>
@@ -3883,21 +5175,18 @@
             <a:schemeClr val="phClr"/>
           </a:solidFill>
           <a:prstDash val="solid"/>
-          <a:miter lim="800000"/>
         </a:ln>
         <a:ln w="12700" cap="flat" cmpd="sng" algn="ctr">
           <a:solidFill>
             <a:schemeClr val="phClr"/>
           </a:solidFill>
           <a:prstDash val="solid"/>
-          <a:miter lim="800000"/>
         </a:ln>
         <a:ln w="19050" cap="flat" cmpd="sng" algn="ctr">
           <a:solidFill>
             <a:schemeClr val="phClr"/>
           </a:solidFill>
           <a:prstDash val="solid"/>
-          <a:miter lim="800000"/>
         </a:ln>
       </a:lnStyleLst>
       <a:effectStyleLst>
@@ -3932,16 +5221,16 @@
             <a:gs pos="0">
               <a:schemeClr val="phClr">
                 <a:tint val="93000"/>
+                <a:shade val="98000"/>
                 <a:satMod val="150000"/>
-                <a:shade val="98000"/>
                 <a:lumMod val="102000"/>
               </a:schemeClr>
             </a:gs>
             <a:gs pos="50000">
               <a:schemeClr val="phClr">
                 <a:tint val="98000"/>
+                <a:shade val="90000"/>
                 <a:satMod val="130000"/>
-                <a:shade val="90000"/>
                 <a:lumMod val="103000"/>
               </a:schemeClr>
             </a:gs>
@@ -3959,10 +5248,5 @@
   </a:themeElements>
   <a:objectDefaults/>
   <a:extraClrSchemeLst/>
-  <a:extLst>
-    <a:ext uri="{05A4C25C-085E-4340-85A3-A5531E510DB2}">
-      <thm15:themeFamily xmlns:thm15="http://schemas.microsoft.com/office/thememl/2012/main" name="Office Theme" id="{62F939B6-93AF-4DB8-9C6B-D6C7DFDC589F}" vid="{4A3C46E8-61CC-4603-A589-7422A47A8E4A}"/>
-    </a:ext>
-  </a:extLst>
 </a:theme>
 </file>
--- a/htmlcss/pptx/teamF.pptx
+++ b/htmlcss/pptx/teamF.pptx
@@ -125,12 +125,12 @@
   <pc:docChgLst>
     <pc:chgData name="ペンサ コラ" userId="a195d7e2bf79c897" providerId="LiveId" clId="{5867771E-AA3B-426B-9F75-AE0518DEBA14}"/>
     <pc:docChg chg="undo custSel addSld modSld">
-      <pc:chgData name="ペンサ コラ" userId="a195d7e2bf79c897" providerId="LiveId" clId="{5867771E-AA3B-426B-9F75-AE0518DEBA14}" dt="2018-05-05T03:04:18.704" v="1951" actId="1076"/>
+      <pc:chgData name="ペンサ コラ" userId="a195d7e2bf79c897" providerId="LiveId" clId="{5867771E-AA3B-426B-9F75-AE0518DEBA14}" dt="2018-05-05T04:12:46.747" v="2013" actId="207"/>
       <pc:docMkLst>
         <pc:docMk/>
       </pc:docMkLst>
       <pc:sldChg chg="modSp setBg">
-        <pc:chgData name="ペンサ コラ" userId="a195d7e2bf79c897" providerId="LiveId" clId="{5867771E-AA3B-426B-9F75-AE0518DEBA14}" dt="2018-05-05T02:34:33.801" v="855" actId="14100"/>
+        <pc:chgData name="ペンサ コラ" userId="a195d7e2bf79c897" providerId="LiveId" clId="{5867771E-AA3B-426B-9F75-AE0518DEBA14}" dt="2018-05-05T04:11:50.844" v="2011" actId="14100"/>
         <pc:sldMkLst>
           <pc:docMk/>
           <pc:sldMk cId="3523561120" sldId="256"/>
@@ -144,7 +144,7 @@
           </ac:spMkLst>
         </pc:spChg>
         <pc:spChg chg="mod">
-          <ac:chgData name="ペンサ コラ" userId="a195d7e2bf79c897" providerId="LiveId" clId="{5867771E-AA3B-426B-9F75-AE0518DEBA14}" dt="2018-05-05T01:54:09.770" v="52" actId="14100"/>
+          <ac:chgData name="ペンサ コラ" userId="a195d7e2bf79c897" providerId="LiveId" clId="{5867771E-AA3B-426B-9F75-AE0518DEBA14}" dt="2018-05-05T04:11:50.844" v="2011" actId="14100"/>
           <ac:spMkLst>
             <pc:docMk/>
             <pc:sldMk cId="3523561120" sldId="256"/>
@@ -153,13 +153,13 @@
         </pc:spChg>
       </pc:sldChg>
       <pc:sldChg chg="modSp add">
-        <pc:chgData name="ペンサ コラ" userId="a195d7e2bf79c897" providerId="LiveId" clId="{5867771E-AA3B-426B-9F75-AE0518DEBA14}" dt="2018-05-05T02:35:25.347" v="860" actId="1076"/>
+        <pc:chgData name="ペンサ コラ" userId="a195d7e2bf79c897" providerId="LiveId" clId="{5867771E-AA3B-426B-9F75-AE0518DEBA14}" dt="2018-05-05T04:12:46.747" v="2013" actId="207"/>
         <pc:sldMkLst>
           <pc:docMk/>
           <pc:sldMk cId="3583529623" sldId="257"/>
         </pc:sldMkLst>
         <pc:spChg chg="mod">
-          <ac:chgData name="ペンサ コラ" userId="a195d7e2bf79c897" providerId="LiveId" clId="{5867771E-AA3B-426B-9F75-AE0518DEBA14}" dt="2018-05-05T02:35:25.347" v="860" actId="1076"/>
+          <ac:chgData name="ペンサ コラ" userId="a195d7e2bf79c897" providerId="LiveId" clId="{5867771E-AA3B-426B-9F75-AE0518DEBA14}" dt="2018-05-05T04:12:41.731" v="2012" actId="207"/>
           <ac:spMkLst>
             <pc:docMk/>
             <pc:sldMk cId="3583529623" sldId="257"/>
@@ -167,7 +167,7 @@
           </ac:spMkLst>
         </pc:spChg>
         <pc:spChg chg="mod">
-          <ac:chgData name="ペンサ コラ" userId="a195d7e2bf79c897" providerId="LiveId" clId="{5867771E-AA3B-426B-9F75-AE0518DEBA14}" dt="2018-05-05T02:35:24.601" v="859" actId="207"/>
+          <ac:chgData name="ペンサ コラ" userId="a195d7e2bf79c897" providerId="LiveId" clId="{5867771E-AA3B-426B-9F75-AE0518DEBA14}" dt="2018-05-05T04:12:46.747" v="2013" actId="207"/>
           <ac:spMkLst>
             <pc:docMk/>
             <pc:sldMk cId="3583529623" sldId="257"/>
@@ -199,7 +199,7 @@
         </pc:spChg>
       </pc:sldChg>
       <pc:sldChg chg="addSp delSp modSp add">
-        <pc:chgData name="ペンサ コラ" userId="a195d7e2bf79c897" providerId="LiveId" clId="{5867771E-AA3B-426B-9F75-AE0518DEBA14}" dt="2018-05-05T02:46:41.473" v="1087" actId="1076"/>
+        <pc:chgData name="ペンサ コラ" userId="a195d7e2bf79c897" providerId="LiveId" clId="{5867771E-AA3B-426B-9F75-AE0518DEBA14}" dt="2018-05-05T04:09:15.053" v="1999" actId="255"/>
         <pc:sldMkLst>
           <pc:docMk/>
           <pc:sldMk cId="3907722640" sldId="259"/>
@@ -221,7 +221,7 @@
           </ac:spMkLst>
         </pc:spChg>
         <pc:spChg chg="add mod">
-          <ac:chgData name="ペンサ コラ" userId="a195d7e2bf79c897" providerId="LiveId" clId="{5867771E-AA3B-426B-9F75-AE0518DEBA14}" dt="2018-05-05T02:46:41.473" v="1087" actId="1076"/>
+          <ac:chgData name="ペンサ コラ" userId="a195d7e2bf79c897" providerId="LiveId" clId="{5867771E-AA3B-426B-9F75-AE0518DEBA14}" dt="2018-05-05T04:09:15.053" v="1999" actId="255"/>
           <ac:spMkLst>
             <pc:docMk/>
             <pc:sldMk cId="3907722640" sldId="259"/>
@@ -238,7 +238,7 @@
         </pc:picChg>
       </pc:sldChg>
       <pc:sldChg chg="addSp delSp modSp add">
-        <pc:chgData name="ペンサ コラ" userId="a195d7e2bf79c897" providerId="LiveId" clId="{5867771E-AA3B-426B-9F75-AE0518DEBA14}" dt="2018-05-05T02:46:26.320" v="1086" actId="1076"/>
+        <pc:chgData name="ペンサ コラ" userId="a195d7e2bf79c897" providerId="LiveId" clId="{5867771E-AA3B-426B-9F75-AE0518DEBA14}" dt="2018-05-05T04:09:31.726" v="2001" actId="14100"/>
         <pc:sldMkLst>
           <pc:docMk/>
           <pc:sldMk cId="3759295583" sldId="260"/>
@@ -260,7 +260,7 @@
           </ac:spMkLst>
         </pc:spChg>
         <pc:spChg chg="add mod">
-          <ac:chgData name="ペンサ コラ" userId="a195d7e2bf79c897" providerId="LiveId" clId="{5867771E-AA3B-426B-9F75-AE0518DEBA14}" dt="2018-05-05T02:46:26.320" v="1086" actId="1076"/>
+          <ac:chgData name="ペンサ コラ" userId="a195d7e2bf79c897" providerId="LiveId" clId="{5867771E-AA3B-426B-9F75-AE0518DEBA14}" dt="2018-05-05T04:09:31.726" v="2001" actId="14100"/>
           <ac:spMkLst>
             <pc:docMk/>
             <pc:sldMk cId="3759295583" sldId="260"/>
@@ -277,13 +277,13 @@
         </pc:picChg>
       </pc:sldChg>
       <pc:sldChg chg="addSp delSp modSp add">
-        <pc:chgData name="ペンサ コラ" userId="a195d7e2bf79c897" providerId="LiveId" clId="{5867771E-AA3B-426B-9F75-AE0518DEBA14}" dt="2018-05-05T02:59:11.064" v="1666"/>
+        <pc:chgData name="ペンサ コラ" userId="a195d7e2bf79c897" providerId="LiveId" clId="{5867771E-AA3B-426B-9F75-AE0518DEBA14}" dt="2018-05-05T04:08:57.201" v="1996" actId="14100"/>
         <pc:sldMkLst>
           <pc:docMk/>
           <pc:sldMk cId="1878445579" sldId="261"/>
         </pc:sldMkLst>
         <pc:spChg chg="mod">
-          <ac:chgData name="ペンサ コラ" userId="a195d7e2bf79c897" providerId="LiveId" clId="{5867771E-AA3B-426B-9F75-AE0518DEBA14}" dt="2018-05-05T02:52:07.511" v="1216"/>
+          <ac:chgData name="ペンサ コラ" userId="a195d7e2bf79c897" providerId="LiveId" clId="{5867771E-AA3B-426B-9F75-AE0518DEBA14}" dt="2018-05-05T02:52:07.511" v="1216" actId="1076"/>
           <ac:spMkLst>
             <pc:docMk/>
             <pc:sldMk cId="1878445579" sldId="261"/>
@@ -299,7 +299,7 @@
           </ac:spMkLst>
         </pc:spChg>
         <pc:spChg chg="add mod">
-          <ac:chgData name="ペンサ コラ" userId="a195d7e2bf79c897" providerId="LiveId" clId="{5867771E-AA3B-426B-9F75-AE0518DEBA14}" dt="2018-05-05T02:59:11.064" v="1666"/>
+          <ac:chgData name="ペンサ コラ" userId="a195d7e2bf79c897" providerId="LiveId" clId="{5867771E-AA3B-426B-9F75-AE0518DEBA14}" dt="2018-05-05T04:08:57.201" v="1996" actId="14100"/>
           <ac:spMkLst>
             <pc:docMk/>
             <pc:sldMk cId="1878445579" sldId="261"/>
@@ -307,7 +307,7 @@
           </ac:spMkLst>
         </pc:spChg>
         <pc:picChg chg="add mod">
-          <ac:chgData name="ペンサ コラ" userId="a195d7e2bf79c897" providerId="LiveId" clId="{5867771E-AA3B-426B-9F75-AE0518DEBA14}" dt="2018-05-05T02:51:14.953" v="1201" actId="14100"/>
+          <ac:chgData name="ペンサ コラ" userId="a195d7e2bf79c897" providerId="LiveId" clId="{5867771E-AA3B-426B-9F75-AE0518DEBA14}" dt="2018-05-05T04:08:08.964" v="1959" actId="1076"/>
           <ac:picMkLst>
             <pc:docMk/>
             <pc:sldMk cId="1878445579" sldId="261"/>
@@ -316,7 +316,7 @@
         </pc:picChg>
       </pc:sldChg>
       <pc:sldChg chg="addSp delSp modSp add">
-        <pc:chgData name="ペンサ コラ" userId="a195d7e2bf79c897" providerId="LiveId" clId="{5867771E-AA3B-426B-9F75-AE0518DEBA14}" dt="2018-05-05T02:57:14.233" v="1579" actId="1076"/>
+        <pc:chgData name="ペンサ コラ" userId="a195d7e2bf79c897" providerId="LiveId" clId="{5867771E-AA3B-426B-9F75-AE0518DEBA14}" dt="2018-05-05T04:09:44.975" v="2003" actId="14100"/>
         <pc:sldMkLst>
           <pc:docMk/>
           <pc:sldMk cId="3086357313" sldId="262"/>
@@ -338,7 +338,7 @@
           </ac:spMkLst>
         </pc:spChg>
         <pc:spChg chg="add mod">
-          <ac:chgData name="ペンサ コラ" userId="a195d7e2bf79c897" providerId="LiveId" clId="{5867771E-AA3B-426B-9F75-AE0518DEBA14}" dt="2018-05-05T02:57:14.233" v="1579" actId="1076"/>
+          <ac:chgData name="ペンサ コラ" userId="a195d7e2bf79c897" providerId="LiveId" clId="{5867771E-AA3B-426B-9F75-AE0518DEBA14}" dt="2018-05-05T04:09:44.975" v="2003" actId="14100"/>
           <ac:spMkLst>
             <pc:docMk/>
             <pc:sldMk cId="3086357313" sldId="262"/>
@@ -355,7 +355,7 @@
         </pc:picChg>
       </pc:sldChg>
       <pc:sldChg chg="addSp delSp modSp add">
-        <pc:chgData name="ペンサ コラ" userId="a195d7e2bf79c897" providerId="LiveId" clId="{5867771E-AA3B-426B-9F75-AE0518DEBA14}" dt="2018-05-05T03:01:43.513" v="1834" actId="1076"/>
+        <pc:chgData name="ペンサ コラ" userId="a195d7e2bf79c897" providerId="LiveId" clId="{5867771E-AA3B-426B-9F75-AE0518DEBA14}" dt="2018-05-05T04:10:01.919" v="2005" actId="14100"/>
         <pc:sldMkLst>
           <pc:docMk/>
           <pc:sldMk cId="3380497775" sldId="263"/>
@@ -377,7 +377,7 @@
           </ac:spMkLst>
         </pc:spChg>
         <pc:spChg chg="add del mod">
-          <ac:chgData name="ペンサ コラ" userId="a195d7e2bf79c897" providerId="LiveId" clId="{5867771E-AA3B-426B-9F75-AE0518DEBA14}" dt="2018-05-05T02:58:42.631" v="1610"/>
+          <ac:chgData name="ペンサ コラ" userId="a195d7e2bf79c897" providerId="LiveId" clId="{5867771E-AA3B-426B-9F75-AE0518DEBA14}" dt="2018-05-05T02:58:42.631" v="1610" actId="1076"/>
           <ac:spMkLst>
             <pc:docMk/>
             <pc:sldMk cId="3380497775" sldId="263"/>
@@ -385,7 +385,7 @@
           </ac:spMkLst>
         </pc:spChg>
         <pc:spChg chg="add mod">
-          <ac:chgData name="ペンサ コラ" userId="a195d7e2bf79c897" providerId="LiveId" clId="{5867771E-AA3B-426B-9F75-AE0518DEBA14}" dt="2018-05-05T03:01:43.513" v="1834" actId="1076"/>
+          <ac:chgData name="ペンサ コラ" userId="a195d7e2bf79c897" providerId="LiveId" clId="{5867771E-AA3B-426B-9F75-AE0518DEBA14}" dt="2018-05-05T04:10:01.919" v="2005" actId="14100"/>
           <ac:spMkLst>
             <pc:docMk/>
             <pc:sldMk cId="3380497775" sldId="263"/>
@@ -402,7 +402,7 @@
         </pc:picChg>
       </pc:sldChg>
       <pc:sldChg chg="addSp delSp modSp add">
-        <pc:chgData name="ペンサ コラ" userId="a195d7e2bf79c897" providerId="LiveId" clId="{5867771E-AA3B-426B-9F75-AE0518DEBA14}" dt="2018-05-05T03:04:18.704" v="1951" actId="1076"/>
+        <pc:chgData name="ペンサ コラ" userId="a195d7e2bf79c897" providerId="LiveId" clId="{5867771E-AA3B-426B-9F75-AE0518DEBA14}" dt="2018-05-05T04:10:14.094" v="2007" actId="14100"/>
         <pc:sldMkLst>
           <pc:docMk/>
           <pc:sldMk cId="2755573468" sldId="264"/>
@@ -424,7 +424,7 @@
           </ac:spMkLst>
         </pc:spChg>
         <pc:spChg chg="add mod">
-          <ac:chgData name="ペンサ コラ" userId="a195d7e2bf79c897" providerId="LiveId" clId="{5867771E-AA3B-426B-9F75-AE0518DEBA14}" dt="2018-05-05T03:04:18.704" v="1951" actId="1076"/>
+          <ac:chgData name="ペンサ コラ" userId="a195d7e2bf79c897" providerId="LiveId" clId="{5867771E-AA3B-426B-9F75-AE0518DEBA14}" dt="2018-05-05T04:10:14.094" v="2007" actId="14100"/>
           <ac:spMkLst>
             <pc:docMk/>
             <pc:sldMk cId="2755573468" sldId="264"/>
@@ -3723,8 +3723,8 @@
         </p:nvSpPr>
         <p:spPr>
           <a:xfrm>
-            <a:off x="684212" y="4779390"/>
-            <a:ext cx="6400800" cy="1011810"/>
+            <a:off x="684211" y="5693790"/>
+            <a:ext cx="1370832" cy="1021237"/>
           </a:xfrm>
         </p:spPr>
         <p:txBody>
@@ -3792,11 +3792,7 @@
           <a:lstStyle/>
           <a:p>
             <a:r>
-              <a:rPr kumimoji="1" lang="ja-JP" altLang="en-US" dirty="0">
-                <a:solidFill>
-                  <a:schemeClr val="accent5"/>
-                </a:solidFill>
-              </a:rPr>
+              <a:rPr kumimoji="1" lang="ja-JP" altLang="en-US" dirty="0"/>
               <a:t>概要</a:t>
             </a:r>
           </a:p>
@@ -3826,87 +3822,43 @@
           <a:lstStyle/>
           <a:p>
             <a:r>
-              <a:rPr kumimoji="1" lang="ja-JP" altLang="en-US" sz="3200" dirty="0">
-                <a:solidFill>
-                  <a:schemeClr val="accent5"/>
-                </a:solidFill>
-              </a:rPr>
+              <a:rPr kumimoji="1" lang="ja-JP" altLang="en-US" sz="3200" dirty="0"/>
               <a:t>今までにない目覚まし機能と</a:t>
             </a:r>
             <a:r>
-              <a:rPr kumimoji="1" lang="en-US" altLang="ja-JP" sz="3200" dirty="0">
-                <a:solidFill>
-                  <a:schemeClr val="accent5"/>
-                </a:solidFill>
-              </a:rPr>
+              <a:rPr kumimoji="1" lang="en-US" altLang="ja-JP" sz="3200" dirty="0"/>
               <a:t>SNS</a:t>
             </a:r>
             <a:r>
-              <a:rPr kumimoji="1" lang="ja-JP" altLang="en-US" sz="3200" dirty="0">
-                <a:solidFill>
-                  <a:schemeClr val="accent5"/>
-                </a:solidFill>
-              </a:rPr>
+              <a:rPr kumimoji="1" lang="ja-JP" altLang="en-US" sz="3200" dirty="0"/>
               <a:t>機能の連携</a:t>
             </a:r>
-            <a:endParaRPr kumimoji="1" lang="en-US" altLang="ja-JP" sz="3200" dirty="0">
-              <a:solidFill>
-                <a:schemeClr val="accent5"/>
-              </a:solidFill>
-            </a:endParaRPr>
-          </a:p>
-          <a:p>
-            <a:r>
-              <a:rPr lang="ja-JP" altLang="en-US" sz="3200" dirty="0">
-                <a:solidFill>
-                  <a:schemeClr val="accent5"/>
-                </a:solidFill>
-              </a:rPr>
+            <a:endParaRPr kumimoji="1" lang="en-US" altLang="ja-JP" sz="3200" dirty="0"/>
+          </a:p>
+          <a:p>
+            <a:r>
+              <a:rPr lang="ja-JP" altLang="en-US" sz="3200" dirty="0"/>
               <a:t>アラームを同時刻に設定した人同士でマッチング</a:t>
             </a:r>
-            <a:endParaRPr kumimoji="1" lang="en-US" altLang="ja-JP" sz="3200" dirty="0">
-              <a:solidFill>
-                <a:schemeClr val="accent5"/>
-              </a:solidFill>
-            </a:endParaRPr>
-          </a:p>
-          <a:p>
-            <a:r>
-              <a:rPr lang="ja-JP" altLang="en-US" sz="3200" dirty="0">
-                <a:solidFill>
-                  <a:schemeClr val="accent5"/>
-                </a:solidFill>
-              </a:rPr>
+            <a:endParaRPr kumimoji="1" lang="en-US" altLang="ja-JP" sz="3200" dirty="0"/>
+          </a:p>
+          <a:p>
+            <a:r>
+              <a:rPr lang="ja-JP" altLang="en-US" sz="3200" dirty="0"/>
               <a:t>グループ内で相互に起こしあうことによる連帯感、責任感により、今までのオフライン目覚まし時計よりも起きやすくなる</a:t>
             </a:r>
-            <a:endParaRPr lang="en-US" altLang="ja-JP" sz="3200" dirty="0">
-              <a:solidFill>
-                <a:schemeClr val="accent5"/>
-              </a:solidFill>
-            </a:endParaRPr>
-          </a:p>
-          <a:p>
-            <a:r>
-              <a:rPr kumimoji="1" lang="ja-JP" altLang="en-US" sz="3200" dirty="0">
-                <a:solidFill>
-                  <a:schemeClr val="accent5"/>
-                </a:solidFill>
-              </a:rPr>
+            <a:endParaRPr lang="en-US" altLang="ja-JP" sz="3200" dirty="0"/>
+          </a:p>
+          <a:p>
+            <a:r>
+              <a:rPr kumimoji="1" lang="ja-JP" altLang="en-US" sz="3200" dirty="0"/>
               <a:t>起床成功回数のランキングを表示することによるゲーム性で、競争心を</a:t>
             </a:r>
             <a:r>
-              <a:rPr lang="ja-JP" altLang="en-US" sz="3200" dirty="0">
-                <a:solidFill>
-                  <a:schemeClr val="accent5"/>
-                </a:solidFill>
-              </a:rPr>
+              <a:rPr lang="ja-JP" altLang="en-US" sz="3200" dirty="0"/>
               <a:t>煽る</a:t>
             </a:r>
-            <a:endParaRPr kumimoji="1" lang="en-US" altLang="ja-JP" sz="3200" dirty="0">
-              <a:solidFill>
-                <a:schemeClr val="accent5"/>
-              </a:solidFill>
-            </a:endParaRPr>
+            <a:endParaRPr kumimoji="1" lang="en-US" altLang="ja-JP" sz="3200" dirty="0"/>
           </a:p>
         </p:txBody>
       </p:sp>
@@ -4135,8 +4087,8 @@
         </p:nvSpPr>
         <p:spPr>
           <a:xfrm>
-            <a:off x="845127" y="1677970"/>
-            <a:ext cx="5722070" cy="830997"/>
+            <a:off x="845127" y="1791091"/>
+            <a:ext cx="5722070" cy="954107"/>
           </a:xfrm>
           <a:prstGeom prst="rect">
             <a:avLst/>
@@ -4154,10 +4106,10 @@
               <a:buChar char="•"/>
             </a:pPr>
             <a:r>
-              <a:rPr kumimoji="1" lang="ja-JP" altLang="en-US" sz="2400" dirty="0"/>
+              <a:rPr kumimoji="1" lang="ja-JP" altLang="en-US" sz="2800" dirty="0"/>
               <a:t>アイコンの設定</a:t>
             </a:r>
-            <a:endParaRPr kumimoji="1" lang="en-US" altLang="ja-JP" sz="2400" dirty="0"/>
+            <a:endParaRPr kumimoji="1" lang="en-US" altLang="ja-JP" sz="2800" dirty="0"/>
           </a:p>
           <a:p>
             <a:pPr marL="285750" indent="-285750">
@@ -4165,7 +4117,7 @@
               <a:buChar char="•"/>
             </a:pPr>
             <a:r>
-              <a:rPr kumimoji="1" lang="ja-JP" altLang="en-US" sz="2400" dirty="0"/>
+              <a:rPr kumimoji="1" lang="ja-JP" altLang="en-US" sz="2800" dirty="0"/>
               <a:t>ニックネームの設定</a:t>
             </a:r>
           </a:p>
@@ -4284,7 +4236,7 @@
         <p:spPr>
           <a:xfrm>
             <a:off x="845127" y="1687398"/>
-            <a:ext cx="4421171" cy="830997"/>
+            <a:ext cx="4650700" cy="954107"/>
           </a:xfrm>
           <a:prstGeom prst="rect">
             <a:avLst/>
@@ -4302,10 +4254,10 @@
               <a:buChar char="•"/>
             </a:pPr>
             <a:r>
-              <a:rPr kumimoji="1" lang="ja-JP" altLang="en-US" sz="2400" dirty="0"/>
+              <a:rPr kumimoji="1" lang="ja-JP" altLang="en-US" sz="2800" dirty="0"/>
               <a:t>曜日ごとに起床時間を設定</a:t>
             </a:r>
-            <a:endParaRPr kumimoji="1" lang="en-US" altLang="ja-JP" sz="2400" dirty="0"/>
+            <a:endParaRPr kumimoji="1" lang="en-US" altLang="ja-JP" sz="2800" dirty="0"/>
           </a:p>
           <a:p>
             <a:pPr marL="342900" indent="-342900">
@@ -4313,7 +4265,7 @@
               <a:buChar char="•"/>
             </a:pPr>
             <a:r>
-              <a:rPr kumimoji="1" lang="ja-JP" altLang="en-US" sz="2400" dirty="0"/>
+              <a:rPr kumimoji="1" lang="ja-JP" altLang="en-US" sz="2800" dirty="0"/>
               <a:t>曜日ごとにオンオフを設定</a:t>
             </a:r>
           </a:p>
@@ -4432,7 +4384,7 @@
         <p:spPr>
           <a:xfrm>
             <a:off x="845127" y="1659117"/>
-            <a:ext cx="5788058" cy="830997"/>
+            <a:ext cx="6385232" cy="954107"/>
           </a:xfrm>
           <a:prstGeom prst="rect">
             <a:avLst/>
@@ -4450,10 +4402,10 @@
               <a:buChar char="•"/>
             </a:pPr>
             <a:r>
-              <a:rPr kumimoji="1" lang="ja-JP" altLang="en-US" sz="2400" dirty="0"/>
+              <a:rPr kumimoji="1" lang="ja-JP" altLang="en-US" sz="2800" dirty="0"/>
               <a:t>同じ時刻を設定した人同士でマッチング</a:t>
             </a:r>
-            <a:endParaRPr kumimoji="1" lang="en-US" altLang="ja-JP" sz="2400" dirty="0"/>
+            <a:endParaRPr kumimoji="1" lang="en-US" altLang="ja-JP" sz="2800" dirty="0"/>
           </a:p>
           <a:p>
             <a:pPr marL="285750" indent="-285750">
@@ -4461,15 +4413,15 @@
               <a:buChar char="•"/>
             </a:pPr>
             <a:r>
-              <a:rPr kumimoji="1" lang="ja-JP" altLang="en-US" sz="2400" dirty="0"/>
+              <a:rPr kumimoji="1" lang="ja-JP" altLang="en-US" sz="2800" dirty="0"/>
               <a:t>グループは</a:t>
             </a:r>
             <a:r>
-              <a:rPr kumimoji="1" lang="en-US" altLang="ja-JP" sz="2400" dirty="0"/>
+              <a:rPr kumimoji="1" lang="en-US" altLang="ja-JP" sz="2800" dirty="0"/>
               <a:t>4</a:t>
             </a:r>
             <a:r>
-              <a:rPr kumimoji="1" lang="ja-JP" altLang="en-US" sz="2400" dirty="0"/>
+              <a:rPr kumimoji="1" lang="ja-JP" altLang="en-US" sz="2800" dirty="0"/>
               <a:t>人単位</a:t>
             </a:r>
           </a:p>
@@ -4572,8 +4524,8 @@
         </p:blipFill>
         <p:spPr>
           <a:xfrm>
-            <a:off x="8029163" y="0"/>
-            <a:ext cx="4084280" cy="6858000"/>
+            <a:off x="8277654" y="41935"/>
+            <a:ext cx="3914346" cy="6868398"/>
           </a:xfrm>
         </p:spPr>
       </p:pic>
@@ -4591,8 +4543,8 @@
         </p:nvSpPr>
         <p:spPr>
           <a:xfrm>
-            <a:off x="845127" y="1583703"/>
-            <a:ext cx="5740924" cy="3416320"/>
+            <a:off x="845126" y="1583703"/>
+            <a:ext cx="6045867" cy="3354765"/>
           </a:xfrm>
           <a:prstGeom prst="rect">
             <a:avLst/>
@@ -4610,10 +4562,10 @@
               <a:buChar char="•"/>
             </a:pPr>
             <a:r>
-              <a:rPr kumimoji="1" lang="ja-JP" altLang="en-US" sz="2400" dirty="0"/>
+              <a:rPr kumimoji="1" lang="ja-JP" altLang="en-US" sz="2800" dirty="0"/>
               <a:t>同じグループ内の人と自分の画面が表示される</a:t>
             </a:r>
-            <a:endParaRPr kumimoji="1" lang="en-US" altLang="ja-JP" sz="2400" dirty="0"/>
+            <a:endParaRPr kumimoji="1" lang="en-US" altLang="ja-JP" sz="2800" dirty="0"/>
           </a:p>
           <a:p>
             <a:pPr marL="342900" indent="-342900">
@@ -4621,10 +4573,10 @@
               <a:buChar char="•"/>
             </a:pPr>
             <a:r>
-              <a:rPr kumimoji="1" lang="ja-JP" altLang="en-US" sz="2400" dirty="0"/>
-              <a:t>起きていない人は色の付いた枠で囲まれる</a:t>
-            </a:r>
-            <a:endParaRPr kumimoji="1" lang="en-US" altLang="ja-JP" sz="2400" dirty="0"/>
+              <a:rPr kumimoji="1" lang="ja-JP" altLang="en-US" sz="2800" dirty="0"/>
+              <a:t>起きていない人はアイコンが暗くなる</a:t>
+            </a:r>
+            <a:endParaRPr kumimoji="1" lang="en-US" altLang="ja-JP" sz="2800" dirty="0"/>
           </a:p>
           <a:p>
             <a:pPr marL="342900" indent="-342900">
@@ -4632,10 +4584,10 @@
               <a:buChar char="•"/>
             </a:pPr>
             <a:r>
-              <a:rPr kumimoji="1" lang="ja-JP" altLang="en-US" sz="2400" dirty="0"/>
+              <a:rPr kumimoji="1" lang="ja-JP" altLang="en-US" sz="2800" dirty="0"/>
               <a:t>チャットを送ると相手に効果音が届く</a:t>
             </a:r>
-            <a:endParaRPr kumimoji="1" lang="en-US" altLang="ja-JP" sz="2400" dirty="0"/>
+            <a:endParaRPr kumimoji="1" lang="en-US" altLang="ja-JP" sz="2800" dirty="0"/>
           </a:p>
           <a:p>
             <a:pPr marL="342900" indent="-342900">
@@ -4643,18 +4595,18 @@
               <a:buChar char="•"/>
             </a:pPr>
             <a:r>
-              <a:rPr kumimoji="1" lang="ja-JP" altLang="en-US" sz="2400" dirty="0"/>
+              <a:rPr kumimoji="1" lang="ja-JP" altLang="en-US" sz="2800" dirty="0"/>
               <a:t>全員が起きる</a:t>
             </a:r>
             <a:r>
-              <a:rPr kumimoji="1" lang="en-US" altLang="ja-JP" sz="2400" dirty="0"/>
+              <a:rPr kumimoji="1" lang="en-US" altLang="ja-JP" sz="2800" dirty="0"/>
               <a:t>or</a:t>
             </a:r>
             <a:r>
-              <a:rPr kumimoji="1" lang="ja-JP" altLang="en-US" sz="2400" dirty="0"/>
+              <a:rPr kumimoji="1" lang="ja-JP" altLang="en-US" sz="2800" dirty="0"/>
               <a:t>３分経過で終了</a:t>
             </a:r>
-            <a:endParaRPr kumimoji="1" lang="en-US" altLang="ja-JP" sz="2400" dirty="0"/>
+            <a:endParaRPr kumimoji="1" lang="en-US" altLang="ja-JP" sz="2800" dirty="0"/>
           </a:p>
           <a:p>
             <a:pPr marL="342900" indent="-342900">
@@ -4791,8 +4743,8 @@
         </p:nvSpPr>
         <p:spPr>
           <a:xfrm>
-            <a:off x="845127" y="1571918"/>
-            <a:ext cx="5153320" cy="1200329"/>
+            <a:off x="845126" y="1571918"/>
+            <a:ext cx="5678221" cy="1384995"/>
           </a:xfrm>
           <a:prstGeom prst="rect">
             <a:avLst/>
@@ -4810,18 +4762,18 @@
               <a:buChar char="•"/>
             </a:pPr>
             <a:r>
-              <a:rPr kumimoji="1" lang="ja-JP" altLang="en-US" sz="2400" dirty="0"/>
+              <a:rPr kumimoji="1" lang="ja-JP" altLang="en-US" sz="2800" dirty="0"/>
               <a:t>成功</a:t>
             </a:r>
             <a:r>
-              <a:rPr kumimoji="1" lang="en-US" altLang="ja-JP" sz="2400" dirty="0"/>
+              <a:rPr kumimoji="1" lang="en-US" altLang="ja-JP" sz="2800" dirty="0"/>
               <a:t>or</a:t>
             </a:r>
             <a:r>
-              <a:rPr kumimoji="1" lang="ja-JP" altLang="en-US" sz="2400" dirty="0"/>
+              <a:rPr kumimoji="1" lang="ja-JP" altLang="en-US" sz="2800" dirty="0"/>
               <a:t>失敗の確認</a:t>
             </a:r>
-            <a:endParaRPr kumimoji="1" lang="en-US" altLang="ja-JP" sz="2400" dirty="0"/>
+            <a:endParaRPr kumimoji="1" lang="en-US" altLang="ja-JP" sz="2800" dirty="0"/>
           </a:p>
           <a:p>
             <a:pPr marL="285750" indent="-285750">
@@ -4829,10 +4781,10 @@
               <a:buChar char="•"/>
             </a:pPr>
             <a:r>
-              <a:rPr kumimoji="1" lang="ja-JP" altLang="en-US" sz="2400" dirty="0"/>
+              <a:rPr kumimoji="1" lang="ja-JP" altLang="en-US" sz="2800" dirty="0"/>
               <a:t>グループで何人成功したかも確認</a:t>
             </a:r>
-            <a:endParaRPr kumimoji="1" lang="en-US" altLang="ja-JP" sz="2400" dirty="0"/>
+            <a:endParaRPr kumimoji="1" lang="en-US" altLang="ja-JP" sz="2800" dirty="0"/>
           </a:p>
           <a:p>
             <a:pPr marL="285750" indent="-285750">
@@ -4840,7 +4792,7 @@
               <a:buChar char="•"/>
             </a:pPr>
             <a:r>
-              <a:rPr kumimoji="1" lang="ja-JP" altLang="en-US" sz="2400" dirty="0"/>
+              <a:rPr kumimoji="1" lang="ja-JP" altLang="en-US" sz="2800" dirty="0"/>
               <a:t>今までの総成功、総失敗も確認</a:t>
             </a:r>
           </a:p>
@@ -4961,7 +4913,7 @@
         <p:spPr>
           <a:xfrm>
             <a:off x="845127" y="1545996"/>
-            <a:ext cx="4735541" cy="830997"/>
+            <a:ext cx="4971211" cy="954107"/>
           </a:xfrm>
           <a:prstGeom prst="rect">
             <a:avLst/>
@@ -4979,9 +4931,10 @@
               <a:buChar char="•"/>
             </a:pPr>
             <a:r>
-              <a:rPr kumimoji="1" lang="ja-JP" altLang="en-US" sz="2400" dirty="0"/>
+              <a:rPr kumimoji="1" lang="ja-JP" altLang="en-US" sz="2800" dirty="0"/>
               <a:t>総成功回数上位１０人の名前と成功回数を表示</a:t>
             </a:r>
+            <a:endParaRPr kumimoji="1" lang="en-US" altLang="ja-JP" sz="2800" dirty="0"/>
           </a:p>
         </p:txBody>
       </p:sp>

--- a/htmlcss/pptx/teamF.pptx
+++ b/htmlcss/pptx/teamF.pptx
@@ -125,7 +125,7 @@
   <pc:docChgLst>
     <pc:chgData name="ペンサ コラ" userId="a195d7e2bf79c897" providerId="LiveId" clId="{5867771E-AA3B-426B-9F75-AE0518DEBA14}"/>
     <pc:docChg chg="undo custSel addSld modSld">
-      <pc:chgData name="ペンサ コラ" userId="a195d7e2bf79c897" providerId="LiveId" clId="{5867771E-AA3B-426B-9F75-AE0518DEBA14}" dt="2018-05-05T04:12:46.747" v="2013" actId="207"/>
+      <pc:chgData name="ペンサ コラ" userId="a195d7e2bf79c897" providerId="LiveId" clId="{5867771E-AA3B-426B-9F75-AE0518DEBA14}" dt="2018-05-05T04:21:09.229" v="2014" actId="14826"/>
       <pc:docMkLst>
         <pc:docMk/>
       </pc:docMkLst>
@@ -402,7 +402,7 @@
         </pc:picChg>
       </pc:sldChg>
       <pc:sldChg chg="addSp delSp modSp add">
-        <pc:chgData name="ペンサ コラ" userId="a195d7e2bf79c897" providerId="LiveId" clId="{5867771E-AA3B-426B-9F75-AE0518DEBA14}" dt="2018-05-05T04:10:14.094" v="2007" actId="14100"/>
+        <pc:chgData name="ペンサ コラ" userId="a195d7e2bf79c897" providerId="LiveId" clId="{5867771E-AA3B-426B-9F75-AE0518DEBA14}" dt="2018-05-05T04:21:09.229" v="2014" actId="14826"/>
         <pc:sldMkLst>
           <pc:docMk/>
           <pc:sldMk cId="2755573468" sldId="264"/>
@@ -432,7 +432,7 @@
           </ac:spMkLst>
         </pc:spChg>
         <pc:picChg chg="add mod">
-          <ac:chgData name="ペンサ コラ" userId="a195d7e2bf79c897" providerId="LiveId" clId="{5867771E-AA3B-426B-9F75-AE0518DEBA14}" dt="2018-05-05T03:02:22.346" v="1841" actId="1076"/>
+          <ac:chgData name="ペンサ コラ" userId="a195d7e2bf79c897" providerId="LiveId" clId="{5867771E-AA3B-426B-9F75-AE0518DEBA14}" dt="2018-05-05T04:21:09.229" v="2014" actId="14826"/>
           <ac:picMkLst>
             <pc:docMk/>
             <pc:sldMk cId="2755573468" sldId="264"/>
@@ -4893,8 +4893,8 @@
         </p:blipFill>
         <p:spPr>
           <a:xfrm>
-            <a:off x="8103653" y="-4258"/>
-            <a:ext cx="4088347" cy="6862258"/>
+            <a:off x="8144047" y="-4258"/>
+            <a:ext cx="4007558" cy="6862258"/>
           </a:xfrm>
         </p:spPr>
       </p:pic>

--- a/htmlcss/pptx/teamF.pptx
+++ b/htmlcss/pptx/teamF.pptx
@@ -3,17 +3,18 @@
 <p:presentation xmlns:a="http://schemas.openxmlformats.org/drawingml/2006/main" xmlns:r="http://schemas.openxmlformats.org/officeDocument/2006/relationships" xmlns:p="http://schemas.openxmlformats.org/presentationml/2006/main" saveSubsetFonts="1">
   <p:sldMasterIdLst>
     <p:sldMasterId id="2147483678" r:id="rId1"/>
+    <p:sldMasterId id="2147483690" r:id="rId2"/>
   </p:sldMasterIdLst>
   <p:sldIdLst>
-    <p:sldId id="256" r:id="rId2"/>
-    <p:sldId id="257" r:id="rId3"/>
-    <p:sldId id="258" r:id="rId4"/>
-    <p:sldId id="259" r:id="rId5"/>
-    <p:sldId id="260" r:id="rId6"/>
-    <p:sldId id="262" r:id="rId7"/>
-    <p:sldId id="261" r:id="rId8"/>
-    <p:sldId id="263" r:id="rId9"/>
-    <p:sldId id="264" r:id="rId10"/>
+    <p:sldId id="256" r:id="rId3"/>
+    <p:sldId id="257" r:id="rId4"/>
+    <p:sldId id="258" r:id="rId5"/>
+    <p:sldId id="259" r:id="rId6"/>
+    <p:sldId id="265" r:id="rId7"/>
+    <p:sldId id="266" r:id="rId8"/>
+    <p:sldId id="267" r:id="rId9"/>
+    <p:sldId id="268" r:id="rId10"/>
+    <p:sldId id="269" r:id="rId11"/>
   </p:sldIdLst>
   <p:sldSz cx="12192000" cy="6858000"/>
   <p:notesSz cx="6858000" cy="9144000"/>
@@ -1062,6 +1063,2524 @@
 </p:sldLayout>
 </file>
 
+<file path=ppt/slideLayouts/slideLayout12.xml><?xml version="1.0" encoding="utf-8"?>
+<p:sldLayout xmlns:a="http://schemas.openxmlformats.org/drawingml/2006/main" xmlns:r="http://schemas.openxmlformats.org/officeDocument/2006/relationships" xmlns:p="http://schemas.openxmlformats.org/presentationml/2006/main" showMasterSp="0" type="title" preserve="1">
+  <p:cSld name="タイトル スライド">
+    <p:bg>
+      <p:bgPr>
+        <a:solidFill>
+          <a:schemeClr val="bg2"/>
+        </a:solidFill>
+        <a:effectLst/>
+      </p:bgPr>
+    </p:bg>
+    <p:spTree>
+      <p:nvGrpSpPr>
+        <p:cNvPr id="1" name=""/>
+        <p:cNvGrpSpPr/>
+        <p:nvPr/>
+      </p:nvGrpSpPr>
+      <p:grpSpPr>
+        <a:xfrm>
+          <a:off x="0" y="0"/>
+          <a:ext cx="0" cy="0"/>
+          <a:chOff x="0" y="0"/>
+          <a:chExt cx="0" cy="0"/>
+        </a:xfrm>
+      </p:grpSpPr>
+      <p:sp>
+        <p:nvSpPr>
+          <p:cNvPr id="2" name="Title 1"/>
+          <p:cNvSpPr>
+            <a:spLocks noGrp="1"/>
+          </p:cNvSpPr>
+          <p:nvPr>
+            <p:ph type="ctrTitle"/>
+          </p:nvPr>
+        </p:nvSpPr>
+        <p:spPr>
+          <a:xfrm>
+            <a:off x="1915128" y="1788454"/>
+            <a:ext cx="8361229" cy="2098226"/>
+          </a:xfrm>
+        </p:spPr>
+        <p:txBody>
+          <a:bodyPr anchor="b">
+            <a:noAutofit/>
+          </a:bodyPr>
+          <a:lstStyle>
+            <a:lvl1pPr algn="ctr">
+              <a:defRPr sz="7200" cap="all" baseline="0">
+                <a:solidFill>
+                  <a:schemeClr val="tx2"/>
+                </a:solidFill>
+              </a:defRPr>
+            </a:lvl1pPr>
+          </a:lstStyle>
+          <a:p>
+            <a:r>
+              <a:rPr lang="ja-JP" altLang="en-US"/>
+              <a:t>マスター タイトルの書式設定</a:t>
+            </a:r>
+            <a:endParaRPr lang="en-US" dirty="0"/>
+          </a:p>
+        </p:txBody>
+      </p:sp>
+      <p:sp>
+        <p:nvSpPr>
+          <p:cNvPr id="3" name="Subtitle 2"/>
+          <p:cNvSpPr>
+            <a:spLocks noGrp="1"/>
+          </p:cNvSpPr>
+          <p:nvPr>
+            <p:ph type="subTitle" idx="1"/>
+          </p:nvPr>
+        </p:nvSpPr>
+        <p:spPr>
+          <a:xfrm>
+            <a:off x="2679906" y="3956279"/>
+            <a:ext cx="6831673" cy="1086237"/>
+          </a:xfrm>
+        </p:spPr>
+        <p:txBody>
+          <a:bodyPr>
+            <a:normAutofit/>
+          </a:bodyPr>
+          <a:lstStyle>
+            <a:lvl1pPr marL="0" indent="0" algn="ctr">
+              <a:lnSpc>
+                <a:spcPct val="112000"/>
+              </a:lnSpc>
+              <a:spcBef>
+                <a:spcPts val="0"/>
+              </a:spcBef>
+              <a:spcAft>
+                <a:spcPts val="0"/>
+              </a:spcAft>
+              <a:buNone/>
+              <a:defRPr sz="2300"/>
+            </a:lvl1pPr>
+            <a:lvl2pPr marL="457200" indent="0" algn="ctr">
+              <a:buNone/>
+              <a:defRPr sz="2000"/>
+            </a:lvl2pPr>
+            <a:lvl3pPr marL="914400" indent="0" algn="ctr">
+              <a:buNone/>
+              <a:defRPr sz="1800"/>
+            </a:lvl3pPr>
+            <a:lvl4pPr marL="1371600" indent="0" algn="ctr">
+              <a:buNone/>
+              <a:defRPr sz="1600"/>
+            </a:lvl4pPr>
+            <a:lvl5pPr marL="1828800" indent="0" algn="ctr">
+              <a:buNone/>
+              <a:defRPr sz="1600"/>
+            </a:lvl5pPr>
+            <a:lvl6pPr marL="2286000" indent="0" algn="ctr">
+              <a:buNone/>
+              <a:defRPr sz="1600"/>
+            </a:lvl6pPr>
+            <a:lvl7pPr marL="2743200" indent="0" algn="ctr">
+              <a:buNone/>
+              <a:defRPr sz="1600"/>
+            </a:lvl7pPr>
+            <a:lvl8pPr marL="3200400" indent="0" algn="ctr">
+              <a:buNone/>
+              <a:defRPr sz="1600"/>
+            </a:lvl8pPr>
+            <a:lvl9pPr marL="3657600" indent="0" algn="ctr">
+              <a:buNone/>
+              <a:defRPr sz="1600"/>
+            </a:lvl9pPr>
+          </a:lstStyle>
+          <a:p>
+            <a:r>
+              <a:rPr lang="ja-JP" altLang="en-US"/>
+              <a:t>マスター サブタイトルの書式設定</a:t>
+            </a:r>
+            <a:endParaRPr lang="en-US" dirty="0"/>
+          </a:p>
+        </p:txBody>
+      </p:sp>
+      <p:sp>
+        <p:nvSpPr>
+          <p:cNvPr id="4" name="Date Placeholder 3"/>
+          <p:cNvSpPr>
+            <a:spLocks noGrp="1"/>
+          </p:cNvSpPr>
+          <p:nvPr>
+            <p:ph type="dt" sz="half" idx="10"/>
+          </p:nvPr>
+        </p:nvSpPr>
+        <p:spPr>
+          <a:xfrm>
+            <a:off x="752858" y="6453386"/>
+            <a:ext cx="1607944" cy="404614"/>
+          </a:xfrm>
+        </p:spPr>
+        <p:txBody>
+          <a:bodyPr/>
+          <a:lstStyle>
+            <a:lvl1pPr>
+              <a:defRPr baseline="0">
+                <a:solidFill>
+                  <a:schemeClr val="tx2"/>
+                </a:solidFill>
+              </a:defRPr>
+            </a:lvl1pPr>
+          </a:lstStyle>
+          <a:p>
+            <a:fld id="{6139413B-932F-4483-A02F-1307E0C347FE}" type="datetimeFigureOut">
+              <a:rPr kumimoji="1" lang="ja-JP" altLang="en-US" smtClean="0"/>
+              <a:t>2018/5/5</a:t>
+            </a:fld>
+            <a:endParaRPr kumimoji="1" lang="ja-JP" altLang="en-US"/>
+          </a:p>
+        </p:txBody>
+      </p:sp>
+      <p:sp>
+        <p:nvSpPr>
+          <p:cNvPr id="5" name="Footer Placeholder 4"/>
+          <p:cNvSpPr>
+            <a:spLocks noGrp="1"/>
+          </p:cNvSpPr>
+          <p:nvPr>
+            <p:ph type="ftr" sz="quarter" idx="11"/>
+          </p:nvPr>
+        </p:nvSpPr>
+        <p:spPr>
+          <a:xfrm>
+            <a:off x="2584054" y="6453386"/>
+            <a:ext cx="7023377" cy="404614"/>
+          </a:xfrm>
+        </p:spPr>
+        <p:txBody>
+          <a:bodyPr/>
+          <a:lstStyle>
+            <a:lvl1pPr algn="ctr">
+              <a:defRPr baseline="0">
+                <a:solidFill>
+                  <a:schemeClr val="tx2"/>
+                </a:solidFill>
+              </a:defRPr>
+            </a:lvl1pPr>
+          </a:lstStyle>
+          <a:p>
+            <a:endParaRPr kumimoji="1" lang="ja-JP" altLang="en-US"/>
+          </a:p>
+        </p:txBody>
+      </p:sp>
+      <p:sp>
+        <p:nvSpPr>
+          <p:cNvPr id="6" name="Slide Number Placeholder 5"/>
+          <p:cNvSpPr>
+            <a:spLocks noGrp="1"/>
+          </p:cNvSpPr>
+          <p:nvPr>
+            <p:ph type="sldNum" sz="quarter" idx="12"/>
+          </p:nvPr>
+        </p:nvSpPr>
+        <p:spPr>
+          <a:xfrm>
+            <a:off x="9830683" y="6453386"/>
+            <a:ext cx="1596292" cy="404614"/>
+          </a:xfrm>
+        </p:spPr>
+        <p:txBody>
+          <a:bodyPr/>
+          <a:lstStyle>
+            <a:lvl1pPr>
+              <a:defRPr baseline="0">
+                <a:solidFill>
+                  <a:schemeClr val="tx2"/>
+                </a:solidFill>
+              </a:defRPr>
+            </a:lvl1pPr>
+          </a:lstStyle>
+          <a:p>
+            <a:fld id="{3C389D12-8073-498F-BE90-757FD2A018F9}" type="slidenum">
+              <a:rPr kumimoji="1" lang="ja-JP" altLang="en-US" smtClean="0"/>
+              <a:t>‹#›</a:t>
+            </a:fld>
+            <a:endParaRPr kumimoji="1" lang="ja-JP" altLang="en-US"/>
+          </a:p>
+        </p:txBody>
+      </p:sp>
+      <p:grpSp>
+        <p:nvGrpSpPr>
+          <p:cNvPr id="7" name="Group 6"/>
+          <p:cNvGrpSpPr/>
+          <p:nvPr/>
+        </p:nvGrpSpPr>
+        <p:grpSpPr>
+          <a:xfrm>
+            <a:off x="752858" y="744469"/>
+            <a:ext cx="10674117" cy="5349671"/>
+            <a:chOff x="752858" y="744469"/>
+            <a:chExt cx="10674117" cy="5349671"/>
+          </a:xfrm>
+        </p:grpSpPr>
+        <p:sp>
+          <p:nvSpPr>
+            <p:cNvPr id="11" name="Freeform 6"/>
+            <p:cNvSpPr/>
+            <p:nvPr/>
+          </p:nvSpPr>
+          <p:spPr bwMode="auto">
+            <a:xfrm>
+              <a:off x="8151962" y="1685652"/>
+              <a:ext cx="3275013" cy="4408488"/>
+            </a:xfrm>
+            <a:custGeom>
+              <a:avLst/>
+              <a:gdLst/>
+              <a:ahLst/>
+              <a:cxnLst/>
+              <a:rect l="l" t="t" r="r" b="b"/>
+              <a:pathLst>
+                <a:path w="10000" h="10000">
+                  <a:moveTo>
+                    <a:pt x="8761" y="0"/>
+                  </a:moveTo>
+                  <a:lnTo>
+                    <a:pt x="10000" y="0"/>
+                  </a:lnTo>
+                  <a:lnTo>
+                    <a:pt x="10000" y="10000"/>
+                  </a:lnTo>
+                  <a:lnTo>
+                    <a:pt x="0" y="10000"/>
+                  </a:lnTo>
+                  <a:lnTo>
+                    <a:pt x="0" y="9126"/>
+                  </a:lnTo>
+                  <a:lnTo>
+                    <a:pt x="8761" y="9127"/>
+                  </a:lnTo>
+                  <a:lnTo>
+                    <a:pt x="8761" y="0"/>
+                  </a:lnTo>
+                  <a:close/>
+                </a:path>
+              </a:pathLst>
+            </a:custGeom>
+            <a:solidFill>
+              <a:schemeClr val="tx2"/>
+            </a:solidFill>
+            <a:ln w="0">
+              <a:noFill/>
+              <a:prstDash val="solid"/>
+              <a:round/>
+              <a:headEnd/>
+              <a:tailEnd/>
+            </a:ln>
+          </p:spPr>
+        </p:sp>
+        <p:sp>
+          <p:nvSpPr>
+            <p:cNvPr id="14" name="Freeform 6"/>
+            <p:cNvSpPr/>
+            <p:nvPr/>
+          </p:nvSpPr>
+          <p:spPr bwMode="auto">
+            <a:xfrm flipH="1" flipV="1">
+              <a:off x="752858" y="744469"/>
+              <a:ext cx="3275668" cy="4408488"/>
+            </a:xfrm>
+            <a:custGeom>
+              <a:avLst/>
+              <a:gdLst/>
+              <a:ahLst/>
+              <a:cxnLst/>
+              <a:rect l="l" t="t" r="r" b="b"/>
+              <a:pathLst>
+                <a:path w="10002" h="10000">
+                  <a:moveTo>
+                    <a:pt x="8763" y="0"/>
+                  </a:moveTo>
+                  <a:lnTo>
+                    <a:pt x="10002" y="0"/>
+                  </a:lnTo>
+                  <a:lnTo>
+                    <a:pt x="10002" y="10000"/>
+                  </a:lnTo>
+                  <a:lnTo>
+                    <a:pt x="2" y="10000"/>
+                  </a:lnTo>
+                  <a:cubicBezTo>
+                    <a:pt x="-2" y="9698"/>
+                    <a:pt x="4" y="9427"/>
+                    <a:pt x="0" y="9125"/>
+                  </a:cubicBezTo>
+                  <a:lnTo>
+                    <a:pt x="8763" y="9128"/>
+                  </a:lnTo>
+                  <a:lnTo>
+                    <a:pt x="8763" y="0"/>
+                  </a:lnTo>
+                  <a:close/>
+                </a:path>
+              </a:pathLst>
+            </a:custGeom>
+            <a:solidFill>
+              <a:schemeClr val="tx2"/>
+            </a:solidFill>
+            <a:ln w="0">
+              <a:noFill/>
+              <a:prstDash val="solid"/>
+              <a:round/>
+              <a:headEnd/>
+              <a:tailEnd/>
+            </a:ln>
+          </p:spPr>
+        </p:sp>
+      </p:grpSp>
+    </p:spTree>
+    <p:extLst>
+      <p:ext uri="{BB962C8B-B14F-4D97-AF65-F5344CB8AC3E}">
+        <p14:creationId xmlns:p14="http://schemas.microsoft.com/office/powerpoint/2010/main" val="2863385096"/>
+      </p:ext>
+    </p:extLst>
+  </p:cSld>
+  <p:clrMapOvr>
+    <a:overrideClrMapping bg1="lt1" tx1="dk1" bg2="lt2" tx2="dk2" accent1="accent1" accent2="accent2" accent3="accent3" accent4="accent4" accent5="accent5" accent6="accent6" hlink="hlink" folHlink="folHlink"/>
+  </p:clrMapOvr>
+</p:sldLayout>
+</file>
+
+<file path=ppt/slideLayouts/slideLayout13.xml><?xml version="1.0" encoding="utf-8"?>
+<p:sldLayout xmlns:a="http://schemas.openxmlformats.org/drawingml/2006/main" xmlns:r="http://schemas.openxmlformats.org/officeDocument/2006/relationships" xmlns:p="http://schemas.openxmlformats.org/presentationml/2006/main" type="obj" preserve="1">
+  <p:cSld name="タイトルとコンテンツ">
+    <p:spTree>
+      <p:nvGrpSpPr>
+        <p:cNvPr id="1" name=""/>
+        <p:cNvGrpSpPr/>
+        <p:nvPr/>
+      </p:nvGrpSpPr>
+      <p:grpSpPr>
+        <a:xfrm>
+          <a:off x="0" y="0"/>
+          <a:ext cx="0" cy="0"/>
+          <a:chOff x="0" y="0"/>
+          <a:chExt cx="0" cy="0"/>
+        </a:xfrm>
+      </p:grpSpPr>
+      <p:sp>
+        <p:nvSpPr>
+          <p:cNvPr id="2" name="Title 1"/>
+          <p:cNvSpPr>
+            <a:spLocks noGrp="1"/>
+          </p:cNvSpPr>
+          <p:nvPr>
+            <p:ph type="title"/>
+          </p:nvPr>
+        </p:nvSpPr>
+        <p:spPr/>
+        <p:txBody>
+          <a:bodyPr/>
+          <a:lstStyle/>
+          <a:p>
+            <a:r>
+              <a:rPr lang="ja-JP" altLang="en-US"/>
+              <a:t>マスター タイトルの書式設定</a:t>
+            </a:r>
+            <a:endParaRPr lang="en-US" dirty="0"/>
+          </a:p>
+        </p:txBody>
+      </p:sp>
+      <p:sp>
+        <p:nvSpPr>
+          <p:cNvPr id="3" name="Content Placeholder 2"/>
+          <p:cNvSpPr>
+            <a:spLocks noGrp="1"/>
+          </p:cNvSpPr>
+          <p:nvPr>
+            <p:ph idx="1"/>
+          </p:nvPr>
+        </p:nvSpPr>
+        <p:spPr/>
+        <p:txBody>
+          <a:bodyPr/>
+          <a:lstStyle/>
+          <a:p>
+            <a:pPr lvl="0"/>
+            <a:r>
+              <a:rPr lang="ja-JP" altLang="en-US"/>
+              <a:t>マスター テキストの書式設定</a:t>
+            </a:r>
+          </a:p>
+          <a:p>
+            <a:pPr lvl="1"/>
+            <a:r>
+              <a:rPr lang="ja-JP" altLang="en-US"/>
+              <a:t>第 </a:t>
+            </a:r>
+            <a:r>
+              <a:rPr lang="en-US" altLang="ja-JP"/>
+              <a:t>2 </a:t>
+            </a:r>
+            <a:r>
+              <a:rPr lang="ja-JP" altLang="en-US"/>
+              <a:t>レベル</a:t>
+            </a:r>
+          </a:p>
+          <a:p>
+            <a:pPr lvl="2"/>
+            <a:r>
+              <a:rPr lang="ja-JP" altLang="en-US"/>
+              <a:t>第 </a:t>
+            </a:r>
+            <a:r>
+              <a:rPr lang="en-US" altLang="ja-JP"/>
+              <a:t>3 </a:t>
+            </a:r>
+            <a:r>
+              <a:rPr lang="ja-JP" altLang="en-US"/>
+              <a:t>レベル</a:t>
+            </a:r>
+          </a:p>
+          <a:p>
+            <a:pPr lvl="3"/>
+            <a:r>
+              <a:rPr lang="ja-JP" altLang="en-US"/>
+              <a:t>第 </a:t>
+            </a:r>
+            <a:r>
+              <a:rPr lang="en-US" altLang="ja-JP"/>
+              <a:t>4 </a:t>
+            </a:r>
+            <a:r>
+              <a:rPr lang="ja-JP" altLang="en-US"/>
+              <a:t>レベル</a:t>
+            </a:r>
+          </a:p>
+          <a:p>
+            <a:pPr lvl="4"/>
+            <a:r>
+              <a:rPr lang="ja-JP" altLang="en-US"/>
+              <a:t>第 </a:t>
+            </a:r>
+            <a:r>
+              <a:rPr lang="en-US" altLang="ja-JP"/>
+              <a:t>5 </a:t>
+            </a:r>
+            <a:r>
+              <a:rPr lang="ja-JP" altLang="en-US"/>
+              <a:t>レベル</a:t>
+            </a:r>
+            <a:endParaRPr lang="en-US" dirty="0"/>
+          </a:p>
+        </p:txBody>
+      </p:sp>
+      <p:sp>
+        <p:nvSpPr>
+          <p:cNvPr id="4" name="Date Placeholder 3"/>
+          <p:cNvSpPr>
+            <a:spLocks noGrp="1"/>
+          </p:cNvSpPr>
+          <p:nvPr>
+            <p:ph type="dt" sz="half" idx="10"/>
+          </p:nvPr>
+        </p:nvSpPr>
+        <p:spPr/>
+        <p:txBody>
+          <a:bodyPr/>
+          <a:lstStyle/>
+          <a:p>
+            <a:fld id="{6139413B-932F-4483-A02F-1307E0C347FE}" type="datetimeFigureOut">
+              <a:rPr kumimoji="1" lang="ja-JP" altLang="en-US" smtClean="0"/>
+              <a:t>2018/5/5</a:t>
+            </a:fld>
+            <a:endParaRPr kumimoji="1" lang="ja-JP" altLang="en-US"/>
+          </a:p>
+        </p:txBody>
+      </p:sp>
+      <p:sp>
+        <p:nvSpPr>
+          <p:cNvPr id="5" name="Footer Placeholder 4"/>
+          <p:cNvSpPr>
+            <a:spLocks noGrp="1"/>
+          </p:cNvSpPr>
+          <p:nvPr>
+            <p:ph type="ftr" sz="quarter" idx="11"/>
+          </p:nvPr>
+        </p:nvSpPr>
+        <p:spPr/>
+        <p:txBody>
+          <a:bodyPr/>
+          <a:lstStyle/>
+          <a:p>
+            <a:endParaRPr kumimoji="1" lang="ja-JP" altLang="en-US"/>
+          </a:p>
+        </p:txBody>
+      </p:sp>
+      <p:sp>
+        <p:nvSpPr>
+          <p:cNvPr id="6" name="Slide Number Placeholder 5"/>
+          <p:cNvSpPr>
+            <a:spLocks noGrp="1"/>
+          </p:cNvSpPr>
+          <p:nvPr>
+            <p:ph type="sldNum" sz="quarter" idx="12"/>
+          </p:nvPr>
+        </p:nvSpPr>
+        <p:spPr/>
+        <p:txBody>
+          <a:bodyPr/>
+          <a:lstStyle/>
+          <a:p>
+            <a:fld id="{3C389D12-8073-498F-BE90-757FD2A018F9}" type="slidenum">
+              <a:rPr kumimoji="1" lang="ja-JP" altLang="en-US" smtClean="0"/>
+              <a:t>‹#›</a:t>
+            </a:fld>
+            <a:endParaRPr kumimoji="1" lang="ja-JP" altLang="en-US"/>
+          </a:p>
+        </p:txBody>
+      </p:sp>
+    </p:spTree>
+    <p:extLst>
+      <p:ext uri="{BB962C8B-B14F-4D97-AF65-F5344CB8AC3E}">
+        <p14:creationId xmlns:p14="http://schemas.microsoft.com/office/powerpoint/2010/main" val="421816609"/>
+      </p:ext>
+    </p:extLst>
+  </p:cSld>
+  <p:clrMapOvr>
+    <a:masterClrMapping/>
+  </p:clrMapOvr>
+</p:sldLayout>
+</file>
+
+<file path=ppt/slideLayouts/slideLayout14.xml><?xml version="1.0" encoding="utf-8"?>
+<p:sldLayout xmlns:a="http://schemas.openxmlformats.org/drawingml/2006/main" xmlns:r="http://schemas.openxmlformats.org/officeDocument/2006/relationships" xmlns:p="http://schemas.openxmlformats.org/presentationml/2006/main" showMasterSp="0" type="secHead" preserve="1">
+  <p:cSld name="セクション見出し">
+    <p:bg>
+      <p:bgRef idx="1001">
+        <a:schemeClr val="bg2"/>
+      </p:bgRef>
+    </p:bg>
+    <p:spTree>
+      <p:nvGrpSpPr>
+        <p:cNvPr id="1" name=""/>
+        <p:cNvGrpSpPr/>
+        <p:nvPr/>
+      </p:nvGrpSpPr>
+      <p:grpSpPr>
+        <a:xfrm>
+          <a:off x="0" y="0"/>
+          <a:ext cx="0" cy="0"/>
+          <a:chOff x="0" y="0"/>
+          <a:chExt cx="0" cy="0"/>
+        </a:xfrm>
+      </p:grpSpPr>
+      <p:sp>
+        <p:nvSpPr>
+          <p:cNvPr id="2" name="Title 1"/>
+          <p:cNvSpPr>
+            <a:spLocks noGrp="1"/>
+          </p:cNvSpPr>
+          <p:nvPr>
+            <p:ph type="title"/>
+          </p:nvPr>
+        </p:nvSpPr>
+        <p:spPr>
+          <a:xfrm>
+            <a:off x="765025" y="1301360"/>
+            <a:ext cx="9612971" cy="2852737"/>
+          </a:xfrm>
+        </p:spPr>
+        <p:txBody>
+          <a:bodyPr anchor="b">
+            <a:normAutofit/>
+          </a:bodyPr>
+          <a:lstStyle>
+            <a:lvl1pPr algn="r">
+              <a:defRPr sz="7200" cap="all" baseline="0">
+                <a:solidFill>
+                  <a:schemeClr val="tx2"/>
+                </a:solidFill>
+              </a:defRPr>
+            </a:lvl1pPr>
+          </a:lstStyle>
+          <a:p>
+            <a:r>
+              <a:rPr lang="ja-JP" altLang="en-US"/>
+              <a:t>マスター タイトルの書式設定</a:t>
+            </a:r>
+            <a:endParaRPr lang="en-US" dirty="0"/>
+          </a:p>
+        </p:txBody>
+      </p:sp>
+      <p:sp>
+        <p:nvSpPr>
+          <p:cNvPr id="3" name="Text Placeholder 2"/>
+          <p:cNvSpPr>
+            <a:spLocks noGrp="1"/>
+          </p:cNvSpPr>
+          <p:nvPr>
+            <p:ph type="body" idx="1"/>
+          </p:nvPr>
+        </p:nvSpPr>
+        <p:spPr>
+          <a:xfrm>
+            <a:off x="765025" y="4216328"/>
+            <a:ext cx="9612971" cy="1143324"/>
+          </a:xfrm>
+        </p:spPr>
+        <p:txBody>
+          <a:bodyPr/>
+          <a:lstStyle>
+            <a:lvl1pPr marL="0" indent="0" algn="r">
+              <a:lnSpc>
+                <a:spcPct val="112000"/>
+              </a:lnSpc>
+              <a:spcBef>
+                <a:spcPts val="0"/>
+              </a:spcBef>
+              <a:spcAft>
+                <a:spcPts val="0"/>
+              </a:spcAft>
+              <a:buNone/>
+              <a:defRPr sz="2400">
+                <a:solidFill>
+                  <a:schemeClr val="tx2"/>
+                </a:solidFill>
+              </a:defRPr>
+            </a:lvl1pPr>
+            <a:lvl2pPr marL="457200" indent="0">
+              <a:buNone/>
+              <a:defRPr sz="2000">
+                <a:solidFill>
+                  <a:schemeClr val="tx1">
+                    <a:tint val="75000"/>
+                  </a:schemeClr>
+                </a:solidFill>
+              </a:defRPr>
+            </a:lvl2pPr>
+            <a:lvl3pPr marL="914400" indent="0">
+              <a:buNone/>
+              <a:defRPr sz="1800">
+                <a:solidFill>
+                  <a:schemeClr val="tx1">
+                    <a:tint val="75000"/>
+                  </a:schemeClr>
+                </a:solidFill>
+              </a:defRPr>
+            </a:lvl3pPr>
+            <a:lvl4pPr marL="1371600" indent="0">
+              <a:buNone/>
+              <a:defRPr sz="1600">
+                <a:solidFill>
+                  <a:schemeClr val="tx1">
+                    <a:tint val="75000"/>
+                  </a:schemeClr>
+                </a:solidFill>
+              </a:defRPr>
+            </a:lvl4pPr>
+            <a:lvl5pPr marL="1828800" indent="0">
+              <a:buNone/>
+              <a:defRPr sz="1600">
+                <a:solidFill>
+                  <a:schemeClr val="tx1">
+                    <a:tint val="75000"/>
+                  </a:schemeClr>
+                </a:solidFill>
+              </a:defRPr>
+            </a:lvl5pPr>
+            <a:lvl6pPr marL="2286000" indent="0">
+              <a:buNone/>
+              <a:defRPr sz="1600">
+                <a:solidFill>
+                  <a:schemeClr val="tx1">
+                    <a:tint val="75000"/>
+                  </a:schemeClr>
+                </a:solidFill>
+              </a:defRPr>
+            </a:lvl6pPr>
+            <a:lvl7pPr marL="2743200" indent="0">
+              <a:buNone/>
+              <a:defRPr sz="1600">
+                <a:solidFill>
+                  <a:schemeClr val="tx1">
+                    <a:tint val="75000"/>
+                  </a:schemeClr>
+                </a:solidFill>
+              </a:defRPr>
+            </a:lvl7pPr>
+            <a:lvl8pPr marL="3200400" indent="0">
+              <a:buNone/>
+              <a:defRPr sz="1600">
+                <a:solidFill>
+                  <a:schemeClr val="tx1">
+                    <a:tint val="75000"/>
+                  </a:schemeClr>
+                </a:solidFill>
+              </a:defRPr>
+            </a:lvl8pPr>
+            <a:lvl9pPr marL="3657600" indent="0">
+              <a:buNone/>
+              <a:defRPr sz="1600">
+                <a:solidFill>
+                  <a:schemeClr val="tx1">
+                    <a:tint val="75000"/>
+                  </a:schemeClr>
+                </a:solidFill>
+              </a:defRPr>
+            </a:lvl9pPr>
+          </a:lstStyle>
+          <a:p>
+            <a:pPr lvl="0"/>
+            <a:r>
+              <a:rPr lang="ja-JP" altLang="en-US"/>
+              <a:t>マスター テキストの書式設定</a:t>
+            </a:r>
+          </a:p>
+        </p:txBody>
+      </p:sp>
+      <p:sp>
+        <p:nvSpPr>
+          <p:cNvPr id="4" name="Date Placeholder 3"/>
+          <p:cNvSpPr>
+            <a:spLocks noGrp="1"/>
+          </p:cNvSpPr>
+          <p:nvPr>
+            <p:ph type="dt" sz="half" idx="10"/>
+          </p:nvPr>
+        </p:nvSpPr>
+        <p:spPr>
+          <a:xfrm>
+            <a:off x="738908" y="6453386"/>
+            <a:ext cx="1622409" cy="404614"/>
+          </a:xfrm>
+        </p:spPr>
+        <p:txBody>
+          <a:bodyPr/>
+          <a:lstStyle>
+            <a:lvl1pPr>
+              <a:defRPr>
+                <a:solidFill>
+                  <a:schemeClr val="tx2"/>
+                </a:solidFill>
+              </a:defRPr>
+            </a:lvl1pPr>
+          </a:lstStyle>
+          <a:p>
+            <a:fld id="{6139413B-932F-4483-A02F-1307E0C347FE}" type="datetimeFigureOut">
+              <a:rPr kumimoji="1" lang="ja-JP" altLang="en-US" smtClean="0"/>
+              <a:t>2018/5/5</a:t>
+            </a:fld>
+            <a:endParaRPr kumimoji="1" lang="ja-JP" altLang="en-US"/>
+          </a:p>
+        </p:txBody>
+      </p:sp>
+      <p:sp>
+        <p:nvSpPr>
+          <p:cNvPr id="5" name="Footer Placeholder 4"/>
+          <p:cNvSpPr>
+            <a:spLocks noGrp="1"/>
+          </p:cNvSpPr>
+          <p:nvPr>
+            <p:ph type="ftr" sz="quarter" idx="11"/>
+          </p:nvPr>
+        </p:nvSpPr>
+        <p:spPr>
+          <a:xfrm>
+            <a:off x="2584312" y="6453386"/>
+            <a:ext cx="7023377" cy="404614"/>
+          </a:xfrm>
+        </p:spPr>
+        <p:txBody>
+          <a:bodyPr/>
+          <a:lstStyle>
+            <a:lvl1pPr algn="ctr">
+              <a:defRPr>
+                <a:solidFill>
+                  <a:schemeClr val="tx2"/>
+                </a:solidFill>
+              </a:defRPr>
+            </a:lvl1pPr>
+          </a:lstStyle>
+          <a:p>
+            <a:endParaRPr kumimoji="1" lang="ja-JP" altLang="en-US"/>
+          </a:p>
+        </p:txBody>
+      </p:sp>
+      <p:sp>
+        <p:nvSpPr>
+          <p:cNvPr id="6" name="Slide Number Placeholder 5"/>
+          <p:cNvSpPr>
+            <a:spLocks noGrp="1"/>
+          </p:cNvSpPr>
+          <p:nvPr>
+            <p:ph type="sldNum" sz="quarter" idx="12"/>
+          </p:nvPr>
+        </p:nvSpPr>
+        <p:spPr>
+          <a:xfrm>
+            <a:off x="9830683" y="6453386"/>
+            <a:ext cx="1596292" cy="404614"/>
+          </a:xfrm>
+        </p:spPr>
+        <p:txBody>
+          <a:bodyPr/>
+          <a:lstStyle>
+            <a:lvl1pPr>
+              <a:defRPr>
+                <a:solidFill>
+                  <a:schemeClr val="tx2"/>
+                </a:solidFill>
+              </a:defRPr>
+            </a:lvl1pPr>
+          </a:lstStyle>
+          <a:p>
+            <a:fld id="{3C389D12-8073-498F-BE90-757FD2A018F9}" type="slidenum">
+              <a:rPr kumimoji="1" lang="ja-JP" altLang="en-US" smtClean="0"/>
+              <a:t>‹#›</a:t>
+            </a:fld>
+            <a:endParaRPr kumimoji="1" lang="ja-JP" altLang="en-US"/>
+          </a:p>
+        </p:txBody>
+      </p:sp>
+      <p:sp>
+        <p:nvSpPr>
+          <p:cNvPr id="7" name="Freeform 6" title="Crop Mark"/>
+          <p:cNvSpPr/>
+          <p:nvPr/>
+        </p:nvSpPr>
+        <p:spPr bwMode="auto">
+          <a:xfrm>
+            <a:off x="8151962" y="1685652"/>
+            <a:ext cx="3275013" cy="4408488"/>
+          </a:xfrm>
+          <a:custGeom>
+            <a:avLst/>
+            <a:gdLst/>
+            <a:ahLst/>
+            <a:cxnLst/>
+            <a:rect l="0" t="0" r="r" b="b"/>
+            <a:pathLst>
+              <a:path w="4125" h="5554">
+                <a:moveTo>
+                  <a:pt x="3614" y="0"/>
+                </a:moveTo>
+                <a:lnTo>
+                  <a:pt x="4125" y="0"/>
+                </a:lnTo>
+                <a:lnTo>
+                  <a:pt x="4125" y="5554"/>
+                </a:lnTo>
+                <a:lnTo>
+                  <a:pt x="0" y="5554"/>
+                </a:lnTo>
+                <a:lnTo>
+                  <a:pt x="0" y="5074"/>
+                </a:lnTo>
+                <a:lnTo>
+                  <a:pt x="3614" y="5074"/>
+                </a:lnTo>
+                <a:lnTo>
+                  <a:pt x="3614" y="0"/>
+                </a:lnTo>
+                <a:close/>
+              </a:path>
+            </a:pathLst>
+          </a:custGeom>
+          <a:solidFill>
+            <a:schemeClr val="tx2"/>
+          </a:solidFill>
+          <a:ln w="0">
+            <a:noFill/>
+            <a:prstDash val="solid"/>
+            <a:round/>
+            <a:headEnd/>
+            <a:tailEnd/>
+          </a:ln>
+        </p:spPr>
+      </p:sp>
+    </p:spTree>
+    <p:extLst>
+      <p:ext uri="{BB962C8B-B14F-4D97-AF65-F5344CB8AC3E}">
+        <p14:creationId xmlns:p14="http://schemas.microsoft.com/office/powerpoint/2010/main" val="1216693543"/>
+      </p:ext>
+    </p:extLst>
+  </p:cSld>
+  <p:clrMapOvr>
+    <a:overrideClrMapping bg1="dk1" tx1="lt1" bg2="dk2" tx2="lt2" accent1="accent1" accent2="accent2" accent3="accent3" accent4="accent4" accent5="accent5" accent6="accent6" hlink="hlink" folHlink="folHlink"/>
+  </p:clrMapOvr>
+</p:sldLayout>
+</file>
+
+<file path=ppt/slideLayouts/slideLayout15.xml><?xml version="1.0" encoding="utf-8"?>
+<p:sldLayout xmlns:a="http://schemas.openxmlformats.org/drawingml/2006/main" xmlns:r="http://schemas.openxmlformats.org/officeDocument/2006/relationships" xmlns:p="http://schemas.openxmlformats.org/presentationml/2006/main" type="twoObj" preserve="1">
+  <p:cSld name="2 つのコンテンツ">
+    <p:spTree>
+      <p:nvGrpSpPr>
+        <p:cNvPr id="1" name=""/>
+        <p:cNvGrpSpPr/>
+        <p:nvPr/>
+      </p:nvGrpSpPr>
+      <p:grpSpPr>
+        <a:xfrm>
+          <a:off x="0" y="0"/>
+          <a:ext cx="0" cy="0"/>
+          <a:chOff x="0" y="0"/>
+          <a:chExt cx="0" cy="0"/>
+        </a:xfrm>
+      </p:grpSpPr>
+      <p:sp>
+        <p:nvSpPr>
+          <p:cNvPr id="2" name="Title 1"/>
+          <p:cNvSpPr>
+            <a:spLocks noGrp="1"/>
+          </p:cNvSpPr>
+          <p:nvPr>
+            <p:ph type="title"/>
+          </p:nvPr>
+        </p:nvSpPr>
+        <p:spPr/>
+        <p:txBody>
+          <a:bodyPr/>
+          <a:lstStyle>
+            <a:lvl1pPr>
+              <a:defRPr>
+                <a:solidFill>
+                  <a:schemeClr val="tx2"/>
+                </a:solidFill>
+              </a:defRPr>
+            </a:lvl1pPr>
+          </a:lstStyle>
+          <a:p>
+            <a:r>
+              <a:rPr lang="ja-JP" altLang="en-US"/>
+              <a:t>マスター タイトルの書式設定</a:t>
+            </a:r>
+            <a:endParaRPr lang="en-US" dirty="0"/>
+          </a:p>
+        </p:txBody>
+      </p:sp>
+      <p:sp>
+        <p:nvSpPr>
+          <p:cNvPr id="3" name="Content Placeholder 2"/>
+          <p:cNvSpPr>
+            <a:spLocks noGrp="1"/>
+          </p:cNvSpPr>
+          <p:nvPr>
+            <p:ph sz="half" idx="1"/>
+          </p:nvPr>
+        </p:nvSpPr>
+        <p:spPr>
+          <a:xfrm>
+            <a:off x="1371600" y="2285999"/>
+            <a:ext cx="4447786" cy="3581401"/>
+          </a:xfrm>
+        </p:spPr>
+        <p:txBody>
+          <a:bodyPr/>
+          <a:lstStyle>
+            <a:lvl1pPr>
+              <a:defRPr baseline="0">
+                <a:solidFill>
+                  <a:schemeClr val="tx2"/>
+                </a:solidFill>
+              </a:defRPr>
+            </a:lvl1pPr>
+            <a:lvl2pPr>
+              <a:defRPr baseline="0">
+                <a:solidFill>
+                  <a:schemeClr val="tx2"/>
+                </a:solidFill>
+              </a:defRPr>
+            </a:lvl2pPr>
+            <a:lvl3pPr>
+              <a:defRPr baseline="0">
+                <a:solidFill>
+                  <a:schemeClr val="tx2"/>
+                </a:solidFill>
+              </a:defRPr>
+            </a:lvl3pPr>
+            <a:lvl4pPr>
+              <a:defRPr baseline="0">
+                <a:solidFill>
+                  <a:schemeClr val="tx2"/>
+                </a:solidFill>
+              </a:defRPr>
+            </a:lvl4pPr>
+            <a:lvl5pPr>
+              <a:defRPr baseline="0">
+                <a:solidFill>
+                  <a:schemeClr val="tx2"/>
+                </a:solidFill>
+              </a:defRPr>
+            </a:lvl5pPr>
+          </a:lstStyle>
+          <a:p>
+            <a:pPr lvl="0"/>
+            <a:r>
+              <a:rPr lang="ja-JP" altLang="en-US"/>
+              <a:t>マスター テキストの書式設定</a:t>
+            </a:r>
+          </a:p>
+          <a:p>
+            <a:pPr lvl="1"/>
+            <a:r>
+              <a:rPr lang="ja-JP" altLang="en-US"/>
+              <a:t>第 </a:t>
+            </a:r>
+            <a:r>
+              <a:rPr lang="en-US" altLang="ja-JP"/>
+              <a:t>2 </a:t>
+            </a:r>
+            <a:r>
+              <a:rPr lang="ja-JP" altLang="en-US"/>
+              <a:t>レベル</a:t>
+            </a:r>
+          </a:p>
+          <a:p>
+            <a:pPr lvl="2"/>
+            <a:r>
+              <a:rPr lang="ja-JP" altLang="en-US"/>
+              <a:t>第 </a:t>
+            </a:r>
+            <a:r>
+              <a:rPr lang="en-US" altLang="ja-JP"/>
+              <a:t>3 </a:t>
+            </a:r>
+            <a:r>
+              <a:rPr lang="ja-JP" altLang="en-US"/>
+              <a:t>レベル</a:t>
+            </a:r>
+          </a:p>
+          <a:p>
+            <a:pPr lvl="3"/>
+            <a:r>
+              <a:rPr lang="ja-JP" altLang="en-US"/>
+              <a:t>第 </a:t>
+            </a:r>
+            <a:r>
+              <a:rPr lang="en-US" altLang="ja-JP"/>
+              <a:t>4 </a:t>
+            </a:r>
+            <a:r>
+              <a:rPr lang="ja-JP" altLang="en-US"/>
+              <a:t>レベル</a:t>
+            </a:r>
+          </a:p>
+          <a:p>
+            <a:pPr lvl="4"/>
+            <a:r>
+              <a:rPr lang="ja-JP" altLang="en-US"/>
+              <a:t>第 </a:t>
+            </a:r>
+            <a:r>
+              <a:rPr lang="en-US" altLang="ja-JP"/>
+              <a:t>5 </a:t>
+            </a:r>
+            <a:r>
+              <a:rPr lang="ja-JP" altLang="en-US"/>
+              <a:t>レベル</a:t>
+            </a:r>
+            <a:endParaRPr lang="en-US" dirty="0"/>
+          </a:p>
+        </p:txBody>
+      </p:sp>
+      <p:sp>
+        <p:nvSpPr>
+          <p:cNvPr id="4" name="Content Placeholder 3"/>
+          <p:cNvSpPr>
+            <a:spLocks noGrp="1"/>
+          </p:cNvSpPr>
+          <p:nvPr>
+            <p:ph sz="half" idx="2"/>
+          </p:nvPr>
+        </p:nvSpPr>
+        <p:spPr>
+          <a:xfrm>
+            <a:off x="6525403" y="2285999"/>
+            <a:ext cx="4447786" cy="3581401"/>
+          </a:xfrm>
+        </p:spPr>
+        <p:txBody>
+          <a:bodyPr/>
+          <a:lstStyle>
+            <a:lvl1pPr>
+              <a:defRPr>
+                <a:solidFill>
+                  <a:schemeClr val="tx2"/>
+                </a:solidFill>
+              </a:defRPr>
+            </a:lvl1pPr>
+            <a:lvl2pPr>
+              <a:defRPr>
+                <a:solidFill>
+                  <a:schemeClr val="tx2"/>
+                </a:solidFill>
+              </a:defRPr>
+            </a:lvl2pPr>
+            <a:lvl3pPr>
+              <a:defRPr>
+                <a:solidFill>
+                  <a:schemeClr val="tx2"/>
+                </a:solidFill>
+              </a:defRPr>
+            </a:lvl3pPr>
+            <a:lvl4pPr>
+              <a:defRPr>
+                <a:solidFill>
+                  <a:schemeClr val="tx2"/>
+                </a:solidFill>
+              </a:defRPr>
+            </a:lvl4pPr>
+            <a:lvl5pPr>
+              <a:defRPr>
+                <a:solidFill>
+                  <a:schemeClr val="tx2"/>
+                </a:solidFill>
+              </a:defRPr>
+            </a:lvl5pPr>
+          </a:lstStyle>
+          <a:p>
+            <a:pPr lvl="0"/>
+            <a:r>
+              <a:rPr lang="ja-JP" altLang="en-US"/>
+              <a:t>マスター テキストの書式設定</a:t>
+            </a:r>
+          </a:p>
+          <a:p>
+            <a:pPr lvl="1"/>
+            <a:r>
+              <a:rPr lang="ja-JP" altLang="en-US"/>
+              <a:t>第 </a:t>
+            </a:r>
+            <a:r>
+              <a:rPr lang="en-US" altLang="ja-JP"/>
+              <a:t>2 </a:t>
+            </a:r>
+            <a:r>
+              <a:rPr lang="ja-JP" altLang="en-US"/>
+              <a:t>レベル</a:t>
+            </a:r>
+          </a:p>
+          <a:p>
+            <a:pPr lvl="2"/>
+            <a:r>
+              <a:rPr lang="ja-JP" altLang="en-US"/>
+              <a:t>第 </a:t>
+            </a:r>
+            <a:r>
+              <a:rPr lang="en-US" altLang="ja-JP"/>
+              <a:t>3 </a:t>
+            </a:r>
+            <a:r>
+              <a:rPr lang="ja-JP" altLang="en-US"/>
+              <a:t>レベル</a:t>
+            </a:r>
+          </a:p>
+          <a:p>
+            <a:pPr lvl="3"/>
+            <a:r>
+              <a:rPr lang="ja-JP" altLang="en-US"/>
+              <a:t>第 </a:t>
+            </a:r>
+            <a:r>
+              <a:rPr lang="en-US" altLang="ja-JP"/>
+              <a:t>4 </a:t>
+            </a:r>
+            <a:r>
+              <a:rPr lang="ja-JP" altLang="en-US"/>
+              <a:t>レベル</a:t>
+            </a:r>
+          </a:p>
+          <a:p>
+            <a:pPr lvl="4"/>
+            <a:r>
+              <a:rPr lang="ja-JP" altLang="en-US"/>
+              <a:t>第 </a:t>
+            </a:r>
+            <a:r>
+              <a:rPr lang="en-US" altLang="ja-JP"/>
+              <a:t>5 </a:t>
+            </a:r>
+            <a:r>
+              <a:rPr lang="ja-JP" altLang="en-US"/>
+              <a:t>レベル</a:t>
+            </a:r>
+            <a:endParaRPr lang="en-US" dirty="0"/>
+          </a:p>
+        </p:txBody>
+      </p:sp>
+      <p:sp>
+        <p:nvSpPr>
+          <p:cNvPr id="5" name="Date Placeholder 4"/>
+          <p:cNvSpPr>
+            <a:spLocks noGrp="1"/>
+          </p:cNvSpPr>
+          <p:nvPr>
+            <p:ph type="dt" sz="half" idx="10"/>
+          </p:nvPr>
+        </p:nvSpPr>
+        <p:spPr/>
+        <p:txBody>
+          <a:bodyPr/>
+          <a:lstStyle/>
+          <a:p>
+            <a:fld id="{6139413B-932F-4483-A02F-1307E0C347FE}" type="datetimeFigureOut">
+              <a:rPr kumimoji="1" lang="ja-JP" altLang="en-US" smtClean="0"/>
+              <a:t>2018/5/5</a:t>
+            </a:fld>
+            <a:endParaRPr kumimoji="1" lang="ja-JP" altLang="en-US"/>
+          </a:p>
+        </p:txBody>
+      </p:sp>
+      <p:sp>
+        <p:nvSpPr>
+          <p:cNvPr id="6" name="Footer Placeholder 5"/>
+          <p:cNvSpPr>
+            <a:spLocks noGrp="1"/>
+          </p:cNvSpPr>
+          <p:nvPr>
+            <p:ph type="ftr" sz="quarter" idx="11"/>
+          </p:nvPr>
+        </p:nvSpPr>
+        <p:spPr/>
+        <p:txBody>
+          <a:bodyPr/>
+          <a:lstStyle/>
+          <a:p>
+            <a:endParaRPr kumimoji="1" lang="ja-JP" altLang="en-US"/>
+          </a:p>
+        </p:txBody>
+      </p:sp>
+      <p:sp>
+        <p:nvSpPr>
+          <p:cNvPr id="7" name="Slide Number Placeholder 6"/>
+          <p:cNvSpPr>
+            <a:spLocks noGrp="1"/>
+          </p:cNvSpPr>
+          <p:nvPr>
+            <p:ph type="sldNum" sz="quarter" idx="12"/>
+          </p:nvPr>
+        </p:nvSpPr>
+        <p:spPr/>
+        <p:txBody>
+          <a:bodyPr/>
+          <a:lstStyle/>
+          <a:p>
+            <a:fld id="{3C389D12-8073-498F-BE90-757FD2A018F9}" type="slidenum">
+              <a:rPr kumimoji="1" lang="ja-JP" altLang="en-US" smtClean="0"/>
+              <a:t>‹#›</a:t>
+            </a:fld>
+            <a:endParaRPr kumimoji="1" lang="ja-JP" altLang="en-US"/>
+          </a:p>
+        </p:txBody>
+      </p:sp>
+    </p:spTree>
+    <p:extLst>
+      <p:ext uri="{BB962C8B-B14F-4D97-AF65-F5344CB8AC3E}">
+        <p14:creationId xmlns:p14="http://schemas.microsoft.com/office/powerpoint/2010/main" val="2700723026"/>
+      </p:ext>
+    </p:extLst>
+  </p:cSld>
+  <p:clrMapOvr>
+    <a:masterClrMapping/>
+  </p:clrMapOvr>
+</p:sldLayout>
+</file>
+
+<file path=ppt/slideLayouts/slideLayout16.xml><?xml version="1.0" encoding="utf-8"?>
+<p:sldLayout xmlns:a="http://schemas.openxmlformats.org/drawingml/2006/main" xmlns:r="http://schemas.openxmlformats.org/officeDocument/2006/relationships" xmlns:p="http://schemas.openxmlformats.org/presentationml/2006/main" type="twoTxTwoObj" preserve="1">
+  <p:cSld name="比較">
+    <p:spTree>
+      <p:nvGrpSpPr>
+        <p:cNvPr id="1" name=""/>
+        <p:cNvGrpSpPr/>
+        <p:nvPr/>
+      </p:nvGrpSpPr>
+      <p:grpSpPr>
+        <a:xfrm>
+          <a:off x="0" y="0"/>
+          <a:ext cx="0" cy="0"/>
+          <a:chOff x="0" y="0"/>
+          <a:chExt cx="0" cy="0"/>
+        </a:xfrm>
+      </p:grpSpPr>
+      <p:sp>
+        <p:nvSpPr>
+          <p:cNvPr id="2" name="Title 1"/>
+          <p:cNvSpPr>
+            <a:spLocks noGrp="1"/>
+          </p:cNvSpPr>
+          <p:nvPr>
+            <p:ph type="title"/>
+          </p:nvPr>
+        </p:nvSpPr>
+        <p:spPr>
+          <a:xfrm>
+            <a:off x="1371600" y="685800"/>
+            <a:ext cx="9601200" cy="1485900"/>
+          </a:xfrm>
+        </p:spPr>
+        <p:txBody>
+          <a:bodyPr/>
+          <a:lstStyle>
+            <a:lvl1pPr>
+              <a:defRPr>
+                <a:solidFill>
+                  <a:schemeClr val="tx2"/>
+                </a:solidFill>
+              </a:defRPr>
+            </a:lvl1pPr>
+          </a:lstStyle>
+          <a:p>
+            <a:r>
+              <a:rPr lang="ja-JP" altLang="en-US"/>
+              <a:t>マスター タイトルの書式設定</a:t>
+            </a:r>
+            <a:endParaRPr lang="en-US" dirty="0"/>
+          </a:p>
+        </p:txBody>
+      </p:sp>
+      <p:sp>
+        <p:nvSpPr>
+          <p:cNvPr id="3" name="Text Placeholder 2"/>
+          <p:cNvSpPr>
+            <a:spLocks noGrp="1"/>
+          </p:cNvSpPr>
+          <p:nvPr>
+            <p:ph type="body" idx="1"/>
+          </p:nvPr>
+        </p:nvSpPr>
+        <p:spPr>
+          <a:xfrm>
+            <a:off x="1371600" y="2340864"/>
+            <a:ext cx="4443984" cy="823912"/>
+          </a:xfrm>
+        </p:spPr>
+        <p:txBody>
+          <a:bodyPr anchor="b">
+            <a:noAutofit/>
+          </a:bodyPr>
+          <a:lstStyle>
+            <a:lvl1pPr marL="0" indent="0">
+              <a:lnSpc>
+                <a:spcPct val="84000"/>
+              </a:lnSpc>
+              <a:spcBef>
+                <a:spcPts val="0"/>
+              </a:spcBef>
+              <a:spcAft>
+                <a:spcPts val="0"/>
+              </a:spcAft>
+              <a:buNone/>
+              <a:defRPr sz="3000" b="0" baseline="0">
+                <a:solidFill>
+                  <a:schemeClr val="tx2"/>
+                </a:solidFill>
+              </a:defRPr>
+            </a:lvl1pPr>
+            <a:lvl2pPr marL="457200" indent="0">
+              <a:buNone/>
+              <a:defRPr sz="2000" b="1"/>
+            </a:lvl2pPr>
+            <a:lvl3pPr marL="914400" indent="0">
+              <a:buNone/>
+              <a:defRPr sz="1800" b="1"/>
+            </a:lvl3pPr>
+            <a:lvl4pPr marL="1371600" indent="0">
+              <a:buNone/>
+              <a:defRPr sz="1600" b="1"/>
+            </a:lvl4pPr>
+            <a:lvl5pPr marL="1828800" indent="0">
+              <a:buNone/>
+              <a:defRPr sz="1600" b="1"/>
+            </a:lvl5pPr>
+            <a:lvl6pPr marL="2286000" indent="0">
+              <a:buNone/>
+              <a:defRPr sz="1600" b="1"/>
+            </a:lvl6pPr>
+            <a:lvl7pPr marL="2743200" indent="0">
+              <a:buNone/>
+              <a:defRPr sz="1600" b="1"/>
+            </a:lvl7pPr>
+            <a:lvl8pPr marL="3200400" indent="0">
+              <a:buNone/>
+              <a:defRPr sz="1600" b="1"/>
+            </a:lvl8pPr>
+            <a:lvl9pPr marL="3657600" indent="0">
+              <a:buNone/>
+              <a:defRPr sz="1600" b="1"/>
+            </a:lvl9pPr>
+          </a:lstStyle>
+          <a:p>
+            <a:pPr lvl="0"/>
+            <a:r>
+              <a:rPr lang="ja-JP" altLang="en-US"/>
+              <a:t>マスター テキストの書式設定</a:t>
+            </a:r>
+          </a:p>
+        </p:txBody>
+      </p:sp>
+      <p:sp>
+        <p:nvSpPr>
+          <p:cNvPr id="4" name="Content Placeholder 3"/>
+          <p:cNvSpPr>
+            <a:spLocks noGrp="1"/>
+          </p:cNvSpPr>
+          <p:nvPr>
+            <p:ph sz="half" idx="2"/>
+          </p:nvPr>
+        </p:nvSpPr>
+        <p:spPr>
+          <a:xfrm>
+            <a:off x="1371600" y="3305207"/>
+            <a:ext cx="4443984" cy="2562193"/>
+          </a:xfrm>
+        </p:spPr>
+        <p:txBody>
+          <a:bodyPr/>
+          <a:lstStyle>
+            <a:lvl1pPr>
+              <a:defRPr baseline="0">
+                <a:solidFill>
+                  <a:schemeClr val="tx2"/>
+                </a:solidFill>
+              </a:defRPr>
+            </a:lvl1pPr>
+            <a:lvl2pPr>
+              <a:defRPr baseline="0">
+                <a:solidFill>
+                  <a:schemeClr val="tx2"/>
+                </a:solidFill>
+              </a:defRPr>
+            </a:lvl2pPr>
+            <a:lvl3pPr>
+              <a:defRPr baseline="0">
+                <a:solidFill>
+                  <a:schemeClr val="tx2"/>
+                </a:solidFill>
+              </a:defRPr>
+            </a:lvl3pPr>
+            <a:lvl4pPr>
+              <a:defRPr baseline="0">
+                <a:solidFill>
+                  <a:schemeClr val="tx2"/>
+                </a:solidFill>
+              </a:defRPr>
+            </a:lvl4pPr>
+            <a:lvl5pPr>
+              <a:defRPr baseline="0">
+                <a:solidFill>
+                  <a:schemeClr val="tx2"/>
+                </a:solidFill>
+              </a:defRPr>
+            </a:lvl5pPr>
+          </a:lstStyle>
+          <a:p>
+            <a:pPr lvl="0"/>
+            <a:r>
+              <a:rPr lang="ja-JP" altLang="en-US"/>
+              <a:t>マスター テキストの書式設定</a:t>
+            </a:r>
+          </a:p>
+          <a:p>
+            <a:pPr lvl="1"/>
+            <a:r>
+              <a:rPr lang="ja-JP" altLang="en-US"/>
+              <a:t>第 </a:t>
+            </a:r>
+            <a:r>
+              <a:rPr lang="en-US" altLang="ja-JP"/>
+              <a:t>2 </a:t>
+            </a:r>
+            <a:r>
+              <a:rPr lang="ja-JP" altLang="en-US"/>
+              <a:t>レベル</a:t>
+            </a:r>
+          </a:p>
+          <a:p>
+            <a:pPr lvl="2"/>
+            <a:r>
+              <a:rPr lang="ja-JP" altLang="en-US"/>
+              <a:t>第 </a:t>
+            </a:r>
+            <a:r>
+              <a:rPr lang="en-US" altLang="ja-JP"/>
+              <a:t>3 </a:t>
+            </a:r>
+            <a:r>
+              <a:rPr lang="ja-JP" altLang="en-US"/>
+              <a:t>レベル</a:t>
+            </a:r>
+          </a:p>
+          <a:p>
+            <a:pPr lvl="3"/>
+            <a:r>
+              <a:rPr lang="ja-JP" altLang="en-US"/>
+              <a:t>第 </a:t>
+            </a:r>
+            <a:r>
+              <a:rPr lang="en-US" altLang="ja-JP"/>
+              <a:t>4 </a:t>
+            </a:r>
+            <a:r>
+              <a:rPr lang="ja-JP" altLang="en-US"/>
+              <a:t>レベル</a:t>
+            </a:r>
+          </a:p>
+          <a:p>
+            <a:pPr lvl="4"/>
+            <a:r>
+              <a:rPr lang="ja-JP" altLang="en-US"/>
+              <a:t>第 </a:t>
+            </a:r>
+            <a:r>
+              <a:rPr lang="en-US" altLang="ja-JP"/>
+              <a:t>5 </a:t>
+            </a:r>
+            <a:r>
+              <a:rPr lang="ja-JP" altLang="en-US"/>
+              <a:t>レベル</a:t>
+            </a:r>
+            <a:endParaRPr lang="en-US" dirty="0"/>
+          </a:p>
+        </p:txBody>
+      </p:sp>
+      <p:sp>
+        <p:nvSpPr>
+          <p:cNvPr id="5" name="Text Placeholder 4"/>
+          <p:cNvSpPr>
+            <a:spLocks noGrp="1"/>
+          </p:cNvSpPr>
+          <p:nvPr>
+            <p:ph type="body" sz="quarter" idx="3"/>
+          </p:nvPr>
+        </p:nvSpPr>
+        <p:spPr>
+          <a:xfrm>
+            <a:off x="6525014" y="2340864"/>
+            <a:ext cx="4443984" cy="823912"/>
+          </a:xfrm>
+        </p:spPr>
+        <p:txBody>
+          <a:bodyPr anchor="b">
+            <a:noAutofit/>
+          </a:bodyPr>
+          <a:lstStyle>
+            <a:lvl1pPr marL="0" indent="0">
+              <a:lnSpc>
+                <a:spcPct val="84000"/>
+              </a:lnSpc>
+              <a:spcBef>
+                <a:spcPts val="0"/>
+              </a:spcBef>
+              <a:spcAft>
+                <a:spcPts val="0"/>
+              </a:spcAft>
+              <a:buNone/>
+              <a:defRPr sz="3000" b="0" baseline="0">
+                <a:solidFill>
+                  <a:schemeClr val="tx2"/>
+                </a:solidFill>
+              </a:defRPr>
+            </a:lvl1pPr>
+            <a:lvl2pPr marL="457200" indent="0">
+              <a:buNone/>
+              <a:defRPr sz="2000" b="1"/>
+            </a:lvl2pPr>
+            <a:lvl3pPr marL="914400" indent="0">
+              <a:buNone/>
+              <a:defRPr sz="1800" b="1"/>
+            </a:lvl3pPr>
+            <a:lvl4pPr marL="1371600" indent="0">
+              <a:buNone/>
+              <a:defRPr sz="1600" b="1"/>
+            </a:lvl4pPr>
+            <a:lvl5pPr marL="1828800" indent="0">
+              <a:buNone/>
+              <a:defRPr sz="1600" b="1"/>
+            </a:lvl5pPr>
+            <a:lvl6pPr marL="2286000" indent="0">
+              <a:buNone/>
+              <a:defRPr sz="1600" b="1"/>
+            </a:lvl6pPr>
+            <a:lvl7pPr marL="2743200" indent="0">
+              <a:buNone/>
+              <a:defRPr sz="1600" b="1"/>
+            </a:lvl7pPr>
+            <a:lvl8pPr marL="3200400" indent="0">
+              <a:buNone/>
+              <a:defRPr sz="1600" b="1"/>
+            </a:lvl8pPr>
+            <a:lvl9pPr marL="3657600" indent="0">
+              <a:buNone/>
+              <a:defRPr sz="1600" b="1"/>
+            </a:lvl9pPr>
+          </a:lstStyle>
+          <a:p>
+            <a:pPr lvl="0"/>
+            <a:r>
+              <a:rPr lang="ja-JP" altLang="en-US"/>
+              <a:t>マスター テキストの書式設定</a:t>
+            </a:r>
+          </a:p>
+        </p:txBody>
+      </p:sp>
+      <p:sp>
+        <p:nvSpPr>
+          <p:cNvPr id="6" name="Content Placeholder 5"/>
+          <p:cNvSpPr>
+            <a:spLocks noGrp="1"/>
+          </p:cNvSpPr>
+          <p:nvPr>
+            <p:ph sz="quarter" idx="4"/>
+          </p:nvPr>
+        </p:nvSpPr>
+        <p:spPr>
+          <a:xfrm>
+            <a:off x="6525014" y="3305207"/>
+            <a:ext cx="4443984" cy="2562193"/>
+          </a:xfrm>
+        </p:spPr>
+        <p:txBody>
+          <a:bodyPr/>
+          <a:lstStyle>
+            <a:lvl1pPr>
+              <a:defRPr baseline="0">
+                <a:solidFill>
+                  <a:schemeClr val="tx2"/>
+                </a:solidFill>
+              </a:defRPr>
+            </a:lvl1pPr>
+            <a:lvl2pPr>
+              <a:defRPr baseline="0">
+                <a:solidFill>
+                  <a:schemeClr val="tx2"/>
+                </a:solidFill>
+              </a:defRPr>
+            </a:lvl2pPr>
+            <a:lvl3pPr>
+              <a:defRPr baseline="0">
+                <a:solidFill>
+                  <a:schemeClr val="tx2"/>
+                </a:solidFill>
+              </a:defRPr>
+            </a:lvl3pPr>
+            <a:lvl4pPr>
+              <a:defRPr baseline="0">
+                <a:solidFill>
+                  <a:schemeClr val="tx2"/>
+                </a:solidFill>
+              </a:defRPr>
+            </a:lvl4pPr>
+            <a:lvl5pPr>
+              <a:defRPr baseline="0">
+                <a:solidFill>
+                  <a:schemeClr val="tx2"/>
+                </a:solidFill>
+              </a:defRPr>
+            </a:lvl5pPr>
+          </a:lstStyle>
+          <a:p>
+            <a:pPr lvl="0"/>
+            <a:r>
+              <a:rPr lang="ja-JP" altLang="en-US"/>
+              <a:t>マスター テキストの書式設定</a:t>
+            </a:r>
+          </a:p>
+          <a:p>
+            <a:pPr lvl="1"/>
+            <a:r>
+              <a:rPr lang="ja-JP" altLang="en-US"/>
+              <a:t>第 </a:t>
+            </a:r>
+            <a:r>
+              <a:rPr lang="en-US" altLang="ja-JP"/>
+              <a:t>2 </a:t>
+            </a:r>
+            <a:r>
+              <a:rPr lang="ja-JP" altLang="en-US"/>
+              <a:t>レベル</a:t>
+            </a:r>
+          </a:p>
+          <a:p>
+            <a:pPr lvl="2"/>
+            <a:r>
+              <a:rPr lang="ja-JP" altLang="en-US"/>
+              <a:t>第 </a:t>
+            </a:r>
+            <a:r>
+              <a:rPr lang="en-US" altLang="ja-JP"/>
+              <a:t>3 </a:t>
+            </a:r>
+            <a:r>
+              <a:rPr lang="ja-JP" altLang="en-US"/>
+              <a:t>レベル</a:t>
+            </a:r>
+          </a:p>
+          <a:p>
+            <a:pPr lvl="3"/>
+            <a:r>
+              <a:rPr lang="ja-JP" altLang="en-US"/>
+              <a:t>第 </a:t>
+            </a:r>
+            <a:r>
+              <a:rPr lang="en-US" altLang="ja-JP"/>
+              <a:t>4 </a:t>
+            </a:r>
+            <a:r>
+              <a:rPr lang="ja-JP" altLang="en-US"/>
+              <a:t>レベル</a:t>
+            </a:r>
+          </a:p>
+          <a:p>
+            <a:pPr lvl="4"/>
+            <a:r>
+              <a:rPr lang="ja-JP" altLang="en-US"/>
+              <a:t>第 </a:t>
+            </a:r>
+            <a:r>
+              <a:rPr lang="en-US" altLang="ja-JP"/>
+              <a:t>5 </a:t>
+            </a:r>
+            <a:r>
+              <a:rPr lang="ja-JP" altLang="en-US"/>
+              <a:t>レベル</a:t>
+            </a:r>
+            <a:endParaRPr lang="en-US" dirty="0"/>
+          </a:p>
+        </p:txBody>
+      </p:sp>
+      <p:sp>
+        <p:nvSpPr>
+          <p:cNvPr id="7" name="Date Placeholder 6"/>
+          <p:cNvSpPr>
+            <a:spLocks noGrp="1"/>
+          </p:cNvSpPr>
+          <p:nvPr>
+            <p:ph type="dt" sz="half" idx="10"/>
+          </p:nvPr>
+        </p:nvSpPr>
+        <p:spPr/>
+        <p:txBody>
+          <a:bodyPr/>
+          <a:lstStyle/>
+          <a:p>
+            <a:fld id="{6139413B-932F-4483-A02F-1307E0C347FE}" type="datetimeFigureOut">
+              <a:rPr kumimoji="1" lang="ja-JP" altLang="en-US" smtClean="0"/>
+              <a:t>2018/5/5</a:t>
+            </a:fld>
+            <a:endParaRPr kumimoji="1" lang="ja-JP" altLang="en-US"/>
+          </a:p>
+        </p:txBody>
+      </p:sp>
+      <p:sp>
+        <p:nvSpPr>
+          <p:cNvPr id="8" name="Footer Placeholder 7"/>
+          <p:cNvSpPr>
+            <a:spLocks noGrp="1"/>
+          </p:cNvSpPr>
+          <p:nvPr>
+            <p:ph type="ftr" sz="quarter" idx="11"/>
+          </p:nvPr>
+        </p:nvSpPr>
+        <p:spPr/>
+        <p:txBody>
+          <a:bodyPr/>
+          <a:lstStyle/>
+          <a:p>
+            <a:endParaRPr kumimoji="1" lang="ja-JP" altLang="en-US"/>
+          </a:p>
+        </p:txBody>
+      </p:sp>
+      <p:sp>
+        <p:nvSpPr>
+          <p:cNvPr id="9" name="Slide Number Placeholder 8"/>
+          <p:cNvSpPr>
+            <a:spLocks noGrp="1"/>
+          </p:cNvSpPr>
+          <p:nvPr>
+            <p:ph type="sldNum" sz="quarter" idx="12"/>
+          </p:nvPr>
+        </p:nvSpPr>
+        <p:spPr/>
+        <p:txBody>
+          <a:bodyPr/>
+          <a:lstStyle/>
+          <a:p>
+            <a:fld id="{3C389D12-8073-498F-BE90-757FD2A018F9}" type="slidenum">
+              <a:rPr kumimoji="1" lang="ja-JP" altLang="en-US" smtClean="0"/>
+              <a:t>‹#›</a:t>
+            </a:fld>
+            <a:endParaRPr kumimoji="1" lang="ja-JP" altLang="en-US"/>
+          </a:p>
+        </p:txBody>
+      </p:sp>
+    </p:spTree>
+    <p:extLst>
+      <p:ext uri="{BB962C8B-B14F-4D97-AF65-F5344CB8AC3E}">
+        <p14:creationId xmlns:p14="http://schemas.microsoft.com/office/powerpoint/2010/main" val="3892521680"/>
+      </p:ext>
+    </p:extLst>
+  </p:cSld>
+  <p:clrMapOvr>
+    <a:masterClrMapping/>
+  </p:clrMapOvr>
+</p:sldLayout>
+</file>
+
+<file path=ppt/slideLayouts/slideLayout17.xml><?xml version="1.0" encoding="utf-8"?>
+<p:sldLayout xmlns:a="http://schemas.openxmlformats.org/drawingml/2006/main" xmlns:r="http://schemas.openxmlformats.org/officeDocument/2006/relationships" xmlns:p="http://schemas.openxmlformats.org/presentationml/2006/main" type="titleOnly" preserve="1">
+  <p:cSld name="タイトルのみ">
+    <p:spTree>
+      <p:nvGrpSpPr>
+        <p:cNvPr id="1" name=""/>
+        <p:cNvGrpSpPr/>
+        <p:nvPr/>
+      </p:nvGrpSpPr>
+      <p:grpSpPr>
+        <a:xfrm>
+          <a:off x="0" y="0"/>
+          <a:ext cx="0" cy="0"/>
+          <a:chOff x="0" y="0"/>
+          <a:chExt cx="0" cy="0"/>
+        </a:xfrm>
+      </p:grpSpPr>
+      <p:sp>
+        <p:nvSpPr>
+          <p:cNvPr id="2" name="Title 1"/>
+          <p:cNvSpPr>
+            <a:spLocks noGrp="1"/>
+          </p:cNvSpPr>
+          <p:nvPr>
+            <p:ph type="title"/>
+          </p:nvPr>
+        </p:nvSpPr>
+        <p:spPr/>
+        <p:txBody>
+          <a:bodyPr/>
+          <a:lstStyle/>
+          <a:p>
+            <a:r>
+              <a:rPr lang="ja-JP" altLang="en-US"/>
+              <a:t>マスター タイトルの書式設定</a:t>
+            </a:r>
+            <a:endParaRPr lang="en-US" dirty="0"/>
+          </a:p>
+        </p:txBody>
+      </p:sp>
+      <p:sp>
+        <p:nvSpPr>
+          <p:cNvPr id="3" name="Date Placeholder 2"/>
+          <p:cNvSpPr>
+            <a:spLocks noGrp="1"/>
+          </p:cNvSpPr>
+          <p:nvPr>
+            <p:ph type="dt" sz="half" idx="10"/>
+          </p:nvPr>
+        </p:nvSpPr>
+        <p:spPr/>
+        <p:txBody>
+          <a:bodyPr/>
+          <a:lstStyle/>
+          <a:p>
+            <a:fld id="{6139413B-932F-4483-A02F-1307E0C347FE}" type="datetimeFigureOut">
+              <a:rPr kumimoji="1" lang="ja-JP" altLang="en-US" smtClean="0"/>
+              <a:t>2018/5/5</a:t>
+            </a:fld>
+            <a:endParaRPr kumimoji="1" lang="ja-JP" altLang="en-US"/>
+          </a:p>
+        </p:txBody>
+      </p:sp>
+      <p:sp>
+        <p:nvSpPr>
+          <p:cNvPr id="4" name="Footer Placeholder 3"/>
+          <p:cNvSpPr>
+            <a:spLocks noGrp="1"/>
+          </p:cNvSpPr>
+          <p:nvPr>
+            <p:ph type="ftr" sz="quarter" idx="11"/>
+          </p:nvPr>
+        </p:nvSpPr>
+        <p:spPr/>
+        <p:txBody>
+          <a:bodyPr/>
+          <a:lstStyle/>
+          <a:p>
+            <a:endParaRPr kumimoji="1" lang="ja-JP" altLang="en-US"/>
+          </a:p>
+        </p:txBody>
+      </p:sp>
+      <p:sp>
+        <p:nvSpPr>
+          <p:cNvPr id="5" name="Slide Number Placeholder 4"/>
+          <p:cNvSpPr>
+            <a:spLocks noGrp="1"/>
+          </p:cNvSpPr>
+          <p:nvPr>
+            <p:ph type="sldNum" sz="quarter" idx="12"/>
+          </p:nvPr>
+        </p:nvSpPr>
+        <p:spPr/>
+        <p:txBody>
+          <a:bodyPr/>
+          <a:lstStyle/>
+          <a:p>
+            <a:fld id="{3C389D12-8073-498F-BE90-757FD2A018F9}" type="slidenum">
+              <a:rPr kumimoji="1" lang="ja-JP" altLang="en-US" smtClean="0"/>
+              <a:t>‹#›</a:t>
+            </a:fld>
+            <a:endParaRPr kumimoji="1" lang="ja-JP" altLang="en-US"/>
+          </a:p>
+        </p:txBody>
+      </p:sp>
+    </p:spTree>
+    <p:extLst>
+      <p:ext uri="{BB962C8B-B14F-4D97-AF65-F5344CB8AC3E}">
+        <p14:creationId xmlns:p14="http://schemas.microsoft.com/office/powerpoint/2010/main" val="4054280589"/>
+      </p:ext>
+    </p:extLst>
+  </p:cSld>
+  <p:clrMapOvr>
+    <a:masterClrMapping/>
+  </p:clrMapOvr>
+</p:sldLayout>
+</file>
+
+<file path=ppt/slideLayouts/slideLayout18.xml><?xml version="1.0" encoding="utf-8"?>
+<p:sldLayout xmlns:a="http://schemas.openxmlformats.org/drawingml/2006/main" xmlns:r="http://schemas.openxmlformats.org/officeDocument/2006/relationships" xmlns:p="http://schemas.openxmlformats.org/presentationml/2006/main" type="blank" preserve="1">
+  <p:cSld name="白紙">
+    <p:spTree>
+      <p:nvGrpSpPr>
+        <p:cNvPr id="1" name=""/>
+        <p:cNvGrpSpPr/>
+        <p:nvPr/>
+      </p:nvGrpSpPr>
+      <p:grpSpPr>
+        <a:xfrm>
+          <a:off x="0" y="0"/>
+          <a:ext cx="0" cy="0"/>
+          <a:chOff x="0" y="0"/>
+          <a:chExt cx="0" cy="0"/>
+        </a:xfrm>
+      </p:grpSpPr>
+      <p:sp>
+        <p:nvSpPr>
+          <p:cNvPr id="2" name="Date Placeholder 1"/>
+          <p:cNvSpPr>
+            <a:spLocks noGrp="1"/>
+          </p:cNvSpPr>
+          <p:nvPr>
+            <p:ph type="dt" sz="half" idx="10"/>
+          </p:nvPr>
+        </p:nvSpPr>
+        <p:spPr/>
+        <p:txBody>
+          <a:bodyPr/>
+          <a:lstStyle/>
+          <a:p>
+            <a:fld id="{6139413B-932F-4483-A02F-1307E0C347FE}" type="datetimeFigureOut">
+              <a:rPr kumimoji="1" lang="ja-JP" altLang="en-US" smtClean="0"/>
+              <a:t>2018/5/5</a:t>
+            </a:fld>
+            <a:endParaRPr kumimoji="1" lang="ja-JP" altLang="en-US"/>
+          </a:p>
+        </p:txBody>
+      </p:sp>
+      <p:sp>
+        <p:nvSpPr>
+          <p:cNvPr id="3" name="Footer Placeholder 2"/>
+          <p:cNvSpPr>
+            <a:spLocks noGrp="1"/>
+          </p:cNvSpPr>
+          <p:nvPr>
+            <p:ph type="ftr" sz="quarter" idx="11"/>
+          </p:nvPr>
+        </p:nvSpPr>
+        <p:spPr/>
+        <p:txBody>
+          <a:bodyPr/>
+          <a:lstStyle/>
+          <a:p>
+            <a:endParaRPr kumimoji="1" lang="ja-JP" altLang="en-US"/>
+          </a:p>
+        </p:txBody>
+      </p:sp>
+      <p:sp>
+        <p:nvSpPr>
+          <p:cNvPr id="4" name="Slide Number Placeholder 3"/>
+          <p:cNvSpPr>
+            <a:spLocks noGrp="1"/>
+          </p:cNvSpPr>
+          <p:nvPr>
+            <p:ph type="sldNum" sz="quarter" idx="12"/>
+          </p:nvPr>
+        </p:nvSpPr>
+        <p:spPr/>
+        <p:txBody>
+          <a:bodyPr/>
+          <a:lstStyle/>
+          <a:p>
+            <a:fld id="{3C389D12-8073-498F-BE90-757FD2A018F9}" type="slidenum">
+              <a:rPr kumimoji="1" lang="ja-JP" altLang="en-US" smtClean="0"/>
+              <a:t>‹#›</a:t>
+            </a:fld>
+            <a:endParaRPr kumimoji="1" lang="ja-JP" altLang="en-US"/>
+          </a:p>
+        </p:txBody>
+      </p:sp>
+    </p:spTree>
+    <p:extLst>
+      <p:ext uri="{BB962C8B-B14F-4D97-AF65-F5344CB8AC3E}">
+        <p14:creationId xmlns:p14="http://schemas.microsoft.com/office/powerpoint/2010/main" val="2086571254"/>
+      </p:ext>
+    </p:extLst>
+  </p:cSld>
+  <p:clrMapOvr>
+    <a:masterClrMapping/>
+  </p:clrMapOvr>
+</p:sldLayout>
+</file>
+
+<file path=ppt/slideLayouts/slideLayout19.xml><?xml version="1.0" encoding="utf-8"?>
+<p:sldLayout xmlns:a="http://schemas.openxmlformats.org/drawingml/2006/main" xmlns:r="http://schemas.openxmlformats.org/officeDocument/2006/relationships" xmlns:p="http://schemas.openxmlformats.org/presentationml/2006/main" showMasterSp="0" type="objTx" preserve="1">
+  <p:cSld name="タイトル付きのコンテンツ">
+    <p:spTree>
+      <p:nvGrpSpPr>
+        <p:cNvPr id="1" name=""/>
+        <p:cNvGrpSpPr/>
+        <p:nvPr/>
+      </p:nvGrpSpPr>
+      <p:grpSpPr>
+        <a:xfrm>
+          <a:off x="0" y="0"/>
+          <a:ext cx="0" cy="0"/>
+          <a:chOff x="0" y="0"/>
+          <a:chExt cx="0" cy="0"/>
+        </a:xfrm>
+      </p:grpSpPr>
+      <p:sp>
+        <p:nvSpPr>
+          <p:cNvPr id="8" name="Rectangle 7" title="Background Shape"/>
+          <p:cNvSpPr/>
+          <p:nvPr/>
+        </p:nvSpPr>
+        <p:spPr>
+          <a:xfrm>
+            <a:off x="0" y="376"/>
+            <a:ext cx="5303520" cy="6857624"/>
+          </a:xfrm>
+          <a:prstGeom prst="rect">
+            <a:avLst/>
+          </a:prstGeom>
+          <a:solidFill>
+            <a:schemeClr val="accent1"/>
+          </a:solidFill>
+          <a:ln>
+            <a:noFill/>
+          </a:ln>
+        </p:spPr>
+        <p:style>
+          <a:lnRef idx="2">
+            <a:schemeClr val="accent1">
+              <a:shade val="50000"/>
+            </a:schemeClr>
+          </a:lnRef>
+          <a:fillRef idx="1">
+            <a:schemeClr val="accent1"/>
+          </a:fillRef>
+          <a:effectRef idx="0">
+            <a:schemeClr val="accent1"/>
+          </a:effectRef>
+          <a:fontRef idx="minor">
+            <a:schemeClr val="lt1"/>
+          </a:fontRef>
+        </p:style>
+      </p:sp>
+      <p:sp>
+        <p:nvSpPr>
+          <p:cNvPr id="2" name="Title 1"/>
+          <p:cNvSpPr>
+            <a:spLocks noGrp="1"/>
+          </p:cNvSpPr>
+          <p:nvPr>
+            <p:ph type="title"/>
+          </p:nvPr>
+        </p:nvSpPr>
+        <p:spPr>
+          <a:xfrm>
+            <a:off x="723900" y="685800"/>
+            <a:ext cx="3855720" cy="2157884"/>
+          </a:xfrm>
+        </p:spPr>
+        <p:txBody>
+          <a:bodyPr anchor="t">
+            <a:noAutofit/>
+          </a:bodyPr>
+          <a:lstStyle>
+            <a:lvl1pPr>
+              <a:lnSpc>
+                <a:spcPct val="84000"/>
+              </a:lnSpc>
+              <a:defRPr sz="4800" baseline="0">
+                <a:solidFill>
+                  <a:schemeClr val="tx2"/>
+                </a:solidFill>
+              </a:defRPr>
+            </a:lvl1pPr>
+          </a:lstStyle>
+          <a:p>
+            <a:r>
+              <a:rPr lang="ja-JP" altLang="en-US"/>
+              <a:t>マスター タイトルの書式設定</a:t>
+            </a:r>
+            <a:endParaRPr lang="en-US" dirty="0"/>
+          </a:p>
+        </p:txBody>
+      </p:sp>
+      <p:sp>
+        <p:nvSpPr>
+          <p:cNvPr id="3" name="Content Placeholder 2"/>
+          <p:cNvSpPr>
+            <a:spLocks noGrp="1"/>
+          </p:cNvSpPr>
+          <p:nvPr>
+            <p:ph idx="1"/>
+          </p:nvPr>
+        </p:nvSpPr>
+        <p:spPr>
+          <a:xfrm>
+            <a:off x="6256020" y="685801"/>
+            <a:ext cx="5212080" cy="5175250"/>
+          </a:xfrm>
+        </p:spPr>
+        <p:txBody>
+          <a:bodyPr/>
+          <a:lstStyle>
+            <a:lvl1pPr>
+              <a:defRPr sz="2000"/>
+            </a:lvl1pPr>
+            <a:lvl2pPr>
+              <a:defRPr sz="2000"/>
+            </a:lvl2pPr>
+            <a:lvl3pPr>
+              <a:defRPr sz="1800"/>
+            </a:lvl3pPr>
+            <a:lvl4pPr>
+              <a:defRPr sz="1800"/>
+            </a:lvl4pPr>
+            <a:lvl5pPr>
+              <a:defRPr sz="1600"/>
+            </a:lvl5pPr>
+            <a:lvl6pPr>
+              <a:defRPr sz="1600"/>
+            </a:lvl6pPr>
+            <a:lvl7pPr>
+              <a:defRPr sz="1600"/>
+            </a:lvl7pPr>
+            <a:lvl8pPr>
+              <a:defRPr sz="1600"/>
+            </a:lvl8pPr>
+            <a:lvl9pPr>
+              <a:defRPr sz="1600"/>
+            </a:lvl9pPr>
+          </a:lstStyle>
+          <a:p>
+            <a:pPr lvl="0"/>
+            <a:r>
+              <a:rPr lang="ja-JP" altLang="en-US"/>
+              <a:t>マスター テキストの書式設定</a:t>
+            </a:r>
+          </a:p>
+          <a:p>
+            <a:pPr lvl="1"/>
+            <a:r>
+              <a:rPr lang="ja-JP" altLang="en-US"/>
+              <a:t>第 </a:t>
+            </a:r>
+            <a:r>
+              <a:rPr lang="en-US" altLang="ja-JP"/>
+              <a:t>2 </a:t>
+            </a:r>
+            <a:r>
+              <a:rPr lang="ja-JP" altLang="en-US"/>
+              <a:t>レベル</a:t>
+            </a:r>
+          </a:p>
+          <a:p>
+            <a:pPr lvl="2"/>
+            <a:r>
+              <a:rPr lang="ja-JP" altLang="en-US"/>
+              <a:t>第 </a:t>
+            </a:r>
+            <a:r>
+              <a:rPr lang="en-US" altLang="ja-JP"/>
+              <a:t>3 </a:t>
+            </a:r>
+            <a:r>
+              <a:rPr lang="ja-JP" altLang="en-US"/>
+              <a:t>レベル</a:t>
+            </a:r>
+          </a:p>
+          <a:p>
+            <a:pPr lvl="3"/>
+            <a:r>
+              <a:rPr lang="ja-JP" altLang="en-US"/>
+              <a:t>第 </a:t>
+            </a:r>
+            <a:r>
+              <a:rPr lang="en-US" altLang="ja-JP"/>
+              <a:t>4 </a:t>
+            </a:r>
+            <a:r>
+              <a:rPr lang="ja-JP" altLang="en-US"/>
+              <a:t>レベル</a:t>
+            </a:r>
+          </a:p>
+          <a:p>
+            <a:pPr lvl="4"/>
+            <a:r>
+              <a:rPr lang="ja-JP" altLang="en-US"/>
+              <a:t>第 </a:t>
+            </a:r>
+            <a:r>
+              <a:rPr lang="en-US" altLang="ja-JP"/>
+              <a:t>5 </a:t>
+            </a:r>
+            <a:r>
+              <a:rPr lang="ja-JP" altLang="en-US"/>
+              <a:t>レベル</a:t>
+            </a:r>
+            <a:endParaRPr lang="en-US" dirty="0"/>
+          </a:p>
+        </p:txBody>
+      </p:sp>
+      <p:sp>
+        <p:nvSpPr>
+          <p:cNvPr id="4" name="Text Placeholder 3"/>
+          <p:cNvSpPr>
+            <a:spLocks noGrp="1"/>
+          </p:cNvSpPr>
+          <p:nvPr>
+            <p:ph type="body" sz="half" idx="2"/>
+          </p:nvPr>
+        </p:nvSpPr>
+        <p:spPr>
+          <a:xfrm>
+            <a:off x="723900" y="2856344"/>
+            <a:ext cx="3855720" cy="3011056"/>
+          </a:xfrm>
+        </p:spPr>
+        <p:txBody>
+          <a:bodyPr/>
+          <a:lstStyle>
+            <a:lvl1pPr marL="0" indent="0">
+              <a:lnSpc>
+                <a:spcPct val="113000"/>
+              </a:lnSpc>
+              <a:spcBef>
+                <a:spcPts val="0"/>
+              </a:spcBef>
+              <a:spcAft>
+                <a:spcPts val="1500"/>
+              </a:spcAft>
+              <a:buNone/>
+              <a:defRPr sz="1600"/>
+            </a:lvl1pPr>
+            <a:lvl2pPr marL="457200" indent="0">
+              <a:buNone/>
+              <a:defRPr sz="1400"/>
+            </a:lvl2pPr>
+            <a:lvl3pPr marL="914400" indent="0">
+              <a:buNone/>
+              <a:defRPr sz="1200"/>
+            </a:lvl3pPr>
+            <a:lvl4pPr marL="1371600" indent="0">
+              <a:buNone/>
+              <a:defRPr sz="1000"/>
+            </a:lvl4pPr>
+            <a:lvl5pPr marL="1828800" indent="0">
+              <a:buNone/>
+              <a:defRPr sz="1000"/>
+            </a:lvl5pPr>
+            <a:lvl6pPr marL="2286000" indent="0">
+              <a:buNone/>
+              <a:defRPr sz="1000"/>
+            </a:lvl6pPr>
+            <a:lvl7pPr marL="2743200" indent="0">
+              <a:buNone/>
+              <a:defRPr sz="1000"/>
+            </a:lvl7pPr>
+            <a:lvl8pPr marL="3200400" indent="0">
+              <a:buNone/>
+              <a:defRPr sz="1000"/>
+            </a:lvl8pPr>
+            <a:lvl9pPr marL="3657600" indent="0">
+              <a:buNone/>
+              <a:defRPr sz="1000"/>
+            </a:lvl9pPr>
+          </a:lstStyle>
+          <a:p>
+            <a:pPr lvl="0"/>
+            <a:r>
+              <a:rPr lang="ja-JP" altLang="en-US"/>
+              <a:t>マスター テキストの書式設定</a:t>
+            </a:r>
+          </a:p>
+        </p:txBody>
+      </p:sp>
+      <p:sp>
+        <p:nvSpPr>
+          <p:cNvPr id="5" name="Date Placeholder 4"/>
+          <p:cNvSpPr>
+            <a:spLocks noGrp="1"/>
+          </p:cNvSpPr>
+          <p:nvPr>
+            <p:ph type="dt" sz="half" idx="10"/>
+          </p:nvPr>
+        </p:nvSpPr>
+        <p:spPr>
+          <a:xfrm>
+            <a:off x="723900" y="6453386"/>
+            <a:ext cx="1204572" cy="404614"/>
+          </a:xfrm>
+        </p:spPr>
+        <p:txBody>
+          <a:bodyPr/>
+          <a:lstStyle>
+            <a:lvl1pPr>
+              <a:defRPr>
+                <a:solidFill>
+                  <a:schemeClr val="tx2"/>
+                </a:solidFill>
+              </a:defRPr>
+            </a:lvl1pPr>
+          </a:lstStyle>
+          <a:p>
+            <a:fld id="{6139413B-932F-4483-A02F-1307E0C347FE}" type="datetimeFigureOut">
+              <a:rPr kumimoji="1" lang="ja-JP" altLang="en-US" smtClean="0"/>
+              <a:t>2018/5/5</a:t>
+            </a:fld>
+            <a:endParaRPr kumimoji="1" lang="ja-JP" altLang="en-US"/>
+          </a:p>
+        </p:txBody>
+      </p:sp>
+      <p:sp>
+        <p:nvSpPr>
+          <p:cNvPr id="6" name="Footer Placeholder 5"/>
+          <p:cNvSpPr>
+            <a:spLocks noGrp="1"/>
+          </p:cNvSpPr>
+          <p:nvPr>
+            <p:ph type="ftr" sz="quarter" idx="11"/>
+          </p:nvPr>
+        </p:nvSpPr>
+        <p:spPr>
+          <a:xfrm>
+            <a:off x="2205945" y="6453386"/>
+            <a:ext cx="2373675" cy="404614"/>
+          </a:xfrm>
+        </p:spPr>
+        <p:txBody>
+          <a:bodyPr/>
+          <a:lstStyle>
+            <a:lvl1pPr>
+              <a:defRPr>
+                <a:solidFill>
+                  <a:schemeClr val="tx2"/>
+                </a:solidFill>
+              </a:defRPr>
+            </a:lvl1pPr>
+          </a:lstStyle>
+          <a:p>
+            <a:endParaRPr kumimoji="1" lang="ja-JP" altLang="en-US"/>
+          </a:p>
+        </p:txBody>
+      </p:sp>
+      <p:sp>
+        <p:nvSpPr>
+          <p:cNvPr id="7" name="Slide Number Placeholder 6"/>
+          <p:cNvSpPr>
+            <a:spLocks noGrp="1"/>
+          </p:cNvSpPr>
+          <p:nvPr>
+            <p:ph type="sldNum" sz="quarter" idx="12"/>
+          </p:nvPr>
+        </p:nvSpPr>
+        <p:spPr>
+          <a:xfrm>
+            <a:off x="9883140" y="6453386"/>
+            <a:ext cx="1596292" cy="404614"/>
+          </a:xfrm>
+        </p:spPr>
+        <p:txBody>
+          <a:bodyPr/>
+          <a:lstStyle>
+            <a:lvl1pPr>
+              <a:defRPr>
+                <a:solidFill>
+                  <a:schemeClr val="tx2"/>
+                </a:solidFill>
+              </a:defRPr>
+            </a:lvl1pPr>
+          </a:lstStyle>
+          <a:p>
+            <a:fld id="{3C389D12-8073-498F-BE90-757FD2A018F9}" type="slidenum">
+              <a:rPr kumimoji="1" lang="ja-JP" altLang="en-US" smtClean="0"/>
+              <a:t>‹#›</a:t>
+            </a:fld>
+            <a:endParaRPr kumimoji="1" lang="ja-JP" altLang="en-US"/>
+          </a:p>
+        </p:txBody>
+      </p:sp>
+      <p:sp>
+        <p:nvSpPr>
+          <p:cNvPr id="9" name="Rectangle 8" title="Divider Bar"/>
+          <p:cNvSpPr/>
+          <p:nvPr/>
+        </p:nvSpPr>
+        <p:spPr>
+          <a:xfrm>
+            <a:off x="5303520" y="376"/>
+            <a:ext cx="228600" cy="6858000"/>
+          </a:xfrm>
+          <a:prstGeom prst="rect">
+            <a:avLst/>
+          </a:prstGeom>
+          <a:solidFill>
+            <a:schemeClr val="tx2"/>
+          </a:solidFill>
+          <a:ln>
+            <a:noFill/>
+          </a:ln>
+        </p:spPr>
+        <p:style>
+          <a:lnRef idx="2">
+            <a:schemeClr val="accent1">
+              <a:shade val="50000"/>
+            </a:schemeClr>
+          </a:lnRef>
+          <a:fillRef idx="1">
+            <a:schemeClr val="accent1"/>
+          </a:fillRef>
+          <a:effectRef idx="0">
+            <a:schemeClr val="accent1"/>
+          </a:effectRef>
+          <a:fontRef idx="minor">
+            <a:schemeClr val="lt1"/>
+          </a:fontRef>
+        </p:style>
+      </p:sp>
+    </p:spTree>
+    <p:extLst>
+      <p:ext uri="{BB962C8B-B14F-4D97-AF65-F5344CB8AC3E}">
+        <p14:creationId xmlns:p14="http://schemas.microsoft.com/office/powerpoint/2010/main" val="1358085468"/>
+      </p:ext>
+    </p:extLst>
+  </p:cSld>
+  <p:clrMapOvr>
+    <a:masterClrMapping/>
+  </p:clrMapOvr>
+</p:sldLayout>
+</file>
+
 <file path=ppt/slideLayouts/slideLayout2.xml><?xml version="1.0" encoding="utf-8"?>
 <p:sldLayout xmlns:a="http://schemas.openxmlformats.org/drawingml/2006/main" xmlns:r="http://schemas.openxmlformats.org/officeDocument/2006/relationships" xmlns:p="http://schemas.openxmlformats.org/presentationml/2006/main" type="obj" preserve="1">
   <p:cSld name="タイトルとコンテンツ">
@@ -1255,6 +3774,813 @@
     <p:extLst>
       <p:ext uri="{BB962C8B-B14F-4D97-AF65-F5344CB8AC3E}">
         <p14:creationId xmlns:p14="http://schemas.microsoft.com/office/powerpoint/2010/main" val="2058138968"/>
+      </p:ext>
+    </p:extLst>
+  </p:cSld>
+  <p:clrMapOvr>
+    <a:masterClrMapping/>
+  </p:clrMapOvr>
+</p:sldLayout>
+</file>
+
+<file path=ppt/slideLayouts/slideLayout20.xml><?xml version="1.0" encoding="utf-8"?>
+<p:sldLayout xmlns:a="http://schemas.openxmlformats.org/drawingml/2006/main" xmlns:r="http://schemas.openxmlformats.org/officeDocument/2006/relationships" xmlns:p="http://schemas.openxmlformats.org/presentationml/2006/main" showMasterSp="0" type="picTx" preserve="1">
+  <p:cSld name="タイトル付きの図">
+    <p:spTree>
+      <p:nvGrpSpPr>
+        <p:cNvPr id="1" name=""/>
+        <p:cNvGrpSpPr/>
+        <p:nvPr/>
+      </p:nvGrpSpPr>
+      <p:grpSpPr>
+        <a:xfrm>
+          <a:off x="0" y="0"/>
+          <a:ext cx="0" cy="0"/>
+          <a:chOff x="0" y="0"/>
+          <a:chExt cx="0" cy="0"/>
+        </a:xfrm>
+      </p:grpSpPr>
+      <p:sp>
+        <p:nvSpPr>
+          <p:cNvPr id="8" name="Rectangle 7" title="Background Shape"/>
+          <p:cNvSpPr/>
+          <p:nvPr/>
+        </p:nvSpPr>
+        <p:spPr>
+          <a:xfrm>
+            <a:off x="0" y="376"/>
+            <a:ext cx="5303520" cy="6857624"/>
+          </a:xfrm>
+          <a:prstGeom prst="rect">
+            <a:avLst/>
+          </a:prstGeom>
+          <a:solidFill>
+            <a:schemeClr val="accent1"/>
+          </a:solidFill>
+          <a:ln>
+            <a:noFill/>
+          </a:ln>
+        </p:spPr>
+        <p:style>
+          <a:lnRef idx="2">
+            <a:schemeClr val="accent1">
+              <a:shade val="50000"/>
+            </a:schemeClr>
+          </a:lnRef>
+          <a:fillRef idx="1">
+            <a:schemeClr val="accent1"/>
+          </a:fillRef>
+          <a:effectRef idx="0">
+            <a:schemeClr val="accent1"/>
+          </a:effectRef>
+          <a:fontRef idx="minor">
+            <a:schemeClr val="lt1"/>
+          </a:fontRef>
+        </p:style>
+      </p:sp>
+      <p:sp>
+        <p:nvSpPr>
+          <p:cNvPr id="2" name="Title 1"/>
+          <p:cNvSpPr>
+            <a:spLocks noGrp="1"/>
+          </p:cNvSpPr>
+          <p:nvPr>
+            <p:ph type="title"/>
+          </p:nvPr>
+        </p:nvSpPr>
+        <p:spPr>
+          <a:xfrm>
+            <a:off x="723900" y="685800"/>
+            <a:ext cx="3855720" cy="2157884"/>
+          </a:xfrm>
+        </p:spPr>
+        <p:txBody>
+          <a:bodyPr anchor="t">
+            <a:normAutofit/>
+          </a:bodyPr>
+          <a:lstStyle>
+            <a:lvl1pPr>
+              <a:lnSpc>
+                <a:spcPct val="84000"/>
+              </a:lnSpc>
+              <a:defRPr sz="4800" baseline="0"/>
+            </a:lvl1pPr>
+          </a:lstStyle>
+          <a:p>
+            <a:r>
+              <a:rPr lang="ja-JP" altLang="en-US"/>
+              <a:t>マスター タイトルの書式設定</a:t>
+            </a:r>
+            <a:endParaRPr lang="en-US" dirty="0"/>
+          </a:p>
+        </p:txBody>
+      </p:sp>
+      <p:sp>
+        <p:nvSpPr>
+          <p:cNvPr id="3" name="Picture Placeholder 2"/>
+          <p:cNvSpPr>
+            <a:spLocks noGrp="1" noChangeAspect="1"/>
+          </p:cNvSpPr>
+          <p:nvPr>
+            <p:ph type="pic" idx="1"/>
+          </p:nvPr>
+        </p:nvSpPr>
+        <p:spPr>
+          <a:xfrm>
+            <a:off x="5532120" y="0"/>
+            <a:ext cx="6659880" cy="6857999"/>
+          </a:xfrm>
+        </p:spPr>
+        <p:txBody>
+          <a:bodyPr anchor="t">
+            <a:normAutofit/>
+          </a:bodyPr>
+          <a:lstStyle>
+            <a:lvl1pPr marL="0" indent="0">
+              <a:buNone/>
+              <a:defRPr sz="2000"/>
+            </a:lvl1pPr>
+            <a:lvl2pPr marL="457200" indent="0">
+              <a:buNone/>
+              <a:defRPr sz="2000"/>
+            </a:lvl2pPr>
+            <a:lvl3pPr marL="914400" indent="0">
+              <a:buNone/>
+              <a:defRPr sz="2000"/>
+            </a:lvl3pPr>
+            <a:lvl4pPr marL="1371600" indent="0">
+              <a:buNone/>
+              <a:defRPr sz="2000"/>
+            </a:lvl4pPr>
+            <a:lvl5pPr marL="1828800" indent="0">
+              <a:buNone/>
+              <a:defRPr sz="2000"/>
+            </a:lvl5pPr>
+            <a:lvl6pPr marL="2286000" indent="0">
+              <a:buNone/>
+              <a:defRPr sz="2000"/>
+            </a:lvl6pPr>
+            <a:lvl7pPr marL="2743200" indent="0">
+              <a:buNone/>
+              <a:defRPr sz="2000"/>
+            </a:lvl7pPr>
+            <a:lvl8pPr marL="3200400" indent="0">
+              <a:buNone/>
+              <a:defRPr sz="2000"/>
+            </a:lvl8pPr>
+            <a:lvl9pPr marL="3657600" indent="0">
+              <a:buNone/>
+              <a:defRPr sz="2000"/>
+            </a:lvl9pPr>
+          </a:lstStyle>
+          <a:p>
+            <a:r>
+              <a:rPr lang="ja-JP" altLang="en-US"/>
+              <a:t>アイコンをクリックして図を追加</a:t>
+            </a:r>
+            <a:endParaRPr lang="en-US" dirty="0"/>
+          </a:p>
+        </p:txBody>
+      </p:sp>
+      <p:sp>
+        <p:nvSpPr>
+          <p:cNvPr id="4" name="Text Placeholder 3"/>
+          <p:cNvSpPr>
+            <a:spLocks noGrp="1"/>
+          </p:cNvSpPr>
+          <p:nvPr>
+            <p:ph type="body" sz="half" idx="2"/>
+          </p:nvPr>
+        </p:nvSpPr>
+        <p:spPr>
+          <a:xfrm>
+            <a:off x="723900" y="2855968"/>
+            <a:ext cx="3855720" cy="3011432"/>
+          </a:xfrm>
+        </p:spPr>
+        <p:txBody>
+          <a:bodyPr/>
+          <a:lstStyle>
+            <a:lvl1pPr marL="0" indent="0">
+              <a:lnSpc>
+                <a:spcPct val="113000"/>
+              </a:lnSpc>
+              <a:spcBef>
+                <a:spcPts val="0"/>
+              </a:spcBef>
+              <a:spcAft>
+                <a:spcPts val="1500"/>
+              </a:spcAft>
+              <a:buNone/>
+              <a:defRPr sz="1600"/>
+            </a:lvl1pPr>
+            <a:lvl2pPr marL="457200" indent="0">
+              <a:buNone/>
+              <a:defRPr sz="1400"/>
+            </a:lvl2pPr>
+            <a:lvl3pPr marL="914400" indent="0">
+              <a:buNone/>
+              <a:defRPr sz="1200"/>
+            </a:lvl3pPr>
+            <a:lvl4pPr marL="1371600" indent="0">
+              <a:buNone/>
+              <a:defRPr sz="1000"/>
+            </a:lvl4pPr>
+            <a:lvl5pPr marL="1828800" indent="0">
+              <a:buNone/>
+              <a:defRPr sz="1000"/>
+            </a:lvl5pPr>
+            <a:lvl6pPr marL="2286000" indent="0">
+              <a:buNone/>
+              <a:defRPr sz="1000"/>
+            </a:lvl6pPr>
+            <a:lvl7pPr marL="2743200" indent="0">
+              <a:buNone/>
+              <a:defRPr sz="1000"/>
+            </a:lvl7pPr>
+            <a:lvl8pPr marL="3200400" indent="0">
+              <a:buNone/>
+              <a:defRPr sz="1000"/>
+            </a:lvl8pPr>
+            <a:lvl9pPr marL="3657600" indent="0">
+              <a:buNone/>
+              <a:defRPr sz="1000"/>
+            </a:lvl9pPr>
+          </a:lstStyle>
+          <a:p>
+            <a:pPr lvl="0"/>
+            <a:r>
+              <a:rPr lang="ja-JP" altLang="en-US"/>
+              <a:t>マスター テキストの書式設定</a:t>
+            </a:r>
+          </a:p>
+        </p:txBody>
+      </p:sp>
+      <p:sp>
+        <p:nvSpPr>
+          <p:cNvPr id="5" name="Date Placeholder 4"/>
+          <p:cNvSpPr>
+            <a:spLocks noGrp="1"/>
+          </p:cNvSpPr>
+          <p:nvPr>
+            <p:ph type="dt" sz="half" idx="10"/>
+          </p:nvPr>
+        </p:nvSpPr>
+        <p:spPr>
+          <a:xfrm>
+            <a:off x="723900" y="6453386"/>
+            <a:ext cx="1204572" cy="404614"/>
+          </a:xfrm>
+        </p:spPr>
+        <p:txBody>
+          <a:bodyPr/>
+          <a:lstStyle>
+            <a:lvl1pPr>
+              <a:defRPr>
+                <a:solidFill>
+                  <a:schemeClr val="tx2"/>
+                </a:solidFill>
+              </a:defRPr>
+            </a:lvl1pPr>
+          </a:lstStyle>
+          <a:p>
+            <a:fld id="{6139413B-932F-4483-A02F-1307E0C347FE}" type="datetimeFigureOut">
+              <a:rPr kumimoji="1" lang="ja-JP" altLang="en-US" smtClean="0"/>
+              <a:t>2018/5/5</a:t>
+            </a:fld>
+            <a:endParaRPr kumimoji="1" lang="ja-JP" altLang="en-US"/>
+          </a:p>
+        </p:txBody>
+      </p:sp>
+      <p:sp>
+        <p:nvSpPr>
+          <p:cNvPr id="6" name="Footer Placeholder 5"/>
+          <p:cNvSpPr>
+            <a:spLocks noGrp="1"/>
+          </p:cNvSpPr>
+          <p:nvPr>
+            <p:ph type="ftr" sz="quarter" idx="11"/>
+          </p:nvPr>
+        </p:nvSpPr>
+        <p:spPr>
+          <a:xfrm>
+            <a:off x="2205945" y="6453386"/>
+            <a:ext cx="2373675" cy="404614"/>
+          </a:xfrm>
+        </p:spPr>
+        <p:txBody>
+          <a:bodyPr/>
+          <a:lstStyle>
+            <a:lvl1pPr>
+              <a:defRPr>
+                <a:solidFill>
+                  <a:schemeClr val="tx2"/>
+                </a:solidFill>
+              </a:defRPr>
+            </a:lvl1pPr>
+          </a:lstStyle>
+          <a:p>
+            <a:endParaRPr kumimoji="1" lang="ja-JP" altLang="en-US"/>
+          </a:p>
+        </p:txBody>
+      </p:sp>
+      <p:sp>
+        <p:nvSpPr>
+          <p:cNvPr id="7" name="Slide Number Placeholder 6"/>
+          <p:cNvSpPr>
+            <a:spLocks noGrp="1"/>
+          </p:cNvSpPr>
+          <p:nvPr>
+            <p:ph type="sldNum" sz="quarter" idx="12"/>
+          </p:nvPr>
+        </p:nvSpPr>
+        <p:spPr>
+          <a:xfrm>
+            <a:off x="9883140" y="6453386"/>
+            <a:ext cx="1596292" cy="404614"/>
+          </a:xfrm>
+        </p:spPr>
+        <p:txBody>
+          <a:bodyPr/>
+          <a:lstStyle>
+            <a:lvl1pPr>
+              <a:defRPr>
+                <a:solidFill>
+                  <a:schemeClr val="tx2"/>
+                </a:solidFill>
+              </a:defRPr>
+            </a:lvl1pPr>
+          </a:lstStyle>
+          <a:p>
+            <a:fld id="{3C389D12-8073-498F-BE90-757FD2A018F9}" type="slidenum">
+              <a:rPr kumimoji="1" lang="ja-JP" altLang="en-US" smtClean="0"/>
+              <a:t>‹#›</a:t>
+            </a:fld>
+            <a:endParaRPr kumimoji="1" lang="ja-JP" altLang="en-US"/>
+          </a:p>
+        </p:txBody>
+      </p:sp>
+      <p:sp>
+        <p:nvSpPr>
+          <p:cNvPr id="9" name="Rectangle 8" title="Divider Bar"/>
+          <p:cNvSpPr/>
+          <p:nvPr/>
+        </p:nvSpPr>
+        <p:spPr>
+          <a:xfrm>
+            <a:off x="5303520" y="376"/>
+            <a:ext cx="228600" cy="6858000"/>
+          </a:xfrm>
+          <a:prstGeom prst="rect">
+            <a:avLst/>
+          </a:prstGeom>
+          <a:solidFill>
+            <a:schemeClr val="tx2"/>
+          </a:solidFill>
+          <a:ln>
+            <a:noFill/>
+          </a:ln>
+        </p:spPr>
+        <p:style>
+          <a:lnRef idx="2">
+            <a:schemeClr val="accent1">
+              <a:shade val="50000"/>
+            </a:schemeClr>
+          </a:lnRef>
+          <a:fillRef idx="1">
+            <a:schemeClr val="accent1"/>
+          </a:fillRef>
+          <a:effectRef idx="0">
+            <a:schemeClr val="accent1"/>
+          </a:effectRef>
+          <a:fontRef idx="minor">
+            <a:schemeClr val="lt1"/>
+          </a:fontRef>
+        </p:style>
+      </p:sp>
+    </p:spTree>
+    <p:extLst>
+      <p:ext uri="{BB962C8B-B14F-4D97-AF65-F5344CB8AC3E}">
+        <p14:creationId xmlns:p14="http://schemas.microsoft.com/office/powerpoint/2010/main" val="185726110"/>
+      </p:ext>
+    </p:extLst>
+  </p:cSld>
+  <p:clrMapOvr>
+    <a:masterClrMapping/>
+  </p:clrMapOvr>
+</p:sldLayout>
+</file>
+
+<file path=ppt/slideLayouts/slideLayout21.xml><?xml version="1.0" encoding="utf-8"?>
+<p:sldLayout xmlns:a="http://schemas.openxmlformats.org/drawingml/2006/main" xmlns:r="http://schemas.openxmlformats.org/officeDocument/2006/relationships" xmlns:p="http://schemas.openxmlformats.org/presentationml/2006/main" type="vertTx" preserve="1">
+  <p:cSld name="タイトルと縦書きテキスト">
+    <p:spTree>
+      <p:nvGrpSpPr>
+        <p:cNvPr id="1" name=""/>
+        <p:cNvGrpSpPr/>
+        <p:nvPr/>
+      </p:nvGrpSpPr>
+      <p:grpSpPr>
+        <a:xfrm>
+          <a:off x="0" y="0"/>
+          <a:ext cx="0" cy="0"/>
+          <a:chOff x="0" y="0"/>
+          <a:chExt cx="0" cy="0"/>
+        </a:xfrm>
+      </p:grpSpPr>
+      <p:sp>
+        <p:nvSpPr>
+          <p:cNvPr id="2" name="Title 1"/>
+          <p:cNvSpPr>
+            <a:spLocks noGrp="1"/>
+          </p:cNvSpPr>
+          <p:nvPr>
+            <p:ph type="title"/>
+          </p:nvPr>
+        </p:nvSpPr>
+        <p:spPr/>
+        <p:txBody>
+          <a:bodyPr/>
+          <a:lstStyle/>
+          <a:p>
+            <a:r>
+              <a:rPr lang="ja-JP" altLang="en-US"/>
+              <a:t>マスター タイトルの書式設定</a:t>
+            </a:r>
+            <a:endParaRPr lang="en-US" dirty="0"/>
+          </a:p>
+        </p:txBody>
+      </p:sp>
+      <p:sp>
+        <p:nvSpPr>
+          <p:cNvPr id="3" name="Vertical Text Placeholder 2"/>
+          <p:cNvSpPr>
+            <a:spLocks noGrp="1"/>
+          </p:cNvSpPr>
+          <p:nvPr>
+            <p:ph type="body" orient="vert" idx="1"/>
+          </p:nvPr>
+        </p:nvSpPr>
+        <p:spPr>
+          <a:xfrm>
+            <a:off x="1371600" y="2295525"/>
+            <a:ext cx="9601200" cy="3571875"/>
+          </a:xfrm>
+        </p:spPr>
+        <p:txBody>
+          <a:bodyPr vert="eaVert"/>
+          <a:lstStyle/>
+          <a:p>
+            <a:pPr lvl="0"/>
+            <a:r>
+              <a:rPr lang="ja-JP" altLang="en-US"/>
+              <a:t>マスター テキストの書式設定</a:t>
+            </a:r>
+          </a:p>
+          <a:p>
+            <a:pPr lvl="1"/>
+            <a:r>
+              <a:rPr lang="ja-JP" altLang="en-US"/>
+              <a:t>第 </a:t>
+            </a:r>
+            <a:r>
+              <a:rPr lang="en-US" altLang="ja-JP"/>
+              <a:t>2 </a:t>
+            </a:r>
+            <a:r>
+              <a:rPr lang="ja-JP" altLang="en-US"/>
+              <a:t>レベル</a:t>
+            </a:r>
+          </a:p>
+          <a:p>
+            <a:pPr lvl="2"/>
+            <a:r>
+              <a:rPr lang="ja-JP" altLang="en-US"/>
+              <a:t>第 </a:t>
+            </a:r>
+            <a:r>
+              <a:rPr lang="en-US" altLang="ja-JP"/>
+              <a:t>3 </a:t>
+            </a:r>
+            <a:r>
+              <a:rPr lang="ja-JP" altLang="en-US"/>
+              <a:t>レベル</a:t>
+            </a:r>
+          </a:p>
+          <a:p>
+            <a:pPr lvl="3"/>
+            <a:r>
+              <a:rPr lang="ja-JP" altLang="en-US"/>
+              <a:t>第 </a:t>
+            </a:r>
+            <a:r>
+              <a:rPr lang="en-US" altLang="ja-JP"/>
+              <a:t>4 </a:t>
+            </a:r>
+            <a:r>
+              <a:rPr lang="ja-JP" altLang="en-US"/>
+              <a:t>レベル</a:t>
+            </a:r>
+          </a:p>
+          <a:p>
+            <a:pPr lvl="4"/>
+            <a:r>
+              <a:rPr lang="ja-JP" altLang="en-US"/>
+              <a:t>第 </a:t>
+            </a:r>
+            <a:r>
+              <a:rPr lang="en-US" altLang="ja-JP"/>
+              <a:t>5 </a:t>
+            </a:r>
+            <a:r>
+              <a:rPr lang="ja-JP" altLang="en-US"/>
+              <a:t>レベル</a:t>
+            </a:r>
+            <a:endParaRPr lang="en-US" dirty="0"/>
+          </a:p>
+        </p:txBody>
+      </p:sp>
+      <p:sp>
+        <p:nvSpPr>
+          <p:cNvPr id="4" name="Date Placeholder 3"/>
+          <p:cNvSpPr>
+            <a:spLocks noGrp="1"/>
+          </p:cNvSpPr>
+          <p:nvPr>
+            <p:ph type="dt" sz="half" idx="10"/>
+          </p:nvPr>
+        </p:nvSpPr>
+        <p:spPr/>
+        <p:txBody>
+          <a:bodyPr/>
+          <a:lstStyle/>
+          <a:p>
+            <a:fld id="{6139413B-932F-4483-A02F-1307E0C347FE}" type="datetimeFigureOut">
+              <a:rPr kumimoji="1" lang="ja-JP" altLang="en-US" smtClean="0"/>
+              <a:t>2018/5/5</a:t>
+            </a:fld>
+            <a:endParaRPr kumimoji="1" lang="ja-JP" altLang="en-US"/>
+          </a:p>
+        </p:txBody>
+      </p:sp>
+      <p:sp>
+        <p:nvSpPr>
+          <p:cNvPr id="5" name="Footer Placeholder 4"/>
+          <p:cNvSpPr>
+            <a:spLocks noGrp="1"/>
+          </p:cNvSpPr>
+          <p:nvPr>
+            <p:ph type="ftr" sz="quarter" idx="11"/>
+          </p:nvPr>
+        </p:nvSpPr>
+        <p:spPr/>
+        <p:txBody>
+          <a:bodyPr/>
+          <a:lstStyle/>
+          <a:p>
+            <a:endParaRPr kumimoji="1" lang="ja-JP" altLang="en-US"/>
+          </a:p>
+        </p:txBody>
+      </p:sp>
+      <p:sp>
+        <p:nvSpPr>
+          <p:cNvPr id="6" name="Slide Number Placeholder 5"/>
+          <p:cNvSpPr>
+            <a:spLocks noGrp="1"/>
+          </p:cNvSpPr>
+          <p:nvPr>
+            <p:ph type="sldNum" sz="quarter" idx="12"/>
+          </p:nvPr>
+        </p:nvSpPr>
+        <p:spPr/>
+        <p:txBody>
+          <a:bodyPr/>
+          <a:lstStyle/>
+          <a:p>
+            <a:fld id="{3C389D12-8073-498F-BE90-757FD2A018F9}" type="slidenum">
+              <a:rPr kumimoji="1" lang="ja-JP" altLang="en-US" smtClean="0"/>
+              <a:t>‹#›</a:t>
+            </a:fld>
+            <a:endParaRPr kumimoji="1" lang="ja-JP" altLang="en-US"/>
+          </a:p>
+        </p:txBody>
+      </p:sp>
+    </p:spTree>
+    <p:extLst>
+      <p:ext uri="{BB962C8B-B14F-4D97-AF65-F5344CB8AC3E}">
+        <p14:creationId xmlns:p14="http://schemas.microsoft.com/office/powerpoint/2010/main" val="3158297905"/>
+      </p:ext>
+    </p:extLst>
+  </p:cSld>
+  <p:clrMapOvr>
+    <a:masterClrMapping/>
+  </p:clrMapOvr>
+</p:sldLayout>
+</file>
+
+<file path=ppt/slideLayouts/slideLayout22.xml><?xml version="1.0" encoding="utf-8"?>
+<p:sldLayout xmlns:a="http://schemas.openxmlformats.org/drawingml/2006/main" xmlns:r="http://schemas.openxmlformats.org/officeDocument/2006/relationships" xmlns:p="http://schemas.openxmlformats.org/presentationml/2006/main" type="vertTitleAndTx" preserve="1">
+  <p:cSld name="縦書きタイトルと&#10;縦書きテキスト">
+    <p:spTree>
+      <p:nvGrpSpPr>
+        <p:cNvPr id="1" name=""/>
+        <p:cNvGrpSpPr/>
+        <p:nvPr/>
+      </p:nvGrpSpPr>
+      <p:grpSpPr>
+        <a:xfrm>
+          <a:off x="0" y="0"/>
+          <a:ext cx="0" cy="0"/>
+          <a:chOff x="0" y="0"/>
+          <a:chExt cx="0" cy="0"/>
+        </a:xfrm>
+      </p:grpSpPr>
+      <p:sp>
+        <p:nvSpPr>
+          <p:cNvPr id="2" name="Vertical Title 1"/>
+          <p:cNvSpPr>
+            <a:spLocks noGrp="1"/>
+          </p:cNvSpPr>
+          <p:nvPr>
+            <p:ph type="title" orient="vert"/>
+          </p:nvPr>
+        </p:nvSpPr>
+        <p:spPr>
+          <a:xfrm>
+            <a:off x="9596561" y="624156"/>
+            <a:ext cx="1565766" cy="5243244"/>
+          </a:xfrm>
+        </p:spPr>
+        <p:txBody>
+          <a:bodyPr vert="eaVert"/>
+          <a:lstStyle/>
+          <a:p>
+            <a:r>
+              <a:rPr lang="ja-JP" altLang="en-US"/>
+              <a:t>マスター タイトルの書式設定</a:t>
+            </a:r>
+            <a:endParaRPr lang="en-US" dirty="0"/>
+          </a:p>
+        </p:txBody>
+      </p:sp>
+      <p:sp>
+        <p:nvSpPr>
+          <p:cNvPr id="3" name="Vertical Text Placeholder 2"/>
+          <p:cNvSpPr>
+            <a:spLocks noGrp="1"/>
+          </p:cNvSpPr>
+          <p:nvPr>
+            <p:ph type="body" orient="vert" idx="1"/>
+          </p:nvPr>
+        </p:nvSpPr>
+        <p:spPr>
+          <a:xfrm>
+            <a:off x="1371600" y="624156"/>
+            <a:ext cx="8179641" cy="5243244"/>
+          </a:xfrm>
+        </p:spPr>
+        <p:txBody>
+          <a:bodyPr vert="eaVert"/>
+          <a:lstStyle/>
+          <a:p>
+            <a:pPr lvl="0"/>
+            <a:r>
+              <a:rPr lang="ja-JP" altLang="en-US"/>
+              <a:t>マスター テキストの書式設定</a:t>
+            </a:r>
+          </a:p>
+          <a:p>
+            <a:pPr lvl="1"/>
+            <a:r>
+              <a:rPr lang="ja-JP" altLang="en-US"/>
+              <a:t>第 </a:t>
+            </a:r>
+            <a:r>
+              <a:rPr lang="en-US" altLang="ja-JP"/>
+              <a:t>2 </a:t>
+            </a:r>
+            <a:r>
+              <a:rPr lang="ja-JP" altLang="en-US"/>
+              <a:t>レベル</a:t>
+            </a:r>
+          </a:p>
+          <a:p>
+            <a:pPr lvl="2"/>
+            <a:r>
+              <a:rPr lang="ja-JP" altLang="en-US"/>
+              <a:t>第 </a:t>
+            </a:r>
+            <a:r>
+              <a:rPr lang="en-US" altLang="ja-JP"/>
+              <a:t>3 </a:t>
+            </a:r>
+            <a:r>
+              <a:rPr lang="ja-JP" altLang="en-US"/>
+              <a:t>レベル</a:t>
+            </a:r>
+          </a:p>
+          <a:p>
+            <a:pPr lvl="3"/>
+            <a:r>
+              <a:rPr lang="ja-JP" altLang="en-US"/>
+              <a:t>第 </a:t>
+            </a:r>
+            <a:r>
+              <a:rPr lang="en-US" altLang="ja-JP"/>
+              <a:t>4 </a:t>
+            </a:r>
+            <a:r>
+              <a:rPr lang="ja-JP" altLang="en-US"/>
+              <a:t>レベル</a:t>
+            </a:r>
+          </a:p>
+          <a:p>
+            <a:pPr lvl="4"/>
+            <a:r>
+              <a:rPr lang="ja-JP" altLang="en-US"/>
+              <a:t>第 </a:t>
+            </a:r>
+            <a:r>
+              <a:rPr lang="en-US" altLang="ja-JP"/>
+              <a:t>5 </a:t>
+            </a:r>
+            <a:r>
+              <a:rPr lang="ja-JP" altLang="en-US"/>
+              <a:t>レベル</a:t>
+            </a:r>
+            <a:endParaRPr lang="en-US" dirty="0"/>
+          </a:p>
+        </p:txBody>
+      </p:sp>
+      <p:sp>
+        <p:nvSpPr>
+          <p:cNvPr id="4" name="Date Placeholder 3"/>
+          <p:cNvSpPr>
+            <a:spLocks noGrp="1"/>
+          </p:cNvSpPr>
+          <p:nvPr>
+            <p:ph type="dt" sz="half" idx="10"/>
+          </p:nvPr>
+        </p:nvSpPr>
+        <p:spPr/>
+        <p:txBody>
+          <a:bodyPr/>
+          <a:lstStyle/>
+          <a:p>
+            <a:fld id="{6139413B-932F-4483-A02F-1307E0C347FE}" type="datetimeFigureOut">
+              <a:rPr kumimoji="1" lang="ja-JP" altLang="en-US" smtClean="0"/>
+              <a:t>2018/5/5</a:t>
+            </a:fld>
+            <a:endParaRPr kumimoji="1" lang="ja-JP" altLang="en-US"/>
+          </a:p>
+        </p:txBody>
+      </p:sp>
+      <p:sp>
+        <p:nvSpPr>
+          <p:cNvPr id="5" name="Footer Placeholder 4"/>
+          <p:cNvSpPr>
+            <a:spLocks noGrp="1"/>
+          </p:cNvSpPr>
+          <p:nvPr>
+            <p:ph type="ftr" sz="quarter" idx="11"/>
+          </p:nvPr>
+        </p:nvSpPr>
+        <p:spPr/>
+        <p:txBody>
+          <a:bodyPr/>
+          <a:lstStyle/>
+          <a:p>
+            <a:endParaRPr kumimoji="1" lang="ja-JP" altLang="en-US"/>
+          </a:p>
+        </p:txBody>
+      </p:sp>
+      <p:sp>
+        <p:nvSpPr>
+          <p:cNvPr id="6" name="Slide Number Placeholder 5"/>
+          <p:cNvSpPr>
+            <a:spLocks noGrp="1"/>
+          </p:cNvSpPr>
+          <p:nvPr>
+            <p:ph type="sldNum" sz="quarter" idx="12"/>
+          </p:nvPr>
+        </p:nvSpPr>
+        <p:spPr/>
+        <p:txBody>
+          <a:bodyPr/>
+          <a:lstStyle/>
+          <a:p>
+            <a:fld id="{3C389D12-8073-498F-BE90-757FD2A018F9}" type="slidenum">
+              <a:rPr kumimoji="1" lang="ja-JP" altLang="en-US" smtClean="0"/>
+              <a:t>‹#›</a:t>
+            </a:fld>
+            <a:endParaRPr kumimoji="1" lang="ja-JP" altLang="en-US"/>
+          </a:p>
+        </p:txBody>
+      </p:sp>
+    </p:spTree>
+    <p:extLst>
+      <p:ext uri="{BB962C8B-B14F-4D97-AF65-F5344CB8AC3E}">
+        <p14:creationId xmlns:p14="http://schemas.microsoft.com/office/powerpoint/2010/main" val="485868324"/>
       </p:ext>
     </p:extLst>
   </p:cSld>
@@ -3600,6 +6926,686 @@
 </p:sldMaster>
 </file>
 
+<file path=ppt/slideMasters/slideMaster2.xml><?xml version="1.0" encoding="utf-8"?>
+<p:sldMaster xmlns:a="http://schemas.openxmlformats.org/drawingml/2006/main" xmlns:r="http://schemas.openxmlformats.org/officeDocument/2006/relationships" xmlns:p="http://schemas.openxmlformats.org/presentationml/2006/main">
+  <p:cSld>
+    <p:bg>
+      <p:bgPr>
+        <a:solidFill>
+          <a:schemeClr val="bg2"/>
+        </a:solidFill>
+        <a:effectLst/>
+      </p:bgPr>
+    </p:bg>
+    <p:spTree>
+      <p:nvGrpSpPr>
+        <p:cNvPr id="1" name=""/>
+        <p:cNvGrpSpPr/>
+        <p:nvPr/>
+      </p:nvGrpSpPr>
+      <p:grpSpPr>
+        <a:xfrm>
+          <a:off x="0" y="0"/>
+          <a:ext cx="0" cy="0"/>
+          <a:chOff x="0" y="0"/>
+          <a:chExt cx="0" cy="0"/>
+        </a:xfrm>
+      </p:grpSpPr>
+      <p:sp>
+        <p:nvSpPr>
+          <p:cNvPr id="2" name="Title Placeholder 1"/>
+          <p:cNvSpPr>
+            <a:spLocks noGrp="1"/>
+          </p:cNvSpPr>
+          <p:nvPr>
+            <p:ph type="title"/>
+          </p:nvPr>
+        </p:nvSpPr>
+        <p:spPr>
+          <a:xfrm>
+            <a:off x="1371600" y="685800"/>
+            <a:ext cx="9601200" cy="1485900"/>
+          </a:xfrm>
+          <a:prstGeom prst="rect">
+            <a:avLst/>
+          </a:prstGeom>
+        </p:spPr>
+        <p:txBody>
+          <a:bodyPr vert="horz" lIns="91440" tIns="45720" rIns="91440" bIns="45720" rtlCol="0" anchor="t">
+            <a:normAutofit/>
+          </a:bodyPr>
+          <a:lstStyle/>
+          <a:p>
+            <a:r>
+              <a:rPr lang="ja-JP" altLang="en-US"/>
+              <a:t>マスター タイトルの書式設定</a:t>
+            </a:r>
+            <a:endParaRPr lang="en-US" dirty="0"/>
+          </a:p>
+        </p:txBody>
+      </p:sp>
+      <p:sp>
+        <p:nvSpPr>
+          <p:cNvPr id="3" name="Text Placeholder 2"/>
+          <p:cNvSpPr>
+            <a:spLocks noGrp="1"/>
+          </p:cNvSpPr>
+          <p:nvPr>
+            <p:ph type="body" idx="1"/>
+          </p:nvPr>
+        </p:nvSpPr>
+        <p:spPr>
+          <a:xfrm>
+            <a:off x="1371600" y="2286000"/>
+            <a:ext cx="9601200" cy="3581400"/>
+          </a:xfrm>
+          <a:prstGeom prst="rect">
+            <a:avLst/>
+          </a:prstGeom>
+        </p:spPr>
+        <p:txBody>
+          <a:bodyPr vert="horz" lIns="91440" tIns="45720" rIns="91440" bIns="45720" rtlCol="0">
+            <a:normAutofit/>
+          </a:bodyPr>
+          <a:lstStyle/>
+          <a:p>
+            <a:pPr lvl="0"/>
+            <a:r>
+              <a:rPr lang="ja-JP" altLang="en-US"/>
+              <a:t>マスター テキストの書式設定</a:t>
+            </a:r>
+          </a:p>
+          <a:p>
+            <a:pPr lvl="1"/>
+            <a:r>
+              <a:rPr lang="ja-JP" altLang="en-US"/>
+              <a:t>第 </a:t>
+            </a:r>
+            <a:r>
+              <a:rPr lang="en-US" altLang="ja-JP"/>
+              <a:t>2 </a:t>
+            </a:r>
+            <a:r>
+              <a:rPr lang="ja-JP" altLang="en-US"/>
+              <a:t>レベル</a:t>
+            </a:r>
+          </a:p>
+          <a:p>
+            <a:pPr lvl="2"/>
+            <a:r>
+              <a:rPr lang="ja-JP" altLang="en-US"/>
+              <a:t>第 </a:t>
+            </a:r>
+            <a:r>
+              <a:rPr lang="en-US" altLang="ja-JP"/>
+              <a:t>3 </a:t>
+            </a:r>
+            <a:r>
+              <a:rPr lang="ja-JP" altLang="en-US"/>
+              <a:t>レベル</a:t>
+            </a:r>
+          </a:p>
+          <a:p>
+            <a:pPr lvl="3"/>
+            <a:r>
+              <a:rPr lang="ja-JP" altLang="en-US"/>
+              <a:t>第 </a:t>
+            </a:r>
+            <a:r>
+              <a:rPr lang="en-US" altLang="ja-JP"/>
+              <a:t>4 </a:t>
+            </a:r>
+            <a:r>
+              <a:rPr lang="ja-JP" altLang="en-US"/>
+              <a:t>レベル</a:t>
+            </a:r>
+          </a:p>
+          <a:p>
+            <a:pPr lvl="4"/>
+            <a:r>
+              <a:rPr lang="ja-JP" altLang="en-US"/>
+              <a:t>第 </a:t>
+            </a:r>
+            <a:r>
+              <a:rPr lang="en-US" altLang="ja-JP"/>
+              <a:t>5 </a:t>
+            </a:r>
+            <a:r>
+              <a:rPr lang="ja-JP" altLang="en-US"/>
+              <a:t>レベル</a:t>
+            </a:r>
+            <a:endParaRPr lang="en-US" dirty="0"/>
+          </a:p>
+        </p:txBody>
+      </p:sp>
+      <p:sp>
+        <p:nvSpPr>
+          <p:cNvPr id="4" name="Date Placeholder 3"/>
+          <p:cNvSpPr>
+            <a:spLocks noGrp="1"/>
+          </p:cNvSpPr>
+          <p:nvPr>
+            <p:ph type="dt" sz="half" idx="2"/>
+          </p:nvPr>
+        </p:nvSpPr>
+        <p:spPr>
+          <a:xfrm>
+            <a:off x="1390650" y="6453386"/>
+            <a:ext cx="1204572" cy="404614"/>
+          </a:xfrm>
+          <a:prstGeom prst="rect">
+            <a:avLst/>
+          </a:prstGeom>
+        </p:spPr>
+        <p:txBody>
+          <a:bodyPr vert="horz" lIns="91440" tIns="45720" rIns="91440" bIns="45720" rtlCol="0" anchor="ctr"/>
+          <a:lstStyle>
+            <a:lvl1pPr algn="l">
+              <a:defRPr sz="1200" baseline="0">
+                <a:solidFill>
+                  <a:schemeClr val="tx2"/>
+                </a:solidFill>
+              </a:defRPr>
+            </a:lvl1pPr>
+          </a:lstStyle>
+          <a:p>
+            <a:fld id="{6139413B-932F-4483-A02F-1307E0C347FE}" type="datetimeFigureOut">
+              <a:rPr kumimoji="1" lang="ja-JP" altLang="en-US" smtClean="0"/>
+              <a:t>2018/5/5</a:t>
+            </a:fld>
+            <a:endParaRPr kumimoji="1" lang="ja-JP" altLang="en-US"/>
+          </a:p>
+        </p:txBody>
+      </p:sp>
+      <p:sp>
+        <p:nvSpPr>
+          <p:cNvPr id="5" name="Footer Placeholder 4"/>
+          <p:cNvSpPr>
+            <a:spLocks noGrp="1"/>
+          </p:cNvSpPr>
+          <p:nvPr>
+            <p:ph type="ftr" sz="quarter" idx="3"/>
+          </p:nvPr>
+        </p:nvSpPr>
+        <p:spPr>
+          <a:xfrm>
+            <a:off x="2893564" y="6453386"/>
+            <a:ext cx="6280830" cy="404614"/>
+          </a:xfrm>
+          <a:prstGeom prst="rect">
+            <a:avLst/>
+          </a:prstGeom>
+        </p:spPr>
+        <p:txBody>
+          <a:bodyPr vert="horz" lIns="91440" tIns="45720" rIns="91440" bIns="45720" rtlCol="0" anchor="ctr"/>
+          <a:lstStyle>
+            <a:lvl1pPr algn="l">
+              <a:defRPr sz="1200" baseline="0">
+                <a:solidFill>
+                  <a:schemeClr val="tx2"/>
+                </a:solidFill>
+              </a:defRPr>
+            </a:lvl1pPr>
+          </a:lstStyle>
+          <a:p>
+            <a:endParaRPr kumimoji="1" lang="ja-JP" altLang="en-US"/>
+          </a:p>
+        </p:txBody>
+      </p:sp>
+      <p:sp>
+        <p:nvSpPr>
+          <p:cNvPr id="6" name="Slide Number Placeholder 5"/>
+          <p:cNvSpPr>
+            <a:spLocks noGrp="1"/>
+          </p:cNvSpPr>
+          <p:nvPr>
+            <p:ph type="sldNum" sz="quarter" idx="4"/>
+          </p:nvPr>
+        </p:nvSpPr>
+        <p:spPr>
+          <a:xfrm>
+            <a:off x="9472736" y="6453386"/>
+            <a:ext cx="1596292" cy="404614"/>
+          </a:xfrm>
+          <a:prstGeom prst="rect">
+            <a:avLst/>
+          </a:prstGeom>
+        </p:spPr>
+        <p:txBody>
+          <a:bodyPr vert="horz" lIns="91440" tIns="45720" rIns="91440" bIns="45720" rtlCol="0" anchor="ctr"/>
+          <a:lstStyle>
+            <a:lvl1pPr algn="r">
+              <a:defRPr sz="1200" baseline="0">
+                <a:solidFill>
+                  <a:schemeClr val="tx2"/>
+                </a:solidFill>
+              </a:defRPr>
+            </a:lvl1pPr>
+          </a:lstStyle>
+          <a:p>
+            <a:fld id="{3C389D12-8073-498F-BE90-757FD2A018F9}" type="slidenum">
+              <a:rPr kumimoji="1" lang="ja-JP" altLang="en-US" smtClean="0"/>
+              <a:t>‹#›</a:t>
+            </a:fld>
+            <a:endParaRPr kumimoji="1" lang="ja-JP" altLang="en-US"/>
+          </a:p>
+        </p:txBody>
+      </p:sp>
+      <p:sp>
+        <p:nvSpPr>
+          <p:cNvPr id="9" name="Rectangle 8" title="Side bar"/>
+          <p:cNvSpPr/>
+          <p:nvPr/>
+        </p:nvSpPr>
+        <p:spPr>
+          <a:xfrm>
+            <a:off x="478095" y="376"/>
+            <a:ext cx="228600" cy="6858000"/>
+          </a:xfrm>
+          <a:prstGeom prst="rect">
+            <a:avLst/>
+          </a:prstGeom>
+          <a:solidFill>
+            <a:schemeClr val="tx2"/>
+          </a:solidFill>
+          <a:ln>
+            <a:noFill/>
+          </a:ln>
+        </p:spPr>
+        <p:style>
+          <a:lnRef idx="2">
+            <a:schemeClr val="accent1">
+              <a:shade val="50000"/>
+            </a:schemeClr>
+          </a:lnRef>
+          <a:fillRef idx="1">
+            <a:schemeClr val="accent1"/>
+          </a:fillRef>
+          <a:effectRef idx="0">
+            <a:schemeClr val="accent1"/>
+          </a:effectRef>
+          <a:fontRef idx="minor">
+            <a:schemeClr val="lt1"/>
+          </a:fontRef>
+        </p:style>
+      </p:sp>
+    </p:spTree>
+    <p:extLst>
+      <p:ext uri="{BB962C8B-B14F-4D97-AF65-F5344CB8AC3E}">
+        <p14:creationId xmlns:p14="http://schemas.microsoft.com/office/powerpoint/2010/main" val="3424148746"/>
+      </p:ext>
+    </p:extLst>
+  </p:cSld>
+  <p:clrMap bg1="lt1" tx1="dk1" bg2="lt2" tx2="dk2" accent1="accent1" accent2="accent2" accent3="accent3" accent4="accent4" accent5="accent5" accent6="accent6" hlink="hlink" folHlink="folHlink"/>
+  <p:sldLayoutIdLst>
+    <p:sldLayoutId id="2147483691" r:id="rId1"/>
+    <p:sldLayoutId id="2147483692" r:id="rId2"/>
+    <p:sldLayoutId id="2147483693" r:id="rId3"/>
+    <p:sldLayoutId id="2147483694" r:id="rId4"/>
+    <p:sldLayoutId id="2147483695" r:id="rId5"/>
+    <p:sldLayoutId id="2147483696" r:id="rId6"/>
+    <p:sldLayoutId id="2147483697" r:id="rId7"/>
+    <p:sldLayoutId id="2147483698" r:id="rId8"/>
+    <p:sldLayoutId id="2147483699" r:id="rId9"/>
+    <p:sldLayoutId id="2147483700" r:id="rId10"/>
+    <p:sldLayoutId id="2147483701" r:id="rId11"/>
+  </p:sldLayoutIdLst>
+  <p:txStyles>
+    <p:titleStyle>
+      <a:lvl1pPr algn="l" defTabSz="914400" rtl="0" eaLnBrk="1" latinLnBrk="0" hangingPunct="1">
+        <a:lnSpc>
+          <a:spcPct val="89000"/>
+        </a:lnSpc>
+        <a:spcBef>
+          <a:spcPct val="0"/>
+        </a:spcBef>
+        <a:buNone/>
+        <a:defRPr kumimoji="1" sz="4400" kern="1200" baseline="0">
+          <a:solidFill>
+            <a:schemeClr val="tx2"/>
+          </a:solidFill>
+          <a:latin typeface="+mj-lt"/>
+          <a:ea typeface="+mj-ea"/>
+          <a:cs typeface="+mj-cs"/>
+        </a:defRPr>
+      </a:lvl1pPr>
+    </p:titleStyle>
+    <p:bodyStyle>
+      <a:lvl1pPr marL="384048" indent="-384048" algn="l" defTabSz="914400" rtl="0" eaLnBrk="1" latinLnBrk="0" hangingPunct="1">
+        <a:lnSpc>
+          <a:spcPct val="94000"/>
+        </a:lnSpc>
+        <a:spcBef>
+          <a:spcPts val="1000"/>
+        </a:spcBef>
+        <a:spcAft>
+          <a:spcPts val="200"/>
+        </a:spcAft>
+        <a:buFont typeface="Franklin Gothic Book" panose="020B0503020102020204" pitchFamily="34" charset="0"/>
+        <a:buChar char="■"/>
+        <a:defRPr kumimoji="1" sz="2000" kern="1200" baseline="0">
+          <a:solidFill>
+            <a:schemeClr val="tx2"/>
+          </a:solidFill>
+          <a:latin typeface="+mn-lt"/>
+          <a:ea typeface="+mn-ea"/>
+          <a:cs typeface="+mn-cs"/>
+        </a:defRPr>
+      </a:lvl1pPr>
+      <a:lvl2pPr marL="914400" indent="-384048" algn="l" defTabSz="914400" rtl="0" eaLnBrk="1" latinLnBrk="0" hangingPunct="1">
+        <a:lnSpc>
+          <a:spcPct val="94000"/>
+        </a:lnSpc>
+        <a:spcBef>
+          <a:spcPts val="500"/>
+        </a:spcBef>
+        <a:spcAft>
+          <a:spcPts val="200"/>
+        </a:spcAft>
+        <a:buFont typeface="Franklin Gothic Book" panose="020B0503020102020204" pitchFamily="34" charset="0"/>
+        <a:buChar char="–"/>
+        <a:defRPr kumimoji="1" sz="2000" i="1" kern="1200" baseline="0">
+          <a:solidFill>
+            <a:schemeClr val="tx2"/>
+          </a:solidFill>
+          <a:latin typeface="+mn-lt"/>
+          <a:ea typeface="+mn-ea"/>
+          <a:cs typeface="+mn-cs"/>
+        </a:defRPr>
+      </a:lvl2pPr>
+      <a:lvl3pPr marL="1371600" indent="-384048" algn="l" defTabSz="914400" rtl="0" eaLnBrk="1" latinLnBrk="0" hangingPunct="1">
+        <a:lnSpc>
+          <a:spcPct val="94000"/>
+        </a:lnSpc>
+        <a:spcBef>
+          <a:spcPts val="500"/>
+        </a:spcBef>
+        <a:spcAft>
+          <a:spcPts val="200"/>
+        </a:spcAft>
+        <a:buFont typeface="Franklin Gothic Book" panose="020B0503020102020204" pitchFamily="34" charset="0"/>
+        <a:buChar char="■"/>
+        <a:defRPr kumimoji="1" sz="1800" kern="1200" baseline="0">
+          <a:solidFill>
+            <a:schemeClr val="tx2"/>
+          </a:solidFill>
+          <a:latin typeface="+mn-lt"/>
+          <a:ea typeface="+mn-ea"/>
+          <a:cs typeface="+mn-cs"/>
+        </a:defRPr>
+      </a:lvl3pPr>
+      <a:lvl4pPr marL="1828800" indent="-384048" algn="l" defTabSz="914400" rtl="0" eaLnBrk="1" latinLnBrk="0" hangingPunct="1">
+        <a:lnSpc>
+          <a:spcPct val="94000"/>
+        </a:lnSpc>
+        <a:spcBef>
+          <a:spcPts val="500"/>
+        </a:spcBef>
+        <a:spcAft>
+          <a:spcPts val="200"/>
+        </a:spcAft>
+        <a:buFont typeface="Franklin Gothic Book" panose="020B0503020102020204" pitchFamily="34" charset="0"/>
+        <a:buChar char="–"/>
+        <a:defRPr kumimoji="1" sz="1800" i="1" kern="1200" baseline="0">
+          <a:solidFill>
+            <a:schemeClr val="tx2"/>
+          </a:solidFill>
+          <a:latin typeface="+mn-lt"/>
+          <a:ea typeface="+mn-ea"/>
+          <a:cs typeface="+mn-cs"/>
+        </a:defRPr>
+      </a:lvl4pPr>
+      <a:lvl5pPr marL="2286000" indent="-384048" algn="l" defTabSz="914400" rtl="0" eaLnBrk="1" latinLnBrk="0" hangingPunct="1">
+        <a:lnSpc>
+          <a:spcPct val="94000"/>
+        </a:lnSpc>
+        <a:spcBef>
+          <a:spcPts val="500"/>
+        </a:spcBef>
+        <a:spcAft>
+          <a:spcPts val="200"/>
+        </a:spcAft>
+        <a:buFont typeface="Franklin Gothic Book" panose="020B0503020102020204" pitchFamily="34" charset="0"/>
+        <a:buChar char="■"/>
+        <a:defRPr kumimoji="1" sz="1600" kern="1200" baseline="0">
+          <a:solidFill>
+            <a:schemeClr val="tx2"/>
+          </a:solidFill>
+          <a:latin typeface="+mn-lt"/>
+          <a:ea typeface="+mn-ea"/>
+          <a:cs typeface="+mn-cs"/>
+        </a:defRPr>
+      </a:lvl5pPr>
+      <a:lvl6pPr marL="2743200" indent="-384048" algn="l" defTabSz="914400" rtl="0" eaLnBrk="1" latinLnBrk="0" hangingPunct="1">
+        <a:lnSpc>
+          <a:spcPct val="94000"/>
+        </a:lnSpc>
+        <a:spcBef>
+          <a:spcPts val="500"/>
+        </a:spcBef>
+        <a:spcAft>
+          <a:spcPts val="200"/>
+        </a:spcAft>
+        <a:buFont typeface="Franklin Gothic Book" panose="020B0503020102020204" pitchFamily="34" charset="0"/>
+        <a:buChar char="–"/>
+        <a:defRPr kumimoji="1" sz="1600" i="1" kern="1200" baseline="0">
+          <a:solidFill>
+            <a:schemeClr val="tx2"/>
+          </a:solidFill>
+          <a:latin typeface="+mn-lt"/>
+          <a:ea typeface="+mn-ea"/>
+          <a:cs typeface="+mn-cs"/>
+        </a:defRPr>
+      </a:lvl6pPr>
+      <a:lvl7pPr marL="3200400" indent="-384048" algn="l" defTabSz="914400" rtl="0" eaLnBrk="1" latinLnBrk="0" hangingPunct="1">
+        <a:lnSpc>
+          <a:spcPct val="94000"/>
+        </a:lnSpc>
+        <a:spcBef>
+          <a:spcPts val="500"/>
+        </a:spcBef>
+        <a:spcAft>
+          <a:spcPts val="200"/>
+        </a:spcAft>
+        <a:buFont typeface="Franklin Gothic Book" panose="020B0503020102020204" pitchFamily="34" charset="0"/>
+        <a:buChar char="■"/>
+        <a:defRPr kumimoji="1" sz="1400" kern="1200" baseline="0">
+          <a:solidFill>
+            <a:schemeClr val="tx2"/>
+          </a:solidFill>
+          <a:latin typeface="+mn-lt"/>
+          <a:ea typeface="+mn-ea"/>
+          <a:cs typeface="+mn-cs"/>
+        </a:defRPr>
+      </a:lvl7pPr>
+      <a:lvl8pPr marL="3657600" indent="-384048" algn="l" defTabSz="914400" rtl="0" eaLnBrk="1" latinLnBrk="0" hangingPunct="1">
+        <a:lnSpc>
+          <a:spcPct val="94000"/>
+        </a:lnSpc>
+        <a:spcBef>
+          <a:spcPts val="500"/>
+        </a:spcBef>
+        <a:spcAft>
+          <a:spcPts val="200"/>
+        </a:spcAft>
+        <a:buFont typeface="Franklin Gothic Book" panose="020B0503020102020204" pitchFamily="34" charset="0"/>
+        <a:buChar char="–"/>
+        <a:defRPr kumimoji="1" sz="1400" i="1" kern="1200" baseline="0">
+          <a:solidFill>
+            <a:schemeClr val="tx2"/>
+          </a:solidFill>
+          <a:latin typeface="+mn-lt"/>
+          <a:ea typeface="+mn-ea"/>
+          <a:cs typeface="+mn-cs"/>
+        </a:defRPr>
+      </a:lvl8pPr>
+      <a:lvl9pPr marL="4114800" indent="-384048" algn="l" defTabSz="914400" rtl="0" eaLnBrk="1" latinLnBrk="0" hangingPunct="1">
+        <a:lnSpc>
+          <a:spcPct val="94000"/>
+        </a:lnSpc>
+        <a:spcBef>
+          <a:spcPts val="500"/>
+        </a:spcBef>
+        <a:spcAft>
+          <a:spcPts val="200"/>
+        </a:spcAft>
+        <a:buFont typeface="Franklin Gothic Book" panose="020B0503020102020204" pitchFamily="34" charset="0"/>
+        <a:buChar char="■"/>
+        <a:defRPr kumimoji="1" sz="1400" kern="1200" baseline="0">
+          <a:solidFill>
+            <a:schemeClr val="tx2"/>
+          </a:solidFill>
+          <a:latin typeface="+mn-lt"/>
+          <a:ea typeface="+mn-ea"/>
+          <a:cs typeface="+mn-cs"/>
+        </a:defRPr>
+      </a:lvl9pPr>
+    </p:bodyStyle>
+    <p:otherStyle>
+      <a:defPPr>
+        <a:defRPr lang="en-US"/>
+      </a:defPPr>
+      <a:lvl1pPr marL="0" algn="l" defTabSz="914400" rtl="0" eaLnBrk="1" latinLnBrk="0" hangingPunct="1">
+        <a:defRPr kumimoji="1" sz="1800" kern="1200">
+          <a:solidFill>
+            <a:schemeClr val="tx1"/>
+          </a:solidFill>
+          <a:latin typeface="+mn-lt"/>
+          <a:ea typeface="+mn-ea"/>
+          <a:cs typeface="+mn-cs"/>
+        </a:defRPr>
+      </a:lvl1pPr>
+      <a:lvl2pPr marL="457200" algn="l" defTabSz="914400" rtl="0" eaLnBrk="1" latinLnBrk="0" hangingPunct="1">
+        <a:defRPr kumimoji="1" sz="1800" kern="1200">
+          <a:solidFill>
+            <a:schemeClr val="tx1"/>
+          </a:solidFill>
+          <a:latin typeface="+mn-lt"/>
+          <a:ea typeface="+mn-ea"/>
+          <a:cs typeface="+mn-cs"/>
+        </a:defRPr>
+      </a:lvl2pPr>
+      <a:lvl3pPr marL="914400" algn="l" defTabSz="914400" rtl="0" eaLnBrk="1" latinLnBrk="0" hangingPunct="1">
+        <a:defRPr kumimoji="1" sz="1800" kern="1200">
+          <a:solidFill>
+            <a:schemeClr val="tx1"/>
+          </a:solidFill>
+          <a:latin typeface="+mn-lt"/>
+          <a:ea typeface="+mn-ea"/>
+          <a:cs typeface="+mn-cs"/>
+        </a:defRPr>
+      </a:lvl3pPr>
+      <a:lvl4pPr marL="1371600" algn="l" defTabSz="914400" rtl="0" eaLnBrk="1" latinLnBrk="0" hangingPunct="1">
+        <a:defRPr kumimoji="1" sz="1800" kern="1200">
+          <a:solidFill>
+            <a:schemeClr val="tx1"/>
+          </a:solidFill>
+          <a:latin typeface="+mn-lt"/>
+          <a:ea typeface="+mn-ea"/>
+          <a:cs typeface="+mn-cs"/>
+        </a:defRPr>
+      </a:lvl4pPr>
+      <a:lvl5pPr marL="1828800" algn="l" defTabSz="914400" rtl="0" eaLnBrk="1" latinLnBrk="0" hangingPunct="1">
+        <a:defRPr kumimoji="1" sz="1800" kern="1200">
+          <a:solidFill>
+            <a:schemeClr val="tx1"/>
+          </a:solidFill>
+          <a:latin typeface="+mn-lt"/>
+          <a:ea typeface="+mn-ea"/>
+          <a:cs typeface="+mn-cs"/>
+        </a:defRPr>
+      </a:lvl5pPr>
+      <a:lvl6pPr marL="2286000" algn="l" defTabSz="914400" rtl="0" eaLnBrk="1" latinLnBrk="0" hangingPunct="1">
+        <a:defRPr kumimoji="1" sz="1800" kern="1200">
+          <a:solidFill>
+            <a:schemeClr val="tx1"/>
+          </a:solidFill>
+          <a:latin typeface="+mn-lt"/>
+          <a:ea typeface="+mn-ea"/>
+          <a:cs typeface="+mn-cs"/>
+        </a:defRPr>
+      </a:lvl6pPr>
+      <a:lvl7pPr marL="2743200" algn="l" defTabSz="914400" rtl="0" eaLnBrk="1" latinLnBrk="0" hangingPunct="1">
+        <a:defRPr kumimoji="1" sz="1800" kern="1200">
+          <a:solidFill>
+            <a:schemeClr val="tx1"/>
+          </a:solidFill>
+          <a:latin typeface="+mn-lt"/>
+          <a:ea typeface="+mn-ea"/>
+          <a:cs typeface="+mn-cs"/>
+        </a:defRPr>
+      </a:lvl7pPr>
+      <a:lvl8pPr marL="3200400" algn="l" defTabSz="914400" rtl="0" eaLnBrk="1" latinLnBrk="0" hangingPunct="1">
+        <a:defRPr kumimoji="1" sz="1800" kern="1200">
+          <a:solidFill>
+            <a:schemeClr val="tx1"/>
+          </a:solidFill>
+          <a:latin typeface="+mn-lt"/>
+          <a:ea typeface="+mn-ea"/>
+          <a:cs typeface="+mn-cs"/>
+        </a:defRPr>
+      </a:lvl8pPr>
+      <a:lvl9pPr marL="3657600" algn="l" defTabSz="914400" rtl="0" eaLnBrk="1" latinLnBrk="0" hangingPunct="1">
+        <a:defRPr kumimoji="1" sz="1800" kern="1200">
+          <a:solidFill>
+            <a:schemeClr val="tx1"/>
+          </a:solidFill>
+          <a:latin typeface="+mn-lt"/>
+          <a:ea typeface="+mn-ea"/>
+          <a:cs typeface="+mn-cs"/>
+        </a:defRPr>
+      </a:lvl9pPr>
+    </p:otherStyle>
+  </p:txStyles>
+  <p:extLst mod="1">
+    <p:ext uri="{27BBF7A9-308A-43DC-89C8-2F10F3537804}">
+      <p15:sldGuideLst xmlns:p15="http://schemas.microsoft.com/office/powerpoint/2012/main">
+        <p15:guide id="3" orient="horz" pos="1368">
+          <p15:clr>
+            <a:srgbClr val="F26B43"/>
+          </p15:clr>
+        </p15:guide>
+        <p15:guide id="4" orient="horz" pos="1440">
+          <p15:clr>
+            <a:srgbClr val="F26B43"/>
+          </p15:clr>
+        </p15:guide>
+        <p15:guide id="6" orient="horz" pos="3696">
+          <p15:clr>
+            <a:srgbClr val="F26B43"/>
+          </p15:clr>
+        </p15:guide>
+        <p15:guide id="7" orient="horz" pos="432">
+          <p15:clr>
+            <a:srgbClr val="F26B43"/>
+          </p15:clr>
+        </p15:guide>
+        <p15:guide id="8" orient="horz" pos="1512">
+          <p15:clr>
+            <a:srgbClr val="F26B43"/>
+          </p15:clr>
+        </p15:guide>
+        <p15:guide id="9" pos="6912">
+          <p15:clr>
+            <a:srgbClr val="F26B43"/>
+          </p15:clr>
+        </p15:guide>
+        <p15:guide id="10" pos="936">
+          <p15:clr>
+            <a:srgbClr val="F26B43"/>
+          </p15:clr>
+        </p15:guide>
+        <p15:guide id="11" pos="864">
+          <p15:clr>
+            <a:srgbClr val="F26B43"/>
+          </p15:clr>
+        </p15:guide>
+      </p15:sldGuideLst>
+    </p:ext>
+  </p:extLst>
+</p:sldMaster>
+</file>
+
 <file path=ppt/slides/slide1.xml><?xml version="1.0" encoding="utf-8"?>
 <p:sld xmlns:a="http://schemas.openxmlformats.org/drawingml/2006/main" xmlns:r="http://schemas.openxmlformats.org/officeDocument/2006/relationships" xmlns:p="http://schemas.openxmlformats.org/presentationml/2006/main">
   <p:cSld>
@@ -3792,7 +7798,13 @@
           <a:lstStyle/>
           <a:p>
             <a:r>
-              <a:rPr kumimoji="1" lang="ja-JP" altLang="en-US" dirty="0"/>
+              <a:rPr kumimoji="1" lang="ja-JP" altLang="en-US" dirty="0">
+                <a:solidFill>
+                  <a:schemeClr val="accent1">
+                    <a:lumMod val="50000"/>
+                  </a:schemeClr>
+                </a:solidFill>
+              </a:rPr>
               <a:t>概要</a:t>
             </a:r>
           </a:p>
@@ -3817,48 +7829,134 @@
         <p:spPr/>
         <p:txBody>
           <a:bodyPr>
-            <a:normAutofit/>
+            <a:normAutofit fontScale="92500" lnSpcReduction="20000"/>
           </a:bodyPr>
           <a:lstStyle/>
           <a:p>
-            <a:r>
-              <a:rPr kumimoji="1" lang="ja-JP" altLang="en-US" sz="3200" dirty="0"/>
+            <a:pPr>
+              <a:lnSpc>
+                <a:spcPct val="150000"/>
+              </a:lnSpc>
+            </a:pPr>
+            <a:r>
+              <a:rPr kumimoji="1" lang="ja-JP" altLang="en-US" sz="2600" dirty="0">
+                <a:solidFill>
+                  <a:schemeClr val="accent1">
+                    <a:lumMod val="50000"/>
+                  </a:schemeClr>
+                </a:solidFill>
+              </a:rPr>
               <a:t>今までにない目覚まし機能と</a:t>
             </a:r>
             <a:r>
-              <a:rPr kumimoji="1" lang="en-US" altLang="ja-JP" sz="3200" dirty="0"/>
+              <a:rPr kumimoji="1" lang="en-US" altLang="ja-JP" sz="2600" dirty="0">
+                <a:solidFill>
+                  <a:schemeClr val="accent1">
+                    <a:lumMod val="50000"/>
+                  </a:schemeClr>
+                </a:solidFill>
+              </a:rPr>
               <a:t>SNS</a:t>
             </a:r>
             <a:r>
-              <a:rPr kumimoji="1" lang="ja-JP" altLang="en-US" sz="3200" dirty="0"/>
+              <a:rPr kumimoji="1" lang="ja-JP" altLang="en-US" sz="2600" dirty="0">
+                <a:solidFill>
+                  <a:schemeClr val="accent1">
+                    <a:lumMod val="50000"/>
+                  </a:schemeClr>
+                </a:solidFill>
+              </a:rPr>
               <a:t>機能の連携</a:t>
             </a:r>
-            <a:endParaRPr kumimoji="1" lang="en-US" altLang="ja-JP" sz="3200" dirty="0"/>
-          </a:p>
-          <a:p>
-            <a:r>
-              <a:rPr lang="ja-JP" altLang="en-US" sz="3200" dirty="0"/>
+            <a:endParaRPr kumimoji="1" lang="en-US" altLang="ja-JP" sz="2600" dirty="0">
+              <a:solidFill>
+                <a:schemeClr val="accent1">
+                  <a:lumMod val="50000"/>
+                </a:schemeClr>
+              </a:solidFill>
+            </a:endParaRPr>
+          </a:p>
+          <a:p>
+            <a:pPr>
+              <a:lnSpc>
+                <a:spcPct val="150000"/>
+              </a:lnSpc>
+            </a:pPr>
+            <a:r>
+              <a:rPr lang="ja-JP" altLang="en-US" sz="2600" dirty="0">
+                <a:solidFill>
+                  <a:schemeClr val="accent1">
+                    <a:lumMod val="50000"/>
+                  </a:schemeClr>
+                </a:solidFill>
+              </a:rPr>
               <a:t>アラームを同時刻に設定した人同士でマッチング</a:t>
             </a:r>
-            <a:endParaRPr kumimoji="1" lang="en-US" altLang="ja-JP" sz="3200" dirty="0"/>
-          </a:p>
-          <a:p>
-            <a:r>
-              <a:rPr lang="ja-JP" altLang="en-US" sz="3200" dirty="0"/>
+            <a:endParaRPr kumimoji="1" lang="en-US" altLang="ja-JP" sz="2600" dirty="0">
+              <a:solidFill>
+                <a:schemeClr val="accent1">
+                  <a:lumMod val="50000"/>
+                </a:schemeClr>
+              </a:solidFill>
+            </a:endParaRPr>
+          </a:p>
+          <a:p>
+            <a:pPr>
+              <a:lnSpc>
+                <a:spcPct val="150000"/>
+              </a:lnSpc>
+            </a:pPr>
+            <a:r>
+              <a:rPr lang="ja-JP" altLang="en-US" sz="2600" dirty="0">
+                <a:solidFill>
+                  <a:schemeClr val="accent1">
+                    <a:lumMod val="50000"/>
+                  </a:schemeClr>
+                </a:solidFill>
+              </a:rPr>
               <a:t>グループ内で相互に起こしあうことによる連帯感、責任感により、今までのオフライン目覚まし時計よりも起きやすくなる</a:t>
             </a:r>
-            <a:endParaRPr lang="en-US" altLang="ja-JP" sz="3200" dirty="0"/>
-          </a:p>
-          <a:p>
-            <a:r>
-              <a:rPr kumimoji="1" lang="ja-JP" altLang="en-US" sz="3200" dirty="0"/>
+            <a:endParaRPr lang="en-US" altLang="ja-JP" sz="2600" dirty="0">
+              <a:solidFill>
+                <a:schemeClr val="accent1">
+                  <a:lumMod val="50000"/>
+                </a:schemeClr>
+              </a:solidFill>
+            </a:endParaRPr>
+          </a:p>
+          <a:p>
+            <a:pPr>
+              <a:lnSpc>
+                <a:spcPct val="150000"/>
+              </a:lnSpc>
+            </a:pPr>
+            <a:r>
+              <a:rPr kumimoji="1" lang="ja-JP" altLang="en-US" sz="2600" dirty="0">
+                <a:solidFill>
+                  <a:schemeClr val="accent1">
+                    <a:lumMod val="50000"/>
+                  </a:schemeClr>
+                </a:solidFill>
+              </a:rPr>
               <a:t>起床成功回数のランキングを表示することによるゲーム性で、競争心を</a:t>
             </a:r>
             <a:r>
-              <a:rPr lang="ja-JP" altLang="en-US" sz="3200" dirty="0"/>
+              <a:rPr lang="ja-JP" altLang="en-US" sz="2600" dirty="0">
+                <a:solidFill>
+                  <a:schemeClr val="accent1">
+                    <a:lumMod val="50000"/>
+                  </a:schemeClr>
+                </a:solidFill>
+              </a:rPr>
               <a:t>煽る</a:t>
             </a:r>
-            <a:endParaRPr kumimoji="1" lang="en-US" altLang="ja-JP" sz="3200" dirty="0"/>
+            <a:endParaRPr kumimoji="1" lang="en-US" altLang="ja-JP" sz="2600" dirty="0">
+              <a:solidFill>
+                <a:schemeClr val="accent1">
+                  <a:lumMod val="50000"/>
+                </a:schemeClr>
+              </a:solidFill>
+            </a:endParaRPr>
           </a:p>
         </p:txBody>
       </p:sp>
@@ -4032,7 +8130,13 @@
           <a:lstStyle/>
           <a:p>
             <a:r>
-              <a:rPr kumimoji="1" lang="ja-JP" altLang="en-US" dirty="0"/>
+              <a:rPr kumimoji="1" lang="ja-JP" altLang="en-US" dirty="0">
+                <a:solidFill>
+                  <a:schemeClr val="accent1">
+                    <a:lumMod val="50000"/>
+                  </a:schemeClr>
+                </a:solidFill>
+              </a:rPr>
               <a:t>アカウント設定画面</a:t>
             </a:r>
           </a:p>
@@ -4075,51 +8179,269 @@
       </p:pic>
       <p:sp>
         <p:nvSpPr>
-          <p:cNvPr id="6" name="テキスト ボックス 5">
+          <p:cNvPr id="7" name="コンテンツ プレースホルダー 2">
             <a:extLst>
               <a:ext uri="{FF2B5EF4-FFF2-40B4-BE49-F238E27FC236}">
-                <a16:creationId xmlns:a16="http://schemas.microsoft.com/office/drawing/2014/main" id="{DD7F5E8D-17BE-434F-95B7-B289B7FA7923}"/>
+                <a16:creationId xmlns:a16="http://schemas.microsoft.com/office/drawing/2014/main" id="{01DE4BFF-70A2-403E-ADD8-C8ACE846400F}"/>
               </a:ext>
             </a:extLst>
           </p:cNvPr>
-          <p:cNvSpPr txBox="1"/>
+          <p:cNvSpPr txBox="1">
+            <a:spLocks/>
+          </p:cNvSpPr>
           <p:nvPr/>
         </p:nvSpPr>
         <p:spPr>
           <a:xfrm>
-            <a:off x="845127" y="1791091"/>
-            <a:ext cx="5722070" cy="954107"/>
+            <a:off x="845127" y="1879200"/>
+            <a:ext cx="4861610" cy="1514534"/>
           </a:xfrm>
           <a:prstGeom prst="rect">
             <a:avLst/>
           </a:prstGeom>
-          <a:noFill/>
         </p:spPr>
         <p:txBody>
-          <a:bodyPr wrap="square" rtlCol="0">
-            <a:spAutoFit/>
+          <a:bodyPr vert="horz" lIns="91440" tIns="45720" rIns="91440" bIns="45720" rtlCol="0">
+            <a:normAutofit/>
           </a:bodyPr>
-          <a:lstStyle/>
-          <a:p>
-            <a:pPr marL="285750" indent="-285750">
-              <a:buFont typeface="Arial" panose="020B0604020202020204" pitchFamily="34" charset="0"/>
-              <a:buChar char="•"/>
+          <a:lstStyle>
+            <a:lvl1pPr marL="384048" indent="-384048" algn="l" defTabSz="914400" rtl="0" eaLnBrk="1" latinLnBrk="0" hangingPunct="1">
+              <a:lnSpc>
+                <a:spcPct val="94000"/>
+              </a:lnSpc>
+              <a:spcBef>
+                <a:spcPts val="1000"/>
+              </a:spcBef>
+              <a:spcAft>
+                <a:spcPts val="200"/>
+              </a:spcAft>
+              <a:buFont typeface="Franklin Gothic Book" panose="020B0503020102020204" pitchFamily="34" charset="0"/>
+              <a:buChar char="■"/>
+              <a:defRPr kumimoji="1" sz="2000" kern="1200" baseline="0">
+                <a:solidFill>
+                  <a:schemeClr val="tx2"/>
+                </a:solidFill>
+                <a:latin typeface="+mn-lt"/>
+                <a:ea typeface="+mn-ea"/>
+                <a:cs typeface="+mn-cs"/>
+              </a:defRPr>
+            </a:lvl1pPr>
+            <a:lvl2pPr marL="914400" indent="-384048" algn="l" defTabSz="914400" rtl="0" eaLnBrk="1" latinLnBrk="0" hangingPunct="1">
+              <a:lnSpc>
+                <a:spcPct val="94000"/>
+              </a:lnSpc>
+              <a:spcBef>
+                <a:spcPts val="500"/>
+              </a:spcBef>
+              <a:spcAft>
+                <a:spcPts val="200"/>
+              </a:spcAft>
+              <a:buFont typeface="Franklin Gothic Book" panose="020B0503020102020204" pitchFamily="34" charset="0"/>
+              <a:buChar char="–"/>
+              <a:defRPr kumimoji="1" sz="2000" i="1" kern="1200" baseline="0">
+                <a:solidFill>
+                  <a:schemeClr val="tx2"/>
+                </a:solidFill>
+                <a:latin typeface="+mn-lt"/>
+                <a:ea typeface="+mn-ea"/>
+                <a:cs typeface="+mn-cs"/>
+              </a:defRPr>
+            </a:lvl2pPr>
+            <a:lvl3pPr marL="1371600" indent="-384048" algn="l" defTabSz="914400" rtl="0" eaLnBrk="1" latinLnBrk="0" hangingPunct="1">
+              <a:lnSpc>
+                <a:spcPct val="94000"/>
+              </a:lnSpc>
+              <a:spcBef>
+                <a:spcPts val="500"/>
+              </a:spcBef>
+              <a:spcAft>
+                <a:spcPts val="200"/>
+              </a:spcAft>
+              <a:buFont typeface="Franklin Gothic Book" panose="020B0503020102020204" pitchFamily="34" charset="0"/>
+              <a:buChar char="■"/>
+              <a:defRPr kumimoji="1" sz="1800" kern="1200" baseline="0">
+                <a:solidFill>
+                  <a:schemeClr val="tx2"/>
+                </a:solidFill>
+                <a:latin typeface="+mn-lt"/>
+                <a:ea typeface="+mn-ea"/>
+                <a:cs typeface="+mn-cs"/>
+              </a:defRPr>
+            </a:lvl3pPr>
+            <a:lvl4pPr marL="1828800" indent="-384048" algn="l" defTabSz="914400" rtl="0" eaLnBrk="1" latinLnBrk="0" hangingPunct="1">
+              <a:lnSpc>
+                <a:spcPct val="94000"/>
+              </a:lnSpc>
+              <a:spcBef>
+                <a:spcPts val="500"/>
+              </a:spcBef>
+              <a:spcAft>
+                <a:spcPts val="200"/>
+              </a:spcAft>
+              <a:buFont typeface="Franklin Gothic Book" panose="020B0503020102020204" pitchFamily="34" charset="0"/>
+              <a:buChar char="–"/>
+              <a:defRPr kumimoji="1" sz="1800" i="1" kern="1200" baseline="0">
+                <a:solidFill>
+                  <a:schemeClr val="tx2"/>
+                </a:solidFill>
+                <a:latin typeface="+mn-lt"/>
+                <a:ea typeface="+mn-ea"/>
+                <a:cs typeface="+mn-cs"/>
+              </a:defRPr>
+            </a:lvl4pPr>
+            <a:lvl5pPr marL="2286000" indent="-384048" algn="l" defTabSz="914400" rtl="0" eaLnBrk="1" latinLnBrk="0" hangingPunct="1">
+              <a:lnSpc>
+                <a:spcPct val="94000"/>
+              </a:lnSpc>
+              <a:spcBef>
+                <a:spcPts val="500"/>
+              </a:spcBef>
+              <a:spcAft>
+                <a:spcPts val="200"/>
+              </a:spcAft>
+              <a:buFont typeface="Franklin Gothic Book" panose="020B0503020102020204" pitchFamily="34" charset="0"/>
+              <a:buChar char="■"/>
+              <a:defRPr kumimoji="1" sz="1600" kern="1200" baseline="0">
+                <a:solidFill>
+                  <a:schemeClr val="tx2"/>
+                </a:solidFill>
+                <a:latin typeface="+mn-lt"/>
+                <a:ea typeface="+mn-ea"/>
+                <a:cs typeface="+mn-cs"/>
+              </a:defRPr>
+            </a:lvl5pPr>
+            <a:lvl6pPr marL="2743200" indent="-384048" algn="l" defTabSz="914400" rtl="0" eaLnBrk="1" latinLnBrk="0" hangingPunct="1">
+              <a:lnSpc>
+                <a:spcPct val="94000"/>
+              </a:lnSpc>
+              <a:spcBef>
+                <a:spcPts val="500"/>
+              </a:spcBef>
+              <a:spcAft>
+                <a:spcPts val="200"/>
+              </a:spcAft>
+              <a:buFont typeface="Franklin Gothic Book" panose="020B0503020102020204" pitchFamily="34" charset="0"/>
+              <a:buChar char="–"/>
+              <a:defRPr kumimoji="1" sz="1600" i="1" kern="1200" baseline="0">
+                <a:solidFill>
+                  <a:schemeClr val="tx2"/>
+                </a:solidFill>
+                <a:latin typeface="+mn-lt"/>
+                <a:ea typeface="+mn-ea"/>
+                <a:cs typeface="+mn-cs"/>
+              </a:defRPr>
+            </a:lvl6pPr>
+            <a:lvl7pPr marL="3200400" indent="-384048" algn="l" defTabSz="914400" rtl="0" eaLnBrk="1" latinLnBrk="0" hangingPunct="1">
+              <a:lnSpc>
+                <a:spcPct val="94000"/>
+              </a:lnSpc>
+              <a:spcBef>
+                <a:spcPts val="500"/>
+              </a:spcBef>
+              <a:spcAft>
+                <a:spcPts val="200"/>
+              </a:spcAft>
+              <a:buFont typeface="Franklin Gothic Book" panose="020B0503020102020204" pitchFamily="34" charset="0"/>
+              <a:buChar char="■"/>
+              <a:defRPr kumimoji="1" sz="1400" kern="1200" baseline="0">
+                <a:solidFill>
+                  <a:schemeClr val="tx2"/>
+                </a:solidFill>
+                <a:latin typeface="+mn-lt"/>
+                <a:ea typeface="+mn-ea"/>
+                <a:cs typeface="+mn-cs"/>
+              </a:defRPr>
+            </a:lvl7pPr>
+            <a:lvl8pPr marL="3657600" indent="-384048" algn="l" defTabSz="914400" rtl="0" eaLnBrk="1" latinLnBrk="0" hangingPunct="1">
+              <a:lnSpc>
+                <a:spcPct val="94000"/>
+              </a:lnSpc>
+              <a:spcBef>
+                <a:spcPts val="500"/>
+              </a:spcBef>
+              <a:spcAft>
+                <a:spcPts val="200"/>
+              </a:spcAft>
+              <a:buFont typeface="Franklin Gothic Book" panose="020B0503020102020204" pitchFamily="34" charset="0"/>
+              <a:buChar char="–"/>
+              <a:defRPr kumimoji="1" sz="1400" i="1" kern="1200" baseline="0">
+                <a:solidFill>
+                  <a:schemeClr val="tx2"/>
+                </a:solidFill>
+                <a:latin typeface="+mn-lt"/>
+                <a:ea typeface="+mn-ea"/>
+                <a:cs typeface="+mn-cs"/>
+              </a:defRPr>
+            </a:lvl8pPr>
+            <a:lvl9pPr marL="4114800" indent="-384048" algn="l" defTabSz="914400" rtl="0" eaLnBrk="1" latinLnBrk="0" hangingPunct="1">
+              <a:lnSpc>
+                <a:spcPct val="94000"/>
+              </a:lnSpc>
+              <a:spcBef>
+                <a:spcPts val="500"/>
+              </a:spcBef>
+              <a:spcAft>
+                <a:spcPts val="200"/>
+              </a:spcAft>
+              <a:buFont typeface="Franklin Gothic Book" panose="020B0503020102020204" pitchFamily="34" charset="0"/>
+              <a:buChar char="■"/>
+              <a:defRPr kumimoji="1" sz="1400" kern="1200" baseline="0">
+                <a:solidFill>
+                  <a:schemeClr val="tx2"/>
+                </a:solidFill>
+                <a:latin typeface="+mn-lt"/>
+                <a:ea typeface="+mn-ea"/>
+                <a:cs typeface="+mn-cs"/>
+              </a:defRPr>
+            </a:lvl9pPr>
+          </a:lstStyle>
+          <a:p>
+            <a:pPr>
+              <a:lnSpc>
+                <a:spcPct val="150000"/>
+              </a:lnSpc>
             </a:pPr>
             <a:r>
-              <a:rPr kumimoji="1" lang="ja-JP" altLang="en-US" sz="2800" dirty="0"/>
-              <a:t>アイコンの設定</a:t>
-            </a:r>
-            <a:endParaRPr kumimoji="1" lang="en-US" altLang="ja-JP" sz="2800" dirty="0"/>
-          </a:p>
-          <a:p>
-            <a:pPr marL="285750" indent="-285750">
-              <a:buFont typeface="Arial" panose="020B0604020202020204" pitchFamily="34" charset="0"/>
-              <a:buChar char="•"/>
+              <a:rPr lang="ja-JP" altLang="en-US" sz="2600" dirty="0">
+                <a:solidFill>
+                  <a:schemeClr val="accent1">
+                    <a:lumMod val="50000"/>
+                  </a:schemeClr>
+                </a:solidFill>
+              </a:rPr>
+              <a:t>アイコン設定</a:t>
+            </a:r>
+            <a:endParaRPr lang="en-US" altLang="ja-JP" sz="2600" dirty="0">
+              <a:solidFill>
+                <a:schemeClr val="accent1">
+                  <a:lumMod val="50000"/>
+                </a:schemeClr>
+              </a:solidFill>
+            </a:endParaRPr>
+          </a:p>
+          <a:p>
+            <a:pPr>
+              <a:lnSpc>
+                <a:spcPct val="150000"/>
+              </a:lnSpc>
             </a:pPr>
             <a:r>
-              <a:rPr kumimoji="1" lang="ja-JP" altLang="en-US" sz="2800" dirty="0"/>
-              <a:t>ニックネームの設定</a:t>
-            </a:r>
+              <a:rPr lang="ja-JP" altLang="en-US" sz="2600" dirty="0">
+                <a:solidFill>
+                  <a:schemeClr val="accent1">
+                    <a:lumMod val="50000"/>
+                  </a:schemeClr>
+                </a:solidFill>
+              </a:rPr>
+              <a:t>ニックネーム設定</a:t>
+            </a:r>
+            <a:endParaRPr lang="en-US" altLang="ja-JP" sz="2600" dirty="0">
+              <a:solidFill>
+                <a:schemeClr val="accent1">
+                  <a:lumMod val="50000"/>
+                </a:schemeClr>
+              </a:solidFill>
+            </a:endParaRPr>
           </a:p>
         </p:txBody>
       </p:sp>
@@ -4158,7 +8480,7 @@
           <p:cNvPr id="2" name="タイトル 1">
             <a:extLst>
               <a:ext uri="{FF2B5EF4-FFF2-40B4-BE49-F238E27FC236}">
-                <a16:creationId xmlns:a16="http://schemas.microsoft.com/office/drawing/2014/main" id="{1A5D16F9-0246-40C8-B3C9-9928F862603A}"/>
+                <a16:creationId xmlns:a16="http://schemas.microsoft.com/office/drawing/2014/main" id="{350C3D2E-F153-4B23-8A30-1F3CEE6D351D}"/>
               </a:ext>
             </a:extLst>
           </p:cNvPr>
@@ -4171,8 +8493,8 @@
         </p:nvSpPr>
         <p:spPr>
           <a:xfrm>
-            <a:off x="845127" y="141402"/>
-            <a:ext cx="5037199" cy="1206631"/>
+            <a:off x="845127" y="365760"/>
+            <a:ext cx="6168415" cy="840872"/>
           </a:xfrm>
         </p:spPr>
         <p:txBody>
@@ -4180,101 +8502,320 @@
           <a:lstStyle/>
           <a:p>
             <a:r>
-              <a:rPr kumimoji="1" lang="ja-JP" altLang="en-US" dirty="0"/>
+              <a:rPr kumimoji="1" lang="ja-JP" altLang="en-US" dirty="0">
+                <a:solidFill>
+                  <a:schemeClr val="accent1">
+                    <a:lumMod val="50000"/>
+                  </a:schemeClr>
+                </a:solidFill>
+              </a:rPr>
               <a:t>アラーム設定画面</a:t>
             </a:r>
+          </a:p>
+        </p:txBody>
+      </p:sp>
+      <p:sp>
+        <p:nvSpPr>
+          <p:cNvPr id="7" name="コンテンツ プレースホルダー 2">
+            <a:extLst>
+              <a:ext uri="{FF2B5EF4-FFF2-40B4-BE49-F238E27FC236}">
+                <a16:creationId xmlns:a16="http://schemas.microsoft.com/office/drawing/2014/main" id="{01DE4BFF-70A2-403E-ADD8-C8ACE846400F}"/>
+              </a:ext>
+            </a:extLst>
+          </p:cNvPr>
+          <p:cNvSpPr txBox="1">
+            <a:spLocks/>
+          </p:cNvSpPr>
+          <p:nvPr/>
+        </p:nvSpPr>
+        <p:spPr>
+          <a:xfrm>
+            <a:off x="845126" y="1879200"/>
+            <a:ext cx="5467539" cy="1514534"/>
+          </a:xfrm>
+          <a:prstGeom prst="rect">
+            <a:avLst/>
+          </a:prstGeom>
+        </p:spPr>
+        <p:txBody>
+          <a:bodyPr vert="horz" lIns="91440" tIns="45720" rIns="91440" bIns="45720" rtlCol="0">
+            <a:normAutofit/>
+          </a:bodyPr>
+          <a:lstStyle>
+            <a:lvl1pPr marL="384048" indent="-384048" algn="l" defTabSz="914400" rtl="0" eaLnBrk="1" latinLnBrk="0" hangingPunct="1">
+              <a:lnSpc>
+                <a:spcPct val="94000"/>
+              </a:lnSpc>
+              <a:spcBef>
+                <a:spcPts val="1000"/>
+              </a:spcBef>
+              <a:spcAft>
+                <a:spcPts val="200"/>
+              </a:spcAft>
+              <a:buFont typeface="Franklin Gothic Book" panose="020B0503020102020204" pitchFamily="34" charset="0"/>
+              <a:buChar char="■"/>
+              <a:defRPr kumimoji="1" sz="2000" kern="1200" baseline="0">
+                <a:solidFill>
+                  <a:schemeClr val="tx2"/>
+                </a:solidFill>
+                <a:latin typeface="+mn-lt"/>
+                <a:ea typeface="+mn-ea"/>
+                <a:cs typeface="+mn-cs"/>
+              </a:defRPr>
+            </a:lvl1pPr>
+            <a:lvl2pPr marL="914400" indent="-384048" algn="l" defTabSz="914400" rtl="0" eaLnBrk="1" latinLnBrk="0" hangingPunct="1">
+              <a:lnSpc>
+                <a:spcPct val="94000"/>
+              </a:lnSpc>
+              <a:spcBef>
+                <a:spcPts val="500"/>
+              </a:spcBef>
+              <a:spcAft>
+                <a:spcPts val="200"/>
+              </a:spcAft>
+              <a:buFont typeface="Franklin Gothic Book" panose="020B0503020102020204" pitchFamily="34" charset="0"/>
+              <a:buChar char="–"/>
+              <a:defRPr kumimoji="1" sz="2000" i="1" kern="1200" baseline="0">
+                <a:solidFill>
+                  <a:schemeClr val="tx2"/>
+                </a:solidFill>
+                <a:latin typeface="+mn-lt"/>
+                <a:ea typeface="+mn-ea"/>
+                <a:cs typeface="+mn-cs"/>
+              </a:defRPr>
+            </a:lvl2pPr>
+            <a:lvl3pPr marL="1371600" indent="-384048" algn="l" defTabSz="914400" rtl="0" eaLnBrk="1" latinLnBrk="0" hangingPunct="1">
+              <a:lnSpc>
+                <a:spcPct val="94000"/>
+              </a:lnSpc>
+              <a:spcBef>
+                <a:spcPts val="500"/>
+              </a:spcBef>
+              <a:spcAft>
+                <a:spcPts val="200"/>
+              </a:spcAft>
+              <a:buFont typeface="Franklin Gothic Book" panose="020B0503020102020204" pitchFamily="34" charset="0"/>
+              <a:buChar char="■"/>
+              <a:defRPr kumimoji="1" sz="1800" kern="1200" baseline="0">
+                <a:solidFill>
+                  <a:schemeClr val="tx2"/>
+                </a:solidFill>
+                <a:latin typeface="+mn-lt"/>
+                <a:ea typeface="+mn-ea"/>
+                <a:cs typeface="+mn-cs"/>
+              </a:defRPr>
+            </a:lvl3pPr>
+            <a:lvl4pPr marL="1828800" indent="-384048" algn="l" defTabSz="914400" rtl="0" eaLnBrk="1" latinLnBrk="0" hangingPunct="1">
+              <a:lnSpc>
+                <a:spcPct val="94000"/>
+              </a:lnSpc>
+              <a:spcBef>
+                <a:spcPts val="500"/>
+              </a:spcBef>
+              <a:spcAft>
+                <a:spcPts val="200"/>
+              </a:spcAft>
+              <a:buFont typeface="Franklin Gothic Book" panose="020B0503020102020204" pitchFamily="34" charset="0"/>
+              <a:buChar char="–"/>
+              <a:defRPr kumimoji="1" sz="1800" i="1" kern="1200" baseline="0">
+                <a:solidFill>
+                  <a:schemeClr val="tx2"/>
+                </a:solidFill>
+                <a:latin typeface="+mn-lt"/>
+                <a:ea typeface="+mn-ea"/>
+                <a:cs typeface="+mn-cs"/>
+              </a:defRPr>
+            </a:lvl4pPr>
+            <a:lvl5pPr marL="2286000" indent="-384048" algn="l" defTabSz="914400" rtl="0" eaLnBrk="1" latinLnBrk="0" hangingPunct="1">
+              <a:lnSpc>
+                <a:spcPct val="94000"/>
+              </a:lnSpc>
+              <a:spcBef>
+                <a:spcPts val="500"/>
+              </a:spcBef>
+              <a:spcAft>
+                <a:spcPts val="200"/>
+              </a:spcAft>
+              <a:buFont typeface="Franklin Gothic Book" panose="020B0503020102020204" pitchFamily="34" charset="0"/>
+              <a:buChar char="■"/>
+              <a:defRPr kumimoji="1" sz="1600" kern="1200" baseline="0">
+                <a:solidFill>
+                  <a:schemeClr val="tx2"/>
+                </a:solidFill>
+                <a:latin typeface="+mn-lt"/>
+                <a:ea typeface="+mn-ea"/>
+                <a:cs typeface="+mn-cs"/>
+              </a:defRPr>
+            </a:lvl5pPr>
+            <a:lvl6pPr marL="2743200" indent="-384048" algn="l" defTabSz="914400" rtl="0" eaLnBrk="1" latinLnBrk="0" hangingPunct="1">
+              <a:lnSpc>
+                <a:spcPct val="94000"/>
+              </a:lnSpc>
+              <a:spcBef>
+                <a:spcPts val="500"/>
+              </a:spcBef>
+              <a:spcAft>
+                <a:spcPts val="200"/>
+              </a:spcAft>
+              <a:buFont typeface="Franklin Gothic Book" panose="020B0503020102020204" pitchFamily="34" charset="0"/>
+              <a:buChar char="–"/>
+              <a:defRPr kumimoji="1" sz="1600" i="1" kern="1200" baseline="0">
+                <a:solidFill>
+                  <a:schemeClr val="tx2"/>
+                </a:solidFill>
+                <a:latin typeface="+mn-lt"/>
+                <a:ea typeface="+mn-ea"/>
+                <a:cs typeface="+mn-cs"/>
+              </a:defRPr>
+            </a:lvl6pPr>
+            <a:lvl7pPr marL="3200400" indent="-384048" algn="l" defTabSz="914400" rtl="0" eaLnBrk="1" latinLnBrk="0" hangingPunct="1">
+              <a:lnSpc>
+                <a:spcPct val="94000"/>
+              </a:lnSpc>
+              <a:spcBef>
+                <a:spcPts val="500"/>
+              </a:spcBef>
+              <a:spcAft>
+                <a:spcPts val="200"/>
+              </a:spcAft>
+              <a:buFont typeface="Franklin Gothic Book" panose="020B0503020102020204" pitchFamily="34" charset="0"/>
+              <a:buChar char="■"/>
+              <a:defRPr kumimoji="1" sz="1400" kern="1200" baseline="0">
+                <a:solidFill>
+                  <a:schemeClr val="tx2"/>
+                </a:solidFill>
+                <a:latin typeface="+mn-lt"/>
+                <a:ea typeface="+mn-ea"/>
+                <a:cs typeface="+mn-cs"/>
+              </a:defRPr>
+            </a:lvl7pPr>
+            <a:lvl8pPr marL="3657600" indent="-384048" algn="l" defTabSz="914400" rtl="0" eaLnBrk="1" latinLnBrk="0" hangingPunct="1">
+              <a:lnSpc>
+                <a:spcPct val="94000"/>
+              </a:lnSpc>
+              <a:spcBef>
+                <a:spcPts val="500"/>
+              </a:spcBef>
+              <a:spcAft>
+                <a:spcPts val="200"/>
+              </a:spcAft>
+              <a:buFont typeface="Franklin Gothic Book" panose="020B0503020102020204" pitchFamily="34" charset="0"/>
+              <a:buChar char="–"/>
+              <a:defRPr kumimoji="1" sz="1400" i="1" kern="1200" baseline="0">
+                <a:solidFill>
+                  <a:schemeClr val="tx2"/>
+                </a:solidFill>
+                <a:latin typeface="+mn-lt"/>
+                <a:ea typeface="+mn-ea"/>
+                <a:cs typeface="+mn-cs"/>
+              </a:defRPr>
+            </a:lvl8pPr>
+            <a:lvl9pPr marL="4114800" indent="-384048" algn="l" defTabSz="914400" rtl="0" eaLnBrk="1" latinLnBrk="0" hangingPunct="1">
+              <a:lnSpc>
+                <a:spcPct val="94000"/>
+              </a:lnSpc>
+              <a:spcBef>
+                <a:spcPts val="500"/>
+              </a:spcBef>
+              <a:spcAft>
+                <a:spcPts val="200"/>
+              </a:spcAft>
+              <a:buFont typeface="Franklin Gothic Book" panose="020B0503020102020204" pitchFamily="34" charset="0"/>
+              <a:buChar char="■"/>
+              <a:defRPr kumimoji="1" sz="1400" kern="1200" baseline="0">
+                <a:solidFill>
+                  <a:schemeClr val="tx2"/>
+                </a:solidFill>
+                <a:latin typeface="+mn-lt"/>
+                <a:ea typeface="+mn-ea"/>
+                <a:cs typeface="+mn-cs"/>
+              </a:defRPr>
+            </a:lvl9pPr>
+          </a:lstStyle>
+          <a:p>
+            <a:pPr>
+              <a:lnSpc>
+                <a:spcPct val="150000"/>
+              </a:lnSpc>
+            </a:pPr>
+            <a:r>
+              <a:rPr lang="ja-JP" altLang="en-US" sz="2600" dirty="0">
+                <a:solidFill>
+                  <a:schemeClr val="accent1">
+                    <a:lumMod val="50000"/>
+                  </a:schemeClr>
+                </a:solidFill>
+              </a:rPr>
+              <a:t>曜日ごとに起床時間設定</a:t>
+            </a:r>
+            <a:endParaRPr lang="en-US" altLang="ja-JP" sz="2600" dirty="0">
+              <a:solidFill>
+                <a:schemeClr val="accent1">
+                  <a:lumMod val="50000"/>
+                </a:schemeClr>
+              </a:solidFill>
+            </a:endParaRPr>
+          </a:p>
+          <a:p>
+            <a:pPr>
+              <a:lnSpc>
+                <a:spcPct val="150000"/>
+              </a:lnSpc>
+            </a:pPr>
+            <a:r>
+              <a:rPr lang="ja-JP" altLang="en-US" sz="2600" dirty="0">
+                <a:solidFill>
+                  <a:schemeClr val="accent1">
+                    <a:lumMod val="50000"/>
+                  </a:schemeClr>
+                </a:solidFill>
+              </a:rPr>
+              <a:t>タイマーのオン・オフ設定</a:t>
+            </a:r>
+            <a:endParaRPr lang="en-US" altLang="ja-JP" sz="2600" dirty="0">
+              <a:solidFill>
+                <a:schemeClr val="accent1">
+                  <a:lumMod val="50000"/>
+                </a:schemeClr>
+              </a:solidFill>
+            </a:endParaRPr>
           </a:p>
         </p:txBody>
       </p:sp>
       <p:pic>
         <p:nvPicPr>
-          <p:cNvPr id="5" name="コンテンツ プレースホルダー 4">
+          <p:cNvPr id="6" name="図 5">
             <a:extLst>
               <a:ext uri="{FF2B5EF4-FFF2-40B4-BE49-F238E27FC236}">
-                <a16:creationId xmlns:a16="http://schemas.microsoft.com/office/drawing/2014/main" id="{7931BE45-AFDA-41C8-96B1-C9629F56D556}"/>
+                <a16:creationId xmlns:a16="http://schemas.microsoft.com/office/drawing/2014/main" id="{AB67B49B-C2D6-4A32-B206-A66FD31950E6}"/>
               </a:ext>
             </a:extLst>
           </p:cNvPr>
           <p:cNvPicPr>
-            <a:picLocks noGrp="1" noChangeAspect="1"/>
+            <a:picLocks noChangeAspect="1"/>
           </p:cNvPicPr>
-          <p:nvPr>
-            <p:ph idx="1"/>
-          </p:nvPr>
+          <p:nvPr/>
         </p:nvPicPr>
         <p:blipFill>
-          <a:blip r:embed="rId2">
-            <a:extLst>
-              <a:ext uri="{28A0092B-C50C-407E-A947-70E740481C1C}">
-                <a14:useLocalDpi xmlns:a14="http://schemas.microsoft.com/office/drawing/2010/main" val="0"/>
-              </a:ext>
-            </a:extLst>
-          </a:blip>
+          <a:blip r:embed="rId2"/>
           <a:stretch>
             <a:fillRect/>
           </a:stretch>
         </p:blipFill>
         <p:spPr>
           <a:xfrm>
-            <a:off x="8003358" y="20593"/>
-            <a:ext cx="4061650" cy="6837408"/>
-          </a:xfrm>
-        </p:spPr>
-      </p:pic>
-      <p:sp>
-        <p:nvSpPr>
-          <p:cNvPr id="6" name="テキスト ボックス 5">
-            <a:extLst>
-              <a:ext uri="{FF2B5EF4-FFF2-40B4-BE49-F238E27FC236}">
-                <a16:creationId xmlns:a16="http://schemas.microsoft.com/office/drawing/2014/main" id="{8965D96B-881F-44E4-B154-939248E425B6}"/>
-              </a:ext>
-            </a:extLst>
-          </p:cNvPr>
-          <p:cNvSpPr txBox="1"/>
-          <p:nvPr/>
-        </p:nvSpPr>
-        <p:spPr>
-          <a:xfrm>
-            <a:off x="845127" y="1687398"/>
-            <a:ext cx="4650700" cy="954107"/>
+            <a:off x="8131712" y="0"/>
+            <a:ext cx="4060288" cy="6840305"/>
           </a:xfrm>
           <a:prstGeom prst="rect">
             <a:avLst/>
           </a:prstGeom>
-          <a:noFill/>
         </p:spPr>
-        <p:txBody>
-          <a:bodyPr wrap="square" rtlCol="0">
-            <a:spAutoFit/>
-          </a:bodyPr>
-          <a:lstStyle/>
-          <a:p>
-            <a:pPr marL="342900" indent="-342900">
-              <a:buFont typeface="Arial" panose="020B0604020202020204" pitchFamily="34" charset="0"/>
-              <a:buChar char="•"/>
-            </a:pPr>
-            <a:r>
-              <a:rPr kumimoji="1" lang="ja-JP" altLang="en-US" sz="2800" dirty="0"/>
-              <a:t>曜日ごとに起床時間を設定</a:t>
-            </a:r>
-            <a:endParaRPr kumimoji="1" lang="en-US" altLang="ja-JP" sz="2800" dirty="0"/>
-          </a:p>
-          <a:p>
-            <a:pPr marL="342900" indent="-342900">
-              <a:buFont typeface="Arial" panose="020B0604020202020204" pitchFamily="34" charset="0"/>
-              <a:buChar char="•"/>
-            </a:pPr>
-            <a:r>
-              <a:rPr kumimoji="1" lang="ja-JP" altLang="en-US" sz="2800" dirty="0"/>
-              <a:t>曜日ごとにオンオフを設定</a:t>
-            </a:r>
-          </a:p>
-        </p:txBody>
-      </p:sp>
+      </p:pic>
     </p:spTree>
     <p:extLst>
       <p:ext uri="{BB962C8B-B14F-4D97-AF65-F5344CB8AC3E}">
-        <p14:creationId xmlns:p14="http://schemas.microsoft.com/office/powerpoint/2010/main" val="3759295583"/>
+        <p14:creationId xmlns:p14="http://schemas.microsoft.com/office/powerpoint/2010/main" val="569881529"/>
       </p:ext>
     </p:extLst>
   </p:cSld>
@@ -4306,7 +8847,7 @@
           <p:cNvPr id="2" name="タイトル 1">
             <a:extLst>
               <a:ext uri="{FF2B5EF4-FFF2-40B4-BE49-F238E27FC236}">
-                <a16:creationId xmlns:a16="http://schemas.microsoft.com/office/drawing/2014/main" id="{4980D573-A5C2-4E25-9E4E-45327D3C30BC}"/>
+                <a16:creationId xmlns:a16="http://schemas.microsoft.com/office/drawing/2014/main" id="{350C3D2E-F153-4B23-8A30-1F3CEE6D351D}"/>
               </a:ext>
             </a:extLst>
           </p:cNvPr>
@@ -4320,7 +8861,7 @@
         <p:spPr>
           <a:xfrm>
             <a:off x="845127" y="365760"/>
-            <a:ext cx="5250873" cy="756030"/>
+            <a:ext cx="6168415" cy="840872"/>
           </a:xfrm>
         </p:spPr>
         <p:txBody>
@@ -4328,109 +8869,340 @@
           <a:lstStyle/>
           <a:p>
             <a:r>
-              <a:rPr kumimoji="1" lang="ja-JP" altLang="en-US" dirty="0"/>
+              <a:rPr kumimoji="1" lang="ja-JP" altLang="en-US" dirty="0">
+                <a:solidFill>
+                  <a:schemeClr val="accent1">
+                    <a:lumMod val="50000"/>
+                  </a:schemeClr>
+                </a:solidFill>
+              </a:rPr>
               <a:t>マッチング画面</a:t>
             </a:r>
+          </a:p>
+        </p:txBody>
+      </p:sp>
+      <p:sp>
+        <p:nvSpPr>
+          <p:cNvPr id="7" name="コンテンツ プレースホルダー 2">
+            <a:extLst>
+              <a:ext uri="{FF2B5EF4-FFF2-40B4-BE49-F238E27FC236}">
+                <a16:creationId xmlns:a16="http://schemas.microsoft.com/office/drawing/2014/main" id="{01DE4BFF-70A2-403E-ADD8-C8ACE846400F}"/>
+              </a:ext>
+            </a:extLst>
+          </p:cNvPr>
+          <p:cNvSpPr txBox="1">
+            <a:spLocks/>
+          </p:cNvSpPr>
+          <p:nvPr/>
+        </p:nvSpPr>
+        <p:spPr>
+          <a:xfrm>
+            <a:off x="845126" y="1879200"/>
+            <a:ext cx="5467539" cy="3199576"/>
+          </a:xfrm>
+          <a:prstGeom prst="rect">
+            <a:avLst/>
+          </a:prstGeom>
+        </p:spPr>
+        <p:txBody>
+          <a:bodyPr vert="horz" lIns="91440" tIns="45720" rIns="91440" bIns="45720" rtlCol="0">
+            <a:normAutofit/>
+          </a:bodyPr>
+          <a:lstStyle>
+            <a:lvl1pPr marL="384048" indent="-384048" algn="l" defTabSz="914400" rtl="0" eaLnBrk="1" latinLnBrk="0" hangingPunct="1">
+              <a:lnSpc>
+                <a:spcPct val="94000"/>
+              </a:lnSpc>
+              <a:spcBef>
+                <a:spcPts val="1000"/>
+              </a:spcBef>
+              <a:spcAft>
+                <a:spcPts val="200"/>
+              </a:spcAft>
+              <a:buFont typeface="Franklin Gothic Book" panose="020B0503020102020204" pitchFamily="34" charset="0"/>
+              <a:buChar char="■"/>
+              <a:defRPr kumimoji="1" sz="2000" kern="1200" baseline="0">
+                <a:solidFill>
+                  <a:schemeClr val="tx2"/>
+                </a:solidFill>
+                <a:latin typeface="+mn-lt"/>
+                <a:ea typeface="+mn-ea"/>
+                <a:cs typeface="+mn-cs"/>
+              </a:defRPr>
+            </a:lvl1pPr>
+            <a:lvl2pPr marL="914400" indent="-384048" algn="l" defTabSz="914400" rtl="0" eaLnBrk="1" latinLnBrk="0" hangingPunct="1">
+              <a:lnSpc>
+                <a:spcPct val="94000"/>
+              </a:lnSpc>
+              <a:spcBef>
+                <a:spcPts val="500"/>
+              </a:spcBef>
+              <a:spcAft>
+                <a:spcPts val="200"/>
+              </a:spcAft>
+              <a:buFont typeface="Franklin Gothic Book" panose="020B0503020102020204" pitchFamily="34" charset="0"/>
+              <a:buChar char="–"/>
+              <a:defRPr kumimoji="1" sz="2000" i="1" kern="1200" baseline="0">
+                <a:solidFill>
+                  <a:schemeClr val="tx2"/>
+                </a:solidFill>
+                <a:latin typeface="+mn-lt"/>
+                <a:ea typeface="+mn-ea"/>
+                <a:cs typeface="+mn-cs"/>
+              </a:defRPr>
+            </a:lvl2pPr>
+            <a:lvl3pPr marL="1371600" indent="-384048" algn="l" defTabSz="914400" rtl="0" eaLnBrk="1" latinLnBrk="0" hangingPunct="1">
+              <a:lnSpc>
+                <a:spcPct val="94000"/>
+              </a:lnSpc>
+              <a:spcBef>
+                <a:spcPts val="500"/>
+              </a:spcBef>
+              <a:spcAft>
+                <a:spcPts val="200"/>
+              </a:spcAft>
+              <a:buFont typeface="Franklin Gothic Book" panose="020B0503020102020204" pitchFamily="34" charset="0"/>
+              <a:buChar char="■"/>
+              <a:defRPr kumimoji="1" sz="1800" kern="1200" baseline="0">
+                <a:solidFill>
+                  <a:schemeClr val="tx2"/>
+                </a:solidFill>
+                <a:latin typeface="+mn-lt"/>
+                <a:ea typeface="+mn-ea"/>
+                <a:cs typeface="+mn-cs"/>
+              </a:defRPr>
+            </a:lvl3pPr>
+            <a:lvl4pPr marL="1828800" indent="-384048" algn="l" defTabSz="914400" rtl="0" eaLnBrk="1" latinLnBrk="0" hangingPunct="1">
+              <a:lnSpc>
+                <a:spcPct val="94000"/>
+              </a:lnSpc>
+              <a:spcBef>
+                <a:spcPts val="500"/>
+              </a:spcBef>
+              <a:spcAft>
+                <a:spcPts val="200"/>
+              </a:spcAft>
+              <a:buFont typeface="Franklin Gothic Book" panose="020B0503020102020204" pitchFamily="34" charset="0"/>
+              <a:buChar char="–"/>
+              <a:defRPr kumimoji="1" sz="1800" i="1" kern="1200" baseline="0">
+                <a:solidFill>
+                  <a:schemeClr val="tx2"/>
+                </a:solidFill>
+                <a:latin typeface="+mn-lt"/>
+                <a:ea typeface="+mn-ea"/>
+                <a:cs typeface="+mn-cs"/>
+              </a:defRPr>
+            </a:lvl4pPr>
+            <a:lvl5pPr marL="2286000" indent="-384048" algn="l" defTabSz="914400" rtl="0" eaLnBrk="1" latinLnBrk="0" hangingPunct="1">
+              <a:lnSpc>
+                <a:spcPct val="94000"/>
+              </a:lnSpc>
+              <a:spcBef>
+                <a:spcPts val="500"/>
+              </a:spcBef>
+              <a:spcAft>
+                <a:spcPts val="200"/>
+              </a:spcAft>
+              <a:buFont typeface="Franklin Gothic Book" panose="020B0503020102020204" pitchFamily="34" charset="0"/>
+              <a:buChar char="■"/>
+              <a:defRPr kumimoji="1" sz="1600" kern="1200" baseline="0">
+                <a:solidFill>
+                  <a:schemeClr val="tx2"/>
+                </a:solidFill>
+                <a:latin typeface="+mn-lt"/>
+                <a:ea typeface="+mn-ea"/>
+                <a:cs typeface="+mn-cs"/>
+              </a:defRPr>
+            </a:lvl5pPr>
+            <a:lvl6pPr marL="2743200" indent="-384048" algn="l" defTabSz="914400" rtl="0" eaLnBrk="1" latinLnBrk="0" hangingPunct="1">
+              <a:lnSpc>
+                <a:spcPct val="94000"/>
+              </a:lnSpc>
+              <a:spcBef>
+                <a:spcPts val="500"/>
+              </a:spcBef>
+              <a:spcAft>
+                <a:spcPts val="200"/>
+              </a:spcAft>
+              <a:buFont typeface="Franklin Gothic Book" panose="020B0503020102020204" pitchFamily="34" charset="0"/>
+              <a:buChar char="–"/>
+              <a:defRPr kumimoji="1" sz="1600" i="1" kern="1200" baseline="0">
+                <a:solidFill>
+                  <a:schemeClr val="tx2"/>
+                </a:solidFill>
+                <a:latin typeface="+mn-lt"/>
+                <a:ea typeface="+mn-ea"/>
+                <a:cs typeface="+mn-cs"/>
+              </a:defRPr>
+            </a:lvl6pPr>
+            <a:lvl7pPr marL="3200400" indent="-384048" algn="l" defTabSz="914400" rtl="0" eaLnBrk="1" latinLnBrk="0" hangingPunct="1">
+              <a:lnSpc>
+                <a:spcPct val="94000"/>
+              </a:lnSpc>
+              <a:spcBef>
+                <a:spcPts val="500"/>
+              </a:spcBef>
+              <a:spcAft>
+                <a:spcPts val="200"/>
+              </a:spcAft>
+              <a:buFont typeface="Franklin Gothic Book" panose="020B0503020102020204" pitchFamily="34" charset="0"/>
+              <a:buChar char="■"/>
+              <a:defRPr kumimoji="1" sz="1400" kern="1200" baseline="0">
+                <a:solidFill>
+                  <a:schemeClr val="tx2"/>
+                </a:solidFill>
+                <a:latin typeface="+mn-lt"/>
+                <a:ea typeface="+mn-ea"/>
+                <a:cs typeface="+mn-cs"/>
+              </a:defRPr>
+            </a:lvl7pPr>
+            <a:lvl8pPr marL="3657600" indent="-384048" algn="l" defTabSz="914400" rtl="0" eaLnBrk="1" latinLnBrk="0" hangingPunct="1">
+              <a:lnSpc>
+                <a:spcPct val="94000"/>
+              </a:lnSpc>
+              <a:spcBef>
+                <a:spcPts val="500"/>
+              </a:spcBef>
+              <a:spcAft>
+                <a:spcPts val="200"/>
+              </a:spcAft>
+              <a:buFont typeface="Franklin Gothic Book" panose="020B0503020102020204" pitchFamily="34" charset="0"/>
+              <a:buChar char="–"/>
+              <a:defRPr kumimoji="1" sz="1400" i="1" kern="1200" baseline="0">
+                <a:solidFill>
+                  <a:schemeClr val="tx2"/>
+                </a:solidFill>
+                <a:latin typeface="+mn-lt"/>
+                <a:ea typeface="+mn-ea"/>
+                <a:cs typeface="+mn-cs"/>
+              </a:defRPr>
+            </a:lvl8pPr>
+            <a:lvl9pPr marL="4114800" indent="-384048" algn="l" defTabSz="914400" rtl="0" eaLnBrk="1" latinLnBrk="0" hangingPunct="1">
+              <a:lnSpc>
+                <a:spcPct val="94000"/>
+              </a:lnSpc>
+              <a:spcBef>
+                <a:spcPts val="500"/>
+              </a:spcBef>
+              <a:spcAft>
+                <a:spcPts val="200"/>
+              </a:spcAft>
+              <a:buFont typeface="Franklin Gothic Book" panose="020B0503020102020204" pitchFamily="34" charset="0"/>
+              <a:buChar char="■"/>
+              <a:defRPr kumimoji="1" sz="1400" kern="1200" baseline="0">
+                <a:solidFill>
+                  <a:schemeClr val="tx2"/>
+                </a:solidFill>
+                <a:latin typeface="+mn-lt"/>
+                <a:ea typeface="+mn-ea"/>
+                <a:cs typeface="+mn-cs"/>
+              </a:defRPr>
+            </a:lvl9pPr>
+          </a:lstStyle>
+          <a:p>
+            <a:pPr>
+              <a:lnSpc>
+                <a:spcPct val="150000"/>
+              </a:lnSpc>
+            </a:pPr>
+            <a:r>
+              <a:rPr lang="ja-JP" altLang="en-US" sz="2600" dirty="0">
+                <a:solidFill>
+                  <a:schemeClr val="accent1">
+                    <a:lumMod val="50000"/>
+                  </a:schemeClr>
+                </a:solidFill>
+              </a:rPr>
+              <a:t>同時刻に設定した人同士でグループ作成</a:t>
+            </a:r>
+            <a:endParaRPr lang="en-US" altLang="ja-JP" sz="2600" dirty="0">
+              <a:solidFill>
+                <a:schemeClr val="accent1">
+                  <a:lumMod val="50000"/>
+                </a:schemeClr>
+              </a:solidFill>
+            </a:endParaRPr>
+          </a:p>
+          <a:p>
+            <a:pPr>
+              <a:lnSpc>
+                <a:spcPct val="150000"/>
+              </a:lnSpc>
+            </a:pPr>
+            <a:r>
+              <a:rPr lang="ja-JP" altLang="en-US" sz="2600" dirty="0">
+                <a:solidFill>
+                  <a:schemeClr val="accent1">
+                    <a:lumMod val="50000"/>
+                  </a:schemeClr>
+                </a:solidFill>
+              </a:rPr>
+              <a:t>グループ人数は</a:t>
+            </a:r>
+            <a:r>
+              <a:rPr lang="en-US" altLang="ja-JP" sz="2600" dirty="0">
+                <a:solidFill>
+                  <a:schemeClr val="accent1">
+                    <a:lumMod val="50000"/>
+                  </a:schemeClr>
+                </a:solidFill>
+              </a:rPr>
+              <a:t>4</a:t>
+            </a:r>
+            <a:r>
+              <a:rPr lang="ja-JP" altLang="en-US" sz="2600" dirty="0">
+                <a:solidFill>
+                  <a:schemeClr val="accent1">
+                    <a:lumMod val="50000"/>
+                  </a:schemeClr>
+                </a:solidFill>
+              </a:rPr>
+              <a:t>人</a:t>
+            </a:r>
+            <a:endParaRPr lang="en-US" altLang="ja-JP" sz="2600" dirty="0">
+              <a:solidFill>
+                <a:schemeClr val="accent1">
+                  <a:lumMod val="50000"/>
+                </a:schemeClr>
+              </a:solidFill>
+            </a:endParaRPr>
           </a:p>
         </p:txBody>
       </p:sp>
       <p:pic>
         <p:nvPicPr>
-          <p:cNvPr id="5" name="コンテンツ プレースホルダー 4">
+          <p:cNvPr id="3" name="図 2">
             <a:extLst>
               <a:ext uri="{FF2B5EF4-FFF2-40B4-BE49-F238E27FC236}">
-                <a16:creationId xmlns:a16="http://schemas.microsoft.com/office/drawing/2014/main" id="{FF4A29BA-610F-4D60-9D2C-ECE7E2FB9C6C}"/>
+                <a16:creationId xmlns:a16="http://schemas.microsoft.com/office/drawing/2014/main" id="{4A7C5490-418B-447A-BF89-6377F60CC729}"/>
               </a:ext>
             </a:extLst>
           </p:cNvPr>
           <p:cNvPicPr>
-            <a:picLocks noGrp="1" noChangeAspect="1"/>
+            <a:picLocks noChangeAspect="1"/>
           </p:cNvPicPr>
-          <p:nvPr>
-            <p:ph idx="1"/>
-          </p:nvPr>
+          <p:nvPr/>
         </p:nvPicPr>
         <p:blipFill>
-          <a:blip r:embed="rId2">
-            <a:extLst>
-              <a:ext uri="{28A0092B-C50C-407E-A947-70E740481C1C}">
-                <a14:useLocalDpi xmlns:a14="http://schemas.microsoft.com/office/drawing/2010/main" val="0"/>
-              </a:ext>
-            </a:extLst>
-          </a:blip>
+          <a:blip r:embed="rId2"/>
           <a:stretch>
             <a:fillRect/>
           </a:stretch>
         </p:blipFill>
         <p:spPr>
           <a:xfrm>
-            <a:off x="8163612" y="32760"/>
-            <a:ext cx="4028388" cy="6829164"/>
-          </a:xfrm>
-        </p:spPr>
-      </p:pic>
-      <p:sp>
-        <p:nvSpPr>
-          <p:cNvPr id="6" name="テキスト ボックス 5">
-            <a:extLst>
-              <a:ext uri="{FF2B5EF4-FFF2-40B4-BE49-F238E27FC236}">
-                <a16:creationId xmlns:a16="http://schemas.microsoft.com/office/drawing/2014/main" id="{B3D6A033-70D6-4915-84AD-7F7A896744E3}"/>
-              </a:ext>
-            </a:extLst>
-          </p:cNvPr>
-          <p:cNvSpPr txBox="1"/>
-          <p:nvPr/>
-        </p:nvSpPr>
-        <p:spPr>
-          <a:xfrm>
-            <a:off x="845127" y="1659117"/>
-            <a:ext cx="6385232" cy="954107"/>
+            <a:off x="8162195" y="-23370"/>
+            <a:ext cx="4029805" cy="6834208"/>
           </a:xfrm>
           <a:prstGeom prst="rect">
             <a:avLst/>
           </a:prstGeom>
-          <a:noFill/>
         </p:spPr>
-        <p:txBody>
-          <a:bodyPr wrap="square" rtlCol="0">
-            <a:spAutoFit/>
-          </a:bodyPr>
-          <a:lstStyle/>
-          <a:p>
-            <a:pPr marL="285750" indent="-285750">
-              <a:buFont typeface="Arial" panose="020B0604020202020204" pitchFamily="34" charset="0"/>
-              <a:buChar char="•"/>
-            </a:pPr>
-            <a:r>
-              <a:rPr kumimoji="1" lang="ja-JP" altLang="en-US" sz="2800" dirty="0"/>
-              <a:t>同じ時刻を設定した人同士でマッチング</a:t>
-            </a:r>
-            <a:endParaRPr kumimoji="1" lang="en-US" altLang="ja-JP" sz="2800" dirty="0"/>
-          </a:p>
-          <a:p>
-            <a:pPr marL="285750" indent="-285750">
-              <a:buFont typeface="Arial" panose="020B0604020202020204" pitchFamily="34" charset="0"/>
-              <a:buChar char="•"/>
-            </a:pPr>
-            <a:r>
-              <a:rPr kumimoji="1" lang="ja-JP" altLang="en-US" sz="2800" dirty="0"/>
-              <a:t>グループは</a:t>
-            </a:r>
-            <a:r>
-              <a:rPr kumimoji="1" lang="en-US" altLang="ja-JP" sz="2800" dirty="0"/>
-              <a:t>4</a:t>
-            </a:r>
-            <a:r>
-              <a:rPr kumimoji="1" lang="ja-JP" altLang="en-US" sz="2800" dirty="0"/>
-              <a:t>人単位</a:t>
-            </a:r>
-          </a:p>
-        </p:txBody>
-      </p:sp>
+      </p:pic>
     </p:spTree>
     <p:extLst>
       <p:ext uri="{BB962C8B-B14F-4D97-AF65-F5344CB8AC3E}">
-        <p14:creationId xmlns:p14="http://schemas.microsoft.com/office/powerpoint/2010/main" val="3086357313"/>
+        <p14:creationId xmlns:p14="http://schemas.microsoft.com/office/powerpoint/2010/main" val="1160585702"/>
       </p:ext>
     </p:extLst>
   </p:cSld>
@@ -4462,7 +9234,7 @@
           <p:cNvPr id="2" name="タイトル 1">
             <a:extLst>
               <a:ext uri="{FF2B5EF4-FFF2-40B4-BE49-F238E27FC236}">
-                <a16:creationId xmlns:a16="http://schemas.microsoft.com/office/drawing/2014/main" id="{53971416-B970-42EF-9EBE-D8E99A1DBC02}"/>
+                <a16:creationId xmlns:a16="http://schemas.microsoft.com/office/drawing/2014/main" id="{350C3D2E-F153-4B23-8A30-1F3CEE6D351D}"/>
               </a:ext>
             </a:extLst>
           </p:cNvPr>
@@ -4476,7 +9248,7 @@
         <p:spPr>
           <a:xfrm>
             <a:off x="845127" y="365760"/>
-            <a:ext cx="5178601" cy="756030"/>
+            <a:ext cx="6168415" cy="840872"/>
           </a:xfrm>
         </p:spPr>
         <p:txBody>
@@ -4484,157 +9256,346 @@
           <a:lstStyle/>
           <a:p>
             <a:r>
-              <a:rPr lang="ja-JP" altLang="en-US" dirty="0"/>
+              <a:rPr lang="ja-JP" altLang="en-US" dirty="0">
+                <a:solidFill>
+                  <a:schemeClr val="accent1">
+                    <a:lumMod val="50000"/>
+                  </a:schemeClr>
+                </a:solidFill>
+              </a:rPr>
               <a:t>起床</a:t>
             </a:r>
             <a:r>
-              <a:rPr kumimoji="1" lang="ja-JP" altLang="en-US" dirty="0"/>
+              <a:rPr kumimoji="1" lang="ja-JP" altLang="en-US" dirty="0">
+                <a:solidFill>
+                  <a:schemeClr val="accent1">
+                    <a:lumMod val="50000"/>
+                  </a:schemeClr>
+                </a:solidFill>
+              </a:rPr>
               <a:t>画面</a:t>
             </a:r>
+          </a:p>
+        </p:txBody>
+      </p:sp>
+      <p:sp>
+        <p:nvSpPr>
+          <p:cNvPr id="7" name="コンテンツ プレースホルダー 2">
+            <a:extLst>
+              <a:ext uri="{FF2B5EF4-FFF2-40B4-BE49-F238E27FC236}">
+                <a16:creationId xmlns:a16="http://schemas.microsoft.com/office/drawing/2014/main" id="{01DE4BFF-70A2-403E-ADD8-C8ACE846400F}"/>
+              </a:ext>
+            </a:extLst>
+          </p:cNvPr>
+          <p:cNvSpPr txBox="1">
+            <a:spLocks/>
+          </p:cNvSpPr>
+          <p:nvPr/>
+        </p:nvSpPr>
+        <p:spPr>
+          <a:xfrm>
+            <a:off x="845125" y="1879200"/>
+            <a:ext cx="6168415" cy="4613040"/>
+          </a:xfrm>
+          <a:prstGeom prst="rect">
+            <a:avLst/>
+          </a:prstGeom>
+        </p:spPr>
+        <p:txBody>
+          <a:bodyPr vert="horz" lIns="91440" tIns="45720" rIns="91440" bIns="45720" rtlCol="0">
+            <a:normAutofit/>
+          </a:bodyPr>
+          <a:lstStyle>
+            <a:lvl1pPr marL="384048" indent="-384048" algn="l" defTabSz="914400" rtl="0" eaLnBrk="1" latinLnBrk="0" hangingPunct="1">
+              <a:lnSpc>
+                <a:spcPct val="94000"/>
+              </a:lnSpc>
+              <a:spcBef>
+                <a:spcPts val="1000"/>
+              </a:spcBef>
+              <a:spcAft>
+                <a:spcPts val="200"/>
+              </a:spcAft>
+              <a:buFont typeface="Franklin Gothic Book" panose="020B0503020102020204" pitchFamily="34" charset="0"/>
+              <a:buChar char="■"/>
+              <a:defRPr kumimoji="1" sz="2000" kern="1200" baseline="0">
+                <a:solidFill>
+                  <a:schemeClr val="tx2"/>
+                </a:solidFill>
+                <a:latin typeface="+mn-lt"/>
+                <a:ea typeface="+mn-ea"/>
+                <a:cs typeface="+mn-cs"/>
+              </a:defRPr>
+            </a:lvl1pPr>
+            <a:lvl2pPr marL="914400" indent="-384048" algn="l" defTabSz="914400" rtl="0" eaLnBrk="1" latinLnBrk="0" hangingPunct="1">
+              <a:lnSpc>
+                <a:spcPct val="94000"/>
+              </a:lnSpc>
+              <a:spcBef>
+                <a:spcPts val="500"/>
+              </a:spcBef>
+              <a:spcAft>
+                <a:spcPts val="200"/>
+              </a:spcAft>
+              <a:buFont typeface="Franklin Gothic Book" panose="020B0503020102020204" pitchFamily="34" charset="0"/>
+              <a:buChar char="–"/>
+              <a:defRPr kumimoji="1" sz="2000" i="1" kern="1200" baseline="0">
+                <a:solidFill>
+                  <a:schemeClr val="tx2"/>
+                </a:solidFill>
+                <a:latin typeface="+mn-lt"/>
+                <a:ea typeface="+mn-ea"/>
+                <a:cs typeface="+mn-cs"/>
+              </a:defRPr>
+            </a:lvl2pPr>
+            <a:lvl3pPr marL="1371600" indent="-384048" algn="l" defTabSz="914400" rtl="0" eaLnBrk="1" latinLnBrk="0" hangingPunct="1">
+              <a:lnSpc>
+                <a:spcPct val="94000"/>
+              </a:lnSpc>
+              <a:spcBef>
+                <a:spcPts val="500"/>
+              </a:spcBef>
+              <a:spcAft>
+                <a:spcPts val="200"/>
+              </a:spcAft>
+              <a:buFont typeface="Franklin Gothic Book" panose="020B0503020102020204" pitchFamily="34" charset="0"/>
+              <a:buChar char="■"/>
+              <a:defRPr kumimoji="1" sz="1800" kern="1200" baseline="0">
+                <a:solidFill>
+                  <a:schemeClr val="tx2"/>
+                </a:solidFill>
+                <a:latin typeface="+mn-lt"/>
+                <a:ea typeface="+mn-ea"/>
+                <a:cs typeface="+mn-cs"/>
+              </a:defRPr>
+            </a:lvl3pPr>
+            <a:lvl4pPr marL="1828800" indent="-384048" algn="l" defTabSz="914400" rtl="0" eaLnBrk="1" latinLnBrk="0" hangingPunct="1">
+              <a:lnSpc>
+                <a:spcPct val="94000"/>
+              </a:lnSpc>
+              <a:spcBef>
+                <a:spcPts val="500"/>
+              </a:spcBef>
+              <a:spcAft>
+                <a:spcPts val="200"/>
+              </a:spcAft>
+              <a:buFont typeface="Franklin Gothic Book" panose="020B0503020102020204" pitchFamily="34" charset="0"/>
+              <a:buChar char="–"/>
+              <a:defRPr kumimoji="1" sz="1800" i="1" kern="1200" baseline="0">
+                <a:solidFill>
+                  <a:schemeClr val="tx2"/>
+                </a:solidFill>
+                <a:latin typeface="+mn-lt"/>
+                <a:ea typeface="+mn-ea"/>
+                <a:cs typeface="+mn-cs"/>
+              </a:defRPr>
+            </a:lvl4pPr>
+            <a:lvl5pPr marL="2286000" indent="-384048" algn="l" defTabSz="914400" rtl="0" eaLnBrk="1" latinLnBrk="0" hangingPunct="1">
+              <a:lnSpc>
+                <a:spcPct val="94000"/>
+              </a:lnSpc>
+              <a:spcBef>
+                <a:spcPts val="500"/>
+              </a:spcBef>
+              <a:spcAft>
+                <a:spcPts val="200"/>
+              </a:spcAft>
+              <a:buFont typeface="Franklin Gothic Book" panose="020B0503020102020204" pitchFamily="34" charset="0"/>
+              <a:buChar char="■"/>
+              <a:defRPr kumimoji="1" sz="1600" kern="1200" baseline="0">
+                <a:solidFill>
+                  <a:schemeClr val="tx2"/>
+                </a:solidFill>
+                <a:latin typeface="+mn-lt"/>
+                <a:ea typeface="+mn-ea"/>
+                <a:cs typeface="+mn-cs"/>
+              </a:defRPr>
+            </a:lvl5pPr>
+            <a:lvl6pPr marL="2743200" indent="-384048" algn="l" defTabSz="914400" rtl="0" eaLnBrk="1" latinLnBrk="0" hangingPunct="1">
+              <a:lnSpc>
+                <a:spcPct val="94000"/>
+              </a:lnSpc>
+              <a:spcBef>
+                <a:spcPts val="500"/>
+              </a:spcBef>
+              <a:spcAft>
+                <a:spcPts val="200"/>
+              </a:spcAft>
+              <a:buFont typeface="Franklin Gothic Book" panose="020B0503020102020204" pitchFamily="34" charset="0"/>
+              <a:buChar char="–"/>
+              <a:defRPr kumimoji="1" sz="1600" i="1" kern="1200" baseline="0">
+                <a:solidFill>
+                  <a:schemeClr val="tx2"/>
+                </a:solidFill>
+                <a:latin typeface="+mn-lt"/>
+                <a:ea typeface="+mn-ea"/>
+                <a:cs typeface="+mn-cs"/>
+              </a:defRPr>
+            </a:lvl6pPr>
+            <a:lvl7pPr marL="3200400" indent="-384048" algn="l" defTabSz="914400" rtl="0" eaLnBrk="1" latinLnBrk="0" hangingPunct="1">
+              <a:lnSpc>
+                <a:spcPct val="94000"/>
+              </a:lnSpc>
+              <a:spcBef>
+                <a:spcPts val="500"/>
+              </a:spcBef>
+              <a:spcAft>
+                <a:spcPts val="200"/>
+              </a:spcAft>
+              <a:buFont typeface="Franklin Gothic Book" panose="020B0503020102020204" pitchFamily="34" charset="0"/>
+              <a:buChar char="■"/>
+              <a:defRPr kumimoji="1" sz="1400" kern="1200" baseline="0">
+                <a:solidFill>
+                  <a:schemeClr val="tx2"/>
+                </a:solidFill>
+                <a:latin typeface="+mn-lt"/>
+                <a:ea typeface="+mn-ea"/>
+                <a:cs typeface="+mn-cs"/>
+              </a:defRPr>
+            </a:lvl7pPr>
+            <a:lvl8pPr marL="3657600" indent="-384048" algn="l" defTabSz="914400" rtl="0" eaLnBrk="1" latinLnBrk="0" hangingPunct="1">
+              <a:lnSpc>
+                <a:spcPct val="94000"/>
+              </a:lnSpc>
+              <a:spcBef>
+                <a:spcPts val="500"/>
+              </a:spcBef>
+              <a:spcAft>
+                <a:spcPts val="200"/>
+              </a:spcAft>
+              <a:buFont typeface="Franklin Gothic Book" panose="020B0503020102020204" pitchFamily="34" charset="0"/>
+              <a:buChar char="–"/>
+              <a:defRPr kumimoji="1" sz="1400" i="1" kern="1200" baseline="0">
+                <a:solidFill>
+                  <a:schemeClr val="tx2"/>
+                </a:solidFill>
+                <a:latin typeface="+mn-lt"/>
+                <a:ea typeface="+mn-ea"/>
+                <a:cs typeface="+mn-cs"/>
+              </a:defRPr>
+            </a:lvl8pPr>
+            <a:lvl9pPr marL="4114800" indent="-384048" algn="l" defTabSz="914400" rtl="0" eaLnBrk="1" latinLnBrk="0" hangingPunct="1">
+              <a:lnSpc>
+                <a:spcPct val="94000"/>
+              </a:lnSpc>
+              <a:spcBef>
+                <a:spcPts val="500"/>
+              </a:spcBef>
+              <a:spcAft>
+                <a:spcPts val="200"/>
+              </a:spcAft>
+              <a:buFont typeface="Franklin Gothic Book" panose="020B0503020102020204" pitchFamily="34" charset="0"/>
+              <a:buChar char="■"/>
+              <a:defRPr kumimoji="1" sz="1400" kern="1200" baseline="0">
+                <a:solidFill>
+                  <a:schemeClr val="tx2"/>
+                </a:solidFill>
+                <a:latin typeface="+mn-lt"/>
+                <a:ea typeface="+mn-ea"/>
+                <a:cs typeface="+mn-cs"/>
+              </a:defRPr>
+            </a:lvl9pPr>
+          </a:lstStyle>
+          <a:p>
+            <a:pPr>
+              <a:lnSpc>
+                <a:spcPct val="160000"/>
+              </a:lnSpc>
+            </a:pPr>
+            <a:r>
+              <a:rPr lang="ja-JP" altLang="en-US" sz="2600" dirty="0"/>
+              <a:t>グループメンバーの中で起きてない人は暗いアイコンで表示</a:t>
+            </a:r>
+            <a:endParaRPr lang="en-US" altLang="ja-JP" sz="2600" dirty="0"/>
+          </a:p>
+          <a:p>
+            <a:pPr>
+              <a:lnSpc>
+                <a:spcPct val="160000"/>
+              </a:lnSpc>
+            </a:pPr>
+            <a:r>
+              <a:rPr lang="ja-JP" altLang="en-US" sz="2600" dirty="0"/>
+              <a:t>チャットを送ることで相手に追加のアラーム送信</a:t>
+            </a:r>
+            <a:endParaRPr lang="en-US" altLang="ja-JP" sz="2600" dirty="0"/>
+          </a:p>
+          <a:p>
+            <a:pPr>
+              <a:lnSpc>
+                <a:spcPct val="160000"/>
+              </a:lnSpc>
+            </a:pPr>
+            <a:r>
+              <a:rPr lang="ja-JP" altLang="en-US" sz="2600" dirty="0"/>
+              <a:t>全員起床 </a:t>
+            </a:r>
+            <a:r>
+              <a:rPr lang="en-US" altLang="ja-JP" sz="2600" dirty="0"/>
+              <a:t>or 3</a:t>
+            </a:r>
+            <a:r>
+              <a:rPr lang="ja-JP" altLang="en-US" sz="2600" dirty="0"/>
+              <a:t>分経過でマッチング終了</a:t>
+            </a:r>
+            <a:endParaRPr lang="en-US" altLang="ja-JP" sz="2600" dirty="0">
+              <a:solidFill>
+                <a:schemeClr val="accent1">
+                  <a:lumMod val="50000"/>
+                </a:schemeClr>
+              </a:solidFill>
+            </a:endParaRPr>
+          </a:p>
+          <a:p>
+            <a:pPr>
+              <a:lnSpc>
+                <a:spcPct val="160000"/>
+              </a:lnSpc>
+            </a:pPr>
+            <a:endParaRPr lang="en-US" altLang="ja-JP" sz="2600" dirty="0">
+              <a:solidFill>
+                <a:schemeClr val="accent1">
+                  <a:lumMod val="50000"/>
+                </a:schemeClr>
+              </a:solidFill>
+            </a:endParaRPr>
           </a:p>
         </p:txBody>
       </p:sp>
       <p:pic>
         <p:nvPicPr>
-          <p:cNvPr id="5" name="コンテンツ プレースホルダー 4">
+          <p:cNvPr id="4" name="図 3">
             <a:extLst>
               <a:ext uri="{FF2B5EF4-FFF2-40B4-BE49-F238E27FC236}">
-                <a16:creationId xmlns:a16="http://schemas.microsoft.com/office/drawing/2014/main" id="{E98DC2B6-E46B-4C6B-A823-E4DEAF2812E7}"/>
+                <a16:creationId xmlns:a16="http://schemas.microsoft.com/office/drawing/2014/main" id="{F17F73D1-D177-4F71-BC22-39023C9E9352}"/>
               </a:ext>
             </a:extLst>
           </p:cNvPr>
           <p:cNvPicPr>
-            <a:picLocks noGrp="1" noChangeAspect="1"/>
+            <a:picLocks noChangeAspect="1"/>
           </p:cNvPicPr>
-          <p:nvPr>
-            <p:ph idx="1"/>
-          </p:nvPr>
+          <p:nvPr/>
         </p:nvPicPr>
         <p:blipFill>
-          <a:blip r:embed="rId2">
-            <a:extLst>
-              <a:ext uri="{28A0092B-C50C-407E-A947-70E740481C1C}">
-                <a14:useLocalDpi xmlns:a14="http://schemas.microsoft.com/office/drawing/2010/main" val="0"/>
-              </a:ext>
-            </a:extLst>
-          </a:blip>
+          <a:blip r:embed="rId2"/>
           <a:stretch>
             <a:fillRect/>
           </a:stretch>
         </p:blipFill>
         <p:spPr>
           <a:xfrm>
-            <a:off x="8277654" y="41935"/>
-            <a:ext cx="3914346" cy="6868398"/>
-          </a:xfrm>
-        </p:spPr>
-      </p:pic>
-      <p:sp>
-        <p:nvSpPr>
-          <p:cNvPr id="6" name="テキスト ボックス 5">
-            <a:extLst>
-              <a:ext uri="{FF2B5EF4-FFF2-40B4-BE49-F238E27FC236}">
-                <a16:creationId xmlns:a16="http://schemas.microsoft.com/office/drawing/2014/main" id="{ED57F955-09CD-486B-BB6D-DF7F3BD8E9B3}"/>
-              </a:ext>
-            </a:extLst>
-          </p:cNvPr>
-          <p:cNvSpPr txBox="1"/>
-          <p:nvPr/>
-        </p:nvSpPr>
-        <p:spPr>
-          <a:xfrm>
-            <a:off x="845126" y="1583703"/>
-            <a:ext cx="6045867" cy="3354765"/>
+            <a:off x="8285313" y="0"/>
+            <a:ext cx="3906687" cy="6858000"/>
           </a:xfrm>
           <a:prstGeom prst="rect">
             <a:avLst/>
           </a:prstGeom>
-          <a:noFill/>
         </p:spPr>
-        <p:txBody>
-          <a:bodyPr wrap="square" rtlCol="0">
-            <a:spAutoFit/>
-          </a:bodyPr>
-          <a:lstStyle/>
-          <a:p>
-            <a:pPr marL="342900" indent="-342900">
-              <a:buFont typeface="Arial" panose="020B0604020202020204" pitchFamily="34" charset="0"/>
-              <a:buChar char="•"/>
-            </a:pPr>
-            <a:r>
-              <a:rPr kumimoji="1" lang="ja-JP" altLang="en-US" sz="2800" dirty="0"/>
-              <a:t>同じグループ内の人と自分の画面が表示される</a:t>
-            </a:r>
-            <a:endParaRPr kumimoji="1" lang="en-US" altLang="ja-JP" sz="2800" dirty="0"/>
-          </a:p>
-          <a:p>
-            <a:pPr marL="342900" indent="-342900">
-              <a:buFont typeface="Arial" panose="020B0604020202020204" pitchFamily="34" charset="0"/>
-              <a:buChar char="•"/>
-            </a:pPr>
-            <a:r>
-              <a:rPr kumimoji="1" lang="ja-JP" altLang="en-US" sz="2800" dirty="0"/>
-              <a:t>起きていない人はアイコンが暗くなる</a:t>
-            </a:r>
-            <a:endParaRPr kumimoji="1" lang="en-US" altLang="ja-JP" sz="2800" dirty="0"/>
-          </a:p>
-          <a:p>
-            <a:pPr marL="342900" indent="-342900">
-              <a:buFont typeface="Arial" panose="020B0604020202020204" pitchFamily="34" charset="0"/>
-              <a:buChar char="•"/>
-            </a:pPr>
-            <a:r>
-              <a:rPr kumimoji="1" lang="ja-JP" altLang="en-US" sz="2800" dirty="0"/>
-              <a:t>チャットを送ると相手に効果音が届く</a:t>
-            </a:r>
-            <a:endParaRPr kumimoji="1" lang="en-US" altLang="ja-JP" sz="2800" dirty="0"/>
-          </a:p>
-          <a:p>
-            <a:pPr marL="342900" indent="-342900">
-              <a:buFont typeface="Arial" panose="020B0604020202020204" pitchFamily="34" charset="0"/>
-              <a:buChar char="•"/>
-            </a:pPr>
-            <a:r>
-              <a:rPr kumimoji="1" lang="ja-JP" altLang="en-US" sz="2800" dirty="0"/>
-              <a:t>全員が起きる</a:t>
-            </a:r>
-            <a:r>
-              <a:rPr kumimoji="1" lang="en-US" altLang="ja-JP" sz="2800" dirty="0"/>
-              <a:t>or</a:t>
-            </a:r>
-            <a:r>
-              <a:rPr kumimoji="1" lang="ja-JP" altLang="en-US" sz="2800" dirty="0"/>
-              <a:t>３分経過で終了</a:t>
-            </a:r>
-            <a:endParaRPr kumimoji="1" lang="en-US" altLang="ja-JP" sz="2800" dirty="0"/>
-          </a:p>
-          <a:p>
-            <a:pPr marL="342900" indent="-342900">
-              <a:buFont typeface="Arial" panose="020B0604020202020204" pitchFamily="34" charset="0"/>
-              <a:buChar char="•"/>
-            </a:pPr>
-            <a:endParaRPr kumimoji="1" lang="en-US" altLang="ja-JP" sz="2400" dirty="0"/>
-          </a:p>
-          <a:p>
-            <a:pPr marL="342900" indent="-342900">
-              <a:buFont typeface="Arial" panose="020B0604020202020204" pitchFamily="34" charset="0"/>
-              <a:buChar char="•"/>
-            </a:pPr>
-            <a:endParaRPr kumimoji="1" lang="en-US" altLang="ja-JP" sz="2400" dirty="0"/>
-          </a:p>
-          <a:p>
-            <a:pPr marL="342900" indent="-342900">
-              <a:buFont typeface="Arial" panose="020B0604020202020204" pitchFamily="34" charset="0"/>
-              <a:buChar char="•"/>
-            </a:pPr>
-            <a:endParaRPr kumimoji="1" lang="ja-JP" altLang="en-US" sz="2400" dirty="0"/>
-          </a:p>
-        </p:txBody>
-      </p:sp>
+      </p:pic>
     </p:spTree>
     <p:extLst>
       <p:ext uri="{BB962C8B-B14F-4D97-AF65-F5344CB8AC3E}">
-        <p14:creationId xmlns:p14="http://schemas.microsoft.com/office/powerpoint/2010/main" val="1878445579"/>
+        <p14:creationId xmlns:p14="http://schemas.microsoft.com/office/powerpoint/2010/main" val="1084504556"/>
       </p:ext>
     </p:extLst>
   </p:cSld>
@@ -4666,7 +9627,7 @@
           <p:cNvPr id="2" name="タイトル 1">
             <a:extLst>
               <a:ext uri="{FF2B5EF4-FFF2-40B4-BE49-F238E27FC236}">
-                <a16:creationId xmlns:a16="http://schemas.microsoft.com/office/drawing/2014/main" id="{E6F53EF7-94CE-4DCE-ADCF-265C54ED19CB}"/>
+                <a16:creationId xmlns:a16="http://schemas.microsoft.com/office/drawing/2014/main" id="{350C3D2E-F153-4B23-8A30-1F3CEE6D351D}"/>
               </a:ext>
             </a:extLst>
           </p:cNvPr>
@@ -4680,7 +9641,7 @@
         <p:spPr>
           <a:xfrm>
             <a:off x="845127" y="365760"/>
-            <a:ext cx="5250873" cy="812591"/>
+            <a:ext cx="6168415" cy="840872"/>
           </a:xfrm>
         </p:spPr>
         <p:txBody>
@@ -4688,9 +9649,291 @@
           <a:lstStyle/>
           <a:p>
             <a:r>
-              <a:rPr kumimoji="1" lang="ja-JP" altLang="en-US" dirty="0"/>
+              <a:rPr kumimoji="1" lang="ja-JP" altLang="en-US" dirty="0">
+                <a:solidFill>
+                  <a:schemeClr val="accent1">
+                    <a:lumMod val="50000"/>
+                  </a:schemeClr>
+                </a:solidFill>
+              </a:rPr>
               <a:t>結果画面</a:t>
             </a:r>
+          </a:p>
+        </p:txBody>
+      </p:sp>
+      <p:sp>
+        <p:nvSpPr>
+          <p:cNvPr id="7" name="コンテンツ プレースホルダー 2">
+            <a:extLst>
+              <a:ext uri="{FF2B5EF4-FFF2-40B4-BE49-F238E27FC236}">
+                <a16:creationId xmlns:a16="http://schemas.microsoft.com/office/drawing/2014/main" id="{01DE4BFF-70A2-403E-ADD8-C8ACE846400F}"/>
+              </a:ext>
+            </a:extLst>
+          </p:cNvPr>
+          <p:cNvSpPr txBox="1">
+            <a:spLocks/>
+          </p:cNvSpPr>
+          <p:nvPr/>
+        </p:nvSpPr>
+        <p:spPr>
+          <a:xfrm>
+            <a:off x="845127" y="1879200"/>
+            <a:ext cx="6168414" cy="4613040"/>
+          </a:xfrm>
+          <a:prstGeom prst="rect">
+            <a:avLst/>
+          </a:prstGeom>
+        </p:spPr>
+        <p:txBody>
+          <a:bodyPr vert="horz" lIns="91440" tIns="45720" rIns="91440" bIns="45720" rtlCol="0">
+            <a:normAutofit/>
+          </a:bodyPr>
+          <a:lstStyle>
+            <a:lvl1pPr marL="384048" indent="-384048" algn="l" defTabSz="914400" rtl="0" eaLnBrk="1" latinLnBrk="0" hangingPunct="1">
+              <a:lnSpc>
+                <a:spcPct val="94000"/>
+              </a:lnSpc>
+              <a:spcBef>
+                <a:spcPts val="1000"/>
+              </a:spcBef>
+              <a:spcAft>
+                <a:spcPts val="200"/>
+              </a:spcAft>
+              <a:buFont typeface="Franklin Gothic Book" panose="020B0503020102020204" pitchFamily="34" charset="0"/>
+              <a:buChar char="■"/>
+              <a:defRPr kumimoji="1" sz="2000" kern="1200" baseline="0">
+                <a:solidFill>
+                  <a:schemeClr val="tx2"/>
+                </a:solidFill>
+                <a:latin typeface="+mn-lt"/>
+                <a:ea typeface="+mn-ea"/>
+                <a:cs typeface="+mn-cs"/>
+              </a:defRPr>
+            </a:lvl1pPr>
+            <a:lvl2pPr marL="914400" indent="-384048" algn="l" defTabSz="914400" rtl="0" eaLnBrk="1" latinLnBrk="0" hangingPunct="1">
+              <a:lnSpc>
+                <a:spcPct val="94000"/>
+              </a:lnSpc>
+              <a:spcBef>
+                <a:spcPts val="500"/>
+              </a:spcBef>
+              <a:spcAft>
+                <a:spcPts val="200"/>
+              </a:spcAft>
+              <a:buFont typeface="Franklin Gothic Book" panose="020B0503020102020204" pitchFamily="34" charset="0"/>
+              <a:buChar char="–"/>
+              <a:defRPr kumimoji="1" sz="2000" i="1" kern="1200" baseline="0">
+                <a:solidFill>
+                  <a:schemeClr val="tx2"/>
+                </a:solidFill>
+                <a:latin typeface="+mn-lt"/>
+                <a:ea typeface="+mn-ea"/>
+                <a:cs typeface="+mn-cs"/>
+              </a:defRPr>
+            </a:lvl2pPr>
+            <a:lvl3pPr marL="1371600" indent="-384048" algn="l" defTabSz="914400" rtl="0" eaLnBrk="1" latinLnBrk="0" hangingPunct="1">
+              <a:lnSpc>
+                <a:spcPct val="94000"/>
+              </a:lnSpc>
+              <a:spcBef>
+                <a:spcPts val="500"/>
+              </a:spcBef>
+              <a:spcAft>
+                <a:spcPts val="200"/>
+              </a:spcAft>
+              <a:buFont typeface="Franklin Gothic Book" panose="020B0503020102020204" pitchFamily="34" charset="0"/>
+              <a:buChar char="■"/>
+              <a:defRPr kumimoji="1" sz="1800" kern="1200" baseline="0">
+                <a:solidFill>
+                  <a:schemeClr val="tx2"/>
+                </a:solidFill>
+                <a:latin typeface="+mn-lt"/>
+                <a:ea typeface="+mn-ea"/>
+                <a:cs typeface="+mn-cs"/>
+              </a:defRPr>
+            </a:lvl3pPr>
+            <a:lvl4pPr marL="1828800" indent="-384048" algn="l" defTabSz="914400" rtl="0" eaLnBrk="1" latinLnBrk="0" hangingPunct="1">
+              <a:lnSpc>
+                <a:spcPct val="94000"/>
+              </a:lnSpc>
+              <a:spcBef>
+                <a:spcPts val="500"/>
+              </a:spcBef>
+              <a:spcAft>
+                <a:spcPts val="200"/>
+              </a:spcAft>
+              <a:buFont typeface="Franklin Gothic Book" panose="020B0503020102020204" pitchFamily="34" charset="0"/>
+              <a:buChar char="–"/>
+              <a:defRPr kumimoji="1" sz="1800" i="1" kern="1200" baseline="0">
+                <a:solidFill>
+                  <a:schemeClr val="tx2"/>
+                </a:solidFill>
+                <a:latin typeface="+mn-lt"/>
+                <a:ea typeface="+mn-ea"/>
+                <a:cs typeface="+mn-cs"/>
+              </a:defRPr>
+            </a:lvl4pPr>
+            <a:lvl5pPr marL="2286000" indent="-384048" algn="l" defTabSz="914400" rtl="0" eaLnBrk="1" latinLnBrk="0" hangingPunct="1">
+              <a:lnSpc>
+                <a:spcPct val="94000"/>
+              </a:lnSpc>
+              <a:spcBef>
+                <a:spcPts val="500"/>
+              </a:spcBef>
+              <a:spcAft>
+                <a:spcPts val="200"/>
+              </a:spcAft>
+              <a:buFont typeface="Franklin Gothic Book" panose="020B0503020102020204" pitchFamily="34" charset="0"/>
+              <a:buChar char="■"/>
+              <a:defRPr kumimoji="1" sz="1600" kern="1200" baseline="0">
+                <a:solidFill>
+                  <a:schemeClr val="tx2"/>
+                </a:solidFill>
+                <a:latin typeface="+mn-lt"/>
+                <a:ea typeface="+mn-ea"/>
+                <a:cs typeface="+mn-cs"/>
+              </a:defRPr>
+            </a:lvl5pPr>
+            <a:lvl6pPr marL="2743200" indent="-384048" algn="l" defTabSz="914400" rtl="0" eaLnBrk="1" latinLnBrk="0" hangingPunct="1">
+              <a:lnSpc>
+                <a:spcPct val="94000"/>
+              </a:lnSpc>
+              <a:spcBef>
+                <a:spcPts val="500"/>
+              </a:spcBef>
+              <a:spcAft>
+                <a:spcPts val="200"/>
+              </a:spcAft>
+              <a:buFont typeface="Franklin Gothic Book" panose="020B0503020102020204" pitchFamily="34" charset="0"/>
+              <a:buChar char="–"/>
+              <a:defRPr kumimoji="1" sz="1600" i="1" kern="1200" baseline="0">
+                <a:solidFill>
+                  <a:schemeClr val="tx2"/>
+                </a:solidFill>
+                <a:latin typeface="+mn-lt"/>
+                <a:ea typeface="+mn-ea"/>
+                <a:cs typeface="+mn-cs"/>
+              </a:defRPr>
+            </a:lvl6pPr>
+            <a:lvl7pPr marL="3200400" indent="-384048" algn="l" defTabSz="914400" rtl="0" eaLnBrk="1" latinLnBrk="0" hangingPunct="1">
+              <a:lnSpc>
+                <a:spcPct val="94000"/>
+              </a:lnSpc>
+              <a:spcBef>
+                <a:spcPts val="500"/>
+              </a:spcBef>
+              <a:spcAft>
+                <a:spcPts val="200"/>
+              </a:spcAft>
+              <a:buFont typeface="Franklin Gothic Book" panose="020B0503020102020204" pitchFamily="34" charset="0"/>
+              <a:buChar char="■"/>
+              <a:defRPr kumimoji="1" sz="1400" kern="1200" baseline="0">
+                <a:solidFill>
+                  <a:schemeClr val="tx2"/>
+                </a:solidFill>
+                <a:latin typeface="+mn-lt"/>
+                <a:ea typeface="+mn-ea"/>
+                <a:cs typeface="+mn-cs"/>
+              </a:defRPr>
+            </a:lvl7pPr>
+            <a:lvl8pPr marL="3657600" indent="-384048" algn="l" defTabSz="914400" rtl="0" eaLnBrk="1" latinLnBrk="0" hangingPunct="1">
+              <a:lnSpc>
+                <a:spcPct val="94000"/>
+              </a:lnSpc>
+              <a:spcBef>
+                <a:spcPts val="500"/>
+              </a:spcBef>
+              <a:spcAft>
+                <a:spcPts val="200"/>
+              </a:spcAft>
+              <a:buFont typeface="Franklin Gothic Book" panose="020B0503020102020204" pitchFamily="34" charset="0"/>
+              <a:buChar char="–"/>
+              <a:defRPr kumimoji="1" sz="1400" i="1" kern="1200" baseline="0">
+                <a:solidFill>
+                  <a:schemeClr val="tx2"/>
+                </a:solidFill>
+                <a:latin typeface="+mn-lt"/>
+                <a:ea typeface="+mn-ea"/>
+                <a:cs typeface="+mn-cs"/>
+              </a:defRPr>
+            </a:lvl8pPr>
+            <a:lvl9pPr marL="4114800" indent="-384048" algn="l" defTabSz="914400" rtl="0" eaLnBrk="1" latinLnBrk="0" hangingPunct="1">
+              <a:lnSpc>
+                <a:spcPct val="94000"/>
+              </a:lnSpc>
+              <a:spcBef>
+                <a:spcPts val="500"/>
+              </a:spcBef>
+              <a:spcAft>
+                <a:spcPts val="200"/>
+              </a:spcAft>
+              <a:buFont typeface="Franklin Gothic Book" panose="020B0503020102020204" pitchFamily="34" charset="0"/>
+              <a:buChar char="■"/>
+              <a:defRPr kumimoji="1" sz="1400" kern="1200" baseline="0">
+                <a:solidFill>
+                  <a:schemeClr val="tx2"/>
+                </a:solidFill>
+                <a:latin typeface="+mn-lt"/>
+                <a:ea typeface="+mn-ea"/>
+                <a:cs typeface="+mn-cs"/>
+              </a:defRPr>
+            </a:lvl9pPr>
+          </a:lstStyle>
+          <a:p>
+            <a:pPr>
+              <a:lnSpc>
+                <a:spcPct val="160000"/>
+              </a:lnSpc>
+            </a:pPr>
+            <a:r>
+              <a:rPr lang="ja-JP" altLang="en-US" sz="2600" dirty="0"/>
+              <a:t>起床成功 </a:t>
+            </a:r>
+            <a:r>
+              <a:rPr lang="en-US" altLang="ja-JP" sz="2600" dirty="0"/>
+              <a:t>or </a:t>
+            </a:r>
+            <a:r>
+              <a:rPr lang="ja-JP" altLang="en-US" sz="2600" dirty="0"/>
+              <a:t>失敗の確認</a:t>
+            </a:r>
+            <a:endParaRPr lang="en-US" altLang="ja-JP" sz="2600" dirty="0"/>
+          </a:p>
+          <a:p>
+            <a:pPr>
+              <a:lnSpc>
+                <a:spcPct val="160000"/>
+              </a:lnSpc>
+            </a:pPr>
+            <a:r>
+              <a:rPr lang="ja-JP" altLang="en-US" sz="2600" dirty="0"/>
+              <a:t>グループメンバーの起床状況も確認</a:t>
+            </a:r>
+            <a:endParaRPr lang="en-US" altLang="ja-JP" sz="2600" dirty="0"/>
+          </a:p>
+          <a:p>
+            <a:pPr>
+              <a:lnSpc>
+                <a:spcPct val="160000"/>
+              </a:lnSpc>
+            </a:pPr>
+            <a:r>
+              <a:rPr lang="ja-JP" altLang="en-US" sz="2600" dirty="0">
+                <a:solidFill>
+                  <a:schemeClr val="accent1">
+                    <a:lumMod val="50000"/>
+                  </a:schemeClr>
+                </a:solidFill>
+              </a:rPr>
+              <a:t>個人の合計成功・失敗回数確認</a:t>
+            </a:r>
+            <a:endParaRPr lang="en-US" altLang="ja-JP" sz="2600" dirty="0">
+              <a:solidFill>
+                <a:schemeClr val="accent1">
+                  <a:lumMod val="50000"/>
+                </a:schemeClr>
+              </a:solidFill>
+            </a:endParaRPr>
           </a:p>
         </p:txBody>
       </p:sp>
@@ -4699,7 +9942,7 @@
           <p:cNvPr id="5" name="コンテンツ プレースホルダー 4">
             <a:extLst>
               <a:ext uri="{FF2B5EF4-FFF2-40B4-BE49-F238E27FC236}">
-                <a16:creationId xmlns:a16="http://schemas.microsoft.com/office/drawing/2014/main" id="{5FDE0A04-01AA-4E77-956C-9DB248F9ACA8}"/>
+                <a16:creationId xmlns:a16="http://schemas.microsoft.com/office/drawing/2014/main" id="{61358156-B632-4638-936E-C5EA41B7B03B}"/>
               </a:ext>
             </a:extLst>
           </p:cNvPr>
@@ -4724,84 +9967,15 @@
         </p:blipFill>
         <p:spPr>
           <a:xfrm>
-            <a:off x="8181209" y="70406"/>
+            <a:off x="8181209" y="0"/>
             <a:ext cx="4010791" cy="6717187"/>
           </a:xfrm>
         </p:spPr>
       </p:pic>
-      <p:sp>
-        <p:nvSpPr>
-          <p:cNvPr id="7" name="テキスト ボックス 6">
-            <a:extLst>
-              <a:ext uri="{FF2B5EF4-FFF2-40B4-BE49-F238E27FC236}">
-                <a16:creationId xmlns:a16="http://schemas.microsoft.com/office/drawing/2014/main" id="{768810D5-628E-4646-A253-B848FC92F3B6}"/>
-              </a:ext>
-            </a:extLst>
-          </p:cNvPr>
-          <p:cNvSpPr txBox="1"/>
-          <p:nvPr/>
-        </p:nvSpPr>
-        <p:spPr>
-          <a:xfrm>
-            <a:off x="845126" y="1571918"/>
-            <a:ext cx="5678221" cy="1384995"/>
-          </a:xfrm>
-          <a:prstGeom prst="rect">
-            <a:avLst/>
-          </a:prstGeom>
-          <a:noFill/>
-        </p:spPr>
-        <p:txBody>
-          <a:bodyPr wrap="square" rtlCol="0">
-            <a:spAutoFit/>
-          </a:bodyPr>
-          <a:lstStyle/>
-          <a:p>
-            <a:pPr marL="285750" indent="-285750">
-              <a:buFont typeface="Arial" panose="020B0604020202020204" pitchFamily="34" charset="0"/>
-              <a:buChar char="•"/>
-            </a:pPr>
-            <a:r>
-              <a:rPr kumimoji="1" lang="ja-JP" altLang="en-US" sz="2800" dirty="0"/>
-              <a:t>成功</a:t>
-            </a:r>
-            <a:r>
-              <a:rPr kumimoji="1" lang="en-US" altLang="ja-JP" sz="2800" dirty="0"/>
-              <a:t>or</a:t>
-            </a:r>
-            <a:r>
-              <a:rPr kumimoji="1" lang="ja-JP" altLang="en-US" sz="2800" dirty="0"/>
-              <a:t>失敗の確認</a:t>
-            </a:r>
-            <a:endParaRPr kumimoji="1" lang="en-US" altLang="ja-JP" sz="2800" dirty="0"/>
-          </a:p>
-          <a:p>
-            <a:pPr marL="285750" indent="-285750">
-              <a:buFont typeface="Arial" panose="020B0604020202020204" pitchFamily="34" charset="0"/>
-              <a:buChar char="•"/>
-            </a:pPr>
-            <a:r>
-              <a:rPr kumimoji="1" lang="ja-JP" altLang="en-US" sz="2800" dirty="0"/>
-              <a:t>グループで何人成功したかも確認</a:t>
-            </a:r>
-            <a:endParaRPr kumimoji="1" lang="en-US" altLang="ja-JP" sz="2800" dirty="0"/>
-          </a:p>
-          <a:p>
-            <a:pPr marL="285750" indent="-285750">
-              <a:buFont typeface="Arial" panose="020B0604020202020204" pitchFamily="34" charset="0"/>
-              <a:buChar char="•"/>
-            </a:pPr>
-            <a:r>
-              <a:rPr kumimoji="1" lang="ja-JP" altLang="en-US" sz="2800" dirty="0"/>
-              <a:t>今までの総成功、総失敗も確認</a:t>
-            </a:r>
-          </a:p>
-        </p:txBody>
-      </p:sp>
     </p:spTree>
     <p:extLst>
       <p:ext uri="{BB962C8B-B14F-4D97-AF65-F5344CB8AC3E}">
-        <p14:creationId xmlns:p14="http://schemas.microsoft.com/office/powerpoint/2010/main" val="3380497775"/>
+        <p14:creationId xmlns:p14="http://schemas.microsoft.com/office/powerpoint/2010/main" val="59753580"/>
       </p:ext>
     </p:extLst>
   </p:cSld>
@@ -4833,7 +10007,7 @@
           <p:cNvPr id="2" name="タイトル 1">
             <a:extLst>
               <a:ext uri="{FF2B5EF4-FFF2-40B4-BE49-F238E27FC236}">
-                <a16:creationId xmlns:a16="http://schemas.microsoft.com/office/drawing/2014/main" id="{4246703C-2944-4B13-B6AD-8BFCA39A3514}"/>
+                <a16:creationId xmlns:a16="http://schemas.microsoft.com/office/drawing/2014/main" id="{350C3D2E-F153-4B23-8A30-1F3CEE6D351D}"/>
               </a:ext>
             </a:extLst>
           </p:cNvPr>
@@ -4847,37 +10021,283 @@
         <p:spPr>
           <a:xfrm>
             <a:off x="845127" y="365760"/>
-            <a:ext cx="6036440" cy="671188"/>
+            <a:ext cx="6168415" cy="840872"/>
           </a:xfrm>
         </p:spPr>
         <p:txBody>
-          <a:bodyPr>
-            <a:normAutofit fontScale="90000"/>
+          <a:bodyPr/>
+          <a:lstStyle/>
+          <a:p>
+            <a:r>
+              <a:rPr kumimoji="1" lang="ja-JP" altLang="en-US" dirty="0">
+                <a:solidFill>
+                  <a:schemeClr val="accent1">
+                    <a:lumMod val="50000"/>
+                  </a:schemeClr>
+                </a:solidFill>
+              </a:rPr>
+              <a:t>ランキング画面</a:t>
+            </a:r>
+          </a:p>
+        </p:txBody>
+      </p:sp>
+      <p:sp>
+        <p:nvSpPr>
+          <p:cNvPr id="7" name="コンテンツ プレースホルダー 2">
+            <a:extLst>
+              <a:ext uri="{FF2B5EF4-FFF2-40B4-BE49-F238E27FC236}">
+                <a16:creationId xmlns:a16="http://schemas.microsoft.com/office/drawing/2014/main" id="{01DE4BFF-70A2-403E-ADD8-C8ACE846400F}"/>
+              </a:ext>
+            </a:extLst>
+          </p:cNvPr>
+          <p:cNvSpPr txBox="1">
+            <a:spLocks/>
+          </p:cNvSpPr>
+          <p:nvPr/>
+        </p:nvSpPr>
+        <p:spPr>
+          <a:xfrm>
+            <a:off x="845127" y="1879200"/>
+            <a:ext cx="6168414" cy="4613040"/>
+          </a:xfrm>
+          <a:prstGeom prst="rect">
+            <a:avLst/>
+          </a:prstGeom>
+        </p:spPr>
+        <p:txBody>
+          <a:bodyPr vert="horz" lIns="91440" tIns="45720" rIns="91440" bIns="45720" rtlCol="0">
+            <a:normAutofit/>
           </a:bodyPr>
-          <a:lstStyle/>
-          <a:p>
-            <a:r>
-              <a:rPr kumimoji="1" lang="ja-JP" altLang="en-US" dirty="0"/>
-              <a:t>ランキング画面</a:t>
-            </a:r>
+          <a:lstStyle>
+            <a:lvl1pPr marL="384048" indent="-384048" algn="l" defTabSz="914400" rtl="0" eaLnBrk="1" latinLnBrk="0" hangingPunct="1">
+              <a:lnSpc>
+                <a:spcPct val="94000"/>
+              </a:lnSpc>
+              <a:spcBef>
+                <a:spcPts val="1000"/>
+              </a:spcBef>
+              <a:spcAft>
+                <a:spcPts val="200"/>
+              </a:spcAft>
+              <a:buFont typeface="Franklin Gothic Book" panose="020B0503020102020204" pitchFamily="34" charset="0"/>
+              <a:buChar char="■"/>
+              <a:defRPr kumimoji="1" sz="2000" kern="1200" baseline="0">
+                <a:solidFill>
+                  <a:schemeClr val="tx2"/>
+                </a:solidFill>
+                <a:latin typeface="+mn-lt"/>
+                <a:ea typeface="+mn-ea"/>
+                <a:cs typeface="+mn-cs"/>
+              </a:defRPr>
+            </a:lvl1pPr>
+            <a:lvl2pPr marL="914400" indent="-384048" algn="l" defTabSz="914400" rtl="0" eaLnBrk="1" latinLnBrk="0" hangingPunct="1">
+              <a:lnSpc>
+                <a:spcPct val="94000"/>
+              </a:lnSpc>
+              <a:spcBef>
+                <a:spcPts val="500"/>
+              </a:spcBef>
+              <a:spcAft>
+                <a:spcPts val="200"/>
+              </a:spcAft>
+              <a:buFont typeface="Franklin Gothic Book" panose="020B0503020102020204" pitchFamily="34" charset="0"/>
+              <a:buChar char="–"/>
+              <a:defRPr kumimoji="1" sz="2000" i="1" kern="1200" baseline="0">
+                <a:solidFill>
+                  <a:schemeClr val="tx2"/>
+                </a:solidFill>
+                <a:latin typeface="+mn-lt"/>
+                <a:ea typeface="+mn-ea"/>
+                <a:cs typeface="+mn-cs"/>
+              </a:defRPr>
+            </a:lvl2pPr>
+            <a:lvl3pPr marL="1371600" indent="-384048" algn="l" defTabSz="914400" rtl="0" eaLnBrk="1" latinLnBrk="0" hangingPunct="1">
+              <a:lnSpc>
+                <a:spcPct val="94000"/>
+              </a:lnSpc>
+              <a:spcBef>
+                <a:spcPts val="500"/>
+              </a:spcBef>
+              <a:spcAft>
+                <a:spcPts val="200"/>
+              </a:spcAft>
+              <a:buFont typeface="Franklin Gothic Book" panose="020B0503020102020204" pitchFamily="34" charset="0"/>
+              <a:buChar char="■"/>
+              <a:defRPr kumimoji="1" sz="1800" kern="1200" baseline="0">
+                <a:solidFill>
+                  <a:schemeClr val="tx2"/>
+                </a:solidFill>
+                <a:latin typeface="+mn-lt"/>
+                <a:ea typeface="+mn-ea"/>
+                <a:cs typeface="+mn-cs"/>
+              </a:defRPr>
+            </a:lvl3pPr>
+            <a:lvl4pPr marL="1828800" indent="-384048" algn="l" defTabSz="914400" rtl="0" eaLnBrk="1" latinLnBrk="0" hangingPunct="1">
+              <a:lnSpc>
+                <a:spcPct val="94000"/>
+              </a:lnSpc>
+              <a:spcBef>
+                <a:spcPts val="500"/>
+              </a:spcBef>
+              <a:spcAft>
+                <a:spcPts val="200"/>
+              </a:spcAft>
+              <a:buFont typeface="Franklin Gothic Book" panose="020B0503020102020204" pitchFamily="34" charset="0"/>
+              <a:buChar char="–"/>
+              <a:defRPr kumimoji="1" sz="1800" i="1" kern="1200" baseline="0">
+                <a:solidFill>
+                  <a:schemeClr val="tx2"/>
+                </a:solidFill>
+                <a:latin typeface="+mn-lt"/>
+                <a:ea typeface="+mn-ea"/>
+                <a:cs typeface="+mn-cs"/>
+              </a:defRPr>
+            </a:lvl4pPr>
+            <a:lvl5pPr marL="2286000" indent="-384048" algn="l" defTabSz="914400" rtl="0" eaLnBrk="1" latinLnBrk="0" hangingPunct="1">
+              <a:lnSpc>
+                <a:spcPct val="94000"/>
+              </a:lnSpc>
+              <a:spcBef>
+                <a:spcPts val="500"/>
+              </a:spcBef>
+              <a:spcAft>
+                <a:spcPts val="200"/>
+              </a:spcAft>
+              <a:buFont typeface="Franklin Gothic Book" panose="020B0503020102020204" pitchFamily="34" charset="0"/>
+              <a:buChar char="■"/>
+              <a:defRPr kumimoji="1" sz="1600" kern="1200" baseline="0">
+                <a:solidFill>
+                  <a:schemeClr val="tx2"/>
+                </a:solidFill>
+                <a:latin typeface="+mn-lt"/>
+                <a:ea typeface="+mn-ea"/>
+                <a:cs typeface="+mn-cs"/>
+              </a:defRPr>
+            </a:lvl5pPr>
+            <a:lvl6pPr marL="2743200" indent="-384048" algn="l" defTabSz="914400" rtl="0" eaLnBrk="1" latinLnBrk="0" hangingPunct="1">
+              <a:lnSpc>
+                <a:spcPct val="94000"/>
+              </a:lnSpc>
+              <a:spcBef>
+                <a:spcPts val="500"/>
+              </a:spcBef>
+              <a:spcAft>
+                <a:spcPts val="200"/>
+              </a:spcAft>
+              <a:buFont typeface="Franklin Gothic Book" panose="020B0503020102020204" pitchFamily="34" charset="0"/>
+              <a:buChar char="–"/>
+              <a:defRPr kumimoji="1" sz="1600" i="1" kern="1200" baseline="0">
+                <a:solidFill>
+                  <a:schemeClr val="tx2"/>
+                </a:solidFill>
+                <a:latin typeface="+mn-lt"/>
+                <a:ea typeface="+mn-ea"/>
+                <a:cs typeface="+mn-cs"/>
+              </a:defRPr>
+            </a:lvl6pPr>
+            <a:lvl7pPr marL="3200400" indent="-384048" algn="l" defTabSz="914400" rtl="0" eaLnBrk="1" latinLnBrk="0" hangingPunct="1">
+              <a:lnSpc>
+                <a:spcPct val="94000"/>
+              </a:lnSpc>
+              <a:spcBef>
+                <a:spcPts val="500"/>
+              </a:spcBef>
+              <a:spcAft>
+                <a:spcPts val="200"/>
+              </a:spcAft>
+              <a:buFont typeface="Franklin Gothic Book" panose="020B0503020102020204" pitchFamily="34" charset="0"/>
+              <a:buChar char="■"/>
+              <a:defRPr kumimoji="1" sz="1400" kern="1200" baseline="0">
+                <a:solidFill>
+                  <a:schemeClr val="tx2"/>
+                </a:solidFill>
+                <a:latin typeface="+mn-lt"/>
+                <a:ea typeface="+mn-ea"/>
+                <a:cs typeface="+mn-cs"/>
+              </a:defRPr>
+            </a:lvl7pPr>
+            <a:lvl8pPr marL="3657600" indent="-384048" algn="l" defTabSz="914400" rtl="0" eaLnBrk="1" latinLnBrk="0" hangingPunct="1">
+              <a:lnSpc>
+                <a:spcPct val="94000"/>
+              </a:lnSpc>
+              <a:spcBef>
+                <a:spcPts val="500"/>
+              </a:spcBef>
+              <a:spcAft>
+                <a:spcPts val="200"/>
+              </a:spcAft>
+              <a:buFont typeface="Franklin Gothic Book" panose="020B0503020102020204" pitchFamily="34" charset="0"/>
+              <a:buChar char="–"/>
+              <a:defRPr kumimoji="1" sz="1400" i="1" kern="1200" baseline="0">
+                <a:solidFill>
+                  <a:schemeClr val="tx2"/>
+                </a:solidFill>
+                <a:latin typeface="+mn-lt"/>
+                <a:ea typeface="+mn-ea"/>
+                <a:cs typeface="+mn-cs"/>
+              </a:defRPr>
+            </a:lvl8pPr>
+            <a:lvl9pPr marL="4114800" indent="-384048" algn="l" defTabSz="914400" rtl="0" eaLnBrk="1" latinLnBrk="0" hangingPunct="1">
+              <a:lnSpc>
+                <a:spcPct val="94000"/>
+              </a:lnSpc>
+              <a:spcBef>
+                <a:spcPts val="500"/>
+              </a:spcBef>
+              <a:spcAft>
+                <a:spcPts val="200"/>
+              </a:spcAft>
+              <a:buFont typeface="Franklin Gothic Book" panose="020B0503020102020204" pitchFamily="34" charset="0"/>
+              <a:buChar char="■"/>
+              <a:defRPr kumimoji="1" sz="1400" kern="1200" baseline="0">
+                <a:solidFill>
+                  <a:schemeClr val="tx2"/>
+                </a:solidFill>
+                <a:latin typeface="+mn-lt"/>
+                <a:ea typeface="+mn-ea"/>
+                <a:cs typeface="+mn-cs"/>
+              </a:defRPr>
+            </a:lvl9pPr>
+          </a:lstStyle>
+          <a:p>
+            <a:pPr>
+              <a:lnSpc>
+                <a:spcPct val="160000"/>
+              </a:lnSpc>
+            </a:pPr>
+            <a:r>
+              <a:rPr lang="ja-JP" altLang="en-US" sz="2600" dirty="0"/>
+              <a:t>成功回数が多い順にランクづけ</a:t>
+            </a:r>
+            <a:endParaRPr lang="en-US" altLang="ja-JP" sz="2600" dirty="0"/>
+          </a:p>
+          <a:p>
+            <a:pPr>
+              <a:lnSpc>
+                <a:spcPct val="160000"/>
+              </a:lnSpc>
+            </a:pPr>
+            <a:r>
+              <a:rPr lang="ja-JP" altLang="en-US" sz="2600" dirty="0"/>
+              <a:t>ゲーム性を付与しユーザーの競争心を煽る</a:t>
+            </a:r>
+            <a:endParaRPr lang="en-US" altLang="ja-JP" sz="2600" dirty="0"/>
           </a:p>
         </p:txBody>
       </p:sp>
       <p:pic>
         <p:nvPicPr>
-          <p:cNvPr id="5" name="コンテンツ プレースホルダー 4">
+          <p:cNvPr id="8" name="コンテンツ プレースホルダー 4">
             <a:extLst>
               <a:ext uri="{FF2B5EF4-FFF2-40B4-BE49-F238E27FC236}">
-                <a16:creationId xmlns:a16="http://schemas.microsoft.com/office/drawing/2014/main" id="{9A5365A1-00A8-44E1-B295-783A562888E4}"/>
+                <a16:creationId xmlns:a16="http://schemas.microsoft.com/office/drawing/2014/main" id="{2CA3C192-8182-4354-ABBA-99A0A8DA7C1F}"/>
               </a:ext>
             </a:extLst>
           </p:cNvPr>
           <p:cNvPicPr>
-            <a:picLocks noGrp="1" noChangeAspect="1"/>
+            <a:picLocks noChangeAspect="1"/>
           </p:cNvPicPr>
-          <p:nvPr>
-            <p:ph idx="1"/>
-          </p:nvPr>
+          <p:nvPr/>
         </p:nvPicPr>
         <p:blipFill>
           <a:blip r:embed="rId2">
@@ -4893,55 +10313,18 @@
         </p:blipFill>
         <p:spPr>
           <a:xfrm>
-            <a:off x="8144047" y="-4258"/>
+            <a:off x="8184442" y="-4258"/>
             <a:ext cx="4007558" cy="6862258"/>
-          </a:xfrm>
-        </p:spPr>
-      </p:pic>
-      <p:sp>
-        <p:nvSpPr>
-          <p:cNvPr id="6" name="テキスト ボックス 5">
-            <a:extLst>
-              <a:ext uri="{FF2B5EF4-FFF2-40B4-BE49-F238E27FC236}">
-                <a16:creationId xmlns:a16="http://schemas.microsoft.com/office/drawing/2014/main" id="{9DBFE811-2FD2-4778-866B-BEC92F7BE44E}"/>
-              </a:ext>
-            </a:extLst>
-          </p:cNvPr>
-          <p:cNvSpPr txBox="1"/>
-          <p:nvPr/>
-        </p:nvSpPr>
-        <p:spPr>
-          <a:xfrm>
-            <a:off x="845127" y="1545996"/>
-            <a:ext cx="4971211" cy="954107"/>
           </a:xfrm>
           <a:prstGeom prst="rect">
             <a:avLst/>
           </a:prstGeom>
-          <a:noFill/>
         </p:spPr>
-        <p:txBody>
-          <a:bodyPr wrap="square" rtlCol="0">
-            <a:spAutoFit/>
-          </a:bodyPr>
-          <a:lstStyle/>
-          <a:p>
-            <a:pPr marL="342900" indent="-342900">
-              <a:buFont typeface="Arial" panose="020B0604020202020204" pitchFamily="34" charset="0"/>
-              <a:buChar char="•"/>
-            </a:pPr>
-            <a:r>
-              <a:rPr kumimoji="1" lang="ja-JP" altLang="en-US" sz="2800" dirty="0"/>
-              <a:t>総成功回数上位１０人の名前と成功回数を表示</a:t>
-            </a:r>
-            <a:endParaRPr kumimoji="1" lang="en-US" altLang="ja-JP" sz="2800" dirty="0"/>
-          </a:p>
-        </p:txBody>
-      </p:sp>
+      </p:pic>
     </p:spTree>
     <p:extLst>
       <p:ext uri="{BB962C8B-B14F-4D97-AF65-F5344CB8AC3E}">
-        <p14:creationId xmlns:p14="http://schemas.microsoft.com/office/powerpoint/2010/main" val="2755573468"/>
+        <p14:creationId xmlns:p14="http://schemas.microsoft.com/office/powerpoint/2010/main" val="3118359407"/>
       </p:ext>
     </p:extLst>
   </p:cSld>
@@ -5202,4 +10585,262 @@
   <a:objectDefaults/>
   <a:extraClrSchemeLst/>
 </a:theme>
+</file>
+
+<file path=ppt/theme/theme2.xml><?xml version="1.0" encoding="utf-8"?>
+<a:theme xmlns:a="http://schemas.openxmlformats.org/drawingml/2006/main" name="トリミング">
+  <a:themeElements>
+    <a:clrScheme name="Office 2007-2010">
+      <a:dk1>
+        <a:sysClr val="windowText" lastClr="000000"/>
+      </a:dk1>
+      <a:lt1>
+        <a:sysClr val="window" lastClr="FFFFFF"/>
+      </a:lt1>
+      <a:dk2>
+        <a:srgbClr val="1F497D"/>
+      </a:dk2>
+      <a:lt2>
+        <a:srgbClr val="EEECE1"/>
+      </a:lt2>
+      <a:accent1>
+        <a:srgbClr val="4F81BD"/>
+      </a:accent1>
+      <a:accent2>
+        <a:srgbClr val="C0504D"/>
+      </a:accent2>
+      <a:accent3>
+        <a:srgbClr val="9BBB59"/>
+      </a:accent3>
+      <a:accent4>
+        <a:srgbClr val="8064A2"/>
+      </a:accent4>
+      <a:accent5>
+        <a:srgbClr val="4BACC6"/>
+      </a:accent5>
+      <a:accent6>
+        <a:srgbClr val="F79646"/>
+      </a:accent6>
+      <a:hlink>
+        <a:srgbClr val="0000FF"/>
+      </a:hlink>
+      <a:folHlink>
+        <a:srgbClr val="800080"/>
+      </a:folHlink>
+    </a:clrScheme>
+    <a:fontScheme name="トリミング">
+      <a:majorFont>
+        <a:latin typeface="Franklin Gothic Book" panose="020B0503020102020204"/>
+        <a:ea typeface=""/>
+        <a:cs typeface=""/>
+        <a:font script="Jpan" typeface="メイリオ"/>
+        <a:font script="Hang" typeface="돋움"/>
+        <a:font script="Hans" typeface="华文楷体"/>
+        <a:font script="Hant" typeface="微軟正黑體"/>
+        <a:font script="Arab" typeface="Tahoma"/>
+        <a:font script="Hebr" typeface="Aharoni"/>
+        <a:font script="Thai" typeface="LilyUPC"/>
+        <a:font script="Ethi" typeface="Nyala"/>
+        <a:font script="Beng" typeface="Vrinda"/>
+        <a:font script="Gujr" typeface="Shruti"/>
+        <a:font script="Khmr" typeface="DaunPenh"/>
+        <a:font script="Knda" typeface="Tunga"/>
+        <a:font script="Guru" typeface="Raavi"/>
+        <a:font script="Cans" typeface="Euphemia"/>
+        <a:font script="Cher" typeface="Plantagenet Cherokee"/>
+        <a:font script="Yiii" typeface="Microsoft Yi Baiti"/>
+        <a:font script="Tibt" typeface="Microsoft Himalaya"/>
+        <a:font script="Thaa" typeface="MV Boli"/>
+        <a:font script="Deva" typeface="Mangal"/>
+        <a:font script="Telu" typeface="Gautami"/>
+        <a:font script="Taml" typeface="Latha"/>
+        <a:font script="Syrc" typeface="Estrangelo Edessa"/>
+        <a:font script="Orya" typeface="Kalinga"/>
+        <a:font script="Mlym" typeface="Kartika"/>
+        <a:font script="Laoo" typeface="DokChampa"/>
+        <a:font script="Sinh" typeface="Iskoola Pota"/>
+        <a:font script="Mong" typeface="Mongolian Baiti"/>
+        <a:font script="Viet" typeface="Tahoma"/>
+        <a:font script="Uigh" typeface="Microsoft Uighur"/>
+        <a:font script="Geor" typeface="Sylfaen"/>
+      </a:majorFont>
+      <a:minorFont>
+        <a:latin typeface="Franklin Gothic Book" panose="020B0503020102020204"/>
+        <a:ea typeface=""/>
+        <a:cs typeface=""/>
+        <a:font script="Jpan" typeface="メイリオ"/>
+        <a:font script="Hang" typeface="돋움"/>
+        <a:font script="Hans" typeface="华文楷体"/>
+        <a:font script="Hant" typeface="微軟正黑體"/>
+        <a:font script="Arab" typeface="Tahoma"/>
+        <a:font script="Hebr" typeface="Aharoni"/>
+        <a:font script="Thai" typeface="LilyUPC"/>
+        <a:font script="Ethi" typeface="Nyala"/>
+        <a:font script="Beng" typeface="Vrinda"/>
+        <a:font script="Gujr" typeface="Shruti"/>
+        <a:font script="Khmr" typeface="DaunPenh"/>
+        <a:font script="Knda" typeface="Tunga"/>
+        <a:font script="Guru" typeface="Raavi"/>
+        <a:font script="Cans" typeface="Euphemia"/>
+        <a:font script="Cher" typeface="Plantagenet Cherokee"/>
+        <a:font script="Yiii" typeface="Microsoft Yi Baiti"/>
+        <a:font script="Tibt" typeface="Microsoft Himalaya"/>
+        <a:font script="Thaa" typeface="MV Boli"/>
+        <a:font script="Deva" typeface="Mangal"/>
+        <a:font script="Telu" typeface="Gautami"/>
+        <a:font script="Taml" typeface="Latha"/>
+        <a:font script="Syrc" typeface="Estrangelo Edessa"/>
+        <a:font script="Orya" typeface="Kalinga"/>
+        <a:font script="Mlym" typeface="Kartika"/>
+        <a:font script="Laoo" typeface="DokChampa"/>
+        <a:font script="Sinh" typeface="Iskoola Pota"/>
+        <a:font script="Mong" typeface="Mongolian Baiti"/>
+        <a:font script="Viet" typeface="Tahoma"/>
+        <a:font script="Uigh" typeface="Microsoft Uighur"/>
+        <a:font script="Geor" typeface="Sylfaen"/>
+      </a:minorFont>
+    </a:fontScheme>
+    <a:fmtScheme name="トリミング">
+      <a:fillStyleLst>
+        <a:solidFill>
+          <a:schemeClr val="phClr"/>
+        </a:solidFill>
+        <a:gradFill rotWithShape="1">
+          <a:gsLst>
+            <a:gs pos="0">
+              <a:schemeClr val="phClr">
+                <a:tint val="67000"/>
+                <a:satMod val="105000"/>
+                <a:lumMod val="110000"/>
+              </a:schemeClr>
+            </a:gs>
+            <a:gs pos="50000">
+              <a:schemeClr val="phClr">
+                <a:tint val="73000"/>
+                <a:satMod val="103000"/>
+                <a:lumMod val="105000"/>
+              </a:schemeClr>
+            </a:gs>
+            <a:gs pos="100000">
+              <a:schemeClr val="phClr">
+                <a:tint val="81000"/>
+                <a:satMod val="109000"/>
+                <a:lumMod val="105000"/>
+              </a:schemeClr>
+            </a:gs>
+          </a:gsLst>
+          <a:lin ang="5400000" scaled="0"/>
+        </a:gradFill>
+        <a:gradFill rotWithShape="1">
+          <a:gsLst>
+            <a:gs pos="0">
+              <a:schemeClr val="phClr">
+                <a:tint val="94000"/>
+                <a:satMod val="103000"/>
+                <a:lumMod val="102000"/>
+              </a:schemeClr>
+            </a:gs>
+            <a:gs pos="50000">
+              <a:schemeClr val="phClr">
+                <a:shade val="100000"/>
+                <a:satMod val="110000"/>
+                <a:lumMod val="100000"/>
+              </a:schemeClr>
+            </a:gs>
+            <a:gs pos="100000">
+              <a:schemeClr val="phClr">
+                <a:shade val="78000"/>
+                <a:satMod val="120000"/>
+                <a:lumMod val="99000"/>
+              </a:schemeClr>
+            </a:gs>
+          </a:gsLst>
+          <a:lin ang="5400000" scaled="0"/>
+        </a:gradFill>
+      </a:fillStyleLst>
+      <a:lnStyleLst>
+        <a:ln w="6350" cap="flat" cmpd="sng" algn="in">
+          <a:solidFill>
+            <a:schemeClr val="phClr"/>
+          </a:solidFill>
+          <a:prstDash val="solid"/>
+        </a:ln>
+        <a:ln w="34925" cap="flat" cmpd="sng" algn="in">
+          <a:solidFill>
+            <a:schemeClr val="phClr"/>
+          </a:solidFill>
+          <a:prstDash val="solid"/>
+        </a:ln>
+        <a:ln w="19050" cap="flat" cmpd="sng" algn="in">
+          <a:solidFill>
+            <a:schemeClr val="phClr"/>
+          </a:solidFill>
+          <a:prstDash val="solid"/>
+        </a:ln>
+      </a:lnStyleLst>
+      <a:effectStyleLst>
+        <a:effectStyle>
+          <a:effectLst/>
+        </a:effectStyle>
+        <a:effectStyle>
+          <a:effectLst/>
+        </a:effectStyle>
+        <a:effectStyle>
+          <a:effectLst>
+            <a:outerShdw blurRad="57150" dist="19050" dir="5400000" algn="ctr" rotWithShape="0">
+              <a:srgbClr val="000000">
+                <a:alpha val="35000"/>
+              </a:srgbClr>
+            </a:outerShdw>
+          </a:effectLst>
+        </a:effectStyle>
+      </a:effectStyleLst>
+      <a:bgFillStyleLst>
+        <a:solidFill>
+          <a:schemeClr val="phClr"/>
+        </a:solidFill>
+        <a:solidFill>
+          <a:schemeClr val="phClr">
+            <a:tint val="95000"/>
+            <a:satMod val="170000"/>
+          </a:schemeClr>
+        </a:solidFill>
+        <a:gradFill rotWithShape="1">
+          <a:gsLst>
+            <a:gs pos="0">
+              <a:schemeClr val="phClr">
+                <a:tint val="93000"/>
+                <a:shade val="98000"/>
+                <a:satMod val="150000"/>
+                <a:lumMod val="102000"/>
+              </a:schemeClr>
+            </a:gs>
+            <a:gs pos="50000">
+              <a:schemeClr val="phClr">
+                <a:tint val="98000"/>
+                <a:shade val="90000"/>
+                <a:satMod val="130000"/>
+                <a:lumMod val="103000"/>
+              </a:schemeClr>
+            </a:gs>
+            <a:gs pos="100000">
+              <a:schemeClr val="phClr">
+                <a:shade val="63000"/>
+                <a:satMod val="120000"/>
+              </a:schemeClr>
+            </a:gs>
+          </a:gsLst>
+          <a:lin ang="5400000" scaled="0"/>
+        </a:gradFill>
+      </a:bgFillStyleLst>
+    </a:fmtScheme>
+  </a:themeElements>
+  <a:objectDefaults/>
+  <a:extraClrSchemeLst/>
+  <a:extLst>
+    <a:ext uri="{05A4C25C-085E-4340-85A3-A5531E510DB2}">
+      <thm15:themeFamily xmlns:thm15="http://schemas.microsoft.com/office/thememl/2012/main" name="Crop" id="{EC9488ED-E761-4D60-9AC4-764D1FE2C171}" vid="{CE19780C-D67D-4C13-9DE9-A52BC3BA51B4}"/>
+    </a:ext>
+  </a:extLst>
+</a:theme>
 </file>
--- a/htmlcss/pptx/teamF.pptx
+++ b/htmlcss/pptx/teamF.pptx
@@ -5,16 +5,23 @@
     <p:sldMasterId id="2147483678" r:id="rId1"/>
     <p:sldMasterId id="2147483690" r:id="rId2"/>
   </p:sldMasterIdLst>
+  <p:notesMasterIdLst>
+    <p:notesMasterId r:id="rId16"/>
+  </p:notesMasterIdLst>
   <p:sldIdLst>
     <p:sldId id="256" r:id="rId3"/>
-    <p:sldId id="257" r:id="rId4"/>
-    <p:sldId id="258" r:id="rId5"/>
-    <p:sldId id="259" r:id="rId6"/>
-    <p:sldId id="265" r:id="rId7"/>
-    <p:sldId id="266" r:id="rId8"/>
-    <p:sldId id="267" r:id="rId9"/>
-    <p:sldId id="268" r:id="rId10"/>
-    <p:sldId id="269" r:id="rId11"/>
+    <p:sldId id="258" r:id="rId4"/>
+    <p:sldId id="275" r:id="rId5"/>
+    <p:sldId id="271" r:id="rId6"/>
+    <p:sldId id="273" r:id="rId7"/>
+    <p:sldId id="259" r:id="rId8"/>
+    <p:sldId id="265" r:id="rId9"/>
+    <p:sldId id="266" r:id="rId10"/>
+    <p:sldId id="267" r:id="rId11"/>
+    <p:sldId id="268" r:id="rId12"/>
+    <p:sldId id="269" r:id="rId13"/>
+    <p:sldId id="274" r:id="rId14"/>
+    <p:sldId id="270" r:id="rId15"/>
   </p:sldIdLst>
   <p:sldSz cx="12192000" cy="6858000"/>
   <p:notesSz cx="6858000" cy="9144000"/>
@@ -446,6 +453,589 @@
 </pc:chgInfo>
 </file>
 
+<file path=ppt/notesMasters/notesMaster1.xml><?xml version="1.0" encoding="utf-8"?>
+<p:notesMaster xmlns:a="http://schemas.openxmlformats.org/drawingml/2006/main" xmlns:r="http://schemas.openxmlformats.org/officeDocument/2006/relationships" xmlns:p="http://schemas.openxmlformats.org/presentationml/2006/main">
+  <p:cSld>
+    <p:bg>
+      <p:bgRef idx="1001">
+        <a:schemeClr val="bg1"/>
+      </p:bgRef>
+    </p:bg>
+    <p:spTree>
+      <p:nvGrpSpPr>
+        <p:cNvPr id="1" name=""/>
+        <p:cNvGrpSpPr/>
+        <p:nvPr/>
+      </p:nvGrpSpPr>
+      <p:grpSpPr>
+        <a:xfrm>
+          <a:off x="0" y="0"/>
+          <a:ext cx="0" cy="0"/>
+          <a:chOff x="0" y="0"/>
+          <a:chExt cx="0" cy="0"/>
+        </a:xfrm>
+      </p:grpSpPr>
+      <p:sp>
+        <p:nvSpPr>
+          <p:cNvPr id="2" name="ヘッダー プレースホルダー 1"/>
+          <p:cNvSpPr>
+            <a:spLocks noGrp="1"/>
+          </p:cNvSpPr>
+          <p:nvPr>
+            <p:ph type="hdr" sz="quarter"/>
+          </p:nvPr>
+        </p:nvSpPr>
+        <p:spPr>
+          <a:xfrm>
+            <a:off x="0" y="0"/>
+            <a:ext cx="2971800" cy="458788"/>
+          </a:xfrm>
+          <a:prstGeom prst="rect">
+            <a:avLst/>
+          </a:prstGeom>
+        </p:spPr>
+        <p:txBody>
+          <a:bodyPr vert="horz" lIns="91440" tIns="45720" rIns="91440" bIns="45720" rtlCol="0"/>
+          <a:lstStyle>
+            <a:lvl1pPr algn="l">
+              <a:defRPr sz="1200"/>
+            </a:lvl1pPr>
+          </a:lstStyle>
+          <a:p>
+            <a:endParaRPr kumimoji="1" lang="ja-JP" altLang="en-US"/>
+          </a:p>
+        </p:txBody>
+      </p:sp>
+      <p:sp>
+        <p:nvSpPr>
+          <p:cNvPr id="3" name="日付プレースホルダー 2"/>
+          <p:cNvSpPr>
+            <a:spLocks noGrp="1"/>
+          </p:cNvSpPr>
+          <p:nvPr>
+            <p:ph type="dt" idx="1"/>
+          </p:nvPr>
+        </p:nvSpPr>
+        <p:spPr>
+          <a:xfrm>
+            <a:off x="3884613" y="0"/>
+            <a:ext cx="2971800" cy="458788"/>
+          </a:xfrm>
+          <a:prstGeom prst="rect">
+            <a:avLst/>
+          </a:prstGeom>
+        </p:spPr>
+        <p:txBody>
+          <a:bodyPr vert="horz" lIns="91440" tIns="45720" rIns="91440" bIns="45720" rtlCol="0"/>
+          <a:lstStyle>
+            <a:lvl1pPr algn="r">
+              <a:defRPr sz="1200"/>
+            </a:lvl1pPr>
+          </a:lstStyle>
+          <a:p>
+            <a:fld id="{D9444EDF-A20E-400C-A2EB-E3A058360EFB}" type="datetimeFigureOut">
+              <a:rPr kumimoji="1" lang="ja-JP" altLang="en-US" smtClean="0"/>
+              <a:t>2018/5/5</a:t>
+            </a:fld>
+            <a:endParaRPr kumimoji="1" lang="ja-JP" altLang="en-US"/>
+          </a:p>
+        </p:txBody>
+      </p:sp>
+      <p:sp>
+        <p:nvSpPr>
+          <p:cNvPr id="4" name="スライド イメージ プレースホルダー 3"/>
+          <p:cNvSpPr>
+            <a:spLocks noGrp="1" noRot="1" noChangeAspect="1"/>
+          </p:cNvSpPr>
+          <p:nvPr>
+            <p:ph type="sldImg" idx="2"/>
+          </p:nvPr>
+        </p:nvSpPr>
+        <p:spPr>
+          <a:xfrm>
+            <a:off x="685800" y="1143000"/>
+            <a:ext cx="5486400" cy="3086100"/>
+          </a:xfrm>
+          <a:prstGeom prst="rect">
+            <a:avLst/>
+          </a:prstGeom>
+          <a:noFill/>
+          <a:ln w="12700">
+            <a:solidFill>
+              <a:prstClr val="black"/>
+            </a:solidFill>
+          </a:ln>
+        </p:spPr>
+        <p:txBody>
+          <a:bodyPr vert="horz" lIns="91440" tIns="45720" rIns="91440" bIns="45720" rtlCol="0" anchor="ctr"/>
+          <a:lstStyle/>
+          <a:p>
+            <a:endParaRPr lang="ja-JP" altLang="en-US"/>
+          </a:p>
+        </p:txBody>
+      </p:sp>
+      <p:sp>
+        <p:nvSpPr>
+          <p:cNvPr id="5" name="ノート プレースホルダー 4"/>
+          <p:cNvSpPr>
+            <a:spLocks noGrp="1"/>
+          </p:cNvSpPr>
+          <p:nvPr>
+            <p:ph type="body" sz="quarter" idx="3"/>
+          </p:nvPr>
+        </p:nvSpPr>
+        <p:spPr>
+          <a:xfrm>
+            <a:off x="685800" y="4400550"/>
+            <a:ext cx="5486400" cy="3600450"/>
+          </a:xfrm>
+          <a:prstGeom prst="rect">
+            <a:avLst/>
+          </a:prstGeom>
+        </p:spPr>
+        <p:txBody>
+          <a:bodyPr vert="horz" lIns="91440" tIns="45720" rIns="91440" bIns="45720" rtlCol="0"/>
+          <a:lstStyle/>
+          <a:p>
+            <a:pPr lvl="0"/>
+            <a:r>
+              <a:rPr kumimoji="1" lang="ja-JP" altLang="en-US"/>
+              <a:t>マスター テキストの書式設定</a:t>
+            </a:r>
+          </a:p>
+          <a:p>
+            <a:pPr lvl="1"/>
+            <a:r>
+              <a:rPr kumimoji="1" lang="ja-JP" altLang="en-US"/>
+              <a:t>第 </a:t>
+            </a:r>
+            <a:r>
+              <a:rPr kumimoji="1" lang="en-US" altLang="ja-JP"/>
+              <a:t>2 </a:t>
+            </a:r>
+            <a:r>
+              <a:rPr kumimoji="1" lang="ja-JP" altLang="en-US"/>
+              <a:t>レベル</a:t>
+            </a:r>
+          </a:p>
+          <a:p>
+            <a:pPr lvl="2"/>
+            <a:r>
+              <a:rPr kumimoji="1" lang="ja-JP" altLang="en-US"/>
+              <a:t>第 </a:t>
+            </a:r>
+            <a:r>
+              <a:rPr kumimoji="1" lang="en-US" altLang="ja-JP"/>
+              <a:t>3 </a:t>
+            </a:r>
+            <a:r>
+              <a:rPr kumimoji="1" lang="ja-JP" altLang="en-US"/>
+              <a:t>レベル</a:t>
+            </a:r>
+          </a:p>
+          <a:p>
+            <a:pPr lvl="3"/>
+            <a:r>
+              <a:rPr kumimoji="1" lang="ja-JP" altLang="en-US"/>
+              <a:t>第 </a:t>
+            </a:r>
+            <a:r>
+              <a:rPr kumimoji="1" lang="en-US" altLang="ja-JP"/>
+              <a:t>4 </a:t>
+            </a:r>
+            <a:r>
+              <a:rPr kumimoji="1" lang="ja-JP" altLang="en-US"/>
+              <a:t>レベル</a:t>
+            </a:r>
+          </a:p>
+          <a:p>
+            <a:pPr lvl="4"/>
+            <a:r>
+              <a:rPr kumimoji="1" lang="ja-JP" altLang="en-US"/>
+              <a:t>第 </a:t>
+            </a:r>
+            <a:r>
+              <a:rPr kumimoji="1" lang="en-US" altLang="ja-JP"/>
+              <a:t>5 </a:t>
+            </a:r>
+            <a:r>
+              <a:rPr kumimoji="1" lang="ja-JP" altLang="en-US"/>
+              <a:t>レベル</a:t>
+            </a:r>
+          </a:p>
+        </p:txBody>
+      </p:sp>
+      <p:sp>
+        <p:nvSpPr>
+          <p:cNvPr id="6" name="フッター プレースホルダー 5"/>
+          <p:cNvSpPr>
+            <a:spLocks noGrp="1"/>
+          </p:cNvSpPr>
+          <p:nvPr>
+            <p:ph type="ftr" sz="quarter" idx="4"/>
+          </p:nvPr>
+        </p:nvSpPr>
+        <p:spPr>
+          <a:xfrm>
+            <a:off x="0" y="8685213"/>
+            <a:ext cx="2971800" cy="458787"/>
+          </a:xfrm>
+          <a:prstGeom prst="rect">
+            <a:avLst/>
+          </a:prstGeom>
+        </p:spPr>
+        <p:txBody>
+          <a:bodyPr vert="horz" lIns="91440" tIns="45720" rIns="91440" bIns="45720" rtlCol="0" anchor="b"/>
+          <a:lstStyle>
+            <a:lvl1pPr algn="l">
+              <a:defRPr sz="1200"/>
+            </a:lvl1pPr>
+          </a:lstStyle>
+          <a:p>
+            <a:endParaRPr kumimoji="1" lang="ja-JP" altLang="en-US"/>
+          </a:p>
+        </p:txBody>
+      </p:sp>
+      <p:sp>
+        <p:nvSpPr>
+          <p:cNvPr id="7" name="スライド番号プレースホルダー 6"/>
+          <p:cNvSpPr>
+            <a:spLocks noGrp="1"/>
+          </p:cNvSpPr>
+          <p:nvPr>
+            <p:ph type="sldNum" sz="quarter" idx="5"/>
+          </p:nvPr>
+        </p:nvSpPr>
+        <p:spPr>
+          <a:xfrm>
+            <a:off x="3884613" y="8685213"/>
+            <a:ext cx="2971800" cy="458787"/>
+          </a:xfrm>
+          <a:prstGeom prst="rect">
+            <a:avLst/>
+          </a:prstGeom>
+        </p:spPr>
+        <p:txBody>
+          <a:bodyPr vert="horz" lIns="91440" tIns="45720" rIns="91440" bIns="45720" rtlCol="0" anchor="b"/>
+          <a:lstStyle>
+            <a:lvl1pPr algn="r">
+              <a:defRPr sz="1200"/>
+            </a:lvl1pPr>
+          </a:lstStyle>
+          <a:p>
+            <a:fld id="{A8A8DD14-22AC-4224-8BB6-7BC245296FBD}" type="slidenum">
+              <a:rPr kumimoji="1" lang="ja-JP" altLang="en-US" smtClean="0"/>
+              <a:t>‹#›</a:t>
+            </a:fld>
+            <a:endParaRPr kumimoji="1" lang="ja-JP" altLang="en-US"/>
+          </a:p>
+        </p:txBody>
+      </p:sp>
+    </p:spTree>
+    <p:extLst>
+      <p:ext uri="{BB962C8B-B14F-4D97-AF65-F5344CB8AC3E}">
+        <p14:creationId xmlns:p14="http://schemas.microsoft.com/office/powerpoint/2010/main" val="1547821588"/>
+      </p:ext>
+    </p:extLst>
+  </p:cSld>
+  <p:clrMap bg1="lt1" tx1="dk1" bg2="lt2" tx2="dk2" accent1="accent1" accent2="accent2" accent3="accent3" accent4="accent4" accent5="accent5" accent6="accent6" hlink="hlink" folHlink="folHlink"/>
+  <p:notesStyle>
+    <a:lvl1pPr marL="0" algn="l" defTabSz="914400" rtl="0" eaLnBrk="1" latinLnBrk="0" hangingPunct="1">
+      <a:defRPr kumimoji="1" sz="1200" kern="1200">
+        <a:solidFill>
+          <a:schemeClr val="tx1"/>
+        </a:solidFill>
+        <a:latin typeface="+mn-lt"/>
+        <a:ea typeface="+mn-ea"/>
+        <a:cs typeface="+mn-cs"/>
+      </a:defRPr>
+    </a:lvl1pPr>
+    <a:lvl2pPr marL="457200" algn="l" defTabSz="914400" rtl="0" eaLnBrk="1" latinLnBrk="0" hangingPunct="1">
+      <a:defRPr kumimoji="1" sz="1200" kern="1200">
+        <a:solidFill>
+          <a:schemeClr val="tx1"/>
+        </a:solidFill>
+        <a:latin typeface="+mn-lt"/>
+        <a:ea typeface="+mn-ea"/>
+        <a:cs typeface="+mn-cs"/>
+      </a:defRPr>
+    </a:lvl2pPr>
+    <a:lvl3pPr marL="914400" algn="l" defTabSz="914400" rtl="0" eaLnBrk="1" latinLnBrk="0" hangingPunct="1">
+      <a:defRPr kumimoji="1" sz="1200" kern="1200">
+        <a:solidFill>
+          <a:schemeClr val="tx1"/>
+        </a:solidFill>
+        <a:latin typeface="+mn-lt"/>
+        <a:ea typeface="+mn-ea"/>
+        <a:cs typeface="+mn-cs"/>
+      </a:defRPr>
+    </a:lvl3pPr>
+    <a:lvl4pPr marL="1371600" algn="l" defTabSz="914400" rtl="0" eaLnBrk="1" latinLnBrk="0" hangingPunct="1">
+      <a:defRPr kumimoji="1" sz="1200" kern="1200">
+        <a:solidFill>
+          <a:schemeClr val="tx1"/>
+        </a:solidFill>
+        <a:latin typeface="+mn-lt"/>
+        <a:ea typeface="+mn-ea"/>
+        <a:cs typeface="+mn-cs"/>
+      </a:defRPr>
+    </a:lvl4pPr>
+    <a:lvl5pPr marL="1828800" algn="l" defTabSz="914400" rtl="0" eaLnBrk="1" latinLnBrk="0" hangingPunct="1">
+      <a:defRPr kumimoji="1" sz="1200" kern="1200">
+        <a:solidFill>
+          <a:schemeClr val="tx1"/>
+        </a:solidFill>
+        <a:latin typeface="+mn-lt"/>
+        <a:ea typeface="+mn-ea"/>
+        <a:cs typeface="+mn-cs"/>
+      </a:defRPr>
+    </a:lvl5pPr>
+    <a:lvl6pPr marL="2286000" algn="l" defTabSz="914400" rtl="0" eaLnBrk="1" latinLnBrk="0" hangingPunct="1">
+      <a:defRPr kumimoji="1" sz="1200" kern="1200">
+        <a:solidFill>
+          <a:schemeClr val="tx1"/>
+        </a:solidFill>
+        <a:latin typeface="+mn-lt"/>
+        <a:ea typeface="+mn-ea"/>
+        <a:cs typeface="+mn-cs"/>
+      </a:defRPr>
+    </a:lvl6pPr>
+    <a:lvl7pPr marL="2743200" algn="l" defTabSz="914400" rtl="0" eaLnBrk="1" latinLnBrk="0" hangingPunct="1">
+      <a:defRPr kumimoji="1" sz="1200" kern="1200">
+        <a:solidFill>
+          <a:schemeClr val="tx1"/>
+        </a:solidFill>
+        <a:latin typeface="+mn-lt"/>
+        <a:ea typeface="+mn-ea"/>
+        <a:cs typeface="+mn-cs"/>
+      </a:defRPr>
+    </a:lvl7pPr>
+    <a:lvl8pPr marL="3200400" algn="l" defTabSz="914400" rtl="0" eaLnBrk="1" latinLnBrk="0" hangingPunct="1">
+      <a:defRPr kumimoji="1" sz="1200" kern="1200">
+        <a:solidFill>
+          <a:schemeClr val="tx1"/>
+        </a:solidFill>
+        <a:latin typeface="+mn-lt"/>
+        <a:ea typeface="+mn-ea"/>
+        <a:cs typeface="+mn-cs"/>
+      </a:defRPr>
+    </a:lvl8pPr>
+    <a:lvl9pPr marL="3657600" algn="l" defTabSz="914400" rtl="0" eaLnBrk="1" latinLnBrk="0" hangingPunct="1">
+      <a:defRPr kumimoji="1" sz="1200" kern="1200">
+        <a:solidFill>
+          <a:schemeClr val="tx1"/>
+        </a:solidFill>
+        <a:latin typeface="+mn-lt"/>
+        <a:ea typeface="+mn-ea"/>
+        <a:cs typeface="+mn-cs"/>
+      </a:defRPr>
+    </a:lvl9pPr>
+  </p:notesStyle>
+</p:notesMaster>
+</file>
+
+<file path=ppt/notesSlides/notesSlide1.xml><?xml version="1.0" encoding="utf-8"?>
+<p:notes xmlns:a="http://schemas.openxmlformats.org/drawingml/2006/main" xmlns:r="http://schemas.openxmlformats.org/officeDocument/2006/relationships" xmlns:p="http://schemas.openxmlformats.org/presentationml/2006/main">
+  <p:cSld>
+    <p:spTree>
+      <p:nvGrpSpPr>
+        <p:cNvPr id="1" name=""/>
+        <p:cNvGrpSpPr/>
+        <p:nvPr/>
+      </p:nvGrpSpPr>
+      <p:grpSpPr>
+        <a:xfrm>
+          <a:off x="0" y="0"/>
+          <a:ext cx="0" cy="0"/>
+          <a:chOff x="0" y="0"/>
+          <a:chExt cx="0" cy="0"/>
+        </a:xfrm>
+      </p:grpSpPr>
+      <p:sp>
+        <p:nvSpPr>
+          <p:cNvPr id="2" name="スライド イメージ プレースホルダー 1"/>
+          <p:cNvSpPr>
+            <a:spLocks noGrp="1" noRot="1" noChangeAspect="1"/>
+          </p:cNvSpPr>
+          <p:nvPr>
+            <p:ph type="sldImg"/>
+          </p:nvPr>
+        </p:nvSpPr>
+        <p:spPr/>
+      </p:sp>
+      <p:sp>
+        <p:nvSpPr>
+          <p:cNvPr id="3" name="ノート プレースホルダー 2"/>
+          <p:cNvSpPr>
+            <a:spLocks noGrp="1"/>
+          </p:cNvSpPr>
+          <p:nvPr>
+            <p:ph type="body" idx="1"/>
+          </p:nvPr>
+        </p:nvSpPr>
+        <p:spPr/>
+        <p:txBody>
+          <a:bodyPr/>
+          <a:lstStyle/>
+          <a:p>
+            <a:r>
+              <a:rPr kumimoji="1" lang="ja-JP" altLang="en-US" dirty="0"/>
+              <a:t>夜遅くまでゲームをしたり、プログラムを書いたり、本を読んだりして寝る時間が遅くなってしまい、翌朝起きれずに遅刻してしまう、などといった経験を一度はしたことがあるのではないでしょうか？</a:t>
+            </a:r>
+          </a:p>
+          <a:p>
+            <a:r>
+              <a:rPr kumimoji="1" lang="ja-JP" altLang="en-US" dirty="0"/>
+              <a:t>目覚ましをかけていても起きれない、そんな寝坊しがちな人にオススメなのが、目覚ましと</a:t>
+            </a:r>
+            <a:r>
+              <a:rPr kumimoji="1" lang="en-US" altLang="ja-JP" dirty="0"/>
+              <a:t>SNS</a:t>
+            </a:r>
+            <a:r>
+              <a:rPr kumimoji="1" lang="ja-JP" altLang="en-US" dirty="0"/>
+              <a:t>を掛け合わせた、オンライン目覚ましです。</a:t>
+            </a:r>
+          </a:p>
+        </p:txBody>
+      </p:sp>
+      <p:sp>
+        <p:nvSpPr>
+          <p:cNvPr id="4" name="スライド番号プレースホルダー 3"/>
+          <p:cNvSpPr>
+            <a:spLocks noGrp="1"/>
+          </p:cNvSpPr>
+          <p:nvPr>
+            <p:ph type="sldNum" sz="quarter" idx="10"/>
+          </p:nvPr>
+        </p:nvSpPr>
+        <p:spPr/>
+        <p:txBody>
+          <a:bodyPr/>
+          <a:lstStyle/>
+          <a:p>
+            <a:fld id="{A8A8DD14-22AC-4224-8BB6-7BC245296FBD}" type="slidenum">
+              <a:rPr kumimoji="1" lang="ja-JP" altLang="en-US" smtClean="0"/>
+              <a:t>1</a:t>
+            </a:fld>
+            <a:endParaRPr kumimoji="1" lang="ja-JP" altLang="en-US"/>
+          </a:p>
+        </p:txBody>
+      </p:sp>
+    </p:spTree>
+    <p:extLst>
+      <p:ext uri="{BB962C8B-B14F-4D97-AF65-F5344CB8AC3E}">
+        <p14:creationId xmlns:p14="http://schemas.microsoft.com/office/powerpoint/2010/main" val="717639980"/>
+      </p:ext>
+    </p:extLst>
+  </p:cSld>
+  <p:clrMapOvr>
+    <a:masterClrMapping/>
+  </p:clrMapOvr>
+</p:notes>
+</file>
+
+<file path=ppt/notesSlides/notesSlide2.xml><?xml version="1.0" encoding="utf-8"?>
+<p:notes xmlns:a="http://schemas.openxmlformats.org/drawingml/2006/main" xmlns:r="http://schemas.openxmlformats.org/officeDocument/2006/relationships" xmlns:p="http://schemas.openxmlformats.org/presentationml/2006/main">
+  <p:cSld>
+    <p:spTree>
+      <p:nvGrpSpPr>
+        <p:cNvPr id="1" name=""/>
+        <p:cNvGrpSpPr/>
+        <p:nvPr/>
+      </p:nvGrpSpPr>
+      <p:grpSpPr>
+        <a:xfrm>
+          <a:off x="0" y="0"/>
+          <a:ext cx="0" cy="0"/>
+          <a:chOff x="0" y="0"/>
+          <a:chExt cx="0" cy="0"/>
+        </a:xfrm>
+      </p:grpSpPr>
+      <p:sp>
+        <p:nvSpPr>
+          <p:cNvPr id="2" name="スライド イメージ プレースホルダー 1"/>
+          <p:cNvSpPr>
+            <a:spLocks noGrp="1" noRot="1" noChangeAspect="1"/>
+          </p:cNvSpPr>
+          <p:nvPr>
+            <p:ph type="sldImg"/>
+          </p:nvPr>
+        </p:nvSpPr>
+        <p:spPr/>
+      </p:sp>
+      <p:sp>
+        <p:nvSpPr>
+          <p:cNvPr id="3" name="ノート プレースホルダー 2"/>
+          <p:cNvSpPr>
+            <a:spLocks noGrp="1"/>
+          </p:cNvSpPr>
+          <p:nvPr>
+            <p:ph type="body" idx="1"/>
+          </p:nvPr>
+        </p:nvSpPr>
+        <p:spPr/>
+        <p:txBody>
+          <a:bodyPr/>
+          <a:lstStyle/>
+          <a:p>
+            <a:r>
+              <a:rPr kumimoji="1" lang="ja-JP" altLang="en-US" dirty="0"/>
+              <a:t>夜遅くまでゲームをしたり、プログラムを書いたり、本を読んだりして寝る時間が遅くなってしまい、翌朝起きれずに遅刻してしまう、などといった経験を一度はしたことがあるのではないでしょうか？</a:t>
+            </a:r>
+          </a:p>
+          <a:p>
+            <a:r>
+              <a:rPr kumimoji="1" lang="ja-JP" altLang="en-US" dirty="0"/>
+              <a:t>目覚ましをかけていても起きれない、そんな寝坊しがちな人にオススメなのが、目覚ましと</a:t>
+            </a:r>
+            <a:r>
+              <a:rPr kumimoji="1" lang="en-US" altLang="ja-JP" dirty="0"/>
+              <a:t>SNS</a:t>
+            </a:r>
+            <a:r>
+              <a:rPr kumimoji="1" lang="ja-JP" altLang="en-US" dirty="0"/>
+              <a:t>を掛け合わせた、オンライン目覚ましです。</a:t>
+            </a:r>
+          </a:p>
+        </p:txBody>
+      </p:sp>
+      <p:sp>
+        <p:nvSpPr>
+          <p:cNvPr id="4" name="スライド番号プレースホルダー 3"/>
+          <p:cNvSpPr>
+            <a:spLocks noGrp="1"/>
+          </p:cNvSpPr>
+          <p:nvPr>
+            <p:ph type="sldNum" sz="quarter" idx="10"/>
+          </p:nvPr>
+        </p:nvSpPr>
+        <p:spPr/>
+        <p:txBody>
+          <a:bodyPr/>
+          <a:lstStyle/>
+          <a:p>
+            <a:fld id="{A8A8DD14-22AC-4224-8BB6-7BC245296FBD}" type="slidenum">
+              <a:rPr kumimoji="1" lang="ja-JP" altLang="en-US" smtClean="0"/>
+              <a:t>2</a:t>
+            </a:fld>
+            <a:endParaRPr kumimoji="1" lang="ja-JP" altLang="en-US"/>
+          </a:p>
+        </p:txBody>
+      </p:sp>
+    </p:spTree>
+    <p:extLst>
+      <p:ext uri="{BB962C8B-B14F-4D97-AF65-F5344CB8AC3E}">
+        <p14:creationId xmlns:p14="http://schemas.microsoft.com/office/powerpoint/2010/main" val="1911894021"/>
+      </p:ext>
+    </p:extLst>
+  </p:cSld>
+  <p:clrMapOvr>
+    <a:masterClrMapping/>
+  </p:clrMapOvr>
+</p:notes>
+</file>
+
 <file path=ppt/slideLayouts/slideLayout1.xml><?xml version="1.0" encoding="utf-8"?>
 <p:sldLayout xmlns:a="http://schemas.openxmlformats.org/drawingml/2006/main" xmlns:r="http://schemas.openxmlformats.org/officeDocument/2006/relationships" xmlns:p="http://schemas.openxmlformats.org/presentationml/2006/main" type="title" preserve="1">
   <p:cSld name="タイトル スライド">
@@ -7612,6 +8202,907 @@
     <p:bg>
       <p:bgPr>
         <a:blipFill dpi="0" rotWithShape="1">
+          <a:blip r:embed="rId3">
+            <a:lum/>
+          </a:blip>
+          <a:srcRect/>
+          <a:stretch>
+            <a:fillRect t="-17000" b="-17000"/>
+          </a:stretch>
+        </a:blipFill>
+        <a:effectLst/>
+      </p:bgPr>
+    </p:bg>
+    <p:spTree>
+      <p:nvGrpSpPr>
+        <p:cNvPr id="1" name=""/>
+        <p:cNvGrpSpPr/>
+        <p:nvPr/>
+      </p:nvGrpSpPr>
+      <p:grpSpPr>
+        <a:xfrm>
+          <a:off x="0" y="0"/>
+          <a:ext cx="0" cy="0"/>
+          <a:chOff x="0" y="0"/>
+          <a:chExt cx="0" cy="0"/>
+        </a:xfrm>
+      </p:grpSpPr>
+      <p:sp>
+        <p:nvSpPr>
+          <p:cNvPr id="2" name="タイトル 1">
+            <a:extLst>
+              <a:ext uri="{FF2B5EF4-FFF2-40B4-BE49-F238E27FC236}">
+                <a16:creationId xmlns:a16="http://schemas.microsoft.com/office/drawing/2014/main" id="{B15A6C2A-CF5B-4BFE-B946-89790EF4F179}"/>
+              </a:ext>
+            </a:extLst>
+          </p:cNvPr>
+          <p:cNvSpPr>
+            <a:spLocks noGrp="1"/>
+          </p:cNvSpPr>
+          <p:nvPr>
+            <p:ph type="ctrTitle"/>
+          </p:nvPr>
+        </p:nvSpPr>
+        <p:spPr>
+          <a:xfrm>
+            <a:off x="749029" y="1327777"/>
+            <a:ext cx="10693942" cy="4202445"/>
+          </a:xfrm>
+        </p:spPr>
+        <p:txBody>
+          <a:bodyPr>
+            <a:noAutofit/>
+          </a:bodyPr>
+          <a:lstStyle/>
+          <a:p>
+            <a:r>
+              <a:rPr kumimoji="1" lang="ja-JP" altLang="en-US" sz="9600" dirty="0">
+                <a:solidFill>
+                  <a:schemeClr val="bg1"/>
+                </a:solidFill>
+              </a:rPr>
+              <a:t>目覚まし時計</a:t>
+            </a:r>
+            <a:br>
+              <a:rPr kumimoji="1" lang="en-US" altLang="ja-JP" sz="9600" dirty="0">
+                <a:solidFill>
+                  <a:schemeClr val="bg1"/>
+                </a:solidFill>
+              </a:rPr>
+            </a:br>
+            <a:r>
+              <a:rPr kumimoji="1" lang="en-US" altLang="ja-JP" sz="9600" dirty="0">
+                <a:solidFill>
+                  <a:schemeClr val="bg1"/>
+                </a:solidFill>
+              </a:rPr>
+              <a:t>×</a:t>
+            </a:r>
+            <a:br>
+              <a:rPr kumimoji="1" lang="en-US" altLang="ja-JP" sz="9600" dirty="0">
+                <a:solidFill>
+                  <a:schemeClr val="bg1"/>
+                </a:solidFill>
+              </a:rPr>
+            </a:br>
+            <a:r>
+              <a:rPr kumimoji="1" lang="en-US" altLang="ja-JP" sz="9600" dirty="0">
+                <a:solidFill>
+                  <a:schemeClr val="bg1"/>
+                </a:solidFill>
+              </a:rPr>
+              <a:t>SNS</a:t>
+            </a:r>
+            <a:endParaRPr kumimoji="1" lang="ja-JP" altLang="en-US" sz="9600" dirty="0">
+              <a:solidFill>
+                <a:schemeClr val="bg1"/>
+              </a:solidFill>
+            </a:endParaRPr>
+          </a:p>
+        </p:txBody>
+      </p:sp>
+      <p:sp>
+        <p:nvSpPr>
+          <p:cNvPr id="3" name="字幕 2">
+            <a:extLst>
+              <a:ext uri="{FF2B5EF4-FFF2-40B4-BE49-F238E27FC236}">
+                <a16:creationId xmlns:a16="http://schemas.microsoft.com/office/drawing/2014/main" id="{9A15AB99-4CF4-49AE-A278-2C8EC6986906}"/>
+              </a:ext>
+            </a:extLst>
+          </p:cNvPr>
+          <p:cNvSpPr>
+            <a:spLocks noGrp="1"/>
+          </p:cNvSpPr>
+          <p:nvPr>
+            <p:ph type="subTitle" idx="1"/>
+          </p:nvPr>
+        </p:nvSpPr>
+        <p:spPr>
+          <a:xfrm>
+            <a:off x="7866043" y="5836763"/>
+            <a:ext cx="4207307" cy="1021237"/>
+          </a:xfrm>
+        </p:spPr>
+        <p:txBody>
+          <a:bodyPr/>
+          <a:lstStyle/>
+          <a:p>
+            <a:pPr algn="r"/>
+            <a:r>
+              <a:rPr lang="en-US" altLang="ja-JP" sz="2800" b="1" dirty="0">
+                <a:solidFill>
+                  <a:schemeClr val="bg1"/>
+                </a:solidFill>
+              </a:rPr>
+              <a:t>Team F</a:t>
+            </a:r>
+          </a:p>
+          <a:p>
+            <a:pPr algn="r"/>
+            <a:r>
+              <a:rPr lang="ja-JP" altLang="en-US" b="1" dirty="0">
+                <a:solidFill>
+                  <a:schemeClr val="bg1"/>
+                </a:solidFill>
+              </a:rPr>
+              <a:t>くわ、くま、わしょー、みちろー</a:t>
+            </a:r>
+            <a:endParaRPr kumimoji="1" lang="ja-JP" altLang="en-US" b="1" dirty="0">
+              <a:solidFill>
+                <a:schemeClr val="bg1"/>
+              </a:solidFill>
+            </a:endParaRPr>
+          </a:p>
+        </p:txBody>
+      </p:sp>
+    </p:spTree>
+    <p:extLst>
+      <p:ext uri="{BB962C8B-B14F-4D97-AF65-F5344CB8AC3E}">
+        <p14:creationId xmlns:p14="http://schemas.microsoft.com/office/powerpoint/2010/main" val="3523561120"/>
+      </p:ext>
+    </p:extLst>
+  </p:cSld>
+  <p:clrMapOvr>
+    <a:masterClrMapping/>
+  </p:clrMapOvr>
+</p:sld>
+</file>
+
+<file path=ppt/slides/slide10.xml><?xml version="1.0" encoding="utf-8"?>
+<p:sld xmlns:a="http://schemas.openxmlformats.org/drawingml/2006/main" xmlns:r="http://schemas.openxmlformats.org/officeDocument/2006/relationships" xmlns:p="http://schemas.openxmlformats.org/presentationml/2006/main">
+  <p:cSld>
+    <p:spTree>
+      <p:nvGrpSpPr>
+        <p:cNvPr id="1" name=""/>
+        <p:cNvGrpSpPr/>
+        <p:nvPr/>
+      </p:nvGrpSpPr>
+      <p:grpSpPr>
+        <a:xfrm>
+          <a:off x="0" y="0"/>
+          <a:ext cx="0" cy="0"/>
+          <a:chOff x="0" y="0"/>
+          <a:chExt cx="0" cy="0"/>
+        </a:xfrm>
+      </p:grpSpPr>
+      <p:sp>
+        <p:nvSpPr>
+          <p:cNvPr id="2" name="タイトル 1">
+            <a:extLst>
+              <a:ext uri="{FF2B5EF4-FFF2-40B4-BE49-F238E27FC236}">
+                <a16:creationId xmlns:a16="http://schemas.microsoft.com/office/drawing/2014/main" id="{350C3D2E-F153-4B23-8A30-1F3CEE6D351D}"/>
+              </a:ext>
+            </a:extLst>
+          </p:cNvPr>
+          <p:cNvSpPr>
+            <a:spLocks noGrp="1"/>
+          </p:cNvSpPr>
+          <p:nvPr>
+            <p:ph type="title"/>
+          </p:nvPr>
+        </p:nvSpPr>
+        <p:spPr>
+          <a:xfrm>
+            <a:off x="845127" y="365760"/>
+            <a:ext cx="6168415" cy="840872"/>
+          </a:xfrm>
+        </p:spPr>
+        <p:txBody>
+          <a:bodyPr/>
+          <a:lstStyle/>
+          <a:p>
+            <a:r>
+              <a:rPr kumimoji="1" lang="ja-JP" altLang="en-US" dirty="0">
+                <a:solidFill>
+                  <a:schemeClr val="accent1">
+                    <a:lumMod val="50000"/>
+                  </a:schemeClr>
+                </a:solidFill>
+              </a:rPr>
+              <a:t>結果画面</a:t>
+            </a:r>
+          </a:p>
+        </p:txBody>
+      </p:sp>
+      <p:sp>
+        <p:nvSpPr>
+          <p:cNvPr id="7" name="コンテンツ プレースホルダー 2">
+            <a:extLst>
+              <a:ext uri="{FF2B5EF4-FFF2-40B4-BE49-F238E27FC236}">
+                <a16:creationId xmlns:a16="http://schemas.microsoft.com/office/drawing/2014/main" id="{01DE4BFF-70A2-403E-ADD8-C8ACE846400F}"/>
+              </a:ext>
+            </a:extLst>
+          </p:cNvPr>
+          <p:cNvSpPr txBox="1">
+            <a:spLocks/>
+          </p:cNvSpPr>
+          <p:nvPr/>
+        </p:nvSpPr>
+        <p:spPr>
+          <a:xfrm>
+            <a:off x="845127" y="1879200"/>
+            <a:ext cx="6168414" cy="4613040"/>
+          </a:xfrm>
+          <a:prstGeom prst="rect">
+            <a:avLst/>
+          </a:prstGeom>
+        </p:spPr>
+        <p:txBody>
+          <a:bodyPr vert="horz" lIns="91440" tIns="45720" rIns="91440" bIns="45720" rtlCol="0">
+            <a:normAutofit/>
+          </a:bodyPr>
+          <a:lstStyle>
+            <a:lvl1pPr marL="384048" indent="-384048" algn="l" defTabSz="914400" rtl="0" eaLnBrk="1" latinLnBrk="0" hangingPunct="1">
+              <a:lnSpc>
+                <a:spcPct val="94000"/>
+              </a:lnSpc>
+              <a:spcBef>
+                <a:spcPts val="1000"/>
+              </a:spcBef>
+              <a:spcAft>
+                <a:spcPts val="200"/>
+              </a:spcAft>
+              <a:buFont typeface="Franklin Gothic Book" panose="020B0503020102020204" pitchFamily="34" charset="0"/>
+              <a:buChar char="■"/>
+              <a:defRPr kumimoji="1" sz="2000" kern="1200" baseline="0">
+                <a:solidFill>
+                  <a:schemeClr val="tx2"/>
+                </a:solidFill>
+                <a:latin typeface="+mn-lt"/>
+                <a:ea typeface="+mn-ea"/>
+                <a:cs typeface="+mn-cs"/>
+              </a:defRPr>
+            </a:lvl1pPr>
+            <a:lvl2pPr marL="914400" indent="-384048" algn="l" defTabSz="914400" rtl="0" eaLnBrk="1" latinLnBrk="0" hangingPunct="1">
+              <a:lnSpc>
+                <a:spcPct val="94000"/>
+              </a:lnSpc>
+              <a:spcBef>
+                <a:spcPts val="500"/>
+              </a:spcBef>
+              <a:spcAft>
+                <a:spcPts val="200"/>
+              </a:spcAft>
+              <a:buFont typeface="Franklin Gothic Book" panose="020B0503020102020204" pitchFamily="34" charset="0"/>
+              <a:buChar char="–"/>
+              <a:defRPr kumimoji="1" sz="2000" i="1" kern="1200" baseline="0">
+                <a:solidFill>
+                  <a:schemeClr val="tx2"/>
+                </a:solidFill>
+                <a:latin typeface="+mn-lt"/>
+                <a:ea typeface="+mn-ea"/>
+                <a:cs typeface="+mn-cs"/>
+              </a:defRPr>
+            </a:lvl2pPr>
+            <a:lvl3pPr marL="1371600" indent="-384048" algn="l" defTabSz="914400" rtl="0" eaLnBrk="1" latinLnBrk="0" hangingPunct="1">
+              <a:lnSpc>
+                <a:spcPct val="94000"/>
+              </a:lnSpc>
+              <a:spcBef>
+                <a:spcPts val="500"/>
+              </a:spcBef>
+              <a:spcAft>
+                <a:spcPts val="200"/>
+              </a:spcAft>
+              <a:buFont typeface="Franklin Gothic Book" panose="020B0503020102020204" pitchFamily="34" charset="0"/>
+              <a:buChar char="■"/>
+              <a:defRPr kumimoji="1" sz="1800" kern="1200" baseline="0">
+                <a:solidFill>
+                  <a:schemeClr val="tx2"/>
+                </a:solidFill>
+                <a:latin typeface="+mn-lt"/>
+                <a:ea typeface="+mn-ea"/>
+                <a:cs typeface="+mn-cs"/>
+              </a:defRPr>
+            </a:lvl3pPr>
+            <a:lvl4pPr marL="1828800" indent="-384048" algn="l" defTabSz="914400" rtl="0" eaLnBrk="1" latinLnBrk="0" hangingPunct="1">
+              <a:lnSpc>
+                <a:spcPct val="94000"/>
+              </a:lnSpc>
+              <a:spcBef>
+                <a:spcPts val="500"/>
+              </a:spcBef>
+              <a:spcAft>
+                <a:spcPts val="200"/>
+              </a:spcAft>
+              <a:buFont typeface="Franklin Gothic Book" panose="020B0503020102020204" pitchFamily="34" charset="0"/>
+              <a:buChar char="–"/>
+              <a:defRPr kumimoji="1" sz="1800" i="1" kern="1200" baseline="0">
+                <a:solidFill>
+                  <a:schemeClr val="tx2"/>
+                </a:solidFill>
+                <a:latin typeface="+mn-lt"/>
+                <a:ea typeface="+mn-ea"/>
+                <a:cs typeface="+mn-cs"/>
+              </a:defRPr>
+            </a:lvl4pPr>
+            <a:lvl5pPr marL="2286000" indent="-384048" algn="l" defTabSz="914400" rtl="0" eaLnBrk="1" latinLnBrk="0" hangingPunct="1">
+              <a:lnSpc>
+                <a:spcPct val="94000"/>
+              </a:lnSpc>
+              <a:spcBef>
+                <a:spcPts val="500"/>
+              </a:spcBef>
+              <a:spcAft>
+                <a:spcPts val="200"/>
+              </a:spcAft>
+              <a:buFont typeface="Franklin Gothic Book" panose="020B0503020102020204" pitchFamily="34" charset="0"/>
+              <a:buChar char="■"/>
+              <a:defRPr kumimoji="1" sz="1600" kern="1200" baseline="0">
+                <a:solidFill>
+                  <a:schemeClr val="tx2"/>
+                </a:solidFill>
+                <a:latin typeface="+mn-lt"/>
+                <a:ea typeface="+mn-ea"/>
+                <a:cs typeface="+mn-cs"/>
+              </a:defRPr>
+            </a:lvl5pPr>
+            <a:lvl6pPr marL="2743200" indent="-384048" algn="l" defTabSz="914400" rtl="0" eaLnBrk="1" latinLnBrk="0" hangingPunct="1">
+              <a:lnSpc>
+                <a:spcPct val="94000"/>
+              </a:lnSpc>
+              <a:spcBef>
+                <a:spcPts val="500"/>
+              </a:spcBef>
+              <a:spcAft>
+                <a:spcPts val="200"/>
+              </a:spcAft>
+              <a:buFont typeface="Franklin Gothic Book" panose="020B0503020102020204" pitchFamily="34" charset="0"/>
+              <a:buChar char="–"/>
+              <a:defRPr kumimoji="1" sz="1600" i="1" kern="1200" baseline="0">
+                <a:solidFill>
+                  <a:schemeClr val="tx2"/>
+                </a:solidFill>
+                <a:latin typeface="+mn-lt"/>
+                <a:ea typeface="+mn-ea"/>
+                <a:cs typeface="+mn-cs"/>
+              </a:defRPr>
+            </a:lvl6pPr>
+            <a:lvl7pPr marL="3200400" indent="-384048" algn="l" defTabSz="914400" rtl="0" eaLnBrk="1" latinLnBrk="0" hangingPunct="1">
+              <a:lnSpc>
+                <a:spcPct val="94000"/>
+              </a:lnSpc>
+              <a:spcBef>
+                <a:spcPts val="500"/>
+              </a:spcBef>
+              <a:spcAft>
+                <a:spcPts val="200"/>
+              </a:spcAft>
+              <a:buFont typeface="Franklin Gothic Book" panose="020B0503020102020204" pitchFamily="34" charset="0"/>
+              <a:buChar char="■"/>
+              <a:defRPr kumimoji="1" sz="1400" kern="1200" baseline="0">
+                <a:solidFill>
+                  <a:schemeClr val="tx2"/>
+                </a:solidFill>
+                <a:latin typeface="+mn-lt"/>
+                <a:ea typeface="+mn-ea"/>
+                <a:cs typeface="+mn-cs"/>
+              </a:defRPr>
+            </a:lvl7pPr>
+            <a:lvl8pPr marL="3657600" indent="-384048" algn="l" defTabSz="914400" rtl="0" eaLnBrk="1" latinLnBrk="0" hangingPunct="1">
+              <a:lnSpc>
+                <a:spcPct val="94000"/>
+              </a:lnSpc>
+              <a:spcBef>
+                <a:spcPts val="500"/>
+              </a:spcBef>
+              <a:spcAft>
+                <a:spcPts val="200"/>
+              </a:spcAft>
+              <a:buFont typeface="Franklin Gothic Book" panose="020B0503020102020204" pitchFamily="34" charset="0"/>
+              <a:buChar char="–"/>
+              <a:defRPr kumimoji="1" sz="1400" i="1" kern="1200" baseline="0">
+                <a:solidFill>
+                  <a:schemeClr val="tx2"/>
+                </a:solidFill>
+                <a:latin typeface="+mn-lt"/>
+                <a:ea typeface="+mn-ea"/>
+                <a:cs typeface="+mn-cs"/>
+              </a:defRPr>
+            </a:lvl8pPr>
+            <a:lvl9pPr marL="4114800" indent="-384048" algn="l" defTabSz="914400" rtl="0" eaLnBrk="1" latinLnBrk="0" hangingPunct="1">
+              <a:lnSpc>
+                <a:spcPct val="94000"/>
+              </a:lnSpc>
+              <a:spcBef>
+                <a:spcPts val="500"/>
+              </a:spcBef>
+              <a:spcAft>
+                <a:spcPts val="200"/>
+              </a:spcAft>
+              <a:buFont typeface="Franklin Gothic Book" panose="020B0503020102020204" pitchFamily="34" charset="0"/>
+              <a:buChar char="■"/>
+              <a:defRPr kumimoji="1" sz="1400" kern="1200" baseline="0">
+                <a:solidFill>
+                  <a:schemeClr val="tx2"/>
+                </a:solidFill>
+                <a:latin typeface="+mn-lt"/>
+                <a:ea typeface="+mn-ea"/>
+                <a:cs typeface="+mn-cs"/>
+              </a:defRPr>
+            </a:lvl9pPr>
+          </a:lstStyle>
+          <a:p>
+            <a:pPr>
+              <a:lnSpc>
+                <a:spcPct val="160000"/>
+              </a:lnSpc>
+            </a:pPr>
+            <a:r>
+              <a:rPr lang="ja-JP" altLang="en-US" sz="2600" dirty="0"/>
+              <a:t>起床成功 </a:t>
+            </a:r>
+            <a:r>
+              <a:rPr lang="en-US" altLang="ja-JP" sz="2600" dirty="0"/>
+              <a:t>or </a:t>
+            </a:r>
+            <a:r>
+              <a:rPr lang="ja-JP" altLang="en-US" sz="2600" dirty="0"/>
+              <a:t>失敗の確認</a:t>
+            </a:r>
+            <a:endParaRPr lang="en-US" altLang="ja-JP" sz="2600" dirty="0"/>
+          </a:p>
+          <a:p>
+            <a:pPr>
+              <a:lnSpc>
+                <a:spcPct val="160000"/>
+              </a:lnSpc>
+            </a:pPr>
+            <a:r>
+              <a:rPr lang="ja-JP" altLang="en-US" sz="2600" dirty="0"/>
+              <a:t>グループメンバーの起床状況も確認</a:t>
+            </a:r>
+            <a:endParaRPr lang="en-US" altLang="ja-JP" sz="2600" dirty="0"/>
+          </a:p>
+          <a:p>
+            <a:pPr>
+              <a:lnSpc>
+                <a:spcPct val="160000"/>
+              </a:lnSpc>
+            </a:pPr>
+            <a:r>
+              <a:rPr lang="ja-JP" altLang="en-US" sz="2600" dirty="0">
+                <a:solidFill>
+                  <a:schemeClr val="accent1">
+                    <a:lumMod val="50000"/>
+                  </a:schemeClr>
+                </a:solidFill>
+              </a:rPr>
+              <a:t>個人の合計成功・失敗回数確認</a:t>
+            </a:r>
+            <a:endParaRPr lang="en-US" altLang="ja-JP" sz="2600" dirty="0">
+              <a:solidFill>
+                <a:schemeClr val="accent1">
+                  <a:lumMod val="50000"/>
+                </a:schemeClr>
+              </a:solidFill>
+            </a:endParaRPr>
+          </a:p>
+        </p:txBody>
+      </p:sp>
+      <p:pic>
+        <p:nvPicPr>
+          <p:cNvPr id="5" name="コンテンツ プレースホルダー 4">
+            <a:extLst>
+              <a:ext uri="{FF2B5EF4-FFF2-40B4-BE49-F238E27FC236}">
+                <a16:creationId xmlns:a16="http://schemas.microsoft.com/office/drawing/2014/main" id="{61358156-B632-4638-936E-C5EA41B7B03B}"/>
+              </a:ext>
+            </a:extLst>
+          </p:cNvPr>
+          <p:cNvPicPr>
+            <a:picLocks noGrp="1" noChangeAspect="1"/>
+          </p:cNvPicPr>
+          <p:nvPr>
+            <p:ph idx="1"/>
+          </p:nvPr>
+        </p:nvPicPr>
+        <p:blipFill>
+          <a:blip r:embed="rId2">
+            <a:extLst>
+              <a:ext uri="{28A0092B-C50C-407E-A947-70E740481C1C}">
+                <a14:useLocalDpi xmlns:a14="http://schemas.microsoft.com/office/drawing/2010/main" val="0"/>
+              </a:ext>
+            </a:extLst>
+          </a:blip>
+          <a:stretch>
+            <a:fillRect/>
+          </a:stretch>
+        </p:blipFill>
+        <p:spPr>
+          <a:xfrm>
+            <a:off x="8181209" y="0"/>
+            <a:ext cx="4010791" cy="6717187"/>
+          </a:xfrm>
+        </p:spPr>
+      </p:pic>
+    </p:spTree>
+    <p:extLst>
+      <p:ext uri="{BB962C8B-B14F-4D97-AF65-F5344CB8AC3E}">
+        <p14:creationId xmlns:p14="http://schemas.microsoft.com/office/powerpoint/2010/main" val="59753580"/>
+      </p:ext>
+    </p:extLst>
+  </p:cSld>
+  <p:clrMapOvr>
+    <a:masterClrMapping/>
+  </p:clrMapOvr>
+</p:sld>
+</file>
+
+<file path=ppt/slides/slide11.xml><?xml version="1.0" encoding="utf-8"?>
+<p:sld xmlns:a="http://schemas.openxmlformats.org/drawingml/2006/main" xmlns:r="http://schemas.openxmlformats.org/officeDocument/2006/relationships" xmlns:p="http://schemas.openxmlformats.org/presentationml/2006/main">
+  <p:cSld>
+    <p:spTree>
+      <p:nvGrpSpPr>
+        <p:cNvPr id="1" name=""/>
+        <p:cNvGrpSpPr/>
+        <p:nvPr/>
+      </p:nvGrpSpPr>
+      <p:grpSpPr>
+        <a:xfrm>
+          <a:off x="0" y="0"/>
+          <a:ext cx="0" cy="0"/>
+          <a:chOff x="0" y="0"/>
+          <a:chExt cx="0" cy="0"/>
+        </a:xfrm>
+      </p:grpSpPr>
+      <p:sp>
+        <p:nvSpPr>
+          <p:cNvPr id="2" name="タイトル 1">
+            <a:extLst>
+              <a:ext uri="{FF2B5EF4-FFF2-40B4-BE49-F238E27FC236}">
+                <a16:creationId xmlns:a16="http://schemas.microsoft.com/office/drawing/2014/main" id="{350C3D2E-F153-4B23-8A30-1F3CEE6D351D}"/>
+              </a:ext>
+            </a:extLst>
+          </p:cNvPr>
+          <p:cNvSpPr>
+            <a:spLocks noGrp="1"/>
+          </p:cNvSpPr>
+          <p:nvPr>
+            <p:ph type="title"/>
+          </p:nvPr>
+        </p:nvSpPr>
+        <p:spPr>
+          <a:xfrm>
+            <a:off x="845127" y="365760"/>
+            <a:ext cx="6168415" cy="840872"/>
+          </a:xfrm>
+        </p:spPr>
+        <p:txBody>
+          <a:bodyPr/>
+          <a:lstStyle/>
+          <a:p>
+            <a:r>
+              <a:rPr kumimoji="1" lang="ja-JP" altLang="en-US" dirty="0">
+                <a:solidFill>
+                  <a:schemeClr val="accent1">
+                    <a:lumMod val="50000"/>
+                  </a:schemeClr>
+                </a:solidFill>
+              </a:rPr>
+              <a:t>ランキング画面</a:t>
+            </a:r>
+          </a:p>
+        </p:txBody>
+      </p:sp>
+      <p:sp>
+        <p:nvSpPr>
+          <p:cNvPr id="7" name="コンテンツ プレースホルダー 2">
+            <a:extLst>
+              <a:ext uri="{FF2B5EF4-FFF2-40B4-BE49-F238E27FC236}">
+                <a16:creationId xmlns:a16="http://schemas.microsoft.com/office/drawing/2014/main" id="{01DE4BFF-70A2-403E-ADD8-C8ACE846400F}"/>
+              </a:ext>
+            </a:extLst>
+          </p:cNvPr>
+          <p:cNvSpPr txBox="1">
+            <a:spLocks/>
+          </p:cNvSpPr>
+          <p:nvPr/>
+        </p:nvSpPr>
+        <p:spPr>
+          <a:xfrm>
+            <a:off x="845127" y="1879200"/>
+            <a:ext cx="6910748" cy="4613040"/>
+          </a:xfrm>
+          <a:prstGeom prst="rect">
+            <a:avLst/>
+          </a:prstGeom>
+        </p:spPr>
+        <p:txBody>
+          <a:bodyPr vert="horz" lIns="91440" tIns="45720" rIns="91440" bIns="45720" rtlCol="0">
+            <a:normAutofit/>
+          </a:bodyPr>
+          <a:lstStyle>
+            <a:lvl1pPr marL="384048" indent="-384048" algn="l" defTabSz="914400" rtl="0" eaLnBrk="1" latinLnBrk="0" hangingPunct="1">
+              <a:lnSpc>
+                <a:spcPct val="94000"/>
+              </a:lnSpc>
+              <a:spcBef>
+                <a:spcPts val="1000"/>
+              </a:spcBef>
+              <a:spcAft>
+                <a:spcPts val="200"/>
+              </a:spcAft>
+              <a:buFont typeface="Franklin Gothic Book" panose="020B0503020102020204" pitchFamily="34" charset="0"/>
+              <a:buChar char="■"/>
+              <a:defRPr kumimoji="1" sz="2000" kern="1200" baseline="0">
+                <a:solidFill>
+                  <a:schemeClr val="tx2"/>
+                </a:solidFill>
+                <a:latin typeface="+mn-lt"/>
+                <a:ea typeface="+mn-ea"/>
+                <a:cs typeface="+mn-cs"/>
+              </a:defRPr>
+            </a:lvl1pPr>
+            <a:lvl2pPr marL="914400" indent="-384048" algn="l" defTabSz="914400" rtl="0" eaLnBrk="1" latinLnBrk="0" hangingPunct="1">
+              <a:lnSpc>
+                <a:spcPct val="94000"/>
+              </a:lnSpc>
+              <a:spcBef>
+                <a:spcPts val="500"/>
+              </a:spcBef>
+              <a:spcAft>
+                <a:spcPts val="200"/>
+              </a:spcAft>
+              <a:buFont typeface="Franklin Gothic Book" panose="020B0503020102020204" pitchFamily="34" charset="0"/>
+              <a:buChar char="–"/>
+              <a:defRPr kumimoji="1" sz="2000" i="1" kern="1200" baseline="0">
+                <a:solidFill>
+                  <a:schemeClr val="tx2"/>
+                </a:solidFill>
+                <a:latin typeface="+mn-lt"/>
+                <a:ea typeface="+mn-ea"/>
+                <a:cs typeface="+mn-cs"/>
+              </a:defRPr>
+            </a:lvl2pPr>
+            <a:lvl3pPr marL="1371600" indent="-384048" algn="l" defTabSz="914400" rtl="0" eaLnBrk="1" latinLnBrk="0" hangingPunct="1">
+              <a:lnSpc>
+                <a:spcPct val="94000"/>
+              </a:lnSpc>
+              <a:spcBef>
+                <a:spcPts val="500"/>
+              </a:spcBef>
+              <a:spcAft>
+                <a:spcPts val="200"/>
+              </a:spcAft>
+              <a:buFont typeface="Franklin Gothic Book" panose="020B0503020102020204" pitchFamily="34" charset="0"/>
+              <a:buChar char="■"/>
+              <a:defRPr kumimoji="1" sz="1800" kern="1200" baseline="0">
+                <a:solidFill>
+                  <a:schemeClr val="tx2"/>
+                </a:solidFill>
+                <a:latin typeface="+mn-lt"/>
+                <a:ea typeface="+mn-ea"/>
+                <a:cs typeface="+mn-cs"/>
+              </a:defRPr>
+            </a:lvl3pPr>
+            <a:lvl4pPr marL="1828800" indent="-384048" algn="l" defTabSz="914400" rtl="0" eaLnBrk="1" latinLnBrk="0" hangingPunct="1">
+              <a:lnSpc>
+                <a:spcPct val="94000"/>
+              </a:lnSpc>
+              <a:spcBef>
+                <a:spcPts val="500"/>
+              </a:spcBef>
+              <a:spcAft>
+                <a:spcPts val="200"/>
+              </a:spcAft>
+              <a:buFont typeface="Franklin Gothic Book" panose="020B0503020102020204" pitchFamily="34" charset="0"/>
+              <a:buChar char="–"/>
+              <a:defRPr kumimoji="1" sz="1800" i="1" kern="1200" baseline="0">
+                <a:solidFill>
+                  <a:schemeClr val="tx2"/>
+                </a:solidFill>
+                <a:latin typeface="+mn-lt"/>
+                <a:ea typeface="+mn-ea"/>
+                <a:cs typeface="+mn-cs"/>
+              </a:defRPr>
+            </a:lvl4pPr>
+            <a:lvl5pPr marL="2286000" indent="-384048" algn="l" defTabSz="914400" rtl="0" eaLnBrk="1" latinLnBrk="0" hangingPunct="1">
+              <a:lnSpc>
+                <a:spcPct val="94000"/>
+              </a:lnSpc>
+              <a:spcBef>
+                <a:spcPts val="500"/>
+              </a:spcBef>
+              <a:spcAft>
+                <a:spcPts val="200"/>
+              </a:spcAft>
+              <a:buFont typeface="Franklin Gothic Book" panose="020B0503020102020204" pitchFamily="34" charset="0"/>
+              <a:buChar char="■"/>
+              <a:defRPr kumimoji="1" sz="1600" kern="1200" baseline="0">
+                <a:solidFill>
+                  <a:schemeClr val="tx2"/>
+                </a:solidFill>
+                <a:latin typeface="+mn-lt"/>
+                <a:ea typeface="+mn-ea"/>
+                <a:cs typeface="+mn-cs"/>
+              </a:defRPr>
+            </a:lvl5pPr>
+            <a:lvl6pPr marL="2743200" indent="-384048" algn="l" defTabSz="914400" rtl="0" eaLnBrk="1" latinLnBrk="0" hangingPunct="1">
+              <a:lnSpc>
+                <a:spcPct val="94000"/>
+              </a:lnSpc>
+              <a:spcBef>
+                <a:spcPts val="500"/>
+              </a:spcBef>
+              <a:spcAft>
+                <a:spcPts val="200"/>
+              </a:spcAft>
+              <a:buFont typeface="Franklin Gothic Book" panose="020B0503020102020204" pitchFamily="34" charset="0"/>
+              <a:buChar char="–"/>
+              <a:defRPr kumimoji="1" sz="1600" i="1" kern="1200" baseline="0">
+                <a:solidFill>
+                  <a:schemeClr val="tx2"/>
+                </a:solidFill>
+                <a:latin typeface="+mn-lt"/>
+                <a:ea typeface="+mn-ea"/>
+                <a:cs typeface="+mn-cs"/>
+              </a:defRPr>
+            </a:lvl6pPr>
+            <a:lvl7pPr marL="3200400" indent="-384048" algn="l" defTabSz="914400" rtl="0" eaLnBrk="1" latinLnBrk="0" hangingPunct="1">
+              <a:lnSpc>
+                <a:spcPct val="94000"/>
+              </a:lnSpc>
+              <a:spcBef>
+                <a:spcPts val="500"/>
+              </a:spcBef>
+              <a:spcAft>
+                <a:spcPts val="200"/>
+              </a:spcAft>
+              <a:buFont typeface="Franklin Gothic Book" panose="020B0503020102020204" pitchFamily="34" charset="0"/>
+              <a:buChar char="■"/>
+              <a:defRPr kumimoji="1" sz="1400" kern="1200" baseline="0">
+                <a:solidFill>
+                  <a:schemeClr val="tx2"/>
+                </a:solidFill>
+                <a:latin typeface="+mn-lt"/>
+                <a:ea typeface="+mn-ea"/>
+                <a:cs typeface="+mn-cs"/>
+              </a:defRPr>
+            </a:lvl7pPr>
+            <a:lvl8pPr marL="3657600" indent="-384048" algn="l" defTabSz="914400" rtl="0" eaLnBrk="1" latinLnBrk="0" hangingPunct="1">
+              <a:lnSpc>
+                <a:spcPct val="94000"/>
+              </a:lnSpc>
+              <a:spcBef>
+                <a:spcPts val="500"/>
+              </a:spcBef>
+              <a:spcAft>
+                <a:spcPts val="200"/>
+              </a:spcAft>
+              <a:buFont typeface="Franklin Gothic Book" panose="020B0503020102020204" pitchFamily="34" charset="0"/>
+              <a:buChar char="–"/>
+              <a:defRPr kumimoji="1" sz="1400" i="1" kern="1200" baseline="0">
+                <a:solidFill>
+                  <a:schemeClr val="tx2"/>
+                </a:solidFill>
+                <a:latin typeface="+mn-lt"/>
+                <a:ea typeface="+mn-ea"/>
+                <a:cs typeface="+mn-cs"/>
+              </a:defRPr>
+            </a:lvl8pPr>
+            <a:lvl9pPr marL="4114800" indent="-384048" algn="l" defTabSz="914400" rtl="0" eaLnBrk="1" latinLnBrk="0" hangingPunct="1">
+              <a:lnSpc>
+                <a:spcPct val="94000"/>
+              </a:lnSpc>
+              <a:spcBef>
+                <a:spcPts val="500"/>
+              </a:spcBef>
+              <a:spcAft>
+                <a:spcPts val="200"/>
+              </a:spcAft>
+              <a:buFont typeface="Franklin Gothic Book" panose="020B0503020102020204" pitchFamily="34" charset="0"/>
+              <a:buChar char="■"/>
+              <a:defRPr kumimoji="1" sz="1400" kern="1200" baseline="0">
+                <a:solidFill>
+                  <a:schemeClr val="tx2"/>
+                </a:solidFill>
+                <a:latin typeface="+mn-lt"/>
+                <a:ea typeface="+mn-ea"/>
+                <a:cs typeface="+mn-cs"/>
+              </a:defRPr>
+            </a:lvl9pPr>
+          </a:lstStyle>
+          <a:p>
+            <a:pPr>
+              <a:lnSpc>
+                <a:spcPct val="160000"/>
+              </a:lnSpc>
+            </a:pPr>
+            <a:r>
+              <a:rPr lang="ja-JP" altLang="en-US" sz="2600" dirty="0"/>
+              <a:t>成功回数が多い順にランクづけ</a:t>
+            </a:r>
+            <a:endParaRPr lang="en-US" altLang="ja-JP" sz="2600" dirty="0"/>
+          </a:p>
+          <a:p>
+            <a:pPr>
+              <a:lnSpc>
+                <a:spcPct val="160000"/>
+              </a:lnSpc>
+            </a:pPr>
+            <a:r>
+              <a:rPr lang="ja-JP" altLang="en-US" sz="2600" dirty="0"/>
+              <a:t>ゲーム性を付与しユーザーの競争心を煽る</a:t>
+            </a:r>
+            <a:endParaRPr lang="en-US" altLang="ja-JP" sz="2600" dirty="0"/>
+          </a:p>
+        </p:txBody>
+      </p:sp>
+      <p:pic>
+        <p:nvPicPr>
+          <p:cNvPr id="8" name="コンテンツ プレースホルダー 4">
+            <a:extLst>
+              <a:ext uri="{FF2B5EF4-FFF2-40B4-BE49-F238E27FC236}">
+                <a16:creationId xmlns:a16="http://schemas.microsoft.com/office/drawing/2014/main" id="{2CA3C192-8182-4354-ABBA-99A0A8DA7C1F}"/>
+              </a:ext>
+            </a:extLst>
+          </p:cNvPr>
+          <p:cNvPicPr>
+            <a:picLocks noChangeAspect="1"/>
+          </p:cNvPicPr>
+          <p:nvPr/>
+        </p:nvPicPr>
+        <p:blipFill>
+          <a:blip r:embed="rId2">
+            <a:extLst>
+              <a:ext uri="{28A0092B-C50C-407E-A947-70E740481C1C}">
+                <a14:useLocalDpi xmlns:a14="http://schemas.microsoft.com/office/drawing/2010/main" val="0"/>
+              </a:ext>
+            </a:extLst>
+          </a:blip>
+          <a:stretch>
+            <a:fillRect/>
+          </a:stretch>
+        </p:blipFill>
+        <p:spPr>
+          <a:xfrm>
+            <a:off x="8184442" y="-4258"/>
+            <a:ext cx="4007558" cy="6862258"/>
+          </a:xfrm>
+          <a:prstGeom prst="rect">
+            <a:avLst/>
+          </a:prstGeom>
+        </p:spPr>
+      </p:pic>
+    </p:spTree>
+    <p:extLst>
+      <p:ext uri="{BB962C8B-B14F-4D97-AF65-F5344CB8AC3E}">
+        <p14:creationId xmlns:p14="http://schemas.microsoft.com/office/powerpoint/2010/main" val="3118359407"/>
+      </p:ext>
+    </p:extLst>
+  </p:cSld>
+  <p:clrMapOvr>
+    <a:masterClrMapping/>
+  </p:clrMapOvr>
+</p:sld>
+</file>
+
+<file path=ppt/slides/slide12.xml><?xml version="1.0" encoding="utf-8"?>
+<p:sld xmlns:a="http://schemas.openxmlformats.org/drawingml/2006/main" xmlns:r="http://schemas.openxmlformats.org/officeDocument/2006/relationships" xmlns:p="http://schemas.openxmlformats.org/presentationml/2006/main">
+  <p:cSld>
+    <p:bg>
+      <p:bgPr>
+        <a:blipFill dpi="0" rotWithShape="1">
           <a:blip r:embed="rId2">
             <a:lum/>
           </a:blip>
@@ -7642,7 +9133,7 @@
           <p:cNvPr id="2" name="タイトル 1">
             <a:extLst>
               <a:ext uri="{FF2B5EF4-FFF2-40B4-BE49-F238E27FC236}">
-                <a16:creationId xmlns:a16="http://schemas.microsoft.com/office/drawing/2014/main" id="{B15A6C2A-CF5B-4BFE-B946-89790EF4F179}"/>
+                <a16:creationId xmlns:a16="http://schemas.microsoft.com/office/drawing/2014/main" id="{EEDD0B4E-B713-4FE1-8686-E97A4EE38936}"/>
               </a:ext>
             </a:extLst>
           </p:cNvPr>
@@ -7650,13 +9141,13 @@
             <a:spLocks noGrp="1"/>
           </p:cNvSpPr>
           <p:nvPr>
-            <p:ph type="ctrTitle"/>
+            <p:ph type="title"/>
           </p:nvPr>
         </p:nvSpPr>
         <p:spPr>
           <a:xfrm>
-            <a:off x="684211" y="1960880"/>
-            <a:ext cx="10693942" cy="4511040"/>
+            <a:off x="2317630" y="2402411"/>
+            <a:ext cx="7556740" cy="2053177"/>
           </a:xfrm>
         </p:spPr>
         <p:txBody>
@@ -7666,85 +9157,20 @@
           <a:lstStyle/>
           <a:p>
             <a:r>
-              <a:rPr kumimoji="1" lang="ja-JP" altLang="en-US" sz="13000" dirty="0">
+              <a:rPr kumimoji="1" lang="ja-JP" altLang="en-US" sz="9600" dirty="0">
                 <a:solidFill>
                   <a:schemeClr val="bg1"/>
                 </a:solidFill>
               </a:rPr>
-              <a:t>目覚まし時計</a:t>
-            </a:r>
-            <a:br>
-              <a:rPr kumimoji="1" lang="en-US" altLang="ja-JP" sz="13000" dirty="0">
-                <a:solidFill>
-                  <a:schemeClr val="bg1"/>
-                </a:solidFill>
-              </a:rPr>
-            </a:br>
-            <a:r>
-              <a:rPr kumimoji="1" lang="en-US" altLang="ja-JP" sz="13000" dirty="0">
-                <a:solidFill>
-                  <a:schemeClr val="bg1"/>
-                </a:solidFill>
-              </a:rPr>
-              <a:t>×</a:t>
-            </a:r>
-            <a:br>
-              <a:rPr kumimoji="1" lang="en-US" altLang="ja-JP" sz="13000" dirty="0">
-                <a:solidFill>
-                  <a:schemeClr val="bg1"/>
-                </a:solidFill>
-              </a:rPr>
-            </a:br>
-            <a:r>
-              <a:rPr kumimoji="1" lang="en-US" altLang="ja-JP" sz="15000" dirty="0">
-                <a:solidFill>
-                  <a:schemeClr val="bg1"/>
-                </a:solidFill>
-              </a:rPr>
-              <a:t>SNS</a:t>
-            </a:r>
-            <a:endParaRPr kumimoji="1" lang="ja-JP" altLang="en-US" sz="15000" dirty="0">
-              <a:solidFill>
-                <a:schemeClr val="bg1"/>
-              </a:solidFill>
-            </a:endParaRPr>
-          </a:p>
-        </p:txBody>
-      </p:sp>
-      <p:sp>
-        <p:nvSpPr>
-          <p:cNvPr id="3" name="字幕 2">
-            <a:extLst>
-              <a:ext uri="{FF2B5EF4-FFF2-40B4-BE49-F238E27FC236}">
-                <a16:creationId xmlns:a16="http://schemas.microsoft.com/office/drawing/2014/main" id="{9A15AB99-4CF4-49AE-A278-2C8EC6986906}"/>
-              </a:ext>
-            </a:extLst>
-          </p:cNvPr>
-          <p:cNvSpPr>
-            <a:spLocks noGrp="1"/>
-          </p:cNvSpPr>
-          <p:nvPr>
-            <p:ph type="subTitle" idx="1"/>
-          </p:nvPr>
-        </p:nvSpPr>
-        <p:spPr>
-          <a:xfrm>
-            <a:off x="684211" y="5693790"/>
-            <a:ext cx="1370832" cy="1021237"/>
-          </a:xfrm>
-        </p:spPr>
-        <p:txBody>
-          <a:bodyPr/>
-          <a:lstStyle/>
-          <a:p>
-            <a:endParaRPr kumimoji="1" lang="ja-JP" altLang="en-US" dirty="0"/>
+              <a:t>目覚まし連盟</a:t>
+            </a:r>
           </a:p>
         </p:txBody>
       </p:sp>
     </p:spTree>
     <p:extLst>
       <p:ext uri="{BB962C8B-B14F-4D97-AF65-F5344CB8AC3E}">
-        <p14:creationId xmlns:p14="http://schemas.microsoft.com/office/powerpoint/2010/main" val="3523561120"/>
+        <p14:creationId xmlns:p14="http://schemas.microsoft.com/office/powerpoint/2010/main" val="3807048339"/>
       </p:ext>
     </p:extLst>
   </p:cSld>
@@ -7754,7 +9180,7 @@
 </p:sld>
 </file>
 
-<file path=ppt/slides/slide2.xml><?xml version="1.0" encoding="utf-8"?>
+<file path=ppt/slides/slide13.xml><?xml version="1.0" encoding="utf-8"?>
 <p:sld xmlns:a="http://schemas.openxmlformats.org/drawingml/2006/main" xmlns:r="http://schemas.openxmlformats.org/officeDocument/2006/relationships" xmlns:p="http://schemas.openxmlformats.org/presentationml/2006/main">
   <p:cSld>
     <p:spTree>
@@ -7776,7 +9202,7 @@
           <p:cNvPr id="2" name="タイトル 1">
             <a:extLst>
               <a:ext uri="{FF2B5EF4-FFF2-40B4-BE49-F238E27FC236}">
-                <a16:creationId xmlns:a16="http://schemas.microsoft.com/office/drawing/2014/main" id="{4545AD98-CEB8-4EC4-91F0-B99964FE7D92}"/>
+                <a16:creationId xmlns:a16="http://schemas.microsoft.com/office/drawing/2014/main" id="{350C3D2E-F153-4B23-8A30-1F3CEE6D351D}"/>
               </a:ext>
             </a:extLst>
           </p:cNvPr>
@@ -7789,8 +9215,8 @@
         </p:nvSpPr>
         <p:spPr>
           <a:xfrm>
-            <a:off x="845127" y="314960"/>
-            <a:ext cx="10515600" cy="1325562"/>
+            <a:off x="845127" y="365760"/>
+            <a:ext cx="6168415" cy="840872"/>
           </a:xfrm>
         </p:spPr>
         <p:txBody>
@@ -7805,165 +9231,374 @@
                   </a:schemeClr>
                 </a:solidFill>
               </a:rPr>
-              <a:t>概要</a:t>
-            </a:r>
-          </a:p>
-        </p:txBody>
-      </p:sp>
-      <p:sp>
-        <p:nvSpPr>
-          <p:cNvPr id="3" name="コンテンツ プレースホルダー 2">
+              <a:t>目覚まし連盟</a:t>
+            </a:r>
+          </a:p>
+        </p:txBody>
+      </p:sp>
+      <p:sp>
+        <p:nvSpPr>
+          <p:cNvPr id="7" name="コンテンツ プレースホルダー 2">
             <a:extLst>
               <a:ext uri="{FF2B5EF4-FFF2-40B4-BE49-F238E27FC236}">
-                <a16:creationId xmlns:a16="http://schemas.microsoft.com/office/drawing/2014/main" id="{5C83F002-BFE0-45D4-AEF0-83BA8192609C}"/>
+                <a16:creationId xmlns:a16="http://schemas.microsoft.com/office/drawing/2014/main" id="{01DE4BFF-70A2-403E-ADD8-C8ACE846400F}"/>
               </a:ext>
             </a:extLst>
           </p:cNvPr>
-          <p:cNvSpPr>
-            <a:spLocks noGrp="1"/>
-          </p:cNvSpPr>
-          <p:nvPr>
-            <p:ph idx="1"/>
-          </p:nvPr>
-        </p:nvSpPr>
-        <p:spPr/>
-        <p:txBody>
-          <a:bodyPr>
-            <a:normAutofit fontScale="92500" lnSpcReduction="20000"/>
+          <p:cNvSpPr txBox="1">
+            <a:spLocks/>
+          </p:cNvSpPr>
+          <p:nvPr/>
+        </p:nvSpPr>
+        <p:spPr>
+          <a:xfrm>
+            <a:off x="845127" y="1879200"/>
+            <a:ext cx="10821736" cy="4613040"/>
+          </a:xfrm>
+          <a:prstGeom prst="rect">
+            <a:avLst/>
+          </a:prstGeom>
+        </p:spPr>
+        <p:txBody>
+          <a:bodyPr vert="horz" lIns="91440" tIns="45720" rIns="91440" bIns="45720" rtlCol="0">
+            <a:normAutofit/>
           </a:bodyPr>
-          <a:lstStyle/>
+          <a:lstStyle>
+            <a:lvl1pPr marL="384048" indent="-384048" algn="l" defTabSz="914400" rtl="0" eaLnBrk="1" latinLnBrk="0" hangingPunct="1">
+              <a:lnSpc>
+                <a:spcPct val="94000"/>
+              </a:lnSpc>
+              <a:spcBef>
+                <a:spcPts val="1000"/>
+              </a:spcBef>
+              <a:spcAft>
+                <a:spcPts val="200"/>
+              </a:spcAft>
+              <a:buFont typeface="Franklin Gothic Book" panose="020B0503020102020204" pitchFamily="34" charset="0"/>
+              <a:buChar char="■"/>
+              <a:defRPr kumimoji="1" sz="2000" kern="1200" baseline="0">
+                <a:solidFill>
+                  <a:schemeClr val="tx2"/>
+                </a:solidFill>
+                <a:latin typeface="+mn-lt"/>
+                <a:ea typeface="+mn-ea"/>
+                <a:cs typeface="+mn-cs"/>
+              </a:defRPr>
+            </a:lvl1pPr>
+            <a:lvl2pPr marL="914400" indent="-384048" algn="l" defTabSz="914400" rtl="0" eaLnBrk="1" latinLnBrk="0" hangingPunct="1">
+              <a:lnSpc>
+                <a:spcPct val="94000"/>
+              </a:lnSpc>
+              <a:spcBef>
+                <a:spcPts val="500"/>
+              </a:spcBef>
+              <a:spcAft>
+                <a:spcPts val="200"/>
+              </a:spcAft>
+              <a:buFont typeface="Franklin Gothic Book" panose="020B0503020102020204" pitchFamily="34" charset="0"/>
+              <a:buChar char="–"/>
+              <a:defRPr kumimoji="1" sz="2000" i="1" kern="1200" baseline="0">
+                <a:solidFill>
+                  <a:schemeClr val="tx2"/>
+                </a:solidFill>
+                <a:latin typeface="+mn-lt"/>
+                <a:ea typeface="+mn-ea"/>
+                <a:cs typeface="+mn-cs"/>
+              </a:defRPr>
+            </a:lvl2pPr>
+            <a:lvl3pPr marL="1371600" indent="-384048" algn="l" defTabSz="914400" rtl="0" eaLnBrk="1" latinLnBrk="0" hangingPunct="1">
+              <a:lnSpc>
+                <a:spcPct val="94000"/>
+              </a:lnSpc>
+              <a:spcBef>
+                <a:spcPts val="500"/>
+              </a:spcBef>
+              <a:spcAft>
+                <a:spcPts val="200"/>
+              </a:spcAft>
+              <a:buFont typeface="Franklin Gothic Book" panose="020B0503020102020204" pitchFamily="34" charset="0"/>
+              <a:buChar char="■"/>
+              <a:defRPr kumimoji="1" sz="1800" kern="1200" baseline="0">
+                <a:solidFill>
+                  <a:schemeClr val="tx2"/>
+                </a:solidFill>
+                <a:latin typeface="+mn-lt"/>
+                <a:ea typeface="+mn-ea"/>
+                <a:cs typeface="+mn-cs"/>
+              </a:defRPr>
+            </a:lvl3pPr>
+            <a:lvl4pPr marL="1828800" indent="-384048" algn="l" defTabSz="914400" rtl="0" eaLnBrk="1" latinLnBrk="0" hangingPunct="1">
+              <a:lnSpc>
+                <a:spcPct val="94000"/>
+              </a:lnSpc>
+              <a:spcBef>
+                <a:spcPts val="500"/>
+              </a:spcBef>
+              <a:spcAft>
+                <a:spcPts val="200"/>
+              </a:spcAft>
+              <a:buFont typeface="Franklin Gothic Book" panose="020B0503020102020204" pitchFamily="34" charset="0"/>
+              <a:buChar char="–"/>
+              <a:defRPr kumimoji="1" sz="1800" i="1" kern="1200" baseline="0">
+                <a:solidFill>
+                  <a:schemeClr val="tx2"/>
+                </a:solidFill>
+                <a:latin typeface="+mn-lt"/>
+                <a:ea typeface="+mn-ea"/>
+                <a:cs typeface="+mn-cs"/>
+              </a:defRPr>
+            </a:lvl4pPr>
+            <a:lvl5pPr marL="2286000" indent="-384048" algn="l" defTabSz="914400" rtl="0" eaLnBrk="1" latinLnBrk="0" hangingPunct="1">
+              <a:lnSpc>
+                <a:spcPct val="94000"/>
+              </a:lnSpc>
+              <a:spcBef>
+                <a:spcPts val="500"/>
+              </a:spcBef>
+              <a:spcAft>
+                <a:spcPts val="200"/>
+              </a:spcAft>
+              <a:buFont typeface="Franklin Gothic Book" panose="020B0503020102020204" pitchFamily="34" charset="0"/>
+              <a:buChar char="■"/>
+              <a:defRPr kumimoji="1" sz="1600" kern="1200" baseline="0">
+                <a:solidFill>
+                  <a:schemeClr val="tx2"/>
+                </a:solidFill>
+                <a:latin typeface="+mn-lt"/>
+                <a:ea typeface="+mn-ea"/>
+                <a:cs typeface="+mn-cs"/>
+              </a:defRPr>
+            </a:lvl5pPr>
+            <a:lvl6pPr marL="2743200" indent="-384048" algn="l" defTabSz="914400" rtl="0" eaLnBrk="1" latinLnBrk="0" hangingPunct="1">
+              <a:lnSpc>
+                <a:spcPct val="94000"/>
+              </a:lnSpc>
+              <a:spcBef>
+                <a:spcPts val="500"/>
+              </a:spcBef>
+              <a:spcAft>
+                <a:spcPts val="200"/>
+              </a:spcAft>
+              <a:buFont typeface="Franklin Gothic Book" panose="020B0503020102020204" pitchFamily="34" charset="0"/>
+              <a:buChar char="–"/>
+              <a:defRPr kumimoji="1" sz="1600" i="1" kern="1200" baseline="0">
+                <a:solidFill>
+                  <a:schemeClr val="tx2"/>
+                </a:solidFill>
+                <a:latin typeface="+mn-lt"/>
+                <a:ea typeface="+mn-ea"/>
+                <a:cs typeface="+mn-cs"/>
+              </a:defRPr>
+            </a:lvl6pPr>
+            <a:lvl7pPr marL="3200400" indent="-384048" algn="l" defTabSz="914400" rtl="0" eaLnBrk="1" latinLnBrk="0" hangingPunct="1">
+              <a:lnSpc>
+                <a:spcPct val="94000"/>
+              </a:lnSpc>
+              <a:spcBef>
+                <a:spcPts val="500"/>
+              </a:spcBef>
+              <a:spcAft>
+                <a:spcPts val="200"/>
+              </a:spcAft>
+              <a:buFont typeface="Franklin Gothic Book" panose="020B0503020102020204" pitchFamily="34" charset="0"/>
+              <a:buChar char="■"/>
+              <a:defRPr kumimoji="1" sz="1400" kern="1200" baseline="0">
+                <a:solidFill>
+                  <a:schemeClr val="tx2"/>
+                </a:solidFill>
+                <a:latin typeface="+mn-lt"/>
+                <a:ea typeface="+mn-ea"/>
+                <a:cs typeface="+mn-cs"/>
+              </a:defRPr>
+            </a:lvl7pPr>
+            <a:lvl8pPr marL="3657600" indent="-384048" algn="l" defTabSz="914400" rtl="0" eaLnBrk="1" latinLnBrk="0" hangingPunct="1">
+              <a:lnSpc>
+                <a:spcPct val="94000"/>
+              </a:lnSpc>
+              <a:spcBef>
+                <a:spcPts val="500"/>
+              </a:spcBef>
+              <a:spcAft>
+                <a:spcPts val="200"/>
+              </a:spcAft>
+              <a:buFont typeface="Franklin Gothic Book" panose="020B0503020102020204" pitchFamily="34" charset="0"/>
+              <a:buChar char="–"/>
+              <a:defRPr kumimoji="1" sz="1400" i="1" kern="1200" baseline="0">
+                <a:solidFill>
+                  <a:schemeClr val="tx2"/>
+                </a:solidFill>
+                <a:latin typeface="+mn-lt"/>
+                <a:ea typeface="+mn-ea"/>
+                <a:cs typeface="+mn-cs"/>
+              </a:defRPr>
+            </a:lvl8pPr>
+            <a:lvl9pPr marL="4114800" indent="-384048" algn="l" defTabSz="914400" rtl="0" eaLnBrk="1" latinLnBrk="0" hangingPunct="1">
+              <a:lnSpc>
+                <a:spcPct val="94000"/>
+              </a:lnSpc>
+              <a:spcBef>
+                <a:spcPts val="500"/>
+              </a:spcBef>
+              <a:spcAft>
+                <a:spcPts val="200"/>
+              </a:spcAft>
+              <a:buFont typeface="Franklin Gothic Book" panose="020B0503020102020204" pitchFamily="34" charset="0"/>
+              <a:buChar char="■"/>
+              <a:defRPr kumimoji="1" sz="1400" kern="1200" baseline="0">
+                <a:solidFill>
+                  <a:schemeClr val="tx2"/>
+                </a:solidFill>
+                <a:latin typeface="+mn-lt"/>
+                <a:ea typeface="+mn-ea"/>
+                <a:cs typeface="+mn-cs"/>
+              </a:defRPr>
+            </a:lvl9pPr>
+          </a:lstStyle>
           <a:p>
             <a:pPr>
               <a:lnSpc>
-                <a:spcPct val="150000"/>
+                <a:spcPct val="160000"/>
               </a:lnSpc>
             </a:pPr>
             <a:r>
-              <a:rPr kumimoji="1" lang="ja-JP" altLang="en-US" sz="2600" dirty="0">
-                <a:solidFill>
-                  <a:schemeClr val="accent1">
-                    <a:lumMod val="50000"/>
-                  </a:schemeClr>
-                </a:solidFill>
-              </a:rPr>
-              <a:t>今までにない目覚まし機能と</a:t>
-            </a:r>
-            <a:r>
-              <a:rPr kumimoji="1" lang="en-US" altLang="ja-JP" sz="2600" dirty="0">
-                <a:solidFill>
-                  <a:schemeClr val="accent1">
-                    <a:lumMod val="50000"/>
-                  </a:schemeClr>
-                </a:solidFill>
-              </a:rPr>
-              <a:t>SNS</a:t>
-            </a:r>
-            <a:r>
-              <a:rPr kumimoji="1" lang="ja-JP" altLang="en-US" sz="2600" dirty="0">
-                <a:solidFill>
-                  <a:schemeClr val="accent1">
-                    <a:lumMod val="50000"/>
-                  </a:schemeClr>
-                </a:solidFill>
-              </a:rPr>
-              <a:t>機能の連携</a:t>
-            </a:r>
-            <a:endParaRPr kumimoji="1" lang="en-US" altLang="ja-JP" sz="2600" dirty="0">
-              <a:solidFill>
-                <a:schemeClr val="accent1">
-                  <a:lumMod val="50000"/>
-                </a:schemeClr>
-              </a:solidFill>
-            </a:endParaRPr>
+              <a:rPr lang="ja-JP" altLang="en-US" sz="2600" dirty="0"/>
+              <a:t>同時刻に起きる人同士でグループを組む</a:t>
+            </a:r>
+            <a:endParaRPr lang="en-US" altLang="ja-JP" sz="2600" dirty="0"/>
           </a:p>
           <a:p>
             <a:pPr>
               <a:lnSpc>
-                <a:spcPct val="150000"/>
+                <a:spcPct val="160000"/>
               </a:lnSpc>
             </a:pPr>
             <a:r>
-              <a:rPr lang="ja-JP" altLang="en-US" sz="2600" dirty="0">
-                <a:solidFill>
-                  <a:schemeClr val="accent1">
-                    <a:lumMod val="50000"/>
-                  </a:schemeClr>
-                </a:solidFill>
-              </a:rPr>
-              <a:t>アラームを同時刻に設定した人同士でマッチング</a:t>
-            </a:r>
-            <a:endParaRPr kumimoji="1" lang="en-US" altLang="ja-JP" sz="2600" dirty="0">
-              <a:solidFill>
-                <a:schemeClr val="accent1">
-                  <a:lumMod val="50000"/>
-                </a:schemeClr>
-              </a:solidFill>
-            </a:endParaRPr>
+              <a:rPr lang="ja-JP" altLang="en-US" sz="2600" dirty="0"/>
+              <a:t>連帯感・責任感が生まれ、</a:t>
+            </a:r>
+            <a:r>
+              <a:rPr lang="en-US" altLang="ja-JP" sz="2600" dirty="0"/>
+              <a:t>1</a:t>
+            </a:r>
+            <a:r>
+              <a:rPr lang="ja-JP" altLang="en-US" sz="2600" dirty="0"/>
+              <a:t>人の時よりも起きやすくなる</a:t>
+            </a:r>
+            <a:endParaRPr lang="en-US" altLang="ja-JP" sz="2600" dirty="0"/>
           </a:p>
           <a:p>
             <a:pPr>
               <a:lnSpc>
-                <a:spcPct val="150000"/>
+                <a:spcPct val="160000"/>
               </a:lnSpc>
             </a:pPr>
             <a:r>
-              <a:rPr lang="ja-JP" altLang="en-US" sz="2600" dirty="0">
-                <a:solidFill>
-                  <a:schemeClr val="accent1">
-                    <a:lumMod val="50000"/>
-                  </a:schemeClr>
-                </a:solidFill>
-              </a:rPr>
-              <a:t>グループ内で相互に起こしあうことによる連帯感、責任感により、今までのオフライン目覚まし時計よりも起きやすくなる</a:t>
-            </a:r>
-            <a:endParaRPr lang="en-US" altLang="ja-JP" sz="2600" dirty="0">
-              <a:solidFill>
-                <a:schemeClr val="accent1">
-                  <a:lumMod val="50000"/>
-                </a:schemeClr>
-              </a:solidFill>
-            </a:endParaRPr>
+              <a:rPr lang="ja-JP" altLang="en-US" sz="2600" dirty="0"/>
+              <a:t>起床という行為にゲーム性を持たせる</a:t>
+            </a:r>
+            <a:endParaRPr lang="en-US" altLang="ja-JP" sz="2600" dirty="0"/>
           </a:p>
           <a:p>
             <a:pPr>
               <a:lnSpc>
-                <a:spcPct val="150000"/>
+                <a:spcPct val="160000"/>
               </a:lnSpc>
             </a:pPr>
             <a:r>
-              <a:rPr kumimoji="1" lang="ja-JP" altLang="en-US" sz="2600" dirty="0">
-                <a:solidFill>
-                  <a:schemeClr val="accent1">
-                    <a:lumMod val="50000"/>
-                  </a:schemeClr>
-                </a:solidFill>
-              </a:rPr>
-              <a:t>起床成功回数のランキングを表示することによるゲーム性で、競争心を</a:t>
-            </a:r>
-            <a:r>
-              <a:rPr lang="ja-JP" altLang="en-US" sz="2600" dirty="0">
-                <a:solidFill>
-                  <a:schemeClr val="accent1">
-                    <a:lumMod val="50000"/>
-                  </a:schemeClr>
-                </a:solidFill>
-              </a:rPr>
-              <a:t>煽る</a:t>
-            </a:r>
-            <a:endParaRPr kumimoji="1" lang="en-US" altLang="ja-JP" sz="2600" dirty="0">
-              <a:solidFill>
-                <a:schemeClr val="accent1">
-                  <a:lumMod val="50000"/>
-                </a:schemeClr>
-              </a:solidFill>
-            </a:endParaRPr>
+              <a:rPr lang="ja-JP" altLang="en-US" sz="2600" dirty="0"/>
+              <a:t>毎朝の起床にインセンティブを付与</a:t>
+            </a:r>
+            <a:endParaRPr lang="en-US" altLang="ja-JP" sz="2600" dirty="0"/>
           </a:p>
         </p:txBody>
       </p:sp>
     </p:spTree>
     <p:extLst>
       <p:ext uri="{BB962C8B-B14F-4D97-AF65-F5344CB8AC3E}">
-        <p14:creationId xmlns:p14="http://schemas.microsoft.com/office/powerpoint/2010/main" val="3583529623"/>
+        <p14:creationId xmlns:p14="http://schemas.microsoft.com/office/powerpoint/2010/main" val="2113325035"/>
+      </p:ext>
+    </p:extLst>
+  </p:cSld>
+  <p:clrMapOvr>
+    <a:masterClrMapping/>
+  </p:clrMapOvr>
+</p:sld>
+</file>
+
+<file path=ppt/slides/slide2.xml><?xml version="1.0" encoding="utf-8"?>
+<p:sld xmlns:a="http://schemas.openxmlformats.org/drawingml/2006/main" xmlns:r="http://schemas.openxmlformats.org/officeDocument/2006/relationships" xmlns:p="http://schemas.openxmlformats.org/presentationml/2006/main">
+  <p:cSld>
+    <p:bg>
+      <p:bgPr>
+        <a:blipFill dpi="0" rotWithShape="1">
+          <a:blip r:embed="rId3">
+            <a:lum/>
+          </a:blip>
+          <a:srcRect/>
+          <a:stretch>
+            <a:fillRect t="-17000" b="-17000"/>
+          </a:stretch>
+        </a:blipFill>
+        <a:effectLst/>
+      </p:bgPr>
+    </p:bg>
+    <p:spTree>
+      <p:nvGrpSpPr>
+        <p:cNvPr id="1" name=""/>
+        <p:cNvGrpSpPr/>
+        <p:nvPr/>
+      </p:nvGrpSpPr>
+      <p:grpSpPr>
+        <a:xfrm>
+          <a:off x="0" y="0"/>
+          <a:ext cx="0" cy="0"/>
+          <a:chOff x="0" y="0"/>
+          <a:chExt cx="0" cy="0"/>
+        </a:xfrm>
+      </p:grpSpPr>
+      <p:sp>
+        <p:nvSpPr>
+          <p:cNvPr id="2" name="タイトル 1">
+            <a:extLst>
+              <a:ext uri="{FF2B5EF4-FFF2-40B4-BE49-F238E27FC236}">
+                <a16:creationId xmlns:a16="http://schemas.microsoft.com/office/drawing/2014/main" id="{EEDD0B4E-B713-4FE1-8686-E97A4EE38936}"/>
+              </a:ext>
+            </a:extLst>
+          </p:cNvPr>
+          <p:cNvSpPr>
+            <a:spLocks noGrp="1"/>
+          </p:cNvSpPr>
+          <p:nvPr>
+            <p:ph type="title"/>
+          </p:nvPr>
+        </p:nvSpPr>
+        <p:spPr>
+          <a:xfrm>
+            <a:off x="1135811" y="2402411"/>
+            <a:ext cx="9920377" cy="2053177"/>
+          </a:xfrm>
+        </p:spPr>
+        <p:txBody>
+          <a:bodyPr>
+            <a:noAutofit/>
+          </a:bodyPr>
+          <a:lstStyle/>
+          <a:p>
+            <a:r>
+              <a:rPr kumimoji="1" lang="ja-JP" altLang="en-US" sz="9600" dirty="0">
+                <a:solidFill>
+                  <a:schemeClr val="bg1"/>
+                </a:solidFill>
+              </a:rPr>
+              <a:t>朝起きれない！！</a:t>
+            </a:r>
+          </a:p>
+        </p:txBody>
+      </p:sp>
+    </p:spTree>
+    <p:extLst>
+      <p:ext uri="{BB962C8B-B14F-4D97-AF65-F5344CB8AC3E}">
+        <p14:creationId xmlns:p14="http://schemas.microsoft.com/office/powerpoint/2010/main" val="1449372601"/>
       </p:ext>
     </p:extLst>
   </p:cSld>
@@ -8022,8 +9657,8 @@
         </p:nvSpPr>
         <p:spPr>
           <a:xfrm>
-            <a:off x="1767840" y="365760"/>
-            <a:ext cx="9592886" cy="6248400"/>
+            <a:off x="2386641" y="2402411"/>
+            <a:ext cx="7418717" cy="2053177"/>
           </a:xfrm>
         </p:spPr>
         <p:txBody>
@@ -8033,50 +9668,20 @@
           <a:lstStyle/>
           <a:p>
             <a:r>
-              <a:rPr kumimoji="1" lang="ja-JP" altLang="en-US" sz="20000" dirty="0">
+              <a:rPr kumimoji="1" lang="ja-JP" altLang="en-US" sz="9600" dirty="0">
                 <a:solidFill>
                   <a:schemeClr val="bg1"/>
                 </a:solidFill>
               </a:rPr>
-              <a:t>使い方</a:t>
-            </a:r>
-          </a:p>
-        </p:txBody>
-      </p:sp>
-      <p:sp>
-        <p:nvSpPr>
-          <p:cNvPr id="3" name="コンテンツ プレースホルダー 2">
-            <a:extLst>
-              <a:ext uri="{FF2B5EF4-FFF2-40B4-BE49-F238E27FC236}">
-                <a16:creationId xmlns:a16="http://schemas.microsoft.com/office/drawing/2014/main" id="{DC1C6E50-F16E-494E-BB3E-E879AD69E594}"/>
-              </a:ext>
-            </a:extLst>
-          </p:cNvPr>
-          <p:cNvSpPr>
-            <a:spLocks noGrp="1"/>
-          </p:cNvSpPr>
-          <p:nvPr>
-            <p:ph idx="1"/>
-          </p:nvPr>
-        </p:nvSpPr>
-        <p:spPr>
-          <a:xfrm>
-            <a:off x="845127" y="5577840"/>
-            <a:ext cx="10515600" cy="602297"/>
-          </a:xfrm>
-        </p:spPr>
-        <p:txBody>
-          <a:bodyPr/>
-          <a:lstStyle/>
-          <a:p>
-            <a:endParaRPr kumimoji="1" lang="ja-JP" altLang="en-US" dirty="0"/>
+              <a:t>目覚まし連盟</a:t>
+            </a:r>
           </a:p>
         </p:txBody>
       </p:sp>
     </p:spTree>
     <p:extLst>
       <p:ext uri="{BB962C8B-B14F-4D97-AF65-F5344CB8AC3E}">
-        <p14:creationId xmlns:p14="http://schemas.microsoft.com/office/powerpoint/2010/main" val="1449372601"/>
+        <p14:creationId xmlns:p14="http://schemas.microsoft.com/office/powerpoint/2010/main" val="2243143536"/>
       </p:ext>
     </p:extLst>
   </p:cSld>
@@ -8108,6 +9713,279 @@
           <p:cNvPr id="2" name="タイトル 1">
             <a:extLst>
               <a:ext uri="{FF2B5EF4-FFF2-40B4-BE49-F238E27FC236}">
+                <a16:creationId xmlns:a16="http://schemas.microsoft.com/office/drawing/2014/main" id="{4545AD98-CEB8-4EC4-91F0-B99964FE7D92}"/>
+              </a:ext>
+            </a:extLst>
+          </p:cNvPr>
+          <p:cNvSpPr>
+            <a:spLocks noGrp="1"/>
+          </p:cNvSpPr>
+          <p:nvPr>
+            <p:ph type="title"/>
+          </p:nvPr>
+        </p:nvSpPr>
+        <p:spPr>
+          <a:xfrm>
+            <a:off x="845127" y="314960"/>
+            <a:ext cx="10515600" cy="1325562"/>
+          </a:xfrm>
+        </p:spPr>
+        <p:txBody>
+          <a:bodyPr/>
+          <a:lstStyle/>
+          <a:p>
+            <a:r>
+              <a:rPr kumimoji="1" lang="ja-JP" altLang="en-US" dirty="0">
+                <a:solidFill>
+                  <a:schemeClr val="accent1">
+                    <a:lumMod val="50000"/>
+                  </a:schemeClr>
+                </a:solidFill>
+              </a:rPr>
+              <a:t>概要</a:t>
+            </a:r>
+          </a:p>
+        </p:txBody>
+      </p:sp>
+      <p:sp>
+        <p:nvSpPr>
+          <p:cNvPr id="3" name="コンテンツ プレースホルダー 2">
+            <a:extLst>
+              <a:ext uri="{FF2B5EF4-FFF2-40B4-BE49-F238E27FC236}">
+                <a16:creationId xmlns:a16="http://schemas.microsoft.com/office/drawing/2014/main" id="{5C83F002-BFE0-45D4-AEF0-83BA8192609C}"/>
+              </a:ext>
+            </a:extLst>
+          </p:cNvPr>
+          <p:cNvSpPr>
+            <a:spLocks noGrp="1"/>
+          </p:cNvSpPr>
+          <p:nvPr>
+            <p:ph idx="1"/>
+          </p:nvPr>
+        </p:nvSpPr>
+        <p:spPr>
+          <a:xfrm>
+            <a:off x="1371600" y="1498294"/>
+            <a:ext cx="8995272" cy="5044746"/>
+          </a:xfrm>
+        </p:spPr>
+        <p:txBody>
+          <a:bodyPr>
+            <a:normAutofit/>
+          </a:bodyPr>
+          <a:lstStyle/>
+          <a:p>
+            <a:pPr>
+              <a:lnSpc>
+                <a:spcPct val="150000"/>
+              </a:lnSpc>
+            </a:pPr>
+            <a:r>
+              <a:rPr lang="ja-JP" altLang="en-US" sz="2600" dirty="0">
+                <a:solidFill>
+                  <a:schemeClr val="accent1">
+                    <a:lumMod val="50000"/>
+                  </a:schemeClr>
+                </a:solidFill>
+              </a:rPr>
+              <a:t>目覚まし時計と</a:t>
+            </a:r>
+            <a:r>
+              <a:rPr lang="en-US" altLang="ja-JP" sz="2600" dirty="0">
+                <a:solidFill>
+                  <a:schemeClr val="accent1">
+                    <a:lumMod val="50000"/>
+                  </a:schemeClr>
+                </a:solidFill>
+              </a:rPr>
+              <a:t>SNS</a:t>
+            </a:r>
+            <a:r>
+              <a:rPr lang="ja-JP" altLang="en-US" sz="2600" dirty="0">
+                <a:solidFill>
+                  <a:schemeClr val="accent1">
+                    <a:lumMod val="50000"/>
+                  </a:schemeClr>
+                </a:solidFill>
+              </a:rPr>
+              <a:t>を連携</a:t>
+            </a:r>
+            <a:endParaRPr lang="en-US" altLang="ja-JP" sz="2600" dirty="0">
+              <a:solidFill>
+                <a:schemeClr val="accent1">
+                  <a:lumMod val="50000"/>
+                </a:schemeClr>
+              </a:solidFill>
+            </a:endParaRPr>
+          </a:p>
+          <a:p>
+            <a:pPr>
+              <a:lnSpc>
+                <a:spcPct val="150000"/>
+              </a:lnSpc>
+            </a:pPr>
+            <a:r>
+              <a:rPr kumimoji="1" lang="ja-JP" altLang="en-US" sz="2600" dirty="0">
+                <a:solidFill>
+                  <a:schemeClr val="accent1">
+                    <a:lumMod val="50000"/>
+                  </a:schemeClr>
+                </a:solidFill>
+              </a:rPr>
+              <a:t>同時刻に起きる人とグループ作成</a:t>
+            </a:r>
+            <a:endParaRPr kumimoji="1" lang="en-US" altLang="ja-JP" sz="2600" dirty="0">
+              <a:solidFill>
+                <a:schemeClr val="accent1">
+                  <a:lumMod val="50000"/>
+                </a:schemeClr>
+              </a:solidFill>
+            </a:endParaRPr>
+          </a:p>
+          <a:p>
+            <a:pPr>
+              <a:lnSpc>
+                <a:spcPct val="150000"/>
+              </a:lnSpc>
+            </a:pPr>
+            <a:r>
+              <a:rPr kumimoji="1" lang="ja-JP" altLang="en-US" sz="2600" dirty="0">
+                <a:solidFill>
+                  <a:schemeClr val="accent1">
+                    <a:lumMod val="50000"/>
+                  </a:schemeClr>
+                </a:solidFill>
+              </a:rPr>
+              <a:t>グループメンバー同士で協力し合って起床</a:t>
+            </a:r>
+            <a:endParaRPr kumimoji="1" lang="en-US" altLang="ja-JP" sz="2600" dirty="0">
+              <a:solidFill>
+                <a:schemeClr val="accent1">
+                  <a:lumMod val="50000"/>
+                </a:schemeClr>
+              </a:solidFill>
+            </a:endParaRPr>
+          </a:p>
+        </p:txBody>
+      </p:sp>
+    </p:spTree>
+    <p:extLst>
+      <p:ext uri="{BB962C8B-B14F-4D97-AF65-F5344CB8AC3E}">
+        <p14:creationId xmlns:p14="http://schemas.microsoft.com/office/powerpoint/2010/main" val="510948417"/>
+      </p:ext>
+    </p:extLst>
+  </p:cSld>
+  <p:clrMapOvr>
+    <a:masterClrMapping/>
+  </p:clrMapOvr>
+</p:sld>
+</file>
+
+<file path=ppt/slides/slide5.xml><?xml version="1.0" encoding="utf-8"?>
+<p:sld xmlns:a="http://schemas.openxmlformats.org/drawingml/2006/main" xmlns:r="http://schemas.openxmlformats.org/officeDocument/2006/relationships" xmlns:p="http://schemas.openxmlformats.org/presentationml/2006/main">
+  <p:cSld>
+    <p:bg>
+      <p:bgPr>
+        <a:blipFill dpi="0" rotWithShape="1">
+          <a:blip r:embed="rId2">
+            <a:lum/>
+          </a:blip>
+          <a:srcRect/>
+          <a:stretch>
+            <a:fillRect t="-17000" b="-17000"/>
+          </a:stretch>
+        </a:blipFill>
+        <a:effectLst/>
+      </p:bgPr>
+    </p:bg>
+    <p:spTree>
+      <p:nvGrpSpPr>
+        <p:cNvPr id="1" name=""/>
+        <p:cNvGrpSpPr/>
+        <p:nvPr/>
+      </p:nvGrpSpPr>
+      <p:grpSpPr>
+        <a:xfrm>
+          <a:off x="0" y="0"/>
+          <a:ext cx="0" cy="0"/>
+          <a:chOff x="0" y="0"/>
+          <a:chExt cx="0" cy="0"/>
+        </a:xfrm>
+      </p:grpSpPr>
+      <p:sp>
+        <p:nvSpPr>
+          <p:cNvPr id="2" name="タイトル 1">
+            <a:extLst>
+              <a:ext uri="{FF2B5EF4-FFF2-40B4-BE49-F238E27FC236}">
+                <a16:creationId xmlns:a16="http://schemas.microsoft.com/office/drawing/2014/main" id="{EEDD0B4E-B713-4FE1-8686-E97A4EE38936}"/>
+              </a:ext>
+            </a:extLst>
+          </p:cNvPr>
+          <p:cNvSpPr>
+            <a:spLocks noGrp="1"/>
+          </p:cNvSpPr>
+          <p:nvPr>
+            <p:ph type="title"/>
+          </p:nvPr>
+        </p:nvSpPr>
+        <p:spPr>
+          <a:xfrm>
+            <a:off x="3244003" y="2402411"/>
+            <a:ext cx="5703994" cy="2053177"/>
+          </a:xfrm>
+        </p:spPr>
+        <p:txBody>
+          <a:bodyPr>
+            <a:noAutofit/>
+          </a:bodyPr>
+          <a:lstStyle/>
+          <a:p>
+            <a:r>
+              <a:rPr kumimoji="1" lang="ja-JP" altLang="en-US" sz="9600" dirty="0">
+                <a:solidFill>
+                  <a:schemeClr val="bg1"/>
+                </a:solidFill>
+              </a:rPr>
+              <a:t>アプリ紹介</a:t>
+            </a:r>
+          </a:p>
+        </p:txBody>
+      </p:sp>
+    </p:spTree>
+    <p:extLst>
+      <p:ext uri="{BB962C8B-B14F-4D97-AF65-F5344CB8AC3E}">
+        <p14:creationId xmlns:p14="http://schemas.microsoft.com/office/powerpoint/2010/main" val="3544637835"/>
+      </p:ext>
+    </p:extLst>
+  </p:cSld>
+  <p:clrMapOvr>
+    <a:masterClrMapping/>
+  </p:clrMapOvr>
+</p:sld>
+</file>
+
+<file path=ppt/slides/slide6.xml><?xml version="1.0" encoding="utf-8"?>
+<p:sld xmlns:a="http://schemas.openxmlformats.org/drawingml/2006/main" xmlns:r="http://schemas.openxmlformats.org/officeDocument/2006/relationships" xmlns:p="http://schemas.openxmlformats.org/presentationml/2006/main">
+  <p:cSld>
+    <p:spTree>
+      <p:nvGrpSpPr>
+        <p:cNvPr id="1" name=""/>
+        <p:cNvGrpSpPr/>
+        <p:nvPr/>
+      </p:nvGrpSpPr>
+      <p:grpSpPr>
+        <a:xfrm>
+          <a:off x="0" y="0"/>
+          <a:ext cx="0" cy="0"/>
+          <a:chOff x="0" y="0"/>
+          <a:chExt cx="0" cy="0"/>
+        </a:xfrm>
+      </p:grpSpPr>
+      <p:sp>
+        <p:nvSpPr>
+          <p:cNvPr id="2" name="タイトル 1">
+            <a:extLst>
+              <a:ext uri="{FF2B5EF4-FFF2-40B4-BE49-F238E27FC236}">
                 <a16:creationId xmlns:a16="http://schemas.microsoft.com/office/drawing/2014/main" id="{350C3D2E-F153-4B23-8A30-1F3CEE6D351D}"/>
               </a:ext>
             </a:extLst>
@@ -8458,7 +10336,7 @@
 </p:sld>
 </file>
 
-<file path=ppt/slides/slide5.xml><?xml version="1.0" encoding="utf-8"?>
+<file path=ppt/slides/slide7.xml><?xml version="1.0" encoding="utf-8"?>
 <p:sld xmlns:a="http://schemas.openxmlformats.org/drawingml/2006/main" xmlns:r="http://schemas.openxmlformats.org/officeDocument/2006/relationships" xmlns:p="http://schemas.openxmlformats.org/presentationml/2006/main">
   <p:cSld>
     <p:spTree>
@@ -8825,7 +10703,7 @@
 </p:sld>
 </file>
 
-<file path=ppt/slides/slide6.xml><?xml version="1.0" encoding="utf-8"?>
+<file path=ppt/slides/slide8.xml><?xml version="1.0" encoding="utf-8"?>
 <p:sld xmlns:a="http://schemas.openxmlformats.org/drawingml/2006/main" xmlns:r="http://schemas.openxmlformats.org/officeDocument/2006/relationships" xmlns:p="http://schemas.openxmlformats.org/presentationml/2006/main">
   <p:cSld>
     <p:spTree>
@@ -8898,7 +10776,7 @@
         <p:spPr>
           <a:xfrm>
             <a:off x="845126" y="1879200"/>
-            <a:ext cx="5467539" cy="3199576"/>
+            <a:ext cx="7009901" cy="3199576"/>
           </a:xfrm>
           <a:prstGeom prst="rect">
             <a:avLst/>
@@ -9212,7 +11090,7 @@
 </p:sld>
 </file>
 
-<file path=ppt/slides/slide7.xml><?xml version="1.0" encoding="utf-8"?>
+<file path=ppt/slides/slide9.xml><?xml version="1.0" encoding="utf-8"?>
 <p:sld xmlns:a="http://schemas.openxmlformats.org/drawingml/2006/main" xmlns:r="http://schemas.openxmlformats.org/officeDocument/2006/relationships" xmlns:p="http://schemas.openxmlformats.org/presentationml/2006/main">
   <p:cSld>
     <p:spTree>
@@ -9504,7 +11382,7 @@
             </a:pPr>
             <a:r>
               <a:rPr lang="ja-JP" altLang="en-US" sz="2600" dirty="0"/>
-              <a:t>グループメンバーの中で起きてない人は暗いアイコンで表示</a:t>
+              <a:t>グループメンバーで起きてない人は暗いアイコンで表示</a:t>
             </a:r>
             <a:endParaRPr lang="en-US" altLang="ja-JP" sz="2600" dirty="0"/>
           </a:p>
@@ -9596,735 +11474,6 @@
     <p:extLst>
       <p:ext uri="{BB962C8B-B14F-4D97-AF65-F5344CB8AC3E}">
         <p14:creationId xmlns:p14="http://schemas.microsoft.com/office/powerpoint/2010/main" val="1084504556"/>
-      </p:ext>
-    </p:extLst>
-  </p:cSld>
-  <p:clrMapOvr>
-    <a:masterClrMapping/>
-  </p:clrMapOvr>
-</p:sld>
-</file>
-
-<file path=ppt/slides/slide8.xml><?xml version="1.0" encoding="utf-8"?>
-<p:sld xmlns:a="http://schemas.openxmlformats.org/drawingml/2006/main" xmlns:r="http://schemas.openxmlformats.org/officeDocument/2006/relationships" xmlns:p="http://schemas.openxmlformats.org/presentationml/2006/main">
-  <p:cSld>
-    <p:spTree>
-      <p:nvGrpSpPr>
-        <p:cNvPr id="1" name=""/>
-        <p:cNvGrpSpPr/>
-        <p:nvPr/>
-      </p:nvGrpSpPr>
-      <p:grpSpPr>
-        <a:xfrm>
-          <a:off x="0" y="0"/>
-          <a:ext cx="0" cy="0"/>
-          <a:chOff x="0" y="0"/>
-          <a:chExt cx="0" cy="0"/>
-        </a:xfrm>
-      </p:grpSpPr>
-      <p:sp>
-        <p:nvSpPr>
-          <p:cNvPr id="2" name="タイトル 1">
-            <a:extLst>
-              <a:ext uri="{FF2B5EF4-FFF2-40B4-BE49-F238E27FC236}">
-                <a16:creationId xmlns:a16="http://schemas.microsoft.com/office/drawing/2014/main" id="{350C3D2E-F153-4B23-8A30-1F3CEE6D351D}"/>
-              </a:ext>
-            </a:extLst>
-          </p:cNvPr>
-          <p:cNvSpPr>
-            <a:spLocks noGrp="1"/>
-          </p:cNvSpPr>
-          <p:nvPr>
-            <p:ph type="title"/>
-          </p:nvPr>
-        </p:nvSpPr>
-        <p:spPr>
-          <a:xfrm>
-            <a:off x="845127" y="365760"/>
-            <a:ext cx="6168415" cy="840872"/>
-          </a:xfrm>
-        </p:spPr>
-        <p:txBody>
-          <a:bodyPr/>
-          <a:lstStyle/>
-          <a:p>
-            <a:r>
-              <a:rPr kumimoji="1" lang="ja-JP" altLang="en-US" dirty="0">
-                <a:solidFill>
-                  <a:schemeClr val="accent1">
-                    <a:lumMod val="50000"/>
-                  </a:schemeClr>
-                </a:solidFill>
-              </a:rPr>
-              <a:t>結果画面</a:t>
-            </a:r>
-          </a:p>
-        </p:txBody>
-      </p:sp>
-      <p:sp>
-        <p:nvSpPr>
-          <p:cNvPr id="7" name="コンテンツ プレースホルダー 2">
-            <a:extLst>
-              <a:ext uri="{FF2B5EF4-FFF2-40B4-BE49-F238E27FC236}">
-                <a16:creationId xmlns:a16="http://schemas.microsoft.com/office/drawing/2014/main" id="{01DE4BFF-70A2-403E-ADD8-C8ACE846400F}"/>
-              </a:ext>
-            </a:extLst>
-          </p:cNvPr>
-          <p:cNvSpPr txBox="1">
-            <a:spLocks/>
-          </p:cNvSpPr>
-          <p:nvPr/>
-        </p:nvSpPr>
-        <p:spPr>
-          <a:xfrm>
-            <a:off x="845127" y="1879200"/>
-            <a:ext cx="6168414" cy="4613040"/>
-          </a:xfrm>
-          <a:prstGeom prst="rect">
-            <a:avLst/>
-          </a:prstGeom>
-        </p:spPr>
-        <p:txBody>
-          <a:bodyPr vert="horz" lIns="91440" tIns="45720" rIns="91440" bIns="45720" rtlCol="0">
-            <a:normAutofit/>
-          </a:bodyPr>
-          <a:lstStyle>
-            <a:lvl1pPr marL="384048" indent="-384048" algn="l" defTabSz="914400" rtl="0" eaLnBrk="1" latinLnBrk="0" hangingPunct="1">
-              <a:lnSpc>
-                <a:spcPct val="94000"/>
-              </a:lnSpc>
-              <a:spcBef>
-                <a:spcPts val="1000"/>
-              </a:spcBef>
-              <a:spcAft>
-                <a:spcPts val="200"/>
-              </a:spcAft>
-              <a:buFont typeface="Franklin Gothic Book" panose="020B0503020102020204" pitchFamily="34" charset="0"/>
-              <a:buChar char="■"/>
-              <a:defRPr kumimoji="1" sz="2000" kern="1200" baseline="0">
-                <a:solidFill>
-                  <a:schemeClr val="tx2"/>
-                </a:solidFill>
-                <a:latin typeface="+mn-lt"/>
-                <a:ea typeface="+mn-ea"/>
-                <a:cs typeface="+mn-cs"/>
-              </a:defRPr>
-            </a:lvl1pPr>
-            <a:lvl2pPr marL="914400" indent="-384048" algn="l" defTabSz="914400" rtl="0" eaLnBrk="1" latinLnBrk="0" hangingPunct="1">
-              <a:lnSpc>
-                <a:spcPct val="94000"/>
-              </a:lnSpc>
-              <a:spcBef>
-                <a:spcPts val="500"/>
-              </a:spcBef>
-              <a:spcAft>
-                <a:spcPts val="200"/>
-              </a:spcAft>
-              <a:buFont typeface="Franklin Gothic Book" panose="020B0503020102020204" pitchFamily="34" charset="0"/>
-              <a:buChar char="–"/>
-              <a:defRPr kumimoji="1" sz="2000" i="1" kern="1200" baseline="0">
-                <a:solidFill>
-                  <a:schemeClr val="tx2"/>
-                </a:solidFill>
-                <a:latin typeface="+mn-lt"/>
-                <a:ea typeface="+mn-ea"/>
-                <a:cs typeface="+mn-cs"/>
-              </a:defRPr>
-            </a:lvl2pPr>
-            <a:lvl3pPr marL="1371600" indent="-384048" algn="l" defTabSz="914400" rtl="0" eaLnBrk="1" latinLnBrk="0" hangingPunct="1">
-              <a:lnSpc>
-                <a:spcPct val="94000"/>
-              </a:lnSpc>
-              <a:spcBef>
-                <a:spcPts val="500"/>
-              </a:spcBef>
-              <a:spcAft>
-                <a:spcPts val="200"/>
-              </a:spcAft>
-              <a:buFont typeface="Franklin Gothic Book" panose="020B0503020102020204" pitchFamily="34" charset="0"/>
-              <a:buChar char="■"/>
-              <a:defRPr kumimoji="1" sz="1800" kern="1200" baseline="0">
-                <a:solidFill>
-                  <a:schemeClr val="tx2"/>
-                </a:solidFill>
-                <a:latin typeface="+mn-lt"/>
-                <a:ea typeface="+mn-ea"/>
-                <a:cs typeface="+mn-cs"/>
-              </a:defRPr>
-            </a:lvl3pPr>
-            <a:lvl4pPr marL="1828800" indent="-384048" algn="l" defTabSz="914400" rtl="0" eaLnBrk="1" latinLnBrk="0" hangingPunct="1">
-              <a:lnSpc>
-                <a:spcPct val="94000"/>
-              </a:lnSpc>
-              <a:spcBef>
-                <a:spcPts val="500"/>
-              </a:spcBef>
-              <a:spcAft>
-                <a:spcPts val="200"/>
-              </a:spcAft>
-              <a:buFont typeface="Franklin Gothic Book" panose="020B0503020102020204" pitchFamily="34" charset="0"/>
-              <a:buChar char="–"/>
-              <a:defRPr kumimoji="1" sz="1800" i="1" kern="1200" baseline="0">
-                <a:solidFill>
-                  <a:schemeClr val="tx2"/>
-                </a:solidFill>
-                <a:latin typeface="+mn-lt"/>
-                <a:ea typeface="+mn-ea"/>
-                <a:cs typeface="+mn-cs"/>
-              </a:defRPr>
-            </a:lvl4pPr>
-            <a:lvl5pPr marL="2286000" indent="-384048" algn="l" defTabSz="914400" rtl="0" eaLnBrk="1" latinLnBrk="0" hangingPunct="1">
-              <a:lnSpc>
-                <a:spcPct val="94000"/>
-              </a:lnSpc>
-              <a:spcBef>
-                <a:spcPts val="500"/>
-              </a:spcBef>
-              <a:spcAft>
-                <a:spcPts val="200"/>
-              </a:spcAft>
-              <a:buFont typeface="Franklin Gothic Book" panose="020B0503020102020204" pitchFamily="34" charset="0"/>
-              <a:buChar char="■"/>
-              <a:defRPr kumimoji="1" sz="1600" kern="1200" baseline="0">
-                <a:solidFill>
-                  <a:schemeClr val="tx2"/>
-                </a:solidFill>
-                <a:latin typeface="+mn-lt"/>
-                <a:ea typeface="+mn-ea"/>
-                <a:cs typeface="+mn-cs"/>
-              </a:defRPr>
-            </a:lvl5pPr>
-            <a:lvl6pPr marL="2743200" indent="-384048" algn="l" defTabSz="914400" rtl="0" eaLnBrk="1" latinLnBrk="0" hangingPunct="1">
-              <a:lnSpc>
-                <a:spcPct val="94000"/>
-              </a:lnSpc>
-              <a:spcBef>
-                <a:spcPts val="500"/>
-              </a:spcBef>
-              <a:spcAft>
-                <a:spcPts val="200"/>
-              </a:spcAft>
-              <a:buFont typeface="Franklin Gothic Book" panose="020B0503020102020204" pitchFamily="34" charset="0"/>
-              <a:buChar char="–"/>
-              <a:defRPr kumimoji="1" sz="1600" i="1" kern="1200" baseline="0">
-                <a:solidFill>
-                  <a:schemeClr val="tx2"/>
-                </a:solidFill>
-                <a:latin typeface="+mn-lt"/>
-                <a:ea typeface="+mn-ea"/>
-                <a:cs typeface="+mn-cs"/>
-              </a:defRPr>
-            </a:lvl6pPr>
-            <a:lvl7pPr marL="3200400" indent="-384048" algn="l" defTabSz="914400" rtl="0" eaLnBrk="1" latinLnBrk="0" hangingPunct="1">
-              <a:lnSpc>
-                <a:spcPct val="94000"/>
-              </a:lnSpc>
-              <a:spcBef>
-                <a:spcPts val="500"/>
-              </a:spcBef>
-              <a:spcAft>
-                <a:spcPts val="200"/>
-              </a:spcAft>
-              <a:buFont typeface="Franklin Gothic Book" panose="020B0503020102020204" pitchFamily="34" charset="0"/>
-              <a:buChar char="■"/>
-              <a:defRPr kumimoji="1" sz="1400" kern="1200" baseline="0">
-                <a:solidFill>
-                  <a:schemeClr val="tx2"/>
-                </a:solidFill>
-                <a:latin typeface="+mn-lt"/>
-                <a:ea typeface="+mn-ea"/>
-                <a:cs typeface="+mn-cs"/>
-              </a:defRPr>
-            </a:lvl7pPr>
-            <a:lvl8pPr marL="3657600" indent="-384048" algn="l" defTabSz="914400" rtl="0" eaLnBrk="1" latinLnBrk="0" hangingPunct="1">
-              <a:lnSpc>
-                <a:spcPct val="94000"/>
-              </a:lnSpc>
-              <a:spcBef>
-                <a:spcPts val="500"/>
-              </a:spcBef>
-              <a:spcAft>
-                <a:spcPts val="200"/>
-              </a:spcAft>
-              <a:buFont typeface="Franklin Gothic Book" panose="020B0503020102020204" pitchFamily="34" charset="0"/>
-              <a:buChar char="–"/>
-              <a:defRPr kumimoji="1" sz="1400" i="1" kern="1200" baseline="0">
-                <a:solidFill>
-                  <a:schemeClr val="tx2"/>
-                </a:solidFill>
-                <a:latin typeface="+mn-lt"/>
-                <a:ea typeface="+mn-ea"/>
-                <a:cs typeface="+mn-cs"/>
-              </a:defRPr>
-            </a:lvl8pPr>
-            <a:lvl9pPr marL="4114800" indent="-384048" algn="l" defTabSz="914400" rtl="0" eaLnBrk="1" latinLnBrk="0" hangingPunct="1">
-              <a:lnSpc>
-                <a:spcPct val="94000"/>
-              </a:lnSpc>
-              <a:spcBef>
-                <a:spcPts val="500"/>
-              </a:spcBef>
-              <a:spcAft>
-                <a:spcPts val="200"/>
-              </a:spcAft>
-              <a:buFont typeface="Franklin Gothic Book" panose="020B0503020102020204" pitchFamily="34" charset="0"/>
-              <a:buChar char="■"/>
-              <a:defRPr kumimoji="1" sz="1400" kern="1200" baseline="0">
-                <a:solidFill>
-                  <a:schemeClr val="tx2"/>
-                </a:solidFill>
-                <a:latin typeface="+mn-lt"/>
-                <a:ea typeface="+mn-ea"/>
-                <a:cs typeface="+mn-cs"/>
-              </a:defRPr>
-            </a:lvl9pPr>
-          </a:lstStyle>
-          <a:p>
-            <a:pPr>
-              <a:lnSpc>
-                <a:spcPct val="160000"/>
-              </a:lnSpc>
-            </a:pPr>
-            <a:r>
-              <a:rPr lang="ja-JP" altLang="en-US" sz="2600" dirty="0"/>
-              <a:t>起床成功 </a:t>
-            </a:r>
-            <a:r>
-              <a:rPr lang="en-US" altLang="ja-JP" sz="2600" dirty="0"/>
-              <a:t>or </a:t>
-            </a:r>
-            <a:r>
-              <a:rPr lang="ja-JP" altLang="en-US" sz="2600" dirty="0"/>
-              <a:t>失敗の確認</a:t>
-            </a:r>
-            <a:endParaRPr lang="en-US" altLang="ja-JP" sz="2600" dirty="0"/>
-          </a:p>
-          <a:p>
-            <a:pPr>
-              <a:lnSpc>
-                <a:spcPct val="160000"/>
-              </a:lnSpc>
-            </a:pPr>
-            <a:r>
-              <a:rPr lang="ja-JP" altLang="en-US" sz="2600" dirty="0"/>
-              <a:t>グループメンバーの起床状況も確認</a:t>
-            </a:r>
-            <a:endParaRPr lang="en-US" altLang="ja-JP" sz="2600" dirty="0"/>
-          </a:p>
-          <a:p>
-            <a:pPr>
-              <a:lnSpc>
-                <a:spcPct val="160000"/>
-              </a:lnSpc>
-            </a:pPr>
-            <a:r>
-              <a:rPr lang="ja-JP" altLang="en-US" sz="2600" dirty="0">
-                <a:solidFill>
-                  <a:schemeClr val="accent1">
-                    <a:lumMod val="50000"/>
-                  </a:schemeClr>
-                </a:solidFill>
-              </a:rPr>
-              <a:t>個人の合計成功・失敗回数確認</a:t>
-            </a:r>
-            <a:endParaRPr lang="en-US" altLang="ja-JP" sz="2600" dirty="0">
-              <a:solidFill>
-                <a:schemeClr val="accent1">
-                  <a:lumMod val="50000"/>
-                </a:schemeClr>
-              </a:solidFill>
-            </a:endParaRPr>
-          </a:p>
-        </p:txBody>
-      </p:sp>
-      <p:pic>
-        <p:nvPicPr>
-          <p:cNvPr id="5" name="コンテンツ プレースホルダー 4">
-            <a:extLst>
-              <a:ext uri="{FF2B5EF4-FFF2-40B4-BE49-F238E27FC236}">
-                <a16:creationId xmlns:a16="http://schemas.microsoft.com/office/drawing/2014/main" id="{61358156-B632-4638-936E-C5EA41B7B03B}"/>
-              </a:ext>
-            </a:extLst>
-          </p:cNvPr>
-          <p:cNvPicPr>
-            <a:picLocks noGrp="1" noChangeAspect="1"/>
-          </p:cNvPicPr>
-          <p:nvPr>
-            <p:ph idx="1"/>
-          </p:nvPr>
-        </p:nvPicPr>
-        <p:blipFill>
-          <a:blip r:embed="rId2">
-            <a:extLst>
-              <a:ext uri="{28A0092B-C50C-407E-A947-70E740481C1C}">
-                <a14:useLocalDpi xmlns:a14="http://schemas.microsoft.com/office/drawing/2010/main" val="0"/>
-              </a:ext>
-            </a:extLst>
-          </a:blip>
-          <a:stretch>
-            <a:fillRect/>
-          </a:stretch>
-        </p:blipFill>
-        <p:spPr>
-          <a:xfrm>
-            <a:off x="8181209" y="0"/>
-            <a:ext cx="4010791" cy="6717187"/>
-          </a:xfrm>
-        </p:spPr>
-      </p:pic>
-    </p:spTree>
-    <p:extLst>
-      <p:ext uri="{BB962C8B-B14F-4D97-AF65-F5344CB8AC3E}">
-        <p14:creationId xmlns:p14="http://schemas.microsoft.com/office/powerpoint/2010/main" val="59753580"/>
-      </p:ext>
-    </p:extLst>
-  </p:cSld>
-  <p:clrMapOvr>
-    <a:masterClrMapping/>
-  </p:clrMapOvr>
-</p:sld>
-</file>
-
-<file path=ppt/slides/slide9.xml><?xml version="1.0" encoding="utf-8"?>
-<p:sld xmlns:a="http://schemas.openxmlformats.org/drawingml/2006/main" xmlns:r="http://schemas.openxmlformats.org/officeDocument/2006/relationships" xmlns:p="http://schemas.openxmlformats.org/presentationml/2006/main">
-  <p:cSld>
-    <p:spTree>
-      <p:nvGrpSpPr>
-        <p:cNvPr id="1" name=""/>
-        <p:cNvGrpSpPr/>
-        <p:nvPr/>
-      </p:nvGrpSpPr>
-      <p:grpSpPr>
-        <a:xfrm>
-          <a:off x="0" y="0"/>
-          <a:ext cx="0" cy="0"/>
-          <a:chOff x="0" y="0"/>
-          <a:chExt cx="0" cy="0"/>
-        </a:xfrm>
-      </p:grpSpPr>
-      <p:sp>
-        <p:nvSpPr>
-          <p:cNvPr id="2" name="タイトル 1">
-            <a:extLst>
-              <a:ext uri="{FF2B5EF4-FFF2-40B4-BE49-F238E27FC236}">
-                <a16:creationId xmlns:a16="http://schemas.microsoft.com/office/drawing/2014/main" id="{350C3D2E-F153-4B23-8A30-1F3CEE6D351D}"/>
-              </a:ext>
-            </a:extLst>
-          </p:cNvPr>
-          <p:cNvSpPr>
-            <a:spLocks noGrp="1"/>
-          </p:cNvSpPr>
-          <p:nvPr>
-            <p:ph type="title"/>
-          </p:nvPr>
-        </p:nvSpPr>
-        <p:spPr>
-          <a:xfrm>
-            <a:off x="845127" y="365760"/>
-            <a:ext cx="6168415" cy="840872"/>
-          </a:xfrm>
-        </p:spPr>
-        <p:txBody>
-          <a:bodyPr/>
-          <a:lstStyle/>
-          <a:p>
-            <a:r>
-              <a:rPr kumimoji="1" lang="ja-JP" altLang="en-US" dirty="0">
-                <a:solidFill>
-                  <a:schemeClr val="accent1">
-                    <a:lumMod val="50000"/>
-                  </a:schemeClr>
-                </a:solidFill>
-              </a:rPr>
-              <a:t>ランキング画面</a:t>
-            </a:r>
-          </a:p>
-        </p:txBody>
-      </p:sp>
-      <p:sp>
-        <p:nvSpPr>
-          <p:cNvPr id="7" name="コンテンツ プレースホルダー 2">
-            <a:extLst>
-              <a:ext uri="{FF2B5EF4-FFF2-40B4-BE49-F238E27FC236}">
-                <a16:creationId xmlns:a16="http://schemas.microsoft.com/office/drawing/2014/main" id="{01DE4BFF-70A2-403E-ADD8-C8ACE846400F}"/>
-              </a:ext>
-            </a:extLst>
-          </p:cNvPr>
-          <p:cNvSpPr txBox="1">
-            <a:spLocks/>
-          </p:cNvSpPr>
-          <p:nvPr/>
-        </p:nvSpPr>
-        <p:spPr>
-          <a:xfrm>
-            <a:off x="845127" y="1879200"/>
-            <a:ext cx="6168414" cy="4613040"/>
-          </a:xfrm>
-          <a:prstGeom prst="rect">
-            <a:avLst/>
-          </a:prstGeom>
-        </p:spPr>
-        <p:txBody>
-          <a:bodyPr vert="horz" lIns="91440" tIns="45720" rIns="91440" bIns="45720" rtlCol="0">
-            <a:normAutofit/>
-          </a:bodyPr>
-          <a:lstStyle>
-            <a:lvl1pPr marL="384048" indent="-384048" algn="l" defTabSz="914400" rtl="0" eaLnBrk="1" latinLnBrk="0" hangingPunct="1">
-              <a:lnSpc>
-                <a:spcPct val="94000"/>
-              </a:lnSpc>
-              <a:spcBef>
-                <a:spcPts val="1000"/>
-              </a:spcBef>
-              <a:spcAft>
-                <a:spcPts val="200"/>
-              </a:spcAft>
-              <a:buFont typeface="Franklin Gothic Book" panose="020B0503020102020204" pitchFamily="34" charset="0"/>
-              <a:buChar char="■"/>
-              <a:defRPr kumimoji="1" sz="2000" kern="1200" baseline="0">
-                <a:solidFill>
-                  <a:schemeClr val="tx2"/>
-                </a:solidFill>
-                <a:latin typeface="+mn-lt"/>
-                <a:ea typeface="+mn-ea"/>
-                <a:cs typeface="+mn-cs"/>
-              </a:defRPr>
-            </a:lvl1pPr>
-            <a:lvl2pPr marL="914400" indent="-384048" algn="l" defTabSz="914400" rtl="0" eaLnBrk="1" latinLnBrk="0" hangingPunct="1">
-              <a:lnSpc>
-                <a:spcPct val="94000"/>
-              </a:lnSpc>
-              <a:spcBef>
-                <a:spcPts val="500"/>
-              </a:spcBef>
-              <a:spcAft>
-                <a:spcPts val="200"/>
-              </a:spcAft>
-              <a:buFont typeface="Franklin Gothic Book" panose="020B0503020102020204" pitchFamily="34" charset="0"/>
-              <a:buChar char="–"/>
-              <a:defRPr kumimoji="1" sz="2000" i="1" kern="1200" baseline="0">
-                <a:solidFill>
-                  <a:schemeClr val="tx2"/>
-                </a:solidFill>
-                <a:latin typeface="+mn-lt"/>
-                <a:ea typeface="+mn-ea"/>
-                <a:cs typeface="+mn-cs"/>
-              </a:defRPr>
-            </a:lvl2pPr>
-            <a:lvl3pPr marL="1371600" indent="-384048" algn="l" defTabSz="914400" rtl="0" eaLnBrk="1" latinLnBrk="0" hangingPunct="1">
-              <a:lnSpc>
-                <a:spcPct val="94000"/>
-              </a:lnSpc>
-              <a:spcBef>
-                <a:spcPts val="500"/>
-              </a:spcBef>
-              <a:spcAft>
-                <a:spcPts val="200"/>
-              </a:spcAft>
-              <a:buFont typeface="Franklin Gothic Book" panose="020B0503020102020204" pitchFamily="34" charset="0"/>
-              <a:buChar char="■"/>
-              <a:defRPr kumimoji="1" sz="1800" kern="1200" baseline="0">
-                <a:solidFill>
-                  <a:schemeClr val="tx2"/>
-                </a:solidFill>
-                <a:latin typeface="+mn-lt"/>
-                <a:ea typeface="+mn-ea"/>
-                <a:cs typeface="+mn-cs"/>
-              </a:defRPr>
-            </a:lvl3pPr>
-            <a:lvl4pPr marL="1828800" indent="-384048" algn="l" defTabSz="914400" rtl="0" eaLnBrk="1" latinLnBrk="0" hangingPunct="1">
-              <a:lnSpc>
-                <a:spcPct val="94000"/>
-              </a:lnSpc>
-              <a:spcBef>
-                <a:spcPts val="500"/>
-              </a:spcBef>
-              <a:spcAft>
-                <a:spcPts val="200"/>
-              </a:spcAft>
-              <a:buFont typeface="Franklin Gothic Book" panose="020B0503020102020204" pitchFamily="34" charset="0"/>
-              <a:buChar char="–"/>
-              <a:defRPr kumimoji="1" sz="1800" i="1" kern="1200" baseline="0">
-                <a:solidFill>
-                  <a:schemeClr val="tx2"/>
-                </a:solidFill>
-                <a:latin typeface="+mn-lt"/>
-                <a:ea typeface="+mn-ea"/>
-                <a:cs typeface="+mn-cs"/>
-              </a:defRPr>
-            </a:lvl4pPr>
-            <a:lvl5pPr marL="2286000" indent="-384048" algn="l" defTabSz="914400" rtl="0" eaLnBrk="1" latinLnBrk="0" hangingPunct="1">
-              <a:lnSpc>
-                <a:spcPct val="94000"/>
-              </a:lnSpc>
-              <a:spcBef>
-                <a:spcPts val="500"/>
-              </a:spcBef>
-              <a:spcAft>
-                <a:spcPts val="200"/>
-              </a:spcAft>
-              <a:buFont typeface="Franklin Gothic Book" panose="020B0503020102020204" pitchFamily="34" charset="0"/>
-              <a:buChar char="■"/>
-              <a:defRPr kumimoji="1" sz="1600" kern="1200" baseline="0">
-                <a:solidFill>
-                  <a:schemeClr val="tx2"/>
-                </a:solidFill>
-                <a:latin typeface="+mn-lt"/>
-                <a:ea typeface="+mn-ea"/>
-                <a:cs typeface="+mn-cs"/>
-              </a:defRPr>
-            </a:lvl5pPr>
-            <a:lvl6pPr marL="2743200" indent="-384048" algn="l" defTabSz="914400" rtl="0" eaLnBrk="1" latinLnBrk="0" hangingPunct="1">
-              <a:lnSpc>
-                <a:spcPct val="94000"/>
-              </a:lnSpc>
-              <a:spcBef>
-                <a:spcPts val="500"/>
-              </a:spcBef>
-              <a:spcAft>
-                <a:spcPts val="200"/>
-              </a:spcAft>
-              <a:buFont typeface="Franklin Gothic Book" panose="020B0503020102020204" pitchFamily="34" charset="0"/>
-              <a:buChar char="–"/>
-              <a:defRPr kumimoji="1" sz="1600" i="1" kern="1200" baseline="0">
-                <a:solidFill>
-                  <a:schemeClr val="tx2"/>
-                </a:solidFill>
-                <a:latin typeface="+mn-lt"/>
-                <a:ea typeface="+mn-ea"/>
-                <a:cs typeface="+mn-cs"/>
-              </a:defRPr>
-            </a:lvl6pPr>
-            <a:lvl7pPr marL="3200400" indent="-384048" algn="l" defTabSz="914400" rtl="0" eaLnBrk="1" latinLnBrk="0" hangingPunct="1">
-              <a:lnSpc>
-                <a:spcPct val="94000"/>
-              </a:lnSpc>
-              <a:spcBef>
-                <a:spcPts val="500"/>
-              </a:spcBef>
-              <a:spcAft>
-                <a:spcPts val="200"/>
-              </a:spcAft>
-              <a:buFont typeface="Franklin Gothic Book" panose="020B0503020102020204" pitchFamily="34" charset="0"/>
-              <a:buChar char="■"/>
-              <a:defRPr kumimoji="1" sz="1400" kern="1200" baseline="0">
-                <a:solidFill>
-                  <a:schemeClr val="tx2"/>
-                </a:solidFill>
-                <a:latin typeface="+mn-lt"/>
-                <a:ea typeface="+mn-ea"/>
-                <a:cs typeface="+mn-cs"/>
-              </a:defRPr>
-            </a:lvl7pPr>
-            <a:lvl8pPr marL="3657600" indent="-384048" algn="l" defTabSz="914400" rtl="0" eaLnBrk="1" latinLnBrk="0" hangingPunct="1">
-              <a:lnSpc>
-                <a:spcPct val="94000"/>
-              </a:lnSpc>
-              <a:spcBef>
-                <a:spcPts val="500"/>
-              </a:spcBef>
-              <a:spcAft>
-                <a:spcPts val="200"/>
-              </a:spcAft>
-              <a:buFont typeface="Franklin Gothic Book" panose="020B0503020102020204" pitchFamily="34" charset="0"/>
-              <a:buChar char="–"/>
-              <a:defRPr kumimoji="1" sz="1400" i="1" kern="1200" baseline="0">
-                <a:solidFill>
-                  <a:schemeClr val="tx2"/>
-                </a:solidFill>
-                <a:latin typeface="+mn-lt"/>
-                <a:ea typeface="+mn-ea"/>
-                <a:cs typeface="+mn-cs"/>
-              </a:defRPr>
-            </a:lvl8pPr>
-            <a:lvl9pPr marL="4114800" indent="-384048" algn="l" defTabSz="914400" rtl="0" eaLnBrk="1" latinLnBrk="0" hangingPunct="1">
-              <a:lnSpc>
-                <a:spcPct val="94000"/>
-              </a:lnSpc>
-              <a:spcBef>
-                <a:spcPts val="500"/>
-              </a:spcBef>
-              <a:spcAft>
-                <a:spcPts val="200"/>
-              </a:spcAft>
-              <a:buFont typeface="Franklin Gothic Book" panose="020B0503020102020204" pitchFamily="34" charset="0"/>
-              <a:buChar char="■"/>
-              <a:defRPr kumimoji="1" sz="1400" kern="1200" baseline="0">
-                <a:solidFill>
-                  <a:schemeClr val="tx2"/>
-                </a:solidFill>
-                <a:latin typeface="+mn-lt"/>
-                <a:ea typeface="+mn-ea"/>
-                <a:cs typeface="+mn-cs"/>
-              </a:defRPr>
-            </a:lvl9pPr>
-          </a:lstStyle>
-          <a:p>
-            <a:pPr>
-              <a:lnSpc>
-                <a:spcPct val="160000"/>
-              </a:lnSpc>
-            </a:pPr>
-            <a:r>
-              <a:rPr lang="ja-JP" altLang="en-US" sz="2600" dirty="0"/>
-              <a:t>成功回数が多い順にランクづけ</a:t>
-            </a:r>
-            <a:endParaRPr lang="en-US" altLang="ja-JP" sz="2600" dirty="0"/>
-          </a:p>
-          <a:p>
-            <a:pPr>
-              <a:lnSpc>
-                <a:spcPct val="160000"/>
-              </a:lnSpc>
-            </a:pPr>
-            <a:r>
-              <a:rPr lang="ja-JP" altLang="en-US" sz="2600" dirty="0"/>
-              <a:t>ゲーム性を付与しユーザーの競争心を煽る</a:t>
-            </a:r>
-            <a:endParaRPr lang="en-US" altLang="ja-JP" sz="2600" dirty="0"/>
-          </a:p>
-        </p:txBody>
-      </p:sp>
-      <p:pic>
-        <p:nvPicPr>
-          <p:cNvPr id="8" name="コンテンツ プレースホルダー 4">
-            <a:extLst>
-              <a:ext uri="{FF2B5EF4-FFF2-40B4-BE49-F238E27FC236}">
-                <a16:creationId xmlns:a16="http://schemas.microsoft.com/office/drawing/2014/main" id="{2CA3C192-8182-4354-ABBA-99A0A8DA7C1F}"/>
-              </a:ext>
-            </a:extLst>
-          </p:cNvPr>
-          <p:cNvPicPr>
-            <a:picLocks noChangeAspect="1"/>
-          </p:cNvPicPr>
-          <p:nvPr/>
-        </p:nvPicPr>
-        <p:blipFill>
-          <a:blip r:embed="rId2">
-            <a:extLst>
-              <a:ext uri="{28A0092B-C50C-407E-A947-70E740481C1C}">
-                <a14:useLocalDpi xmlns:a14="http://schemas.microsoft.com/office/drawing/2010/main" val="0"/>
-              </a:ext>
-            </a:extLst>
-          </a:blip>
-          <a:stretch>
-            <a:fillRect/>
-          </a:stretch>
-        </p:blipFill>
-        <p:spPr>
-          <a:xfrm>
-            <a:off x="8184442" y="-4258"/>
-            <a:ext cx="4007558" cy="6862258"/>
-          </a:xfrm>
-          <a:prstGeom prst="rect">
-            <a:avLst/>
-          </a:prstGeom>
-        </p:spPr>
-      </p:pic>
-    </p:spTree>
-    <p:extLst>
-      <p:ext uri="{BB962C8B-B14F-4D97-AF65-F5344CB8AC3E}">
-        <p14:creationId xmlns:p14="http://schemas.microsoft.com/office/powerpoint/2010/main" val="3118359407"/>
       </p:ext>
     </p:extLst>
   </p:cSld>
@@ -10843,4 +11992,299 @@
     </a:ext>
   </a:extLst>
 </a:theme>
+</file>
+
+<file path=ppt/theme/theme3.xml><?xml version="1.0" encoding="utf-8"?>
+<a:theme xmlns:a="http://schemas.openxmlformats.org/drawingml/2006/main" name="Office テーマ">
+  <a:themeElements>
+    <a:clrScheme name="Office">
+      <a:dk1>
+        <a:sysClr val="windowText" lastClr="000000"/>
+      </a:dk1>
+      <a:lt1>
+        <a:sysClr val="window" lastClr="FFFFFF"/>
+      </a:lt1>
+      <a:dk2>
+        <a:srgbClr val="44546A"/>
+      </a:dk2>
+      <a:lt2>
+        <a:srgbClr val="E7E6E6"/>
+      </a:lt2>
+      <a:accent1>
+        <a:srgbClr val="4472C4"/>
+      </a:accent1>
+      <a:accent2>
+        <a:srgbClr val="ED7D31"/>
+      </a:accent2>
+      <a:accent3>
+        <a:srgbClr val="A5A5A5"/>
+      </a:accent3>
+      <a:accent4>
+        <a:srgbClr val="FFC000"/>
+      </a:accent4>
+      <a:accent5>
+        <a:srgbClr val="5B9BD5"/>
+      </a:accent5>
+      <a:accent6>
+        <a:srgbClr val="70AD47"/>
+      </a:accent6>
+      <a:hlink>
+        <a:srgbClr val="0563C1"/>
+      </a:hlink>
+      <a:folHlink>
+        <a:srgbClr val="954F72"/>
+      </a:folHlink>
+    </a:clrScheme>
+    <a:fontScheme name="Office">
+      <a:majorFont>
+        <a:latin typeface="游ゴシック Light" panose="020F0302020204030204"/>
+        <a:ea typeface=""/>
+        <a:cs typeface=""/>
+        <a:font script="Jpan" typeface="游ゴシック Light"/>
+        <a:font script="Hang" typeface="맑은 고딕"/>
+        <a:font script="Hans" typeface="等线 Light"/>
+        <a:font script="Hant" typeface="新細明體"/>
+        <a:font script="Arab" typeface="Times New Roman"/>
+        <a:font script="Hebr" typeface="Times New Roman"/>
+        <a:font script="Thai" typeface="Angsana New"/>
+        <a:font script="Ethi" typeface="Nyala"/>
+        <a:font script="Beng" typeface="Vrinda"/>
+        <a:font script="Gujr" typeface="Shruti"/>
+        <a:font script="Khmr" typeface="MoolBoran"/>
+        <a:font script="Knda" typeface="Tunga"/>
+        <a:font script="Guru" typeface="Raavi"/>
+        <a:font script="Cans" typeface="Euphemia"/>
+        <a:font script="Cher" typeface="Plantagenet Cherokee"/>
+        <a:font script="Yiii" typeface="Microsoft Yi Baiti"/>
+        <a:font script="Tibt" typeface="Microsoft Himalaya"/>
+        <a:font script="Thaa" typeface="MV Boli"/>
+        <a:font script="Deva" typeface="Mangal"/>
+        <a:font script="Telu" typeface="Gautami"/>
+        <a:font script="Taml" typeface="Latha"/>
+        <a:font script="Syrc" typeface="Estrangelo Edessa"/>
+        <a:font script="Orya" typeface="Kalinga"/>
+        <a:font script="Mlym" typeface="Kartika"/>
+        <a:font script="Laoo" typeface="DokChampa"/>
+        <a:font script="Sinh" typeface="Iskoola Pota"/>
+        <a:font script="Mong" typeface="Mongolian Baiti"/>
+        <a:font script="Viet" typeface="Times New Roman"/>
+        <a:font script="Uigh" typeface="Microsoft Uighur"/>
+        <a:font script="Geor" typeface="Sylfaen"/>
+        <a:font script="Armn" typeface="Arial"/>
+        <a:font script="Bugi" typeface="Leelawadee UI"/>
+        <a:font script="Bopo" typeface="Microsoft JhengHei"/>
+        <a:font script="Java" typeface="Javanese Text"/>
+        <a:font script="Lisu" typeface="Segoe UI"/>
+        <a:font script="Mymr" typeface="Myanmar Text"/>
+        <a:font script="Nkoo" typeface="Ebrima"/>
+        <a:font script="Olck" typeface="Nirmala UI"/>
+        <a:font script="Osma" typeface="Ebrima"/>
+        <a:font script="Phag" typeface="Phagspa"/>
+        <a:font script="Syrn" typeface="Estrangelo Edessa"/>
+        <a:font script="Syrj" typeface="Estrangelo Edessa"/>
+        <a:font script="Syre" typeface="Estrangelo Edessa"/>
+        <a:font script="Sora" typeface="Nirmala UI"/>
+        <a:font script="Tale" typeface="Microsoft Tai Le"/>
+        <a:font script="Talu" typeface="Microsoft New Tai Lue"/>
+        <a:font script="Tfng" typeface="Ebrima"/>
+      </a:majorFont>
+      <a:minorFont>
+        <a:latin typeface="游ゴシック" panose="020F0502020204030204"/>
+        <a:ea typeface=""/>
+        <a:cs typeface=""/>
+        <a:font script="Jpan" typeface="游ゴシック"/>
+        <a:font script="Hang" typeface="맑은 고딕"/>
+        <a:font script="Hans" typeface="等线"/>
+        <a:font script="Hant" typeface="新細明體"/>
+        <a:font script="Arab" typeface="Arial"/>
+        <a:font script="Hebr" typeface="Arial"/>
+        <a:font script="Thai" typeface="Cordia New"/>
+        <a:font script="Ethi" typeface="Nyala"/>
+        <a:font script="Beng" typeface="Vrinda"/>
+        <a:font script="Gujr" typeface="Shruti"/>
+        <a:font script="Khmr" typeface="DaunPenh"/>
+        <a:font script="Knda" typeface="Tunga"/>
+        <a:font script="Guru" typeface="Raavi"/>
+        <a:font script="Cans" typeface="Euphemia"/>
+        <a:font script="Cher" typeface="Plantagenet Cherokee"/>
+        <a:font script="Yiii" typeface="Microsoft Yi Baiti"/>
+        <a:font script="Tibt" typeface="Microsoft Himalaya"/>
+        <a:font script="Thaa" typeface="MV Boli"/>
+        <a:font script="Deva" typeface="Mangal"/>
+        <a:font script="Telu" typeface="Gautami"/>
+        <a:font script="Taml" typeface="Latha"/>
+        <a:font script="Syrc" typeface="Estrangelo Edessa"/>
+        <a:font script="Orya" typeface="Kalinga"/>
+        <a:font script="Mlym" typeface="Kartika"/>
+        <a:font script="Laoo" typeface="DokChampa"/>
+        <a:font script="Sinh" typeface="Iskoola Pota"/>
+        <a:font script="Mong" typeface="Mongolian Baiti"/>
+        <a:font script="Viet" typeface="Arial"/>
+        <a:font script="Uigh" typeface="Microsoft Uighur"/>
+        <a:font script="Geor" typeface="Sylfaen"/>
+        <a:font script="Armn" typeface="Arial"/>
+        <a:font script="Bugi" typeface="Leelawadee UI"/>
+        <a:font script="Bopo" typeface="Microsoft JhengHei"/>
+        <a:font script="Java" typeface="Javanese Text"/>
+        <a:font script="Lisu" typeface="Segoe UI"/>
+        <a:font script="Mymr" typeface="Myanmar Text"/>
+        <a:font script="Nkoo" typeface="Ebrima"/>
+        <a:font script="Olck" typeface="Nirmala UI"/>
+        <a:font script="Osma" typeface="Ebrima"/>
+        <a:font script="Phag" typeface="Phagspa"/>
+        <a:font script="Syrn" typeface="Estrangelo Edessa"/>
+        <a:font script="Syrj" typeface="Estrangelo Edessa"/>
+        <a:font script="Syre" typeface="Estrangelo Edessa"/>
+        <a:font script="Sora" typeface="Nirmala UI"/>
+        <a:font script="Tale" typeface="Microsoft Tai Le"/>
+        <a:font script="Talu" typeface="Microsoft New Tai Lue"/>
+        <a:font script="Tfng" typeface="Ebrima"/>
+      </a:minorFont>
+    </a:fontScheme>
+    <a:fmtScheme name="Office">
+      <a:fillStyleLst>
+        <a:solidFill>
+          <a:schemeClr val="phClr"/>
+        </a:solidFill>
+        <a:gradFill rotWithShape="1">
+          <a:gsLst>
+            <a:gs pos="0">
+              <a:schemeClr val="phClr">
+                <a:lumMod val="110000"/>
+                <a:satMod val="105000"/>
+                <a:tint val="67000"/>
+              </a:schemeClr>
+            </a:gs>
+            <a:gs pos="50000">
+              <a:schemeClr val="phClr">
+                <a:lumMod val="105000"/>
+                <a:satMod val="103000"/>
+                <a:tint val="73000"/>
+              </a:schemeClr>
+            </a:gs>
+            <a:gs pos="100000">
+              <a:schemeClr val="phClr">
+                <a:lumMod val="105000"/>
+                <a:satMod val="109000"/>
+                <a:tint val="81000"/>
+              </a:schemeClr>
+            </a:gs>
+          </a:gsLst>
+          <a:lin ang="5400000" scaled="0"/>
+        </a:gradFill>
+        <a:gradFill rotWithShape="1">
+          <a:gsLst>
+            <a:gs pos="0">
+              <a:schemeClr val="phClr">
+                <a:satMod val="103000"/>
+                <a:lumMod val="102000"/>
+                <a:tint val="94000"/>
+              </a:schemeClr>
+            </a:gs>
+            <a:gs pos="50000">
+              <a:schemeClr val="phClr">
+                <a:satMod val="110000"/>
+                <a:lumMod val="100000"/>
+                <a:shade val="100000"/>
+              </a:schemeClr>
+            </a:gs>
+            <a:gs pos="100000">
+              <a:schemeClr val="phClr">
+                <a:lumMod val="99000"/>
+                <a:satMod val="120000"/>
+                <a:shade val="78000"/>
+              </a:schemeClr>
+            </a:gs>
+          </a:gsLst>
+          <a:lin ang="5400000" scaled="0"/>
+        </a:gradFill>
+      </a:fillStyleLst>
+      <a:lnStyleLst>
+        <a:ln w="6350" cap="flat" cmpd="sng" algn="ctr">
+          <a:solidFill>
+            <a:schemeClr val="phClr"/>
+          </a:solidFill>
+          <a:prstDash val="solid"/>
+          <a:miter lim="800000"/>
+        </a:ln>
+        <a:ln w="12700" cap="flat" cmpd="sng" algn="ctr">
+          <a:solidFill>
+            <a:schemeClr val="phClr"/>
+          </a:solidFill>
+          <a:prstDash val="solid"/>
+          <a:miter lim="800000"/>
+        </a:ln>
+        <a:ln w="19050" cap="flat" cmpd="sng" algn="ctr">
+          <a:solidFill>
+            <a:schemeClr val="phClr"/>
+          </a:solidFill>
+          <a:prstDash val="solid"/>
+          <a:miter lim="800000"/>
+        </a:ln>
+      </a:lnStyleLst>
+      <a:effectStyleLst>
+        <a:effectStyle>
+          <a:effectLst/>
+        </a:effectStyle>
+        <a:effectStyle>
+          <a:effectLst/>
+        </a:effectStyle>
+        <a:effectStyle>
+          <a:effectLst>
+            <a:outerShdw blurRad="57150" dist="19050" dir="5400000" algn="ctr" rotWithShape="0">
+              <a:srgbClr val="000000">
+                <a:alpha val="63000"/>
+              </a:srgbClr>
+            </a:outerShdw>
+          </a:effectLst>
+        </a:effectStyle>
+      </a:effectStyleLst>
+      <a:bgFillStyleLst>
+        <a:solidFill>
+          <a:schemeClr val="phClr"/>
+        </a:solidFill>
+        <a:solidFill>
+          <a:schemeClr val="phClr">
+            <a:tint val="95000"/>
+            <a:satMod val="170000"/>
+          </a:schemeClr>
+        </a:solidFill>
+        <a:gradFill rotWithShape="1">
+          <a:gsLst>
+            <a:gs pos="0">
+              <a:schemeClr val="phClr">
+                <a:tint val="93000"/>
+                <a:satMod val="150000"/>
+                <a:shade val="98000"/>
+                <a:lumMod val="102000"/>
+              </a:schemeClr>
+            </a:gs>
+            <a:gs pos="50000">
+              <a:schemeClr val="phClr">
+                <a:tint val="98000"/>
+                <a:satMod val="130000"/>
+                <a:shade val="90000"/>
+                <a:lumMod val="103000"/>
+              </a:schemeClr>
+            </a:gs>
+            <a:gs pos="100000">
+              <a:schemeClr val="phClr">
+                <a:shade val="63000"/>
+                <a:satMod val="120000"/>
+              </a:schemeClr>
+            </a:gs>
+          </a:gsLst>
+          <a:lin ang="5400000" scaled="0"/>
+        </a:gradFill>
+      </a:bgFillStyleLst>
+    </a:fmtScheme>
+  </a:themeElements>
+  <a:objectDefaults/>
+  <a:extraClrSchemeLst/>
+  <a:extLst>
+    <a:ext uri="{05A4C25C-085E-4340-85A3-A5531E510DB2}">
+      <thm15:themeFamily xmlns:thm15="http://schemas.microsoft.com/office/thememl/2012/main" name="Office Theme" id="{62F939B6-93AF-4DB8-9C6B-D6C7DFDC589F}" vid="{4A3C46E8-61CC-4603-A589-7422A47A8E4A}"/>
+    </a:ext>
+  </a:extLst>
+</a:theme>
 </file>